--- a/doc/programming_project_slides.pptx
+++ b/doc/programming_project_slides.pptx
@@ -11,12 +11,13 @@
     <p:sldId id="267" r:id="rId5"/>
     <p:sldId id="260" r:id="rId6"/>
     <p:sldId id="262" r:id="rId7"/>
-    <p:sldId id="268" r:id="rId8"/>
-    <p:sldId id="263" r:id="rId9"/>
-    <p:sldId id="269" r:id="rId10"/>
-    <p:sldId id="265" r:id="rId11"/>
-    <p:sldId id="264" r:id="rId12"/>
-    <p:sldId id="266" r:id="rId13"/>
+    <p:sldId id="270" r:id="rId8"/>
+    <p:sldId id="269" r:id="rId9"/>
+    <p:sldId id="265" r:id="rId10"/>
+    <p:sldId id="264" r:id="rId11"/>
+    <p:sldId id="266" r:id="rId12"/>
+    <p:sldId id="271" r:id="rId13"/>
+    <p:sldId id="272" r:id="rId14"/>
   </p:sldIdLst>
   <p:sldSz cx="9144000" cy="6858000" type="screen4x3"/>
   <p:notesSz cx="6858000" cy="9144000"/>
@@ -116,6 +117,31 @@
     </a:lvl9pPr>
   </p:defaultTextStyle>
   <p:extLst>
+    <p:ext uri="{521415D9-36F7-43E2-AB2F-B90AF26B5E84}">
+      <p14:sectionLst xmlns:p14="http://schemas.microsoft.com/office/powerpoint/2010/main">
+        <p14:section name="Standardabschnitt" id="{B0EB8A6A-51F2-4E21-9B83-0D17A1994C12}">
+          <p14:sldIdLst>
+            <p14:sldId id="256"/>
+            <p14:sldId id="258"/>
+            <p14:sldId id="259"/>
+            <p14:sldId id="267"/>
+            <p14:sldId id="260"/>
+            <p14:sldId id="262"/>
+            <p14:sldId id="270"/>
+            <p14:sldId id="269"/>
+            <p14:sldId id="265"/>
+            <p14:sldId id="264"/>
+            <p14:sldId id="266"/>
+          </p14:sldIdLst>
+        </p14:section>
+        <p14:section name="Backup slides" id="{BA8B69EF-7F79-461F-8FB1-B19C614F19F6}">
+          <p14:sldIdLst>
+            <p14:sldId id="271"/>
+            <p14:sldId id="272"/>
+          </p14:sldIdLst>
+        </p14:section>
+      </p14:sectionLst>
+    </p:ext>
     <p:ext uri="{EFAFB233-063F-42B5-8137-9DF3F51BA10A}">
       <p15:sldGuideLst xmlns:p15="http://schemas.microsoft.com/office/powerpoint/2012/main">
         <p15:guide id="1" orient="horz" pos="2160">
@@ -360,7 +386,7 @@
           <a:p>
             <a:fld id="{96DFF08F-DC6B-4601-B491-B0F83F6DD2DA}" type="datetimeFigureOut">
               <a:rPr lang="en-US" smtClean="0"/>
-              <a:t>7/10/2016</a:t>
+              <a:t>7/11/2016</a:t>
             </a:fld>
             <a:endParaRPr lang="en-US" dirty="0"/>
           </a:p>
@@ -568,7 +594,7 @@
           <a:p>
             <a:fld id="{96DFF08F-DC6B-4601-B491-B0F83F6DD2DA}" type="datetimeFigureOut">
               <a:rPr lang="en-US" smtClean="0"/>
-              <a:t>7/10/2016</a:t>
+              <a:t>7/11/2016</a:t>
             </a:fld>
             <a:endParaRPr lang="en-US" dirty="0"/>
           </a:p>
@@ -824,7 +850,7 @@
           <a:p>
             <a:fld id="{96DFF08F-DC6B-4601-B491-B0F83F6DD2DA}" type="datetimeFigureOut">
               <a:rPr lang="en-US" smtClean="0"/>
-              <a:t>7/10/2016</a:t>
+              <a:t>7/11/2016</a:t>
             </a:fld>
             <a:endParaRPr lang="en-US" dirty="0"/>
           </a:p>
@@ -994,7 +1020,7 @@
           <a:p>
             <a:fld id="{D62CEF3B-A037-46D0-B02C-1428F07E9383}" type="datetimeFigureOut">
               <a:rPr lang="en-US" smtClean="0"/>
-              <a:t>7/10/2016</a:t>
+              <a:t>7/11/2016</a:t>
             </a:fld>
             <a:endParaRPr lang="en-US" dirty="0"/>
           </a:p>
@@ -1337,7 +1363,7 @@
           <a:p>
             <a:fld id="{96DFF08F-DC6B-4601-B491-B0F83F6DD2DA}" type="datetimeFigureOut">
               <a:rPr lang="en-US" smtClean="0"/>
-              <a:t>7/10/2016</a:t>
+              <a:t>7/11/2016</a:t>
             </a:fld>
             <a:endParaRPr lang="en-US" dirty="0"/>
           </a:p>
@@ -1612,7 +1638,7 @@
           <a:p>
             <a:fld id="{96DFF08F-DC6B-4601-B491-B0F83F6DD2DA}" type="datetimeFigureOut">
               <a:rPr lang="en-US" smtClean="0"/>
-              <a:t>7/10/2016</a:t>
+              <a:t>7/11/2016</a:t>
             </a:fld>
             <a:endParaRPr lang="en-US" dirty="0"/>
           </a:p>
@@ -1991,7 +2017,7 @@
           <a:p>
             <a:fld id="{96DFF08F-DC6B-4601-B491-B0F83F6DD2DA}" type="datetimeFigureOut">
               <a:rPr lang="en-US" smtClean="0"/>
-              <a:t>7/10/2016</a:t>
+              <a:t>7/11/2016</a:t>
             </a:fld>
             <a:endParaRPr lang="en-US" dirty="0"/>
           </a:p>
@@ -2109,7 +2135,7 @@
           <a:p>
             <a:fld id="{96DFF08F-DC6B-4601-B491-B0F83F6DD2DA}" type="datetimeFigureOut">
               <a:rPr lang="en-US" smtClean="0"/>
-              <a:t>7/10/2016</a:t>
+              <a:t>7/11/2016</a:t>
             </a:fld>
             <a:endParaRPr lang="en-US" dirty="0"/>
           </a:p>
@@ -2281,7 +2307,7 @@
             <a:fld id="{96DFF08F-DC6B-4601-B491-B0F83F6DD2DA}" type="datetimeFigureOut">
               <a:rPr lang="en-US" smtClean="0"/>
               <a:pPr/>
-              <a:t>7/10/2016</a:t>
+              <a:t>7/11/2016</a:t>
             </a:fld>
             <a:endParaRPr lang="en-US" dirty="0"/>
           </a:p>
@@ -2637,7 +2663,7 @@
             <a:fld id="{96DFF08F-DC6B-4601-B491-B0F83F6DD2DA}" type="datetimeFigureOut">
               <a:rPr lang="en-US" smtClean="0"/>
               <a:pPr/>
-              <a:t>7/10/2016</a:t>
+              <a:t>7/11/2016</a:t>
             </a:fld>
             <a:endParaRPr lang="en-US" dirty="0"/>
           </a:p>
@@ -3015,7 +3041,7 @@
           <a:p>
             <a:fld id="{96DFF08F-DC6B-4601-B491-B0F83F6DD2DA}" type="datetimeFigureOut">
               <a:rPr lang="en-US" smtClean="0"/>
-              <a:t>7/10/2016</a:t>
+              <a:t>7/11/2016</a:t>
             </a:fld>
             <a:endParaRPr lang="en-US" dirty="0"/>
           </a:p>
@@ -3303,7 +3329,7 @@
             <a:fld id="{96DFF08F-DC6B-4601-B491-B0F83F6DD2DA}" type="datetimeFigureOut">
               <a:rPr lang="en-US" smtClean="0"/>
               <a:pPr/>
-              <a:t>7/10/2016</a:t>
+              <a:t>7/11/2016</a:t>
             </a:fld>
             <a:endParaRPr lang="en-US" dirty="0"/>
           </a:p>
@@ -3942,149 +3968,6 @@
           <a:p>
             <a:r>
               <a:rPr lang="de-DE" dirty="0" err="1"/>
-              <a:t>Testing</a:t>
-            </a:r>
-            <a:endParaRPr lang="de-DE" dirty="0"/>
-          </a:p>
-        </p:txBody>
-      </p:sp>
-      <p:sp>
-        <p:nvSpPr>
-          <p:cNvPr id="3" name="Inhaltsplatzhalter 2"/>
-          <p:cNvSpPr>
-            <a:spLocks noGrp="1"/>
-          </p:cNvSpPr>
-          <p:nvPr>
-            <p:ph idx="1"/>
-          </p:nvPr>
-        </p:nvSpPr>
-        <p:spPr/>
-        <p:txBody>
-          <a:bodyPr/>
-          <a:lstStyle/>
-          <a:p>
-            <a:pPr lvl="1"/>
-            <a:endParaRPr lang="de-DE" dirty="0"/>
-          </a:p>
-          <a:p>
-            <a:pPr lvl="1"/>
-            <a:endParaRPr lang="de-DE" dirty="0"/>
-          </a:p>
-          <a:p>
-            <a:pPr lvl="1"/>
-            <a:r>
-              <a:rPr lang="de-DE" sz="2800" dirty="0"/>
-              <a:t>Excel </a:t>
-            </a:r>
-            <a:r>
-              <a:rPr lang="de-DE" sz="2800" dirty="0" err="1"/>
-              <a:t>file</a:t>
-            </a:r>
-            <a:r>
-              <a:rPr lang="de-DE" sz="2800" dirty="0"/>
-              <a:t> → CSV → Test </a:t>
-            </a:r>
-            <a:r>
-              <a:rPr lang="de-DE" sz="2800" dirty="0" err="1"/>
-              <a:t>data</a:t>
-            </a:r>
-            <a:endParaRPr lang="de-DE" dirty="0"/>
-          </a:p>
-          <a:p>
-            <a:pPr lvl="2">
-              <a:buFont typeface="Symbol" panose="05050102010706020507" pitchFamily="18" charset="2"/>
-              <a:buChar char="Þ"/>
-            </a:pPr>
-            <a:r>
-              <a:rPr lang="de-DE" dirty="0"/>
-              <a:t> </a:t>
-            </a:r>
-            <a:r>
-              <a:rPr lang="de-DE" sz="2400" dirty="0" err="1"/>
-              <a:t>Decoupled</a:t>
-            </a:r>
-            <a:r>
-              <a:rPr lang="de-DE" sz="2400" dirty="0"/>
-              <a:t> </a:t>
-            </a:r>
-            <a:r>
-              <a:rPr lang="de-DE" sz="2400" dirty="0" err="1"/>
-              <a:t>tests</a:t>
-            </a:r>
-            <a:r>
-              <a:rPr lang="de-DE" sz="2400" dirty="0"/>
-              <a:t>:</a:t>
-            </a:r>
-            <a:endParaRPr lang="de-DE" sz="2800" dirty="0"/>
-          </a:p>
-          <a:p>
-            <a:pPr lvl="3"/>
-            <a:r>
-              <a:rPr lang="de-DE" sz="2200" dirty="0" err="1"/>
-              <a:t>Uniformization</a:t>
-            </a:r>
-            <a:endParaRPr lang="de-DE" sz="2200" dirty="0"/>
-          </a:p>
-          <a:p>
-            <a:pPr lvl="3"/>
-            <a:r>
-              <a:rPr lang="de-DE" sz="2200" dirty="0"/>
-              <a:t>Evaluation</a:t>
-            </a:r>
-          </a:p>
-          <a:p>
-            <a:pPr lvl="1"/>
-            <a:endParaRPr lang="de-DE" sz="2800" dirty="0"/>
-          </a:p>
-        </p:txBody>
-      </p:sp>
-    </p:spTree>
-    <p:extLst>
-      <p:ext uri="{BB962C8B-B14F-4D97-AF65-F5344CB8AC3E}">
-        <p14:creationId xmlns:p14="http://schemas.microsoft.com/office/powerpoint/2010/main" val="2906383264"/>
-      </p:ext>
-    </p:extLst>
-  </p:cSld>
-  <p:clrMapOvr>
-    <a:masterClrMapping/>
-  </p:clrMapOvr>
-</p:sld>
-</file>
-
-<file path=ppt/slides/slide11.xml><?xml version="1.0" encoding="utf-8"?>
-<p:sld xmlns:a="http://schemas.openxmlformats.org/drawingml/2006/main" xmlns:r="http://schemas.openxmlformats.org/officeDocument/2006/relationships" xmlns:p="http://schemas.openxmlformats.org/presentationml/2006/main">
-  <p:cSld>
-    <p:spTree>
-      <p:nvGrpSpPr>
-        <p:cNvPr id="1" name=""/>
-        <p:cNvGrpSpPr/>
-        <p:nvPr/>
-      </p:nvGrpSpPr>
-      <p:grpSpPr>
-        <a:xfrm>
-          <a:off x="0" y="0"/>
-          <a:ext cx="0" cy="0"/>
-          <a:chOff x="0" y="0"/>
-          <a:chExt cx="0" cy="0"/>
-        </a:xfrm>
-      </p:grpSpPr>
-      <p:sp>
-        <p:nvSpPr>
-          <p:cNvPr id="2" name="Titel 1"/>
-          <p:cNvSpPr>
-            <a:spLocks noGrp="1"/>
-          </p:cNvSpPr>
-          <p:nvPr>
-            <p:ph type="title"/>
-          </p:nvPr>
-        </p:nvSpPr>
-        <p:spPr/>
-        <p:txBody>
-          <a:bodyPr/>
-          <a:lstStyle/>
-          <a:p>
-            <a:r>
-              <a:rPr lang="de-DE" dirty="0" err="1"/>
               <a:t>Visualization</a:t>
             </a:r>
             <a:endParaRPr lang="de-DE" dirty="0"/>
@@ -4127,7 +4010,7 @@
 </p:sld>
 </file>
 
-<file path=ppt/slides/slide12.xml><?xml version="1.0" encoding="utf-8"?>
+<file path=ppt/slides/slide11.xml><?xml version="1.0" encoding="utf-8"?>
 <p:sld xmlns:a="http://schemas.openxmlformats.org/drawingml/2006/main" xmlns:r="http://schemas.openxmlformats.org/officeDocument/2006/relationships" xmlns:p="http://schemas.openxmlformats.org/presentationml/2006/main">
   <p:cSld>
     <p:spTree>
@@ -4716,6 +4599,2897 @@
     <p:extLst>
       <p:ext uri="{BB962C8B-B14F-4D97-AF65-F5344CB8AC3E}">
         <p14:creationId xmlns:p14="http://schemas.microsoft.com/office/powerpoint/2010/main" val="1669460301"/>
+      </p:ext>
+    </p:extLst>
+  </p:cSld>
+  <p:clrMapOvr>
+    <a:masterClrMapping/>
+  </p:clrMapOvr>
+</p:sld>
+</file>
+
+<file path=ppt/slides/slide12.xml><?xml version="1.0" encoding="utf-8"?>
+<p:sld xmlns:a="http://schemas.openxmlformats.org/drawingml/2006/main" xmlns:r="http://schemas.openxmlformats.org/officeDocument/2006/relationships" xmlns:p="http://schemas.openxmlformats.org/presentationml/2006/main" show="0">
+  <p:cSld>
+    <p:spTree>
+      <p:nvGrpSpPr>
+        <p:cNvPr id="1" name=""/>
+        <p:cNvGrpSpPr/>
+        <p:nvPr/>
+      </p:nvGrpSpPr>
+      <p:grpSpPr>
+        <a:xfrm>
+          <a:off x="0" y="0"/>
+          <a:ext cx="0" cy="0"/>
+          <a:chOff x="0" y="0"/>
+          <a:chExt cx="0" cy="0"/>
+        </a:xfrm>
+      </p:grpSpPr>
+      <p:sp>
+        <p:nvSpPr>
+          <p:cNvPr id="2" name="Titel 1"/>
+          <p:cNvSpPr>
+            <a:spLocks noGrp="1"/>
+          </p:cNvSpPr>
+          <p:nvPr>
+            <p:ph type="title"/>
+          </p:nvPr>
+        </p:nvSpPr>
+        <p:spPr/>
+        <p:txBody>
+          <a:bodyPr/>
+          <a:lstStyle/>
+          <a:p>
+            <a:r>
+              <a:rPr lang="de-DE" dirty="0"/>
+              <a:t>Top-event </a:t>
+            </a:r>
+            <a:r>
+              <a:rPr lang="de-DE" dirty="0" err="1"/>
+              <a:t>evaluation</a:t>
+            </a:r>
+            <a:endParaRPr lang="de-DE" dirty="0"/>
+          </a:p>
+        </p:txBody>
+      </p:sp>
+      <p:sp>
+        <p:nvSpPr>
+          <p:cNvPr id="4" name="Rectangle 1"/>
+          <p:cNvSpPr>
+            <a:spLocks noChangeArrowheads="1"/>
+          </p:cNvSpPr>
+          <p:nvPr/>
+        </p:nvSpPr>
+        <p:spPr bwMode="auto">
+          <a:xfrm>
+            <a:off x="94728" y="2695557"/>
+            <a:ext cx="9049272" cy="2323713"/>
+          </a:xfrm>
+          <a:prstGeom prst="rect">
+            <a:avLst/>
+          </a:prstGeom>
+          <a:solidFill>
+            <a:srgbClr val="FFFFFF"/>
+          </a:solidFill>
+          <a:ln>
+            <a:noFill/>
+          </a:ln>
+          <a:effectLst/>
+          <a:extLst>
+            <a:ext uri="{91240B29-F687-4f45-9708-019B960494DF}">
+              <a14:hiddenLine xmlns="" xmlns:a14="http://schemas.microsoft.com/office/drawing/2010/main" w="9525">
+                <a:solidFill>
+                  <a:schemeClr val="tx1"/>
+                </a:solidFill>
+                <a:miter lim="800000"/>
+                <a:headEnd/>
+                <a:tailEnd/>
+              </a14:hiddenLine>
+            </a:ext>
+            <a:ext uri="{AF507438-7753-43e0-B8FC-AC1667EBCBE1}">
+              <a14:hiddenEffects xmlns="" xmlns:a14="http://schemas.microsoft.com/office/drawing/2010/main">
+                <a:effectLst>
+                  <a:outerShdw dist="35921" dir="2700000" algn="ctr" rotWithShape="0">
+                    <a:schemeClr val="bg2"/>
+                  </a:outerShdw>
+                </a:effectLst>
+              </a14:hiddenEffects>
+            </a:ext>
+          </a:extLst>
+        </p:spPr>
+        <p:txBody>
+          <a:bodyPr vert="horz" wrap="none" lIns="91440" tIns="45720" rIns="91440" bIns="45720" numCol="1" anchor="ctr" anchorCtr="0" compatLnSpc="1">
+            <a:prstTxWarp prst="textNoShape">
+              <a:avLst/>
+            </a:prstTxWarp>
+            <a:spAutoFit/>
+          </a:bodyPr>
+          <a:lstStyle/>
+          <a:p>
+            <a:pPr marL="0" marR="0" lvl="0" indent="0" algn="l" defTabSz="914400" rtl="0" eaLnBrk="0" fontAlgn="base" latinLnBrk="0" hangingPunct="0">
+              <a:lnSpc>
+                <a:spcPct val="100000"/>
+              </a:lnSpc>
+              <a:spcBef>
+                <a:spcPct val="0"/>
+              </a:spcBef>
+              <a:spcAft>
+                <a:spcPct val="0"/>
+              </a:spcAft>
+              <a:buClrTx/>
+              <a:buSzTx/>
+              <a:buFontTx/>
+              <a:buNone/>
+              <a:tabLst/>
+            </a:pPr>
+            <a:r>
+              <a:rPr kumimoji="0" lang="de-DE" altLang="de-DE" sz="1450" b="1" i="0" u="none" strike="noStrike" cap="none" normalizeH="0" baseline="0" dirty="0" err="1">
+                <a:ln>
+                  <a:noFill/>
+                </a:ln>
+                <a:solidFill>
+                  <a:srgbClr val="000080"/>
+                </a:solidFill>
+                <a:effectLst/>
+                <a:latin typeface="Courier New" panose="02070309020205020404" pitchFamily="49" charset="0"/>
+                <a:cs typeface="Courier New" panose="02070309020205020404" pitchFamily="49" charset="0"/>
+              </a:rPr>
+              <a:t>val</a:t>
+            </a:r>
+            <a:r>
+              <a:rPr kumimoji="0" lang="de-DE" altLang="de-DE" sz="1450" b="1" i="0" u="none" strike="noStrike" cap="none" normalizeH="0" baseline="0" dirty="0">
+                <a:ln>
+                  <a:noFill/>
+                </a:ln>
+                <a:solidFill>
+                  <a:srgbClr val="000080"/>
+                </a:solidFill>
+                <a:effectLst/>
+                <a:latin typeface="Courier New" panose="02070309020205020404" pitchFamily="49" charset="0"/>
+                <a:cs typeface="Courier New" panose="02070309020205020404" pitchFamily="49" charset="0"/>
+              </a:rPr>
+              <a:t> </a:t>
+            </a:r>
+            <a:r>
+              <a:rPr kumimoji="0" lang="de-DE" altLang="de-DE" sz="1450" b="0" i="0" u="none" strike="noStrike" cap="none" normalizeH="0" baseline="0" dirty="0" err="1">
+                <a:ln>
+                  <a:noFill/>
+                </a:ln>
+                <a:solidFill>
+                  <a:srgbClr val="000000"/>
+                </a:solidFill>
+                <a:effectLst/>
+                <a:latin typeface="Courier New" panose="02070309020205020404" pitchFamily="49" charset="0"/>
+                <a:cs typeface="Courier New" panose="02070309020205020404" pitchFamily="49" charset="0"/>
+              </a:rPr>
+              <a:t>current</a:t>
+            </a:r>
+            <a:r>
+              <a:rPr kumimoji="0" lang="de-DE" altLang="de-DE" sz="1450" b="0" i="0" u="none" strike="noStrike" cap="none" normalizeH="0" baseline="0" dirty="0">
+                <a:ln>
+                  <a:noFill/>
+                </a:ln>
+                <a:solidFill>
+                  <a:srgbClr val="000000"/>
+                </a:solidFill>
+                <a:effectLst/>
+                <a:latin typeface="Courier New" panose="02070309020205020404" pitchFamily="49" charset="0"/>
+                <a:cs typeface="Courier New" panose="02070309020205020404" pitchFamily="49" charset="0"/>
+              </a:rPr>
+              <a:t> = </a:t>
+            </a:r>
+            <a:r>
+              <a:rPr kumimoji="0" lang="de-DE" altLang="de-DE" sz="1450" b="0" i="0" u="none" strike="noStrike" cap="none" normalizeH="0" baseline="0" dirty="0" err="1">
+                <a:ln>
+                  <a:noFill/>
+                </a:ln>
+                <a:solidFill>
+                  <a:srgbClr val="000000"/>
+                </a:solidFill>
+                <a:effectLst/>
+                <a:latin typeface="Courier New" panose="02070309020205020404" pitchFamily="49" charset="0"/>
+                <a:cs typeface="Courier New" panose="02070309020205020404" pitchFamily="49" charset="0"/>
+              </a:rPr>
+              <a:t>node.</a:t>
+            </a:r>
+            <a:r>
+              <a:rPr kumimoji="0" lang="de-DE" altLang="de-DE" sz="1450" b="1" i="0" u="none" strike="noStrike" cap="none" normalizeH="0" baseline="0" dirty="0" err="1">
+                <a:ln>
+                  <a:noFill/>
+                </a:ln>
+                <a:solidFill>
+                  <a:srgbClr val="660E7A"/>
+                </a:solidFill>
+                <a:effectLst/>
+                <a:latin typeface="Courier New" panose="02070309020205020404" pitchFamily="49" charset="0"/>
+                <a:cs typeface="Courier New" panose="02070309020205020404" pitchFamily="49" charset="0"/>
+              </a:rPr>
+              <a:t>probabilities</a:t>
+            </a:r>
+            <a:r>
+              <a:rPr kumimoji="0" lang="de-DE" altLang="de-DE" sz="1450" b="0" i="0" u="none" strike="noStrike" cap="none" normalizeH="0" baseline="0" dirty="0" err="1">
+                <a:ln>
+                  <a:noFill/>
+                </a:ln>
+                <a:solidFill>
+                  <a:srgbClr val="000000"/>
+                </a:solidFill>
+                <a:effectLst/>
+                <a:latin typeface="Courier New" panose="02070309020205020404" pitchFamily="49" charset="0"/>
+                <a:cs typeface="Courier New" panose="02070309020205020404" pitchFamily="49" charset="0"/>
+              </a:rPr>
+              <a:t>.</a:t>
+            </a:r>
+            <a:r>
+              <a:rPr kumimoji="0" lang="de-DE" altLang="de-DE" sz="1450" b="0" i="1" u="none" strike="noStrike" cap="none" normalizeH="0" baseline="0" dirty="0" err="1">
+                <a:ln>
+                  <a:noFill/>
+                </a:ln>
+                <a:solidFill>
+                  <a:srgbClr val="000000"/>
+                </a:solidFill>
+                <a:effectLst/>
+                <a:latin typeface="Courier New" panose="02070309020205020404" pitchFamily="49" charset="0"/>
+                <a:cs typeface="Courier New" panose="02070309020205020404" pitchFamily="49" charset="0"/>
+              </a:rPr>
+              <a:t>asSequence</a:t>
+            </a:r>
+            <a:r>
+              <a:rPr kumimoji="0" lang="de-DE" altLang="de-DE" sz="1450" b="0" i="0" u="none" strike="noStrike" cap="none" normalizeH="0" baseline="0" dirty="0">
+                <a:ln>
+                  <a:noFill/>
+                </a:ln>
+                <a:solidFill>
+                  <a:srgbClr val="000000"/>
+                </a:solidFill>
+                <a:effectLst/>
+                <a:latin typeface="Courier New" panose="02070309020205020404" pitchFamily="49" charset="0"/>
+                <a:cs typeface="Courier New" panose="02070309020205020404" pitchFamily="49" charset="0"/>
+              </a:rPr>
+              <a:t>()</a:t>
+            </a:r>
+            <a:br>
+              <a:rPr kumimoji="0" lang="de-DE" altLang="de-DE" sz="1450" b="0" i="0" u="none" strike="noStrike" cap="none" normalizeH="0" baseline="0" dirty="0">
+                <a:ln>
+                  <a:noFill/>
+                </a:ln>
+                <a:solidFill>
+                  <a:srgbClr val="000000"/>
+                </a:solidFill>
+                <a:effectLst/>
+                <a:latin typeface="Courier New" panose="02070309020205020404" pitchFamily="49" charset="0"/>
+                <a:cs typeface="Courier New" panose="02070309020205020404" pitchFamily="49" charset="0"/>
+              </a:rPr>
+            </a:br>
+            <a:r>
+              <a:rPr kumimoji="0" lang="de-DE" altLang="de-DE" sz="1450" b="1" i="0" u="none" strike="noStrike" cap="none" normalizeH="0" baseline="0" dirty="0" err="1">
+                <a:ln>
+                  <a:noFill/>
+                </a:ln>
+                <a:solidFill>
+                  <a:srgbClr val="000080"/>
+                </a:solidFill>
+                <a:effectLst/>
+                <a:latin typeface="Courier New" panose="02070309020205020404" pitchFamily="49" charset="0"/>
+                <a:cs typeface="Courier New" panose="02070309020205020404" pitchFamily="49" charset="0"/>
+              </a:rPr>
+              <a:t>val</a:t>
+            </a:r>
+            <a:r>
+              <a:rPr kumimoji="0" lang="de-DE" altLang="de-DE" sz="1450" b="1" i="0" u="none" strike="noStrike" cap="none" normalizeH="0" baseline="0" dirty="0">
+                <a:ln>
+                  <a:noFill/>
+                </a:ln>
+                <a:solidFill>
+                  <a:srgbClr val="000080"/>
+                </a:solidFill>
+                <a:effectLst/>
+                <a:latin typeface="Courier New" panose="02070309020205020404" pitchFamily="49" charset="0"/>
+                <a:cs typeface="Courier New" panose="02070309020205020404" pitchFamily="49" charset="0"/>
+              </a:rPr>
+              <a:t> </a:t>
+            </a:r>
+            <a:r>
+              <a:rPr kumimoji="0" lang="de-DE" altLang="de-DE" sz="1450" b="0" i="0" u="none" strike="noStrike" cap="none" normalizeH="0" baseline="0" dirty="0">
+                <a:ln>
+                  <a:noFill/>
+                </a:ln>
+                <a:solidFill>
+                  <a:srgbClr val="000000"/>
+                </a:solidFill>
+                <a:effectLst/>
+                <a:latin typeface="Courier New" panose="02070309020205020404" pitchFamily="49" charset="0"/>
+                <a:cs typeface="Courier New" panose="02070309020205020404" pitchFamily="49" charset="0"/>
+              </a:rPr>
+              <a:t>g2 = </a:t>
+            </a:r>
+            <a:r>
+              <a:rPr kumimoji="0" lang="de-DE" altLang="de-DE" sz="1450" b="0" i="0" u="none" strike="noStrike" cap="none" normalizeH="0" baseline="0" dirty="0" err="1">
+                <a:ln>
+                  <a:noFill/>
+                </a:ln>
+                <a:solidFill>
+                  <a:srgbClr val="000000"/>
+                </a:solidFill>
+                <a:effectLst/>
+                <a:latin typeface="Courier New" panose="02070309020205020404" pitchFamily="49" charset="0"/>
+                <a:cs typeface="Courier New" panose="02070309020205020404" pitchFamily="49" charset="0"/>
+              </a:rPr>
+              <a:t>constructFormulaTopDown</a:t>
+            </a:r>
+            <a:r>
+              <a:rPr kumimoji="0" lang="de-DE" altLang="de-DE" sz="1450" b="0" i="0" u="none" strike="noStrike" cap="none" normalizeH="0" baseline="0" dirty="0">
+                <a:ln>
+                  <a:noFill/>
+                </a:ln>
+                <a:solidFill>
+                  <a:srgbClr val="000000"/>
+                </a:solidFill>
+                <a:effectLst/>
+                <a:latin typeface="Courier New" panose="02070309020205020404" pitchFamily="49" charset="0"/>
+                <a:cs typeface="Courier New" panose="02070309020205020404" pitchFamily="49" charset="0"/>
+              </a:rPr>
+              <a:t>(</a:t>
+            </a:r>
+            <a:r>
+              <a:rPr kumimoji="0" lang="de-DE" altLang="de-DE" sz="1450" b="0" i="0" u="none" strike="noStrike" cap="none" normalizeH="0" baseline="0" dirty="0" err="1">
+                <a:ln>
+                  <a:noFill/>
+                </a:ln>
+                <a:solidFill>
+                  <a:srgbClr val="000000"/>
+                </a:solidFill>
+                <a:effectLst/>
+                <a:latin typeface="Courier New" panose="02070309020205020404" pitchFamily="49" charset="0"/>
+                <a:cs typeface="Courier New" panose="02070309020205020404" pitchFamily="49" charset="0"/>
+              </a:rPr>
+              <a:t>node.</a:t>
+            </a:r>
+            <a:r>
+              <a:rPr kumimoji="0" lang="de-DE" altLang="de-DE" sz="1450" b="1" i="0" u="none" strike="noStrike" cap="none" normalizeH="0" baseline="0" dirty="0" err="1">
+                <a:ln>
+                  <a:noFill/>
+                </a:ln>
+                <a:solidFill>
+                  <a:srgbClr val="660E7A"/>
+                </a:solidFill>
+                <a:effectLst/>
+                <a:latin typeface="Courier New" panose="02070309020205020404" pitchFamily="49" charset="0"/>
+                <a:cs typeface="Courier New" panose="02070309020205020404" pitchFamily="49" charset="0"/>
+              </a:rPr>
+              <a:t>lowChild</a:t>
+            </a:r>
+            <a:r>
+              <a:rPr kumimoji="0" lang="de-DE" altLang="de-DE" sz="1450" b="0" i="0" u="none" strike="noStrike" cap="none" normalizeH="0" baseline="0" dirty="0">
+                <a:ln>
+                  <a:noFill/>
+                </a:ln>
+                <a:solidFill>
+                  <a:srgbClr val="000000"/>
+                </a:solidFill>
+                <a:effectLst/>
+                <a:latin typeface="Courier New" panose="02070309020205020404" pitchFamily="49" charset="0"/>
+                <a:cs typeface="Courier New" panose="02070309020205020404" pitchFamily="49" charset="0"/>
+              </a:rPr>
+              <a:t>)</a:t>
+            </a:r>
+            <a:br>
+              <a:rPr kumimoji="0" lang="de-DE" altLang="de-DE" sz="1450" b="0" i="0" u="none" strike="noStrike" cap="none" normalizeH="0" baseline="0" dirty="0">
+                <a:ln>
+                  <a:noFill/>
+                </a:ln>
+                <a:solidFill>
+                  <a:srgbClr val="000000"/>
+                </a:solidFill>
+                <a:effectLst/>
+                <a:latin typeface="Courier New" panose="02070309020205020404" pitchFamily="49" charset="0"/>
+                <a:cs typeface="Courier New" panose="02070309020205020404" pitchFamily="49" charset="0"/>
+              </a:rPr>
+            </a:br>
+            <a:r>
+              <a:rPr kumimoji="0" lang="de-DE" altLang="de-DE" sz="1450" b="1" i="0" u="none" strike="noStrike" cap="none" normalizeH="0" baseline="0" dirty="0" err="1">
+                <a:ln>
+                  <a:noFill/>
+                </a:ln>
+                <a:solidFill>
+                  <a:srgbClr val="000080"/>
+                </a:solidFill>
+                <a:effectLst/>
+                <a:latin typeface="Courier New" panose="02070309020205020404" pitchFamily="49" charset="0"/>
+                <a:cs typeface="Courier New" panose="02070309020205020404" pitchFamily="49" charset="0"/>
+              </a:rPr>
+              <a:t>val</a:t>
+            </a:r>
+            <a:r>
+              <a:rPr kumimoji="0" lang="de-DE" altLang="de-DE" sz="1450" b="1" i="0" u="none" strike="noStrike" cap="none" normalizeH="0" baseline="0" dirty="0">
+                <a:ln>
+                  <a:noFill/>
+                </a:ln>
+                <a:solidFill>
+                  <a:srgbClr val="000080"/>
+                </a:solidFill>
+                <a:effectLst/>
+                <a:latin typeface="Courier New" panose="02070309020205020404" pitchFamily="49" charset="0"/>
+                <a:cs typeface="Courier New" panose="02070309020205020404" pitchFamily="49" charset="0"/>
+              </a:rPr>
+              <a:t> </a:t>
+            </a:r>
+            <a:r>
+              <a:rPr kumimoji="0" lang="de-DE" altLang="de-DE" sz="1450" b="0" i="0" u="none" strike="noStrike" cap="none" normalizeH="0" baseline="0" dirty="0">
+                <a:ln>
+                  <a:noFill/>
+                </a:ln>
+                <a:solidFill>
+                  <a:srgbClr val="000000"/>
+                </a:solidFill>
+                <a:effectLst/>
+                <a:latin typeface="Courier New" panose="02070309020205020404" pitchFamily="49" charset="0"/>
+                <a:cs typeface="Courier New" panose="02070309020205020404" pitchFamily="49" charset="0"/>
+              </a:rPr>
+              <a:t>g1_x1 = </a:t>
+            </a:r>
+            <a:r>
+              <a:rPr kumimoji="0" lang="de-DE" altLang="de-DE" sz="1450" b="0" i="0" u="none" strike="noStrike" cap="none" normalizeH="0" baseline="0" dirty="0" err="1">
+                <a:ln>
+                  <a:noFill/>
+                </a:ln>
+                <a:solidFill>
+                  <a:srgbClr val="000000"/>
+                </a:solidFill>
+                <a:effectLst/>
+                <a:latin typeface="Courier New" panose="02070309020205020404" pitchFamily="49" charset="0"/>
+                <a:cs typeface="Courier New" panose="02070309020205020404" pitchFamily="49" charset="0"/>
+              </a:rPr>
+              <a:t>getHigh</a:t>
+            </a:r>
+            <a:r>
+              <a:rPr kumimoji="0" lang="de-DE" altLang="de-DE" sz="1450" b="0" i="0" u="none" strike="noStrike" cap="none" normalizeH="0" baseline="0" dirty="0">
+                <a:ln>
+                  <a:noFill/>
+                </a:ln>
+                <a:solidFill>
+                  <a:srgbClr val="000000"/>
+                </a:solidFill>
+                <a:effectLst/>
+                <a:latin typeface="Courier New" panose="02070309020205020404" pitchFamily="49" charset="0"/>
+                <a:cs typeface="Courier New" panose="02070309020205020404" pitchFamily="49" charset="0"/>
+              </a:rPr>
+              <a:t>(</a:t>
+            </a:r>
+            <a:r>
+              <a:rPr kumimoji="0" lang="de-DE" altLang="de-DE" sz="1450" b="0" i="0" u="none" strike="noStrike" cap="none" normalizeH="0" baseline="0" dirty="0" err="1">
+                <a:ln>
+                  <a:noFill/>
+                </a:ln>
+                <a:solidFill>
+                  <a:srgbClr val="000000"/>
+                </a:solidFill>
+                <a:effectLst/>
+                <a:latin typeface="Courier New" panose="02070309020205020404" pitchFamily="49" charset="0"/>
+                <a:cs typeface="Courier New" panose="02070309020205020404" pitchFamily="49" charset="0"/>
+              </a:rPr>
+              <a:t>node</a:t>
+            </a:r>
+            <a:r>
+              <a:rPr kumimoji="0" lang="de-DE" altLang="de-DE" sz="1450" b="0" i="0" u="none" strike="noStrike" cap="none" normalizeH="0" baseline="0" dirty="0">
+                <a:ln>
+                  <a:noFill/>
+                </a:ln>
+                <a:solidFill>
+                  <a:srgbClr val="000000"/>
+                </a:solidFill>
+                <a:effectLst/>
+                <a:latin typeface="Courier New" panose="02070309020205020404" pitchFamily="49" charset="0"/>
+                <a:cs typeface="Courier New" panose="02070309020205020404" pitchFamily="49" charset="0"/>
+              </a:rPr>
+              <a:t>)</a:t>
+            </a:r>
+            <a:br>
+              <a:rPr kumimoji="0" lang="de-DE" altLang="de-DE" sz="1450" b="0" i="0" u="none" strike="noStrike" cap="none" normalizeH="0" baseline="0" dirty="0">
+                <a:ln>
+                  <a:noFill/>
+                </a:ln>
+                <a:solidFill>
+                  <a:srgbClr val="000000"/>
+                </a:solidFill>
+                <a:effectLst/>
+                <a:latin typeface="Courier New" panose="02070309020205020404" pitchFamily="49" charset="0"/>
+                <a:cs typeface="Courier New" panose="02070309020205020404" pitchFamily="49" charset="0"/>
+              </a:rPr>
+            </a:br>
+            <a:br>
+              <a:rPr kumimoji="0" lang="de-DE" altLang="de-DE" sz="1450" b="0" i="0" u="none" strike="noStrike" cap="none" normalizeH="0" baseline="0" dirty="0">
+                <a:ln>
+                  <a:noFill/>
+                </a:ln>
+                <a:solidFill>
+                  <a:srgbClr val="000000"/>
+                </a:solidFill>
+                <a:effectLst/>
+                <a:latin typeface="Courier New" panose="02070309020205020404" pitchFamily="49" charset="0"/>
+                <a:cs typeface="Courier New" panose="02070309020205020404" pitchFamily="49" charset="0"/>
+              </a:rPr>
+            </a:br>
+            <a:r>
+              <a:rPr kumimoji="0" lang="de-DE" altLang="de-DE" sz="1450" b="1" i="0" u="none" strike="noStrike" cap="none" normalizeH="0" baseline="0" dirty="0" err="1">
+                <a:ln>
+                  <a:noFill/>
+                </a:ln>
+                <a:solidFill>
+                  <a:srgbClr val="000080"/>
+                </a:solidFill>
+                <a:effectLst/>
+                <a:latin typeface="Courier New" panose="02070309020205020404" pitchFamily="49" charset="0"/>
+                <a:cs typeface="Courier New" panose="02070309020205020404" pitchFamily="49" charset="0"/>
+              </a:rPr>
+              <a:t>if</a:t>
+            </a:r>
+            <a:r>
+              <a:rPr kumimoji="0" lang="de-DE" altLang="de-DE" sz="1450" b="1" i="0" u="none" strike="noStrike" cap="none" normalizeH="0" baseline="0" dirty="0">
+                <a:ln>
+                  <a:noFill/>
+                </a:ln>
+                <a:solidFill>
+                  <a:srgbClr val="000080"/>
+                </a:solidFill>
+                <a:effectLst/>
+                <a:latin typeface="Courier New" panose="02070309020205020404" pitchFamily="49" charset="0"/>
+                <a:cs typeface="Courier New" panose="02070309020205020404" pitchFamily="49" charset="0"/>
+              </a:rPr>
+              <a:t> </a:t>
+            </a:r>
+            <a:r>
+              <a:rPr kumimoji="0" lang="de-DE" altLang="de-DE" sz="1450" b="0" i="0" u="none" strike="noStrike" cap="none" normalizeH="0" baseline="0" dirty="0">
+                <a:ln>
+                  <a:noFill/>
+                </a:ln>
+                <a:solidFill>
+                  <a:srgbClr val="000000"/>
+                </a:solidFill>
+                <a:effectLst/>
+                <a:latin typeface="Courier New" panose="02070309020205020404" pitchFamily="49" charset="0"/>
+                <a:cs typeface="Courier New" panose="02070309020205020404" pitchFamily="49" charset="0"/>
+              </a:rPr>
+              <a:t>(</a:t>
+            </a:r>
+            <a:r>
+              <a:rPr kumimoji="0" lang="de-DE" altLang="de-DE" sz="1450" b="0" i="0" u="none" strike="noStrike" cap="none" normalizeH="0" baseline="0" dirty="0" err="1">
+                <a:ln>
+                  <a:noFill/>
+                </a:ln>
+                <a:solidFill>
+                  <a:srgbClr val="000000"/>
+                </a:solidFill>
+                <a:effectLst/>
+                <a:latin typeface="Courier New" panose="02070309020205020404" pitchFamily="49" charset="0"/>
+                <a:cs typeface="Courier New" panose="02070309020205020404" pitchFamily="49" charset="0"/>
+              </a:rPr>
+              <a:t>node.</a:t>
+            </a:r>
+            <a:r>
+              <a:rPr kumimoji="0" lang="de-DE" altLang="de-DE" sz="1450" b="1" i="0" u="none" strike="noStrike" cap="none" normalizeH="0" baseline="0" dirty="0" err="1">
+                <a:ln>
+                  <a:noFill/>
+                </a:ln>
+                <a:solidFill>
+                  <a:srgbClr val="660E7A"/>
+                </a:solidFill>
+                <a:effectLst/>
+                <a:latin typeface="Courier New" panose="02070309020205020404" pitchFamily="49" charset="0"/>
+                <a:cs typeface="Courier New" panose="02070309020205020404" pitchFamily="49" charset="0"/>
+              </a:rPr>
+              <a:t>isLowStateDependent</a:t>
+            </a:r>
+            <a:r>
+              <a:rPr kumimoji="0" lang="de-DE" altLang="de-DE" sz="1450" b="0" i="0" u="none" strike="noStrike" cap="none" normalizeH="0" baseline="0" dirty="0">
+                <a:ln>
+                  <a:noFill/>
+                </a:ln>
+                <a:solidFill>
+                  <a:srgbClr val="000000"/>
+                </a:solidFill>
+                <a:effectLst/>
+                <a:latin typeface="Courier New" panose="02070309020205020404" pitchFamily="49" charset="0"/>
+                <a:cs typeface="Courier New" panose="02070309020205020404" pitchFamily="49" charset="0"/>
+              </a:rPr>
+              <a:t>) {</a:t>
+            </a:r>
+            <a:br>
+              <a:rPr kumimoji="0" lang="de-DE" altLang="de-DE" sz="1450" b="0" i="0" u="none" strike="noStrike" cap="none" normalizeH="0" baseline="0" dirty="0">
+                <a:ln>
+                  <a:noFill/>
+                </a:ln>
+                <a:solidFill>
+                  <a:srgbClr val="000000"/>
+                </a:solidFill>
+                <a:effectLst/>
+                <a:latin typeface="Courier New" panose="02070309020205020404" pitchFamily="49" charset="0"/>
+                <a:cs typeface="Courier New" panose="02070309020205020404" pitchFamily="49" charset="0"/>
+              </a:rPr>
+            </a:br>
+            <a:r>
+              <a:rPr kumimoji="0" lang="de-DE" altLang="de-DE" sz="1450" b="0" i="0" u="none" strike="noStrike" cap="none" normalizeH="0" baseline="0" dirty="0">
+                <a:ln>
+                  <a:noFill/>
+                </a:ln>
+                <a:solidFill>
+                  <a:srgbClr val="000000"/>
+                </a:solidFill>
+                <a:effectLst/>
+                <a:latin typeface="Courier New" panose="02070309020205020404" pitchFamily="49" charset="0"/>
+                <a:cs typeface="Courier New" panose="02070309020205020404" pitchFamily="49" charset="0"/>
+              </a:rPr>
+              <a:t>    </a:t>
+            </a:r>
+            <a:r>
+              <a:rPr kumimoji="0" lang="de-DE" altLang="de-DE" sz="1450" b="1" i="0" u="none" strike="noStrike" cap="none" normalizeH="0" baseline="0" dirty="0" err="1">
+                <a:ln>
+                  <a:noFill/>
+                </a:ln>
+                <a:solidFill>
+                  <a:srgbClr val="000080"/>
+                </a:solidFill>
+                <a:effectLst/>
+                <a:latin typeface="Courier New" panose="02070309020205020404" pitchFamily="49" charset="0"/>
+                <a:cs typeface="Courier New" panose="02070309020205020404" pitchFamily="49" charset="0"/>
+              </a:rPr>
+              <a:t>val</a:t>
+            </a:r>
+            <a:r>
+              <a:rPr kumimoji="0" lang="de-DE" altLang="de-DE" sz="1450" b="1" i="0" u="none" strike="noStrike" cap="none" normalizeH="0" baseline="0" dirty="0">
+                <a:ln>
+                  <a:noFill/>
+                </a:ln>
+                <a:solidFill>
+                  <a:srgbClr val="000080"/>
+                </a:solidFill>
+                <a:effectLst/>
+                <a:latin typeface="Courier New" panose="02070309020205020404" pitchFamily="49" charset="0"/>
+                <a:cs typeface="Courier New" panose="02070309020205020404" pitchFamily="49" charset="0"/>
+              </a:rPr>
+              <a:t> </a:t>
+            </a:r>
+            <a:r>
+              <a:rPr kumimoji="0" lang="de-DE" altLang="de-DE" sz="1450" b="0" i="0" u="none" strike="noStrike" cap="none" normalizeH="0" baseline="0" dirty="0">
+                <a:ln>
+                  <a:noFill/>
+                </a:ln>
+                <a:solidFill>
+                  <a:srgbClr val="000000"/>
+                </a:solidFill>
+                <a:effectLst/>
+                <a:latin typeface="Courier New" panose="02070309020205020404" pitchFamily="49" charset="0"/>
+                <a:cs typeface="Courier New" panose="02070309020205020404" pitchFamily="49" charset="0"/>
+              </a:rPr>
+              <a:t>h2_x1 = </a:t>
+            </a:r>
+            <a:r>
+              <a:rPr kumimoji="0" lang="de-DE" altLang="de-DE" sz="1450" b="0" i="0" u="none" strike="noStrike" cap="none" normalizeH="0" baseline="0" dirty="0" err="1">
+                <a:ln>
+                  <a:noFill/>
+                </a:ln>
+                <a:solidFill>
+                  <a:srgbClr val="000000"/>
+                </a:solidFill>
+                <a:effectLst/>
+                <a:latin typeface="Courier New" panose="02070309020205020404" pitchFamily="49" charset="0"/>
+                <a:cs typeface="Courier New" panose="02070309020205020404" pitchFamily="49" charset="0"/>
+              </a:rPr>
+              <a:t>getIndependentLow</a:t>
+            </a:r>
+            <a:r>
+              <a:rPr kumimoji="0" lang="de-DE" altLang="de-DE" sz="1450" b="0" i="0" u="none" strike="noStrike" cap="none" normalizeH="0" baseline="0" dirty="0">
+                <a:ln>
+                  <a:noFill/>
+                </a:ln>
+                <a:solidFill>
+                  <a:srgbClr val="000000"/>
+                </a:solidFill>
+                <a:effectLst/>
+                <a:latin typeface="Courier New" panose="02070309020205020404" pitchFamily="49" charset="0"/>
+                <a:cs typeface="Courier New" panose="02070309020205020404" pitchFamily="49" charset="0"/>
+              </a:rPr>
+              <a:t>(</a:t>
+            </a:r>
+            <a:r>
+              <a:rPr kumimoji="0" lang="de-DE" altLang="de-DE" sz="1450" b="0" i="0" u="none" strike="noStrike" cap="none" normalizeH="0" baseline="0" dirty="0" err="1">
+                <a:ln>
+                  <a:noFill/>
+                </a:ln>
+                <a:solidFill>
+                  <a:srgbClr val="000000"/>
+                </a:solidFill>
+                <a:effectLst/>
+                <a:latin typeface="Courier New" panose="02070309020205020404" pitchFamily="49" charset="0"/>
+                <a:cs typeface="Courier New" panose="02070309020205020404" pitchFamily="49" charset="0"/>
+              </a:rPr>
+              <a:t>node</a:t>
+            </a:r>
+            <a:r>
+              <a:rPr kumimoji="0" lang="de-DE" altLang="de-DE" sz="1450" b="0" i="0" u="none" strike="noStrike" cap="none" normalizeH="0" baseline="0" dirty="0">
+                <a:ln>
+                  <a:noFill/>
+                </a:ln>
+                <a:solidFill>
+                  <a:srgbClr val="000000"/>
+                </a:solidFill>
+                <a:effectLst/>
+                <a:latin typeface="Courier New" panose="02070309020205020404" pitchFamily="49" charset="0"/>
+                <a:cs typeface="Courier New" panose="02070309020205020404" pitchFamily="49" charset="0"/>
+              </a:rPr>
+              <a:t>)</a:t>
+            </a:r>
+            <a:br>
+              <a:rPr kumimoji="0" lang="de-DE" altLang="de-DE" sz="1450" b="0" i="0" u="none" strike="noStrike" cap="none" normalizeH="0" baseline="0" dirty="0">
+                <a:ln>
+                  <a:noFill/>
+                </a:ln>
+                <a:solidFill>
+                  <a:srgbClr val="000000"/>
+                </a:solidFill>
+                <a:effectLst/>
+                <a:latin typeface="Courier New" panose="02070309020205020404" pitchFamily="49" charset="0"/>
+                <a:cs typeface="Courier New" panose="02070309020205020404" pitchFamily="49" charset="0"/>
+              </a:rPr>
+            </a:br>
+            <a:r>
+              <a:rPr kumimoji="0" lang="de-DE" altLang="de-DE" sz="1450" b="0" i="0" u="none" strike="noStrike" cap="none" normalizeH="0" baseline="0" dirty="0">
+                <a:ln>
+                  <a:noFill/>
+                </a:ln>
+                <a:solidFill>
+                  <a:srgbClr val="000000"/>
+                </a:solidFill>
+                <a:effectLst/>
+                <a:latin typeface="Courier New" panose="02070309020205020404" pitchFamily="49" charset="0"/>
+                <a:cs typeface="Courier New" panose="02070309020205020404" pitchFamily="49" charset="0"/>
+              </a:rPr>
+              <a:t>    </a:t>
+            </a:r>
+            <a:r>
+              <a:rPr kumimoji="0" lang="de-DE" altLang="de-DE" sz="1450" b="1" i="0" u="none" strike="noStrike" cap="none" normalizeH="0" baseline="0" dirty="0" err="1">
+                <a:ln>
+                  <a:noFill/>
+                </a:ln>
+                <a:solidFill>
+                  <a:srgbClr val="000080"/>
+                </a:solidFill>
+                <a:effectLst/>
+                <a:latin typeface="Courier New" panose="02070309020205020404" pitchFamily="49" charset="0"/>
+                <a:cs typeface="Courier New" panose="02070309020205020404" pitchFamily="49" charset="0"/>
+              </a:rPr>
+              <a:t>return</a:t>
+            </a:r>
+            <a:r>
+              <a:rPr kumimoji="0" lang="de-DE" altLang="de-DE" sz="1450" b="1" i="0" u="none" strike="noStrike" cap="none" normalizeH="0" baseline="0" dirty="0">
+                <a:ln>
+                  <a:noFill/>
+                </a:ln>
+                <a:solidFill>
+                  <a:srgbClr val="000080"/>
+                </a:solidFill>
+                <a:effectLst/>
+                <a:latin typeface="Courier New" panose="02070309020205020404" pitchFamily="49" charset="0"/>
+                <a:cs typeface="Courier New" panose="02070309020205020404" pitchFamily="49" charset="0"/>
+              </a:rPr>
+              <a:t> </a:t>
+            </a:r>
+            <a:r>
+              <a:rPr kumimoji="0" lang="de-DE" altLang="de-DE" sz="1450" b="0" i="0" u="none" strike="noStrike" cap="none" normalizeH="0" baseline="0" dirty="0" err="1">
+                <a:ln>
+                  <a:noFill/>
+                </a:ln>
+                <a:solidFill>
+                  <a:srgbClr val="000000"/>
+                </a:solidFill>
+                <a:effectLst/>
+                <a:latin typeface="Courier New" panose="02070309020205020404" pitchFamily="49" charset="0"/>
+                <a:cs typeface="Courier New" panose="02070309020205020404" pitchFamily="49" charset="0"/>
+              </a:rPr>
+              <a:t>zip</a:t>
+            </a:r>
+            <a:r>
+              <a:rPr kumimoji="0" lang="de-DE" altLang="de-DE" sz="1450" b="0" i="0" u="none" strike="noStrike" cap="none" normalizeH="0" baseline="0" dirty="0">
+                <a:ln>
+                  <a:noFill/>
+                </a:ln>
+                <a:solidFill>
+                  <a:srgbClr val="000000"/>
+                </a:solidFill>
+                <a:effectLst/>
+                <a:latin typeface="Courier New" panose="02070309020205020404" pitchFamily="49" charset="0"/>
+                <a:cs typeface="Courier New" panose="02070309020205020404" pitchFamily="49" charset="0"/>
+              </a:rPr>
+              <a:t>(g1_x1, g2, h2_x1, </a:t>
+            </a:r>
+            <a:r>
+              <a:rPr kumimoji="0" lang="de-DE" altLang="de-DE" sz="1450" b="0" i="0" u="none" strike="noStrike" cap="none" normalizeH="0" baseline="0" dirty="0" err="1">
+                <a:ln>
+                  <a:noFill/>
+                </a:ln>
+                <a:solidFill>
+                  <a:srgbClr val="000000"/>
+                </a:solidFill>
+                <a:effectLst/>
+                <a:latin typeface="Courier New" panose="02070309020205020404" pitchFamily="49" charset="0"/>
+                <a:cs typeface="Courier New" panose="02070309020205020404" pitchFamily="49" charset="0"/>
+              </a:rPr>
+              <a:t>current</a:t>
+            </a:r>
+            <a:r>
+              <a:rPr kumimoji="0" lang="de-DE" altLang="de-DE" sz="1450" b="0" i="0" u="none" strike="noStrike" cap="none" normalizeH="0" baseline="0" dirty="0">
+                <a:ln>
+                  <a:noFill/>
+                </a:ln>
+                <a:solidFill>
+                  <a:srgbClr val="000000"/>
+                </a:solidFill>
+                <a:effectLst/>
+                <a:latin typeface="Courier New" panose="02070309020205020404" pitchFamily="49" charset="0"/>
+                <a:cs typeface="Courier New" panose="02070309020205020404" pitchFamily="49" charset="0"/>
+              </a:rPr>
+              <a:t>) </a:t>
+            </a:r>
+            <a:r>
+              <a:rPr kumimoji="0" lang="de-DE" altLang="de-DE" sz="1450" b="1" i="0" u="none" strike="noStrike" cap="none" normalizeH="0" baseline="0" dirty="0">
+                <a:ln>
+                  <a:noFill/>
+                </a:ln>
+                <a:solidFill>
+                  <a:srgbClr val="000000"/>
+                </a:solidFill>
+                <a:effectLst/>
+                <a:latin typeface="Courier New" panose="02070309020205020404" pitchFamily="49" charset="0"/>
+                <a:cs typeface="Courier New" panose="02070309020205020404" pitchFamily="49" charset="0"/>
+              </a:rPr>
+              <a:t>{</a:t>
+            </a:r>
+            <a:r>
+              <a:rPr kumimoji="0" lang="de-DE" altLang="de-DE" sz="1450" b="0" i="0" u="none" strike="noStrike" cap="none" normalizeH="0" baseline="0" dirty="0">
+                <a:ln>
+                  <a:noFill/>
+                </a:ln>
+                <a:solidFill>
+                  <a:srgbClr val="000000"/>
+                </a:solidFill>
+                <a:effectLst/>
+                <a:latin typeface="Courier New" panose="02070309020205020404" pitchFamily="49" charset="0"/>
+                <a:cs typeface="Courier New" panose="02070309020205020404" pitchFamily="49" charset="0"/>
+              </a:rPr>
+              <a:t>g1, g2, h2, x </a:t>
+            </a:r>
+            <a:r>
+              <a:rPr kumimoji="0" lang="de-DE" altLang="de-DE" sz="1450" b="1" i="0" u="none" strike="noStrike" cap="none" normalizeH="0" baseline="0" dirty="0">
+                <a:ln>
+                  <a:noFill/>
+                </a:ln>
+                <a:solidFill>
+                  <a:srgbClr val="000000"/>
+                </a:solidFill>
+                <a:effectLst/>
+                <a:latin typeface="Courier New" panose="02070309020205020404" pitchFamily="49" charset="0"/>
+                <a:cs typeface="Courier New" panose="02070309020205020404" pitchFamily="49" charset="0"/>
+              </a:rPr>
+              <a:t>-&gt; </a:t>
+            </a:r>
+            <a:r>
+              <a:rPr kumimoji="0" lang="de-DE" altLang="de-DE" sz="1450" b="0" i="0" u="none" strike="noStrike" cap="none" normalizeH="0" baseline="0" dirty="0">
+                <a:ln>
+                  <a:noFill/>
+                </a:ln>
+                <a:solidFill>
+                  <a:srgbClr val="000000"/>
+                </a:solidFill>
+                <a:effectLst/>
+                <a:latin typeface="Courier New" panose="02070309020205020404" pitchFamily="49" charset="0"/>
+                <a:cs typeface="Courier New" panose="02070309020205020404" pitchFamily="49" charset="0"/>
+              </a:rPr>
+              <a:t>g2 + x * (g1 - h2)</a:t>
+            </a:r>
+            <a:r>
+              <a:rPr kumimoji="0" lang="de-DE" altLang="de-DE" sz="1450" b="1" i="0" u="none" strike="noStrike" cap="none" normalizeH="0" baseline="0" dirty="0">
+                <a:ln>
+                  <a:noFill/>
+                </a:ln>
+                <a:solidFill>
+                  <a:srgbClr val="000000"/>
+                </a:solidFill>
+                <a:effectLst/>
+                <a:latin typeface="Courier New" panose="02070309020205020404" pitchFamily="49" charset="0"/>
+                <a:cs typeface="Courier New" panose="02070309020205020404" pitchFamily="49" charset="0"/>
+              </a:rPr>
+              <a:t>}</a:t>
+            </a:r>
+            <a:br>
+              <a:rPr kumimoji="0" lang="de-DE" altLang="de-DE" sz="1450" b="1" i="0" u="none" strike="noStrike" cap="none" normalizeH="0" baseline="0" dirty="0">
+                <a:ln>
+                  <a:noFill/>
+                </a:ln>
+                <a:solidFill>
+                  <a:srgbClr val="000000"/>
+                </a:solidFill>
+                <a:effectLst/>
+                <a:latin typeface="Courier New" panose="02070309020205020404" pitchFamily="49" charset="0"/>
+                <a:cs typeface="Courier New" panose="02070309020205020404" pitchFamily="49" charset="0"/>
+              </a:rPr>
+            </a:br>
+            <a:r>
+              <a:rPr kumimoji="0" lang="de-DE" altLang="de-DE" sz="1450" b="0" i="0" u="none" strike="noStrike" cap="none" normalizeH="0" baseline="0" dirty="0">
+                <a:ln>
+                  <a:noFill/>
+                </a:ln>
+                <a:solidFill>
+                  <a:srgbClr val="000000"/>
+                </a:solidFill>
+                <a:effectLst/>
+                <a:latin typeface="Courier New" panose="02070309020205020404" pitchFamily="49" charset="0"/>
+                <a:cs typeface="Courier New" panose="02070309020205020404" pitchFamily="49" charset="0"/>
+              </a:rPr>
+              <a:t>} </a:t>
+            </a:r>
+            <a:r>
+              <a:rPr kumimoji="0" lang="de-DE" altLang="de-DE" sz="1450" b="1" i="0" u="none" strike="noStrike" cap="none" normalizeH="0" baseline="0" dirty="0" err="1">
+                <a:ln>
+                  <a:noFill/>
+                </a:ln>
+                <a:solidFill>
+                  <a:srgbClr val="000080"/>
+                </a:solidFill>
+                <a:effectLst/>
+                <a:latin typeface="Courier New" panose="02070309020205020404" pitchFamily="49" charset="0"/>
+                <a:cs typeface="Courier New" panose="02070309020205020404" pitchFamily="49" charset="0"/>
+              </a:rPr>
+              <a:t>else</a:t>
+            </a:r>
+            <a:r>
+              <a:rPr kumimoji="0" lang="de-DE" altLang="de-DE" sz="1450" b="1" i="0" u="none" strike="noStrike" cap="none" normalizeH="0" baseline="0" dirty="0">
+                <a:ln>
+                  <a:noFill/>
+                </a:ln>
+                <a:solidFill>
+                  <a:srgbClr val="000080"/>
+                </a:solidFill>
+                <a:effectLst/>
+                <a:latin typeface="Courier New" panose="02070309020205020404" pitchFamily="49" charset="0"/>
+                <a:cs typeface="Courier New" panose="02070309020205020404" pitchFamily="49" charset="0"/>
+              </a:rPr>
+              <a:t> </a:t>
+            </a:r>
+            <a:r>
+              <a:rPr kumimoji="0" lang="de-DE" altLang="de-DE" sz="1450" b="0" i="0" u="none" strike="noStrike" cap="none" normalizeH="0" baseline="0" dirty="0">
+                <a:ln>
+                  <a:noFill/>
+                </a:ln>
+                <a:solidFill>
+                  <a:srgbClr val="000000"/>
+                </a:solidFill>
+                <a:effectLst/>
+                <a:latin typeface="Courier New" panose="02070309020205020404" pitchFamily="49" charset="0"/>
+                <a:cs typeface="Courier New" panose="02070309020205020404" pitchFamily="49" charset="0"/>
+              </a:rPr>
+              <a:t>{</a:t>
+            </a:r>
+            <a:br>
+              <a:rPr kumimoji="0" lang="de-DE" altLang="de-DE" sz="1450" b="0" i="0" u="none" strike="noStrike" cap="none" normalizeH="0" baseline="0" dirty="0">
+                <a:ln>
+                  <a:noFill/>
+                </a:ln>
+                <a:solidFill>
+                  <a:srgbClr val="000000"/>
+                </a:solidFill>
+                <a:effectLst/>
+                <a:latin typeface="Courier New" panose="02070309020205020404" pitchFamily="49" charset="0"/>
+                <a:cs typeface="Courier New" panose="02070309020205020404" pitchFamily="49" charset="0"/>
+              </a:rPr>
+            </a:br>
+            <a:r>
+              <a:rPr kumimoji="0" lang="de-DE" altLang="de-DE" sz="1450" b="0" i="0" u="none" strike="noStrike" cap="none" normalizeH="0" baseline="0" dirty="0">
+                <a:ln>
+                  <a:noFill/>
+                </a:ln>
+                <a:solidFill>
+                  <a:srgbClr val="000000"/>
+                </a:solidFill>
+                <a:effectLst/>
+                <a:latin typeface="Courier New" panose="02070309020205020404" pitchFamily="49" charset="0"/>
+                <a:cs typeface="Courier New" panose="02070309020205020404" pitchFamily="49" charset="0"/>
+              </a:rPr>
+              <a:t>    </a:t>
+            </a:r>
+            <a:r>
+              <a:rPr kumimoji="0" lang="de-DE" altLang="de-DE" sz="1450" b="1" i="0" u="none" strike="noStrike" cap="none" normalizeH="0" baseline="0" dirty="0" err="1">
+                <a:ln>
+                  <a:noFill/>
+                </a:ln>
+                <a:solidFill>
+                  <a:srgbClr val="000080"/>
+                </a:solidFill>
+                <a:effectLst/>
+                <a:latin typeface="Courier New" panose="02070309020205020404" pitchFamily="49" charset="0"/>
+                <a:cs typeface="Courier New" panose="02070309020205020404" pitchFamily="49" charset="0"/>
+              </a:rPr>
+              <a:t>return</a:t>
+            </a:r>
+            <a:r>
+              <a:rPr kumimoji="0" lang="de-DE" altLang="de-DE" sz="1450" b="1" i="0" u="none" strike="noStrike" cap="none" normalizeH="0" baseline="0" dirty="0">
+                <a:ln>
+                  <a:noFill/>
+                </a:ln>
+                <a:solidFill>
+                  <a:srgbClr val="000080"/>
+                </a:solidFill>
+                <a:effectLst/>
+                <a:latin typeface="Courier New" panose="02070309020205020404" pitchFamily="49" charset="0"/>
+                <a:cs typeface="Courier New" panose="02070309020205020404" pitchFamily="49" charset="0"/>
+              </a:rPr>
+              <a:t> </a:t>
+            </a:r>
+            <a:r>
+              <a:rPr kumimoji="0" lang="de-DE" altLang="de-DE" sz="1450" b="0" i="0" u="none" strike="noStrike" cap="none" normalizeH="0" baseline="0" dirty="0" err="1">
+                <a:ln>
+                  <a:noFill/>
+                </a:ln>
+                <a:solidFill>
+                  <a:srgbClr val="000000"/>
+                </a:solidFill>
+                <a:effectLst/>
+                <a:latin typeface="Courier New" panose="02070309020205020404" pitchFamily="49" charset="0"/>
+                <a:cs typeface="Courier New" panose="02070309020205020404" pitchFamily="49" charset="0"/>
+              </a:rPr>
+              <a:t>zip</a:t>
+            </a:r>
+            <a:r>
+              <a:rPr kumimoji="0" lang="de-DE" altLang="de-DE" sz="1450" b="0" i="0" u="none" strike="noStrike" cap="none" normalizeH="0" baseline="0" dirty="0">
+                <a:ln>
+                  <a:noFill/>
+                </a:ln>
+                <a:solidFill>
+                  <a:srgbClr val="000000"/>
+                </a:solidFill>
+                <a:effectLst/>
+                <a:latin typeface="Courier New" panose="02070309020205020404" pitchFamily="49" charset="0"/>
+                <a:cs typeface="Courier New" panose="02070309020205020404" pitchFamily="49" charset="0"/>
+              </a:rPr>
+              <a:t>(g1_x1, g2, </a:t>
+            </a:r>
+            <a:r>
+              <a:rPr kumimoji="0" lang="de-DE" altLang="de-DE" sz="1450" b="0" i="0" u="none" strike="noStrike" cap="none" normalizeH="0" baseline="0" dirty="0" err="1">
+                <a:ln>
+                  <a:noFill/>
+                </a:ln>
+                <a:solidFill>
+                  <a:srgbClr val="000000"/>
+                </a:solidFill>
+                <a:effectLst/>
+                <a:latin typeface="Courier New" panose="02070309020205020404" pitchFamily="49" charset="0"/>
+                <a:cs typeface="Courier New" panose="02070309020205020404" pitchFamily="49" charset="0"/>
+              </a:rPr>
+              <a:t>current</a:t>
+            </a:r>
+            <a:r>
+              <a:rPr kumimoji="0" lang="de-DE" altLang="de-DE" sz="1450" b="0" i="0" u="none" strike="noStrike" cap="none" normalizeH="0" baseline="0" dirty="0">
+                <a:ln>
+                  <a:noFill/>
+                </a:ln>
+                <a:solidFill>
+                  <a:srgbClr val="000000"/>
+                </a:solidFill>
+                <a:effectLst/>
+                <a:latin typeface="Courier New" panose="02070309020205020404" pitchFamily="49" charset="0"/>
+                <a:cs typeface="Courier New" panose="02070309020205020404" pitchFamily="49" charset="0"/>
+              </a:rPr>
+              <a:t>) </a:t>
+            </a:r>
+            <a:r>
+              <a:rPr kumimoji="0" lang="de-DE" altLang="de-DE" sz="1450" b="1" i="0" u="none" strike="noStrike" cap="none" normalizeH="0" baseline="0" dirty="0">
+                <a:ln>
+                  <a:noFill/>
+                </a:ln>
+                <a:solidFill>
+                  <a:srgbClr val="000000"/>
+                </a:solidFill>
+                <a:effectLst/>
+                <a:latin typeface="Courier New" panose="02070309020205020404" pitchFamily="49" charset="0"/>
+                <a:cs typeface="Courier New" panose="02070309020205020404" pitchFamily="49" charset="0"/>
+              </a:rPr>
+              <a:t>{</a:t>
+            </a:r>
+            <a:r>
+              <a:rPr kumimoji="0" lang="de-DE" altLang="de-DE" sz="1450" b="0" i="0" u="none" strike="noStrike" cap="none" normalizeH="0" baseline="0" dirty="0">
+                <a:ln>
+                  <a:noFill/>
+                </a:ln>
+                <a:solidFill>
+                  <a:srgbClr val="000000"/>
+                </a:solidFill>
+                <a:effectLst/>
+                <a:latin typeface="Courier New" panose="02070309020205020404" pitchFamily="49" charset="0"/>
+                <a:cs typeface="Courier New" panose="02070309020205020404" pitchFamily="49" charset="0"/>
+              </a:rPr>
+              <a:t>g1, g2, x </a:t>
+            </a:r>
+            <a:r>
+              <a:rPr kumimoji="0" lang="de-DE" altLang="de-DE" sz="1450" b="1" i="0" u="none" strike="noStrike" cap="none" normalizeH="0" baseline="0" dirty="0">
+                <a:ln>
+                  <a:noFill/>
+                </a:ln>
+                <a:solidFill>
+                  <a:srgbClr val="000000"/>
+                </a:solidFill>
+                <a:effectLst/>
+                <a:latin typeface="Courier New" panose="02070309020205020404" pitchFamily="49" charset="0"/>
+                <a:cs typeface="Courier New" panose="02070309020205020404" pitchFamily="49" charset="0"/>
+              </a:rPr>
+              <a:t>-&gt; </a:t>
+            </a:r>
+            <a:r>
+              <a:rPr kumimoji="0" lang="de-DE" altLang="de-DE" sz="1450" b="0" i="0" u="none" strike="noStrike" cap="none" normalizeH="0" baseline="0" dirty="0">
+                <a:ln>
+                  <a:noFill/>
+                </a:ln>
+                <a:solidFill>
+                  <a:srgbClr val="000000"/>
+                </a:solidFill>
+                <a:effectLst/>
+                <a:latin typeface="Courier New" panose="02070309020205020404" pitchFamily="49" charset="0"/>
+                <a:cs typeface="Courier New" panose="02070309020205020404" pitchFamily="49" charset="0"/>
+              </a:rPr>
+              <a:t>g2 + x * (g1 - g2)</a:t>
+            </a:r>
+            <a:r>
+              <a:rPr kumimoji="0" lang="de-DE" altLang="de-DE" sz="1450" b="1" i="0" u="none" strike="noStrike" cap="none" normalizeH="0" baseline="0" dirty="0">
+                <a:ln>
+                  <a:noFill/>
+                </a:ln>
+                <a:solidFill>
+                  <a:srgbClr val="000000"/>
+                </a:solidFill>
+                <a:effectLst/>
+                <a:latin typeface="Courier New" panose="02070309020205020404" pitchFamily="49" charset="0"/>
+                <a:cs typeface="Courier New" panose="02070309020205020404" pitchFamily="49" charset="0"/>
+              </a:rPr>
+              <a:t>}</a:t>
+            </a:r>
+            <a:br>
+              <a:rPr kumimoji="0" lang="de-DE" altLang="de-DE" sz="1450" b="1" i="0" u="none" strike="noStrike" cap="none" normalizeH="0" baseline="0" dirty="0">
+                <a:ln>
+                  <a:noFill/>
+                </a:ln>
+                <a:solidFill>
+                  <a:srgbClr val="000000"/>
+                </a:solidFill>
+                <a:effectLst/>
+                <a:latin typeface="Courier New" panose="02070309020205020404" pitchFamily="49" charset="0"/>
+                <a:cs typeface="Courier New" panose="02070309020205020404" pitchFamily="49" charset="0"/>
+              </a:rPr>
+            </a:br>
+            <a:r>
+              <a:rPr kumimoji="0" lang="de-DE" altLang="de-DE" sz="1450" b="0" i="0" u="none" strike="noStrike" cap="none" normalizeH="0" baseline="0" dirty="0">
+                <a:ln>
+                  <a:noFill/>
+                </a:ln>
+                <a:solidFill>
+                  <a:srgbClr val="000000"/>
+                </a:solidFill>
+                <a:effectLst/>
+                <a:latin typeface="Courier New" panose="02070309020205020404" pitchFamily="49" charset="0"/>
+                <a:cs typeface="Courier New" panose="02070309020205020404" pitchFamily="49" charset="0"/>
+              </a:rPr>
+              <a:t>}</a:t>
+            </a:r>
+            <a:endParaRPr kumimoji="0" lang="de-DE" altLang="de-DE" sz="1450" b="0" i="0" u="none" strike="noStrike" cap="none" normalizeH="0" baseline="0" dirty="0">
+              <a:ln>
+                <a:noFill/>
+              </a:ln>
+              <a:solidFill>
+                <a:schemeClr val="tx1"/>
+              </a:solidFill>
+              <a:effectLst/>
+              <a:latin typeface="Arial" panose="020B0604020202020204" pitchFamily="34" charset="0"/>
+            </a:endParaRPr>
+          </a:p>
+        </p:txBody>
+      </p:sp>
+    </p:spTree>
+    <p:extLst>
+      <p:ext uri="{BB962C8B-B14F-4D97-AF65-F5344CB8AC3E}">
+        <p14:creationId xmlns:p14="http://schemas.microsoft.com/office/powerpoint/2010/main" val="4144554943"/>
+      </p:ext>
+    </p:extLst>
+  </p:cSld>
+  <p:clrMapOvr>
+    <a:masterClrMapping/>
+  </p:clrMapOvr>
+</p:sld>
+</file>
+
+<file path=ppt/slides/slide13.xml><?xml version="1.0" encoding="utf-8"?>
+<p:sld xmlns:a="http://schemas.openxmlformats.org/drawingml/2006/main" xmlns:r="http://schemas.openxmlformats.org/officeDocument/2006/relationships" xmlns:p="http://schemas.openxmlformats.org/presentationml/2006/main" show="0">
+  <p:cSld>
+    <p:spTree>
+      <p:nvGrpSpPr>
+        <p:cNvPr id="1" name=""/>
+        <p:cNvGrpSpPr/>
+        <p:nvPr/>
+      </p:nvGrpSpPr>
+      <p:grpSpPr>
+        <a:xfrm>
+          <a:off x="0" y="0"/>
+          <a:ext cx="0" cy="0"/>
+          <a:chOff x="0" y="0"/>
+          <a:chExt cx="0" cy="0"/>
+        </a:xfrm>
+      </p:grpSpPr>
+      <p:sp>
+        <p:nvSpPr>
+          <p:cNvPr id="2" name="Titel 1"/>
+          <p:cNvSpPr>
+            <a:spLocks noGrp="1"/>
+          </p:cNvSpPr>
+          <p:nvPr>
+            <p:ph type="title"/>
+          </p:nvPr>
+        </p:nvSpPr>
+        <p:spPr/>
+        <p:txBody>
+          <a:bodyPr/>
+          <a:lstStyle/>
+          <a:p>
+            <a:r>
+              <a:rPr lang="de-DE" dirty="0"/>
+              <a:t>Top-event </a:t>
+            </a:r>
+            <a:r>
+              <a:rPr lang="de-DE" dirty="0" err="1"/>
+              <a:t>evaluation</a:t>
+            </a:r>
+            <a:endParaRPr lang="de-DE" dirty="0"/>
+          </a:p>
+        </p:txBody>
+      </p:sp>
+      <p:sp>
+        <p:nvSpPr>
+          <p:cNvPr id="3" name="Rectangle 1"/>
+          <p:cNvSpPr>
+            <a:spLocks noChangeArrowheads="1"/>
+          </p:cNvSpPr>
+          <p:nvPr/>
+        </p:nvSpPr>
+        <p:spPr bwMode="auto">
+          <a:xfrm>
+            <a:off x="120718" y="2318728"/>
+            <a:ext cx="8948283" cy="3293209"/>
+          </a:xfrm>
+          <a:prstGeom prst="rect">
+            <a:avLst/>
+          </a:prstGeom>
+          <a:solidFill>
+            <a:srgbClr val="FFFFFF"/>
+          </a:solidFill>
+          <a:ln>
+            <a:noFill/>
+          </a:ln>
+          <a:effectLst/>
+          <a:extLst>
+            <a:ext uri="{91240B29-F687-4f45-9708-019B960494DF}">
+              <a14:hiddenLine xmlns="" xmlns:a14="http://schemas.microsoft.com/office/drawing/2010/main" w="9525">
+                <a:solidFill>
+                  <a:schemeClr val="tx1"/>
+                </a:solidFill>
+                <a:miter lim="800000"/>
+                <a:headEnd/>
+                <a:tailEnd/>
+              </a14:hiddenLine>
+            </a:ext>
+            <a:ext uri="{AF507438-7753-43e0-B8FC-AC1667EBCBE1}">
+              <a14:hiddenEffects xmlns="" xmlns:a14="http://schemas.microsoft.com/office/drawing/2010/main">
+                <a:effectLst>
+                  <a:outerShdw dist="35921" dir="2700000" algn="ctr" rotWithShape="0">
+                    <a:schemeClr val="bg2"/>
+                  </a:outerShdw>
+                </a:effectLst>
+              </a14:hiddenEffects>
+            </a:ext>
+          </a:extLst>
+        </p:spPr>
+        <p:txBody>
+          <a:bodyPr vert="horz" wrap="none" lIns="91440" tIns="45720" rIns="91440" bIns="45720" numCol="1" anchor="ctr" anchorCtr="0" compatLnSpc="1">
+            <a:prstTxWarp prst="textNoShape">
+              <a:avLst/>
+            </a:prstTxWarp>
+            <a:spAutoFit/>
+          </a:bodyPr>
+          <a:lstStyle/>
+          <a:p>
+            <a:pPr marL="0" marR="0" lvl="0" indent="0" algn="l" defTabSz="914400" rtl="0" eaLnBrk="0" fontAlgn="base" latinLnBrk="0" hangingPunct="0">
+              <a:lnSpc>
+                <a:spcPct val="100000"/>
+              </a:lnSpc>
+              <a:spcBef>
+                <a:spcPct val="0"/>
+              </a:spcBef>
+              <a:spcAft>
+                <a:spcPct val="0"/>
+              </a:spcAft>
+              <a:buClrTx/>
+              <a:buSzTx/>
+              <a:buFontTx/>
+              <a:buNone/>
+              <a:tabLst/>
+            </a:pPr>
+            <a:r>
+              <a:rPr kumimoji="0" lang="de-DE" altLang="de-DE" sz="1600" b="1" i="0" u="none" strike="noStrike" cap="none" normalizeH="0" baseline="0" dirty="0">
+                <a:ln>
+                  <a:noFill/>
+                </a:ln>
+                <a:solidFill>
+                  <a:srgbClr val="000080"/>
+                </a:solidFill>
+                <a:effectLst/>
+                <a:latin typeface="Courier New" panose="02070309020205020404" pitchFamily="49" charset="0"/>
+                <a:cs typeface="Courier New" panose="02070309020205020404" pitchFamily="49" charset="0"/>
+              </a:rPr>
+              <a:t>private </a:t>
+            </a:r>
+            <a:r>
+              <a:rPr kumimoji="0" lang="de-DE" altLang="de-DE" sz="1600" b="1" i="0" u="none" strike="noStrike" cap="none" normalizeH="0" baseline="0" dirty="0" err="1">
+                <a:ln>
+                  <a:noFill/>
+                </a:ln>
+                <a:solidFill>
+                  <a:srgbClr val="000080"/>
+                </a:solidFill>
+                <a:effectLst/>
+                <a:latin typeface="Courier New" panose="02070309020205020404" pitchFamily="49" charset="0"/>
+                <a:cs typeface="Courier New" panose="02070309020205020404" pitchFamily="49" charset="0"/>
+              </a:rPr>
+              <a:t>fun</a:t>
+            </a:r>
+            <a:r>
+              <a:rPr kumimoji="0" lang="de-DE" altLang="de-DE" sz="1600" b="1" i="0" u="none" strike="noStrike" cap="none" normalizeH="0" baseline="0" dirty="0">
+                <a:ln>
+                  <a:noFill/>
+                </a:ln>
+                <a:solidFill>
+                  <a:srgbClr val="000080"/>
+                </a:solidFill>
+                <a:effectLst/>
+                <a:latin typeface="Courier New" panose="02070309020205020404" pitchFamily="49" charset="0"/>
+                <a:cs typeface="Courier New" panose="02070309020205020404" pitchFamily="49" charset="0"/>
+              </a:rPr>
+              <a:t> </a:t>
+            </a:r>
+            <a:r>
+              <a:rPr kumimoji="0" lang="de-DE" altLang="de-DE" sz="1600" b="0" i="0" u="none" strike="noStrike" cap="none" normalizeH="0" baseline="0" dirty="0" err="1">
+                <a:ln>
+                  <a:noFill/>
+                </a:ln>
+                <a:solidFill>
+                  <a:srgbClr val="000000"/>
+                </a:solidFill>
+                <a:effectLst/>
+                <a:latin typeface="Courier New" panose="02070309020205020404" pitchFamily="49" charset="0"/>
+                <a:cs typeface="Courier New" panose="02070309020205020404" pitchFamily="49" charset="0"/>
+              </a:rPr>
+              <a:t>constructFormulaTopDown</a:t>
+            </a:r>
+            <a:r>
+              <a:rPr kumimoji="0" lang="de-DE" altLang="de-DE" sz="1600" b="0" i="0" u="none" strike="noStrike" cap="none" normalizeH="0" baseline="0" dirty="0">
+                <a:ln>
+                  <a:noFill/>
+                </a:ln>
+                <a:solidFill>
+                  <a:srgbClr val="000000"/>
+                </a:solidFill>
+                <a:effectLst/>
+                <a:latin typeface="Courier New" panose="02070309020205020404" pitchFamily="49" charset="0"/>
+                <a:cs typeface="Courier New" panose="02070309020205020404" pitchFamily="49" charset="0"/>
+              </a:rPr>
+              <a:t> (</a:t>
+            </a:r>
+            <a:r>
+              <a:rPr kumimoji="0" lang="de-DE" altLang="de-DE" sz="1600" b="0" i="0" u="none" strike="noStrike" cap="none" normalizeH="0" baseline="0" dirty="0" err="1">
+                <a:ln>
+                  <a:noFill/>
+                </a:ln>
+                <a:solidFill>
+                  <a:srgbClr val="000000"/>
+                </a:solidFill>
+                <a:effectLst/>
+                <a:latin typeface="Courier New" panose="02070309020205020404" pitchFamily="49" charset="0"/>
+                <a:cs typeface="Courier New" panose="02070309020205020404" pitchFamily="49" charset="0"/>
+              </a:rPr>
+              <a:t>node</a:t>
+            </a:r>
+            <a:r>
+              <a:rPr kumimoji="0" lang="de-DE" altLang="de-DE" sz="1600" b="0" i="0" u="none" strike="noStrike" cap="none" normalizeH="0" baseline="0" dirty="0">
+                <a:ln>
+                  <a:noFill/>
+                </a:ln>
+                <a:solidFill>
+                  <a:srgbClr val="000000"/>
+                </a:solidFill>
+                <a:effectLst/>
+                <a:latin typeface="Courier New" panose="02070309020205020404" pitchFamily="49" charset="0"/>
+                <a:cs typeface="Courier New" panose="02070309020205020404" pitchFamily="49" charset="0"/>
+              </a:rPr>
+              <a:t>: </a:t>
+            </a:r>
+            <a:r>
+              <a:rPr kumimoji="0" lang="de-DE" altLang="de-DE" sz="1600" b="0" i="0" u="none" strike="noStrike" cap="none" normalizeH="0" baseline="0" dirty="0" err="1">
+                <a:ln>
+                  <a:noFill/>
+                </a:ln>
+                <a:solidFill>
+                  <a:srgbClr val="000000"/>
+                </a:solidFill>
+                <a:effectLst/>
+                <a:latin typeface="Courier New" panose="02070309020205020404" pitchFamily="49" charset="0"/>
+                <a:cs typeface="Courier New" panose="02070309020205020404" pitchFamily="49" charset="0"/>
+              </a:rPr>
+              <a:t>BDDNode</a:t>
+            </a:r>
+            <a:r>
+              <a:rPr kumimoji="0" lang="de-DE" altLang="de-DE" sz="1600" b="0" i="0" u="none" strike="noStrike" cap="none" normalizeH="0" baseline="0" dirty="0">
+                <a:ln>
+                  <a:noFill/>
+                </a:ln>
+                <a:solidFill>
+                  <a:srgbClr val="000000"/>
+                </a:solidFill>
+                <a:effectLst/>
+                <a:latin typeface="Courier New" panose="02070309020205020404" pitchFamily="49" charset="0"/>
+                <a:cs typeface="Courier New" panose="02070309020205020404" pitchFamily="49" charset="0"/>
+              </a:rPr>
+              <a:t>?): </a:t>
+            </a:r>
+            <a:r>
+              <a:rPr kumimoji="0" lang="de-DE" altLang="de-DE" sz="1600" b="0" i="0" u="none" strike="noStrike" cap="none" normalizeH="0" baseline="0" dirty="0" err="1">
+                <a:ln>
+                  <a:noFill/>
+                </a:ln>
+                <a:solidFill>
+                  <a:srgbClr val="000000"/>
+                </a:solidFill>
+                <a:effectLst/>
+                <a:latin typeface="Courier New" panose="02070309020205020404" pitchFamily="49" charset="0"/>
+                <a:cs typeface="Courier New" panose="02070309020205020404" pitchFamily="49" charset="0"/>
+              </a:rPr>
+              <a:t>Sequence</a:t>
+            </a:r>
+            <a:r>
+              <a:rPr kumimoji="0" lang="de-DE" altLang="de-DE" sz="1600" b="0" i="0" u="none" strike="noStrike" cap="none" normalizeH="0" baseline="0" dirty="0">
+                <a:ln>
+                  <a:noFill/>
+                </a:ln>
+                <a:solidFill>
+                  <a:srgbClr val="000000"/>
+                </a:solidFill>
+                <a:effectLst/>
+                <a:latin typeface="Courier New" panose="02070309020205020404" pitchFamily="49" charset="0"/>
+                <a:cs typeface="Courier New" panose="02070309020205020404" pitchFamily="49" charset="0"/>
+              </a:rPr>
+              <a:t>&lt;</a:t>
+            </a:r>
+            <a:r>
+              <a:rPr kumimoji="0" lang="de-DE" altLang="de-DE" sz="1600" b="0" i="0" u="none" strike="noStrike" cap="none" normalizeH="0" baseline="0" dirty="0" err="1">
+                <a:ln>
+                  <a:noFill/>
+                </a:ln>
+                <a:solidFill>
+                  <a:srgbClr val="000000"/>
+                </a:solidFill>
+                <a:effectLst/>
+                <a:latin typeface="Courier New" panose="02070309020205020404" pitchFamily="49" charset="0"/>
+                <a:cs typeface="Courier New" panose="02070309020205020404" pitchFamily="49" charset="0"/>
+              </a:rPr>
+              <a:t>Float</a:t>
+            </a:r>
+            <a:r>
+              <a:rPr kumimoji="0" lang="de-DE" altLang="de-DE" sz="1600" b="0" i="0" u="none" strike="noStrike" cap="none" normalizeH="0" baseline="0" dirty="0">
+                <a:ln>
+                  <a:noFill/>
+                </a:ln>
+                <a:solidFill>
+                  <a:srgbClr val="000000"/>
+                </a:solidFill>
+                <a:effectLst/>
+                <a:latin typeface="Courier New" panose="02070309020205020404" pitchFamily="49" charset="0"/>
+                <a:cs typeface="Courier New" panose="02070309020205020404" pitchFamily="49" charset="0"/>
+              </a:rPr>
+              <a:t>&gt; {</a:t>
+            </a:r>
+            <a:br>
+              <a:rPr kumimoji="0" lang="de-DE" altLang="de-DE" sz="1600" b="0" i="0" u="none" strike="noStrike" cap="none" normalizeH="0" baseline="0" dirty="0">
+                <a:ln>
+                  <a:noFill/>
+                </a:ln>
+                <a:solidFill>
+                  <a:srgbClr val="000000"/>
+                </a:solidFill>
+                <a:effectLst/>
+                <a:latin typeface="Courier New" panose="02070309020205020404" pitchFamily="49" charset="0"/>
+                <a:cs typeface="Courier New" panose="02070309020205020404" pitchFamily="49" charset="0"/>
+              </a:rPr>
+            </a:br>
+            <a:r>
+              <a:rPr kumimoji="0" lang="de-DE" altLang="de-DE" sz="1600" b="0" i="0" u="none" strike="noStrike" cap="none" normalizeH="0" baseline="0" dirty="0">
+                <a:ln>
+                  <a:noFill/>
+                </a:ln>
+                <a:solidFill>
+                  <a:srgbClr val="000000"/>
+                </a:solidFill>
+                <a:effectLst/>
+                <a:latin typeface="Courier New" panose="02070309020205020404" pitchFamily="49" charset="0"/>
+                <a:cs typeface="Courier New" panose="02070309020205020404" pitchFamily="49" charset="0"/>
+              </a:rPr>
+              <a:t>    </a:t>
+            </a:r>
+            <a:r>
+              <a:rPr kumimoji="0" lang="de-DE" altLang="de-DE" sz="1600" b="1" i="0" u="none" strike="noStrike" cap="none" normalizeH="0" baseline="0" dirty="0" err="1">
+                <a:ln>
+                  <a:noFill/>
+                </a:ln>
+                <a:solidFill>
+                  <a:srgbClr val="000080"/>
+                </a:solidFill>
+                <a:effectLst/>
+                <a:latin typeface="Courier New" panose="02070309020205020404" pitchFamily="49" charset="0"/>
+                <a:cs typeface="Courier New" panose="02070309020205020404" pitchFamily="49" charset="0"/>
+              </a:rPr>
+              <a:t>if</a:t>
+            </a:r>
+            <a:r>
+              <a:rPr kumimoji="0" lang="de-DE" altLang="de-DE" sz="1600" b="1" i="0" u="none" strike="noStrike" cap="none" normalizeH="0" baseline="0" dirty="0">
+                <a:ln>
+                  <a:noFill/>
+                </a:ln>
+                <a:solidFill>
+                  <a:srgbClr val="000080"/>
+                </a:solidFill>
+                <a:effectLst/>
+                <a:latin typeface="Courier New" panose="02070309020205020404" pitchFamily="49" charset="0"/>
+                <a:cs typeface="Courier New" panose="02070309020205020404" pitchFamily="49" charset="0"/>
+              </a:rPr>
+              <a:t> </a:t>
+            </a:r>
+            <a:r>
+              <a:rPr kumimoji="0" lang="de-DE" altLang="de-DE" sz="1600" b="0" i="0" u="none" strike="noStrike" cap="none" normalizeH="0" baseline="0" dirty="0">
+                <a:ln>
+                  <a:noFill/>
+                </a:ln>
+                <a:solidFill>
+                  <a:srgbClr val="000000"/>
+                </a:solidFill>
+                <a:effectLst/>
+                <a:latin typeface="Courier New" panose="02070309020205020404" pitchFamily="49" charset="0"/>
+                <a:cs typeface="Courier New" panose="02070309020205020404" pitchFamily="49" charset="0"/>
+              </a:rPr>
+              <a:t>(</a:t>
+            </a:r>
+            <a:r>
+              <a:rPr kumimoji="0" lang="de-DE" altLang="de-DE" sz="1600" b="0" i="0" u="none" strike="noStrike" cap="none" normalizeH="0" baseline="0" dirty="0" err="1">
+                <a:ln>
+                  <a:noFill/>
+                </a:ln>
+                <a:solidFill>
+                  <a:srgbClr val="000000"/>
+                </a:solidFill>
+                <a:effectLst/>
+                <a:latin typeface="Courier New" panose="02070309020205020404" pitchFamily="49" charset="0"/>
+                <a:cs typeface="Courier New" panose="02070309020205020404" pitchFamily="49" charset="0"/>
+              </a:rPr>
+              <a:t>node</a:t>
+            </a:r>
+            <a:r>
+              <a:rPr kumimoji="0" lang="de-DE" altLang="de-DE" sz="1600" b="0" i="0" u="none" strike="noStrike" cap="none" normalizeH="0" baseline="0" dirty="0">
+                <a:ln>
+                  <a:noFill/>
+                </a:ln>
+                <a:solidFill>
+                  <a:srgbClr val="000000"/>
+                </a:solidFill>
+                <a:effectLst/>
+                <a:latin typeface="Courier New" panose="02070309020205020404" pitchFamily="49" charset="0"/>
+                <a:cs typeface="Courier New" panose="02070309020205020404" pitchFamily="49" charset="0"/>
+              </a:rPr>
+              <a:t> == </a:t>
+            </a:r>
+            <a:r>
+              <a:rPr kumimoji="0" lang="de-DE" altLang="de-DE" sz="1600" b="1" i="0" u="none" strike="noStrike" cap="none" normalizeH="0" baseline="0" dirty="0">
+                <a:ln>
+                  <a:noFill/>
+                </a:ln>
+                <a:solidFill>
+                  <a:srgbClr val="000080"/>
+                </a:solidFill>
+                <a:effectLst/>
+                <a:latin typeface="Courier New" panose="02070309020205020404" pitchFamily="49" charset="0"/>
+                <a:cs typeface="Courier New" panose="02070309020205020404" pitchFamily="49" charset="0"/>
+              </a:rPr>
+              <a:t>null </a:t>
+            </a:r>
+            <a:r>
+              <a:rPr kumimoji="0" lang="de-DE" altLang="de-DE" sz="1600" b="0" i="0" u="none" strike="noStrike" cap="none" normalizeH="0" baseline="0" dirty="0">
+                <a:ln>
+                  <a:noFill/>
+                </a:ln>
+                <a:solidFill>
+                  <a:srgbClr val="000000"/>
+                </a:solidFill>
+                <a:effectLst/>
+                <a:latin typeface="Courier New" panose="02070309020205020404" pitchFamily="49" charset="0"/>
+                <a:cs typeface="Courier New" panose="02070309020205020404" pitchFamily="49" charset="0"/>
+              </a:rPr>
+              <a:t>|| </a:t>
+            </a:r>
+            <a:r>
+              <a:rPr kumimoji="0" lang="de-DE" altLang="de-DE" sz="1600" b="0" i="0" u="none" strike="noStrike" cap="none" normalizeH="0" baseline="0" dirty="0" err="1">
+                <a:ln>
+                  <a:noFill/>
+                </a:ln>
+                <a:solidFill>
+                  <a:srgbClr val="000000"/>
+                </a:solidFill>
+                <a:effectLst/>
+                <a:latin typeface="Courier New" panose="02070309020205020404" pitchFamily="49" charset="0"/>
+                <a:cs typeface="Courier New" panose="02070309020205020404" pitchFamily="49" charset="0"/>
+              </a:rPr>
+              <a:t>node.</a:t>
+            </a:r>
+            <a:r>
+              <a:rPr kumimoji="0" lang="de-DE" altLang="de-DE" sz="1600" b="1" i="0" u="none" strike="noStrike" cap="none" normalizeH="0" baseline="0" dirty="0" err="1">
+                <a:ln>
+                  <a:noFill/>
+                </a:ln>
+                <a:solidFill>
+                  <a:srgbClr val="660E7A"/>
+                </a:solidFill>
+                <a:effectLst/>
+                <a:latin typeface="Courier New" panose="02070309020205020404" pitchFamily="49" charset="0"/>
+                <a:cs typeface="Courier New" panose="02070309020205020404" pitchFamily="49" charset="0"/>
+              </a:rPr>
+              <a:t>isZero</a:t>
+            </a:r>
+            <a:r>
+              <a:rPr kumimoji="0" lang="de-DE" altLang="de-DE" sz="1600" b="0" i="0" u="none" strike="noStrike" cap="none" normalizeH="0" baseline="0" dirty="0">
+                <a:ln>
+                  <a:noFill/>
+                </a:ln>
+                <a:solidFill>
+                  <a:srgbClr val="000000"/>
+                </a:solidFill>
+                <a:effectLst/>
+                <a:latin typeface="Courier New" panose="02070309020205020404" pitchFamily="49" charset="0"/>
+                <a:cs typeface="Courier New" panose="02070309020205020404" pitchFamily="49" charset="0"/>
+              </a:rPr>
+              <a:t>) {</a:t>
+            </a:r>
+            <a:br>
+              <a:rPr kumimoji="0" lang="de-DE" altLang="de-DE" sz="1600" b="0" i="0" u="none" strike="noStrike" cap="none" normalizeH="0" baseline="0" dirty="0">
+                <a:ln>
+                  <a:noFill/>
+                </a:ln>
+                <a:solidFill>
+                  <a:srgbClr val="000000"/>
+                </a:solidFill>
+                <a:effectLst/>
+                <a:latin typeface="Courier New" panose="02070309020205020404" pitchFamily="49" charset="0"/>
+                <a:cs typeface="Courier New" panose="02070309020205020404" pitchFamily="49" charset="0"/>
+              </a:rPr>
+            </a:br>
+            <a:r>
+              <a:rPr kumimoji="0" lang="de-DE" altLang="de-DE" sz="1600" b="0" i="0" u="none" strike="noStrike" cap="none" normalizeH="0" baseline="0" dirty="0">
+                <a:ln>
+                  <a:noFill/>
+                </a:ln>
+                <a:solidFill>
+                  <a:srgbClr val="000000"/>
+                </a:solidFill>
+                <a:effectLst/>
+                <a:latin typeface="Courier New" panose="02070309020205020404" pitchFamily="49" charset="0"/>
+                <a:cs typeface="Courier New" panose="02070309020205020404" pitchFamily="49" charset="0"/>
+              </a:rPr>
+              <a:t>        </a:t>
+            </a:r>
+            <a:r>
+              <a:rPr kumimoji="0" lang="de-DE" altLang="de-DE" sz="1600" b="1" i="0" u="none" strike="noStrike" cap="none" normalizeH="0" baseline="0" dirty="0" err="1">
+                <a:ln>
+                  <a:noFill/>
+                </a:ln>
+                <a:solidFill>
+                  <a:srgbClr val="000080"/>
+                </a:solidFill>
+                <a:effectLst/>
+                <a:latin typeface="Courier New" panose="02070309020205020404" pitchFamily="49" charset="0"/>
+                <a:cs typeface="Courier New" panose="02070309020205020404" pitchFamily="49" charset="0"/>
+              </a:rPr>
+              <a:t>return</a:t>
+            </a:r>
+            <a:r>
+              <a:rPr kumimoji="0" lang="de-DE" altLang="de-DE" sz="1600" b="1" i="0" u="none" strike="noStrike" cap="none" normalizeH="0" baseline="0" dirty="0">
+                <a:ln>
+                  <a:noFill/>
+                </a:ln>
+                <a:solidFill>
+                  <a:srgbClr val="000080"/>
+                </a:solidFill>
+                <a:effectLst/>
+                <a:latin typeface="Courier New" panose="02070309020205020404" pitchFamily="49" charset="0"/>
+                <a:cs typeface="Courier New" panose="02070309020205020404" pitchFamily="49" charset="0"/>
+              </a:rPr>
+              <a:t> </a:t>
+            </a:r>
+            <a:r>
+              <a:rPr kumimoji="0" lang="de-DE" altLang="de-DE" sz="1600" b="0" i="1" u="none" strike="noStrike" cap="none" normalizeH="0" baseline="0" dirty="0" err="1">
+                <a:ln>
+                  <a:noFill/>
+                </a:ln>
+                <a:solidFill>
+                  <a:srgbClr val="000000"/>
+                </a:solidFill>
+                <a:effectLst/>
+                <a:latin typeface="Courier New" panose="02070309020205020404" pitchFamily="49" charset="0"/>
+                <a:cs typeface="Courier New" panose="02070309020205020404" pitchFamily="49" charset="0"/>
+              </a:rPr>
+              <a:t>generateSequence</a:t>
+            </a:r>
+            <a:r>
+              <a:rPr kumimoji="0" lang="de-DE" altLang="de-DE" sz="1600" b="0" i="0" u="none" strike="noStrike" cap="none" normalizeH="0" baseline="0" dirty="0">
+                <a:ln>
+                  <a:noFill/>
+                </a:ln>
+                <a:solidFill>
+                  <a:srgbClr val="000000"/>
+                </a:solidFill>
+                <a:effectLst/>
+                <a:latin typeface="Courier New" panose="02070309020205020404" pitchFamily="49" charset="0"/>
+                <a:cs typeface="Courier New" panose="02070309020205020404" pitchFamily="49" charset="0"/>
+              </a:rPr>
+              <a:t>(</a:t>
+            </a:r>
+            <a:r>
+              <a:rPr kumimoji="0" lang="de-DE" altLang="de-DE" sz="1600" b="1" i="0" u="none" strike="noStrike" cap="none" normalizeH="0" baseline="0" dirty="0" err="1">
+                <a:ln>
+                  <a:noFill/>
+                </a:ln>
+                <a:solidFill>
+                  <a:srgbClr val="660E7A"/>
+                </a:solidFill>
+                <a:effectLst/>
+                <a:latin typeface="Courier New" panose="02070309020205020404" pitchFamily="49" charset="0"/>
+                <a:cs typeface="Courier New" panose="02070309020205020404" pitchFamily="49" charset="0"/>
+              </a:rPr>
+              <a:t>zeros</a:t>
+            </a:r>
+            <a:r>
+              <a:rPr kumimoji="0" lang="de-DE" altLang="de-DE" sz="1600" b="0" i="0" u="none" strike="noStrike" cap="none" normalizeH="0" baseline="0" dirty="0">
+                <a:ln>
+                  <a:noFill/>
+                </a:ln>
+                <a:solidFill>
+                  <a:srgbClr val="000000"/>
+                </a:solidFill>
+                <a:effectLst/>
+                <a:latin typeface="Courier New" panose="02070309020205020404" pitchFamily="49" charset="0"/>
+                <a:cs typeface="Courier New" panose="02070309020205020404" pitchFamily="49" charset="0"/>
+              </a:rPr>
+              <a:t>)</a:t>
+            </a:r>
+            <a:br>
+              <a:rPr kumimoji="0" lang="de-DE" altLang="de-DE" sz="1600" b="0" i="0" u="none" strike="noStrike" cap="none" normalizeH="0" baseline="0" dirty="0">
+                <a:ln>
+                  <a:noFill/>
+                </a:ln>
+                <a:solidFill>
+                  <a:srgbClr val="000000"/>
+                </a:solidFill>
+                <a:effectLst/>
+                <a:latin typeface="Courier New" panose="02070309020205020404" pitchFamily="49" charset="0"/>
+                <a:cs typeface="Courier New" panose="02070309020205020404" pitchFamily="49" charset="0"/>
+              </a:rPr>
+            </a:br>
+            <a:r>
+              <a:rPr kumimoji="0" lang="de-DE" altLang="de-DE" sz="1600" b="0" i="0" u="none" strike="noStrike" cap="none" normalizeH="0" baseline="0" dirty="0">
+                <a:ln>
+                  <a:noFill/>
+                </a:ln>
+                <a:solidFill>
+                  <a:srgbClr val="000000"/>
+                </a:solidFill>
+                <a:effectLst/>
+                <a:latin typeface="Courier New" panose="02070309020205020404" pitchFamily="49" charset="0"/>
+                <a:cs typeface="Courier New" panose="02070309020205020404" pitchFamily="49" charset="0"/>
+              </a:rPr>
+              <a:t>    } </a:t>
+            </a:r>
+            <a:r>
+              <a:rPr kumimoji="0" lang="de-DE" altLang="de-DE" sz="1600" b="1" i="0" u="none" strike="noStrike" cap="none" normalizeH="0" baseline="0" dirty="0" err="1">
+                <a:ln>
+                  <a:noFill/>
+                </a:ln>
+                <a:solidFill>
+                  <a:srgbClr val="000080"/>
+                </a:solidFill>
+                <a:effectLst/>
+                <a:latin typeface="Courier New" panose="02070309020205020404" pitchFamily="49" charset="0"/>
+                <a:cs typeface="Courier New" panose="02070309020205020404" pitchFamily="49" charset="0"/>
+              </a:rPr>
+              <a:t>else</a:t>
+            </a:r>
+            <a:r>
+              <a:rPr kumimoji="0" lang="de-DE" altLang="de-DE" sz="1600" b="1" i="0" u="none" strike="noStrike" cap="none" normalizeH="0" baseline="0" dirty="0">
+                <a:ln>
+                  <a:noFill/>
+                </a:ln>
+                <a:solidFill>
+                  <a:srgbClr val="000080"/>
+                </a:solidFill>
+                <a:effectLst/>
+                <a:latin typeface="Courier New" panose="02070309020205020404" pitchFamily="49" charset="0"/>
+                <a:cs typeface="Courier New" panose="02070309020205020404" pitchFamily="49" charset="0"/>
+              </a:rPr>
+              <a:t> </a:t>
+            </a:r>
+            <a:r>
+              <a:rPr kumimoji="0" lang="de-DE" altLang="de-DE" sz="1600" b="1" i="0" u="none" strike="noStrike" cap="none" normalizeH="0" baseline="0" dirty="0" err="1">
+                <a:ln>
+                  <a:noFill/>
+                </a:ln>
+                <a:solidFill>
+                  <a:srgbClr val="000080"/>
+                </a:solidFill>
+                <a:effectLst/>
+                <a:latin typeface="Courier New" panose="02070309020205020404" pitchFamily="49" charset="0"/>
+                <a:cs typeface="Courier New" panose="02070309020205020404" pitchFamily="49" charset="0"/>
+              </a:rPr>
+              <a:t>if</a:t>
+            </a:r>
+            <a:r>
+              <a:rPr kumimoji="0" lang="de-DE" altLang="de-DE" sz="1600" b="1" i="0" u="none" strike="noStrike" cap="none" normalizeH="0" baseline="0" dirty="0">
+                <a:ln>
+                  <a:noFill/>
+                </a:ln>
+                <a:solidFill>
+                  <a:srgbClr val="000080"/>
+                </a:solidFill>
+                <a:effectLst/>
+                <a:latin typeface="Courier New" panose="02070309020205020404" pitchFamily="49" charset="0"/>
+                <a:cs typeface="Courier New" panose="02070309020205020404" pitchFamily="49" charset="0"/>
+              </a:rPr>
+              <a:t> </a:t>
+            </a:r>
+            <a:r>
+              <a:rPr kumimoji="0" lang="de-DE" altLang="de-DE" sz="1600" b="0" i="0" u="none" strike="noStrike" cap="none" normalizeH="0" baseline="0" dirty="0">
+                <a:ln>
+                  <a:noFill/>
+                </a:ln>
+                <a:solidFill>
+                  <a:srgbClr val="000000"/>
+                </a:solidFill>
+                <a:effectLst/>
+                <a:latin typeface="Courier New" panose="02070309020205020404" pitchFamily="49" charset="0"/>
+                <a:cs typeface="Courier New" panose="02070309020205020404" pitchFamily="49" charset="0"/>
+              </a:rPr>
+              <a:t>(</a:t>
+            </a:r>
+            <a:r>
+              <a:rPr kumimoji="0" lang="de-DE" altLang="de-DE" sz="1600" b="0" i="0" u="none" strike="noStrike" cap="none" normalizeH="0" baseline="0" dirty="0" err="1">
+                <a:ln>
+                  <a:noFill/>
+                </a:ln>
+                <a:solidFill>
+                  <a:srgbClr val="000000"/>
+                </a:solidFill>
+                <a:effectLst/>
+                <a:latin typeface="Courier New" panose="02070309020205020404" pitchFamily="49" charset="0"/>
+                <a:cs typeface="Courier New" panose="02070309020205020404" pitchFamily="49" charset="0"/>
+              </a:rPr>
+              <a:t>node.</a:t>
+            </a:r>
+            <a:r>
+              <a:rPr kumimoji="0" lang="de-DE" altLang="de-DE" sz="1600" b="1" i="0" u="none" strike="noStrike" cap="none" normalizeH="0" baseline="0" dirty="0" err="1">
+                <a:ln>
+                  <a:noFill/>
+                </a:ln>
+                <a:solidFill>
+                  <a:srgbClr val="660E7A"/>
+                </a:solidFill>
+                <a:effectLst/>
+                <a:latin typeface="Courier New" panose="02070309020205020404" pitchFamily="49" charset="0"/>
+                <a:cs typeface="Courier New" panose="02070309020205020404" pitchFamily="49" charset="0"/>
+              </a:rPr>
+              <a:t>isOne</a:t>
+            </a:r>
+            <a:r>
+              <a:rPr kumimoji="0" lang="de-DE" altLang="de-DE" sz="1600" b="0" i="0" u="none" strike="noStrike" cap="none" normalizeH="0" baseline="0" dirty="0">
+                <a:ln>
+                  <a:noFill/>
+                </a:ln>
+                <a:solidFill>
+                  <a:srgbClr val="000000"/>
+                </a:solidFill>
+                <a:effectLst/>
+                <a:latin typeface="Courier New" panose="02070309020205020404" pitchFamily="49" charset="0"/>
+                <a:cs typeface="Courier New" panose="02070309020205020404" pitchFamily="49" charset="0"/>
+              </a:rPr>
+              <a:t>) {</a:t>
+            </a:r>
+            <a:br>
+              <a:rPr kumimoji="0" lang="de-DE" altLang="de-DE" sz="1600" b="0" i="0" u="none" strike="noStrike" cap="none" normalizeH="0" baseline="0" dirty="0">
+                <a:ln>
+                  <a:noFill/>
+                </a:ln>
+                <a:solidFill>
+                  <a:srgbClr val="000000"/>
+                </a:solidFill>
+                <a:effectLst/>
+                <a:latin typeface="Courier New" panose="02070309020205020404" pitchFamily="49" charset="0"/>
+                <a:cs typeface="Courier New" panose="02070309020205020404" pitchFamily="49" charset="0"/>
+              </a:rPr>
+            </a:br>
+            <a:r>
+              <a:rPr kumimoji="0" lang="de-DE" altLang="de-DE" sz="1600" b="0" i="0" u="none" strike="noStrike" cap="none" normalizeH="0" baseline="0" dirty="0">
+                <a:ln>
+                  <a:noFill/>
+                </a:ln>
+                <a:solidFill>
+                  <a:srgbClr val="000000"/>
+                </a:solidFill>
+                <a:effectLst/>
+                <a:latin typeface="Courier New" panose="02070309020205020404" pitchFamily="49" charset="0"/>
+                <a:cs typeface="Courier New" panose="02070309020205020404" pitchFamily="49" charset="0"/>
+              </a:rPr>
+              <a:t>        </a:t>
+            </a:r>
+            <a:r>
+              <a:rPr kumimoji="0" lang="de-DE" altLang="de-DE" sz="1600" b="1" i="0" u="none" strike="noStrike" cap="none" normalizeH="0" baseline="0" dirty="0" err="1">
+                <a:ln>
+                  <a:noFill/>
+                </a:ln>
+                <a:solidFill>
+                  <a:srgbClr val="000080"/>
+                </a:solidFill>
+                <a:effectLst/>
+                <a:latin typeface="Courier New" panose="02070309020205020404" pitchFamily="49" charset="0"/>
+                <a:cs typeface="Courier New" panose="02070309020205020404" pitchFamily="49" charset="0"/>
+              </a:rPr>
+              <a:t>return</a:t>
+            </a:r>
+            <a:r>
+              <a:rPr kumimoji="0" lang="de-DE" altLang="de-DE" sz="1600" b="1" i="0" u="none" strike="noStrike" cap="none" normalizeH="0" baseline="0" dirty="0">
+                <a:ln>
+                  <a:noFill/>
+                </a:ln>
+                <a:solidFill>
+                  <a:srgbClr val="000080"/>
+                </a:solidFill>
+                <a:effectLst/>
+                <a:latin typeface="Courier New" panose="02070309020205020404" pitchFamily="49" charset="0"/>
+                <a:cs typeface="Courier New" panose="02070309020205020404" pitchFamily="49" charset="0"/>
+              </a:rPr>
+              <a:t> </a:t>
+            </a:r>
+            <a:r>
+              <a:rPr kumimoji="0" lang="de-DE" altLang="de-DE" sz="1600" b="0" i="1" u="none" strike="noStrike" cap="none" normalizeH="0" baseline="0" dirty="0" err="1">
+                <a:ln>
+                  <a:noFill/>
+                </a:ln>
+                <a:solidFill>
+                  <a:srgbClr val="000000"/>
+                </a:solidFill>
+                <a:effectLst/>
+                <a:latin typeface="Courier New" panose="02070309020205020404" pitchFamily="49" charset="0"/>
+                <a:cs typeface="Courier New" panose="02070309020205020404" pitchFamily="49" charset="0"/>
+              </a:rPr>
+              <a:t>generateSequence</a:t>
+            </a:r>
+            <a:r>
+              <a:rPr kumimoji="0" lang="de-DE" altLang="de-DE" sz="1600" b="0" i="0" u="none" strike="noStrike" cap="none" normalizeH="0" baseline="0" dirty="0">
+                <a:ln>
+                  <a:noFill/>
+                </a:ln>
+                <a:solidFill>
+                  <a:srgbClr val="000000"/>
+                </a:solidFill>
+                <a:effectLst/>
+                <a:latin typeface="Courier New" panose="02070309020205020404" pitchFamily="49" charset="0"/>
+                <a:cs typeface="Courier New" panose="02070309020205020404" pitchFamily="49" charset="0"/>
+              </a:rPr>
+              <a:t>(</a:t>
+            </a:r>
+            <a:r>
+              <a:rPr kumimoji="0" lang="de-DE" altLang="de-DE" sz="1600" b="1" i="0" u="none" strike="noStrike" cap="none" normalizeH="0" baseline="0" dirty="0" err="1">
+                <a:ln>
+                  <a:noFill/>
+                </a:ln>
+                <a:solidFill>
+                  <a:srgbClr val="660E7A"/>
+                </a:solidFill>
+                <a:effectLst/>
+                <a:latin typeface="Courier New" panose="02070309020205020404" pitchFamily="49" charset="0"/>
+                <a:cs typeface="Courier New" panose="02070309020205020404" pitchFamily="49" charset="0"/>
+              </a:rPr>
+              <a:t>ones</a:t>
+            </a:r>
+            <a:r>
+              <a:rPr kumimoji="0" lang="de-DE" altLang="de-DE" sz="1600" b="0" i="0" u="none" strike="noStrike" cap="none" normalizeH="0" baseline="0" dirty="0">
+                <a:ln>
+                  <a:noFill/>
+                </a:ln>
+                <a:solidFill>
+                  <a:srgbClr val="000000"/>
+                </a:solidFill>
+                <a:effectLst/>
+                <a:latin typeface="Courier New" panose="02070309020205020404" pitchFamily="49" charset="0"/>
+                <a:cs typeface="Courier New" panose="02070309020205020404" pitchFamily="49" charset="0"/>
+              </a:rPr>
+              <a:t>)</a:t>
+            </a:r>
+            <a:br>
+              <a:rPr kumimoji="0" lang="de-DE" altLang="de-DE" sz="1600" b="0" i="0" u="none" strike="noStrike" cap="none" normalizeH="0" baseline="0" dirty="0">
+                <a:ln>
+                  <a:noFill/>
+                </a:ln>
+                <a:solidFill>
+                  <a:srgbClr val="000000"/>
+                </a:solidFill>
+                <a:effectLst/>
+                <a:latin typeface="Courier New" panose="02070309020205020404" pitchFamily="49" charset="0"/>
+                <a:cs typeface="Courier New" panose="02070309020205020404" pitchFamily="49" charset="0"/>
+              </a:rPr>
+            </a:br>
+            <a:r>
+              <a:rPr kumimoji="0" lang="de-DE" altLang="de-DE" sz="1600" b="0" i="0" u="none" strike="noStrike" cap="none" normalizeH="0" baseline="0" dirty="0">
+                <a:ln>
+                  <a:noFill/>
+                </a:ln>
+                <a:solidFill>
+                  <a:srgbClr val="000000"/>
+                </a:solidFill>
+                <a:effectLst/>
+                <a:latin typeface="Courier New" panose="02070309020205020404" pitchFamily="49" charset="0"/>
+                <a:cs typeface="Courier New" panose="02070309020205020404" pitchFamily="49" charset="0"/>
+              </a:rPr>
+              <a:t>    } </a:t>
+            </a:r>
+            <a:r>
+              <a:rPr kumimoji="0" lang="de-DE" altLang="de-DE" sz="1600" b="1" i="0" u="none" strike="noStrike" cap="none" normalizeH="0" baseline="0" dirty="0" err="1">
+                <a:ln>
+                  <a:noFill/>
+                </a:ln>
+                <a:solidFill>
+                  <a:srgbClr val="000080"/>
+                </a:solidFill>
+                <a:effectLst/>
+                <a:latin typeface="Courier New" panose="02070309020205020404" pitchFamily="49" charset="0"/>
+                <a:cs typeface="Courier New" panose="02070309020205020404" pitchFamily="49" charset="0"/>
+              </a:rPr>
+              <a:t>else</a:t>
+            </a:r>
+            <a:r>
+              <a:rPr kumimoji="0" lang="de-DE" altLang="de-DE" sz="1600" b="1" i="0" u="none" strike="noStrike" cap="none" normalizeH="0" baseline="0" dirty="0">
+                <a:ln>
+                  <a:noFill/>
+                </a:ln>
+                <a:solidFill>
+                  <a:srgbClr val="000080"/>
+                </a:solidFill>
+                <a:effectLst/>
+                <a:latin typeface="Courier New" panose="02070309020205020404" pitchFamily="49" charset="0"/>
+                <a:cs typeface="Courier New" panose="02070309020205020404" pitchFamily="49" charset="0"/>
+              </a:rPr>
+              <a:t> </a:t>
+            </a:r>
+            <a:r>
+              <a:rPr kumimoji="0" lang="de-DE" altLang="de-DE" sz="1600" b="1" i="0" u="none" strike="noStrike" cap="none" normalizeH="0" baseline="0" dirty="0" err="1">
+                <a:ln>
+                  <a:noFill/>
+                </a:ln>
+                <a:solidFill>
+                  <a:srgbClr val="000080"/>
+                </a:solidFill>
+                <a:effectLst/>
+                <a:latin typeface="Courier New" panose="02070309020205020404" pitchFamily="49" charset="0"/>
+                <a:cs typeface="Courier New" panose="02070309020205020404" pitchFamily="49" charset="0"/>
+              </a:rPr>
+              <a:t>if</a:t>
+            </a:r>
+            <a:r>
+              <a:rPr kumimoji="0" lang="de-DE" altLang="de-DE" sz="1600" b="1" i="0" u="none" strike="noStrike" cap="none" normalizeH="0" baseline="0" dirty="0">
+                <a:ln>
+                  <a:noFill/>
+                </a:ln>
+                <a:solidFill>
+                  <a:srgbClr val="000080"/>
+                </a:solidFill>
+                <a:effectLst/>
+                <a:latin typeface="Courier New" panose="02070309020205020404" pitchFamily="49" charset="0"/>
+                <a:cs typeface="Courier New" panose="02070309020205020404" pitchFamily="49" charset="0"/>
+              </a:rPr>
+              <a:t> </a:t>
+            </a:r>
+            <a:r>
+              <a:rPr kumimoji="0" lang="de-DE" altLang="de-DE" sz="1600" b="0" i="0" u="none" strike="noStrike" cap="none" normalizeH="0" baseline="0" dirty="0">
+                <a:ln>
+                  <a:noFill/>
+                </a:ln>
+                <a:solidFill>
+                  <a:srgbClr val="000000"/>
+                </a:solidFill>
+                <a:effectLst/>
+                <a:latin typeface="Courier New" panose="02070309020205020404" pitchFamily="49" charset="0"/>
+                <a:cs typeface="Courier New" panose="02070309020205020404" pitchFamily="49" charset="0"/>
+              </a:rPr>
+              <a:t>(</a:t>
+            </a:r>
+            <a:r>
+              <a:rPr kumimoji="0" lang="de-DE" altLang="de-DE" sz="1600" b="1" i="0" u="none" strike="noStrike" cap="none" normalizeH="0" baseline="0" dirty="0" err="1">
+                <a:ln>
+                  <a:noFill/>
+                </a:ln>
+                <a:solidFill>
+                  <a:srgbClr val="660E7A"/>
+                </a:solidFill>
+                <a:effectLst/>
+                <a:latin typeface="Courier New" panose="02070309020205020404" pitchFamily="49" charset="0"/>
+                <a:cs typeface="Courier New" panose="02070309020205020404" pitchFamily="49" charset="0"/>
+              </a:rPr>
+              <a:t>computedTable</a:t>
+            </a:r>
+            <a:r>
+              <a:rPr kumimoji="0" lang="de-DE" altLang="de-DE" sz="1600" b="0" i="0" u="none" strike="noStrike" cap="none" normalizeH="0" baseline="0" dirty="0" err="1">
+                <a:ln>
+                  <a:noFill/>
+                </a:ln>
+                <a:solidFill>
+                  <a:srgbClr val="000000"/>
+                </a:solidFill>
+                <a:effectLst/>
+                <a:latin typeface="Courier New" panose="02070309020205020404" pitchFamily="49" charset="0"/>
+                <a:cs typeface="Courier New" panose="02070309020205020404" pitchFamily="49" charset="0"/>
+              </a:rPr>
+              <a:t>.containsKey</a:t>
+            </a:r>
+            <a:r>
+              <a:rPr kumimoji="0" lang="de-DE" altLang="de-DE" sz="1600" b="0" i="0" u="none" strike="noStrike" cap="none" normalizeH="0" baseline="0" dirty="0">
+                <a:ln>
+                  <a:noFill/>
+                </a:ln>
+                <a:solidFill>
+                  <a:srgbClr val="000000"/>
+                </a:solidFill>
+                <a:effectLst/>
+                <a:latin typeface="Courier New" panose="02070309020205020404" pitchFamily="49" charset="0"/>
+                <a:cs typeface="Courier New" panose="02070309020205020404" pitchFamily="49" charset="0"/>
+              </a:rPr>
+              <a:t>(</a:t>
+            </a:r>
+            <a:r>
+              <a:rPr kumimoji="0" lang="de-DE" altLang="de-DE" sz="1600" b="0" i="0" u="none" strike="noStrike" cap="none" normalizeH="0" baseline="0" dirty="0" err="1">
+                <a:ln>
+                  <a:noFill/>
+                </a:ln>
+                <a:solidFill>
+                  <a:srgbClr val="000000"/>
+                </a:solidFill>
+                <a:effectLst/>
+                <a:latin typeface="Courier New" panose="02070309020205020404" pitchFamily="49" charset="0"/>
+                <a:cs typeface="Courier New" panose="02070309020205020404" pitchFamily="49" charset="0"/>
+              </a:rPr>
+              <a:t>node</a:t>
+            </a:r>
+            <a:r>
+              <a:rPr kumimoji="0" lang="de-DE" altLang="de-DE" sz="1600" b="0" i="0" u="none" strike="noStrike" cap="none" normalizeH="0" baseline="0" dirty="0">
+                <a:ln>
+                  <a:noFill/>
+                </a:ln>
+                <a:solidFill>
+                  <a:srgbClr val="000000"/>
+                </a:solidFill>
+                <a:effectLst/>
+                <a:latin typeface="Courier New" panose="02070309020205020404" pitchFamily="49" charset="0"/>
+                <a:cs typeface="Courier New" panose="02070309020205020404" pitchFamily="49" charset="0"/>
+              </a:rPr>
+              <a:t>)) {</a:t>
+            </a:r>
+            <a:br>
+              <a:rPr kumimoji="0" lang="de-DE" altLang="de-DE" sz="1600" b="0" i="0" u="none" strike="noStrike" cap="none" normalizeH="0" baseline="0" dirty="0">
+                <a:ln>
+                  <a:noFill/>
+                </a:ln>
+                <a:solidFill>
+                  <a:srgbClr val="000000"/>
+                </a:solidFill>
+                <a:effectLst/>
+                <a:latin typeface="Courier New" panose="02070309020205020404" pitchFamily="49" charset="0"/>
+                <a:cs typeface="Courier New" panose="02070309020205020404" pitchFamily="49" charset="0"/>
+              </a:rPr>
+            </a:br>
+            <a:r>
+              <a:rPr kumimoji="0" lang="de-DE" altLang="de-DE" sz="1600" b="0" i="0" u="none" strike="noStrike" cap="none" normalizeH="0" baseline="0" dirty="0">
+                <a:ln>
+                  <a:noFill/>
+                </a:ln>
+                <a:solidFill>
+                  <a:srgbClr val="000000"/>
+                </a:solidFill>
+                <a:effectLst/>
+                <a:latin typeface="Courier New" panose="02070309020205020404" pitchFamily="49" charset="0"/>
+                <a:cs typeface="Courier New" panose="02070309020205020404" pitchFamily="49" charset="0"/>
+              </a:rPr>
+              <a:t>        </a:t>
+            </a:r>
+            <a:r>
+              <a:rPr kumimoji="0" lang="de-DE" altLang="de-DE" sz="1600" b="1" i="0" u="none" strike="noStrike" cap="none" normalizeH="0" baseline="0" dirty="0" err="1">
+                <a:ln>
+                  <a:noFill/>
+                </a:ln>
+                <a:solidFill>
+                  <a:srgbClr val="000080"/>
+                </a:solidFill>
+                <a:effectLst/>
+                <a:latin typeface="Courier New" panose="02070309020205020404" pitchFamily="49" charset="0"/>
+                <a:cs typeface="Courier New" panose="02070309020205020404" pitchFamily="49" charset="0"/>
+              </a:rPr>
+              <a:t>return</a:t>
+            </a:r>
+            <a:r>
+              <a:rPr kumimoji="0" lang="de-DE" altLang="de-DE" sz="1600" b="1" i="0" u="none" strike="noStrike" cap="none" normalizeH="0" baseline="0" dirty="0">
+                <a:ln>
+                  <a:noFill/>
+                </a:ln>
+                <a:solidFill>
+                  <a:srgbClr val="000080"/>
+                </a:solidFill>
+                <a:effectLst/>
+                <a:latin typeface="Courier New" panose="02070309020205020404" pitchFamily="49" charset="0"/>
+                <a:cs typeface="Courier New" panose="02070309020205020404" pitchFamily="49" charset="0"/>
+              </a:rPr>
+              <a:t> </a:t>
+            </a:r>
+            <a:r>
+              <a:rPr kumimoji="0" lang="de-DE" altLang="de-DE" sz="1600" b="1" i="0" u="none" strike="noStrike" cap="none" normalizeH="0" baseline="0" dirty="0" err="1">
+                <a:ln>
+                  <a:noFill/>
+                </a:ln>
+                <a:solidFill>
+                  <a:srgbClr val="660E7A"/>
+                </a:solidFill>
+                <a:effectLst/>
+                <a:latin typeface="Courier New" panose="02070309020205020404" pitchFamily="49" charset="0"/>
+                <a:cs typeface="Courier New" panose="02070309020205020404" pitchFamily="49" charset="0"/>
+              </a:rPr>
+              <a:t>computedTable</a:t>
+            </a:r>
+            <a:r>
+              <a:rPr kumimoji="0" lang="de-DE" altLang="de-DE" sz="1600" b="0" i="0" u="none" strike="noStrike" cap="none" normalizeH="0" baseline="0" dirty="0">
+                <a:ln>
+                  <a:noFill/>
+                </a:ln>
+                <a:solidFill>
+                  <a:srgbClr val="000000"/>
+                </a:solidFill>
+                <a:effectLst/>
+                <a:latin typeface="Courier New" panose="02070309020205020404" pitchFamily="49" charset="0"/>
+                <a:cs typeface="Courier New" panose="02070309020205020404" pitchFamily="49" charset="0"/>
+              </a:rPr>
+              <a:t>[</a:t>
+            </a:r>
+            <a:r>
+              <a:rPr kumimoji="0" lang="de-DE" altLang="de-DE" sz="1600" b="0" i="0" u="none" strike="noStrike" cap="none" normalizeH="0" baseline="0" dirty="0" err="1">
+                <a:ln>
+                  <a:noFill/>
+                </a:ln>
+                <a:solidFill>
+                  <a:srgbClr val="000000"/>
+                </a:solidFill>
+                <a:effectLst/>
+                <a:latin typeface="Courier New" panose="02070309020205020404" pitchFamily="49" charset="0"/>
+                <a:cs typeface="Courier New" panose="02070309020205020404" pitchFamily="49" charset="0"/>
+              </a:rPr>
+              <a:t>node</a:t>
+            </a:r>
+            <a:r>
+              <a:rPr kumimoji="0" lang="de-DE" altLang="de-DE" sz="1600" b="0" i="0" u="none" strike="noStrike" cap="none" normalizeH="0" baseline="0" dirty="0">
+                <a:ln>
+                  <a:noFill/>
+                </a:ln>
+                <a:solidFill>
+                  <a:srgbClr val="000000"/>
+                </a:solidFill>
+                <a:effectLst/>
+                <a:latin typeface="Courier New" panose="02070309020205020404" pitchFamily="49" charset="0"/>
+                <a:cs typeface="Courier New" panose="02070309020205020404" pitchFamily="49" charset="0"/>
+              </a:rPr>
+              <a:t>]!!.</a:t>
+            </a:r>
+            <a:r>
+              <a:rPr kumimoji="0" lang="de-DE" altLang="de-DE" sz="1600" b="0" i="1" u="none" strike="noStrike" cap="none" normalizeH="0" baseline="0" dirty="0" err="1">
+                <a:ln>
+                  <a:noFill/>
+                </a:ln>
+                <a:solidFill>
+                  <a:srgbClr val="000000"/>
+                </a:solidFill>
+                <a:effectLst/>
+                <a:latin typeface="Courier New" panose="02070309020205020404" pitchFamily="49" charset="0"/>
+                <a:cs typeface="Courier New" panose="02070309020205020404" pitchFamily="49" charset="0"/>
+              </a:rPr>
+              <a:t>asSequence</a:t>
+            </a:r>
+            <a:r>
+              <a:rPr kumimoji="0" lang="de-DE" altLang="de-DE" sz="1600" b="0" i="0" u="none" strike="noStrike" cap="none" normalizeH="0" baseline="0" dirty="0">
+                <a:ln>
+                  <a:noFill/>
+                </a:ln>
+                <a:solidFill>
+                  <a:srgbClr val="000000"/>
+                </a:solidFill>
+                <a:effectLst/>
+                <a:latin typeface="Courier New" panose="02070309020205020404" pitchFamily="49" charset="0"/>
+                <a:cs typeface="Courier New" panose="02070309020205020404" pitchFamily="49" charset="0"/>
+              </a:rPr>
+              <a:t>()</a:t>
+            </a:r>
+            <a:br>
+              <a:rPr kumimoji="0" lang="de-DE" altLang="de-DE" sz="1600" b="0" i="0" u="none" strike="noStrike" cap="none" normalizeH="0" baseline="0" dirty="0">
+                <a:ln>
+                  <a:noFill/>
+                </a:ln>
+                <a:solidFill>
+                  <a:srgbClr val="000000"/>
+                </a:solidFill>
+                <a:effectLst/>
+                <a:latin typeface="Courier New" panose="02070309020205020404" pitchFamily="49" charset="0"/>
+                <a:cs typeface="Courier New" panose="02070309020205020404" pitchFamily="49" charset="0"/>
+              </a:rPr>
+            </a:br>
+            <a:r>
+              <a:rPr kumimoji="0" lang="de-DE" altLang="de-DE" sz="1600" b="0" i="0" u="none" strike="noStrike" cap="none" normalizeH="0" baseline="0" dirty="0">
+                <a:ln>
+                  <a:noFill/>
+                </a:ln>
+                <a:solidFill>
+                  <a:srgbClr val="000000"/>
+                </a:solidFill>
+                <a:effectLst/>
+                <a:latin typeface="Courier New" panose="02070309020205020404" pitchFamily="49" charset="0"/>
+                <a:cs typeface="Courier New" panose="02070309020205020404" pitchFamily="49" charset="0"/>
+              </a:rPr>
+              <a:t>    } </a:t>
+            </a:r>
+            <a:r>
+              <a:rPr kumimoji="0" lang="de-DE" altLang="de-DE" sz="1600" b="1" i="0" u="none" strike="noStrike" cap="none" normalizeH="0" baseline="0" dirty="0" err="1">
+                <a:ln>
+                  <a:noFill/>
+                </a:ln>
+                <a:solidFill>
+                  <a:srgbClr val="000080"/>
+                </a:solidFill>
+                <a:effectLst/>
+                <a:latin typeface="Courier New" panose="02070309020205020404" pitchFamily="49" charset="0"/>
+                <a:cs typeface="Courier New" panose="02070309020205020404" pitchFamily="49" charset="0"/>
+              </a:rPr>
+              <a:t>else</a:t>
+            </a:r>
+            <a:r>
+              <a:rPr kumimoji="0" lang="de-DE" altLang="de-DE" sz="1600" b="1" i="0" u="none" strike="noStrike" cap="none" normalizeH="0" baseline="0" dirty="0">
+                <a:ln>
+                  <a:noFill/>
+                </a:ln>
+                <a:solidFill>
+                  <a:srgbClr val="000080"/>
+                </a:solidFill>
+                <a:effectLst/>
+                <a:latin typeface="Courier New" panose="02070309020205020404" pitchFamily="49" charset="0"/>
+                <a:cs typeface="Courier New" panose="02070309020205020404" pitchFamily="49" charset="0"/>
+              </a:rPr>
+              <a:t> </a:t>
+            </a:r>
+            <a:r>
+              <a:rPr kumimoji="0" lang="de-DE" altLang="de-DE" sz="1600" b="0" i="0" u="none" strike="noStrike" cap="none" normalizeH="0" baseline="0" dirty="0">
+                <a:ln>
+                  <a:noFill/>
+                </a:ln>
+                <a:solidFill>
+                  <a:srgbClr val="000000"/>
+                </a:solidFill>
+                <a:effectLst/>
+                <a:latin typeface="Courier New" panose="02070309020205020404" pitchFamily="49" charset="0"/>
+                <a:cs typeface="Courier New" panose="02070309020205020404" pitchFamily="49" charset="0"/>
+              </a:rPr>
+              <a:t>{</a:t>
+            </a:r>
+            <a:br>
+              <a:rPr kumimoji="0" lang="de-DE" altLang="de-DE" sz="1600" b="0" i="0" u="none" strike="noStrike" cap="none" normalizeH="0" baseline="0" dirty="0">
+                <a:ln>
+                  <a:noFill/>
+                </a:ln>
+                <a:solidFill>
+                  <a:srgbClr val="000000"/>
+                </a:solidFill>
+                <a:effectLst/>
+                <a:latin typeface="Courier New" panose="02070309020205020404" pitchFamily="49" charset="0"/>
+                <a:cs typeface="Courier New" panose="02070309020205020404" pitchFamily="49" charset="0"/>
+              </a:rPr>
+            </a:br>
+            <a:r>
+              <a:rPr kumimoji="0" lang="de-DE" altLang="de-DE" sz="1600" b="0" i="0" u="none" strike="noStrike" cap="none" normalizeH="0" baseline="0" dirty="0">
+                <a:ln>
+                  <a:noFill/>
+                </a:ln>
+                <a:solidFill>
+                  <a:srgbClr val="000000"/>
+                </a:solidFill>
+                <a:effectLst/>
+                <a:latin typeface="Courier New" panose="02070309020205020404" pitchFamily="49" charset="0"/>
+                <a:cs typeface="Courier New" panose="02070309020205020404" pitchFamily="49" charset="0"/>
+              </a:rPr>
+              <a:t>        </a:t>
+            </a:r>
+            <a:r>
+              <a:rPr kumimoji="0" lang="de-DE" altLang="de-DE" sz="1600" b="1" i="0" u="none" strike="noStrike" cap="none" normalizeH="0" baseline="0" dirty="0" err="1">
+                <a:ln>
+                  <a:noFill/>
+                </a:ln>
+                <a:solidFill>
+                  <a:srgbClr val="000080"/>
+                </a:solidFill>
+                <a:effectLst/>
+                <a:latin typeface="Courier New" panose="02070309020205020404" pitchFamily="49" charset="0"/>
+                <a:cs typeface="Courier New" panose="02070309020205020404" pitchFamily="49" charset="0"/>
+              </a:rPr>
+              <a:t>val</a:t>
+            </a:r>
+            <a:r>
+              <a:rPr kumimoji="0" lang="de-DE" altLang="de-DE" sz="1600" b="1" i="0" u="none" strike="noStrike" cap="none" normalizeH="0" baseline="0" dirty="0">
+                <a:ln>
+                  <a:noFill/>
+                </a:ln>
+                <a:solidFill>
+                  <a:srgbClr val="000080"/>
+                </a:solidFill>
+                <a:effectLst/>
+                <a:latin typeface="Courier New" panose="02070309020205020404" pitchFamily="49" charset="0"/>
+                <a:cs typeface="Courier New" panose="02070309020205020404" pitchFamily="49" charset="0"/>
+              </a:rPr>
+              <a:t> </a:t>
+            </a:r>
+            <a:r>
+              <a:rPr kumimoji="0" lang="de-DE" altLang="de-DE" sz="1600" b="0" i="0" u="none" strike="noStrike" cap="none" normalizeH="0" baseline="0" dirty="0" err="1">
+                <a:ln>
+                  <a:noFill/>
+                </a:ln>
+                <a:solidFill>
+                  <a:srgbClr val="000000"/>
+                </a:solidFill>
+                <a:effectLst/>
+                <a:latin typeface="Courier New" panose="02070309020205020404" pitchFamily="49" charset="0"/>
+                <a:cs typeface="Courier New" panose="02070309020205020404" pitchFamily="49" charset="0"/>
+              </a:rPr>
+              <a:t>result</a:t>
+            </a:r>
+            <a:r>
+              <a:rPr kumimoji="0" lang="de-DE" altLang="de-DE" sz="1600" b="0" i="0" u="none" strike="noStrike" cap="none" normalizeH="0" baseline="0" dirty="0">
+                <a:ln>
+                  <a:noFill/>
+                </a:ln>
+                <a:solidFill>
+                  <a:srgbClr val="000000"/>
+                </a:solidFill>
+                <a:effectLst/>
+                <a:latin typeface="Courier New" panose="02070309020205020404" pitchFamily="49" charset="0"/>
+                <a:cs typeface="Courier New" panose="02070309020205020404" pitchFamily="49" charset="0"/>
+              </a:rPr>
+              <a:t> = </a:t>
+            </a:r>
+            <a:r>
+              <a:rPr kumimoji="0" lang="de-DE" altLang="de-DE" sz="1600" b="0" i="0" u="none" strike="noStrike" cap="none" normalizeH="0" baseline="0" dirty="0" err="1">
+                <a:ln>
+                  <a:noFill/>
+                </a:ln>
+                <a:solidFill>
+                  <a:srgbClr val="000000"/>
+                </a:solidFill>
+                <a:effectLst/>
+                <a:latin typeface="Courier New" panose="02070309020205020404" pitchFamily="49" charset="0"/>
+                <a:cs typeface="Courier New" panose="02070309020205020404" pitchFamily="49" charset="0"/>
+              </a:rPr>
+              <a:t>formulaFromChildes</a:t>
+            </a:r>
+            <a:r>
+              <a:rPr kumimoji="0" lang="de-DE" altLang="de-DE" sz="1600" b="0" i="0" u="none" strike="noStrike" cap="none" normalizeH="0" baseline="0" dirty="0">
+                <a:ln>
+                  <a:noFill/>
+                </a:ln>
+                <a:solidFill>
+                  <a:srgbClr val="000000"/>
+                </a:solidFill>
+                <a:effectLst/>
+                <a:latin typeface="Courier New" panose="02070309020205020404" pitchFamily="49" charset="0"/>
+                <a:cs typeface="Courier New" panose="02070309020205020404" pitchFamily="49" charset="0"/>
+              </a:rPr>
+              <a:t>(</a:t>
+            </a:r>
+            <a:r>
+              <a:rPr kumimoji="0" lang="de-DE" altLang="de-DE" sz="1600" b="0" i="0" u="none" strike="noStrike" cap="none" normalizeH="0" baseline="0" dirty="0" err="1">
+                <a:ln>
+                  <a:noFill/>
+                </a:ln>
+                <a:solidFill>
+                  <a:srgbClr val="000000"/>
+                </a:solidFill>
+                <a:effectLst/>
+                <a:latin typeface="Courier New" panose="02070309020205020404" pitchFamily="49" charset="0"/>
+                <a:cs typeface="Courier New" panose="02070309020205020404" pitchFamily="49" charset="0"/>
+              </a:rPr>
+              <a:t>node</a:t>
+            </a:r>
+            <a:r>
+              <a:rPr kumimoji="0" lang="de-DE" altLang="de-DE" sz="1600" b="0" i="0" u="none" strike="noStrike" cap="none" normalizeH="0" baseline="0" dirty="0">
+                <a:ln>
+                  <a:noFill/>
+                </a:ln>
+                <a:solidFill>
+                  <a:srgbClr val="000000"/>
+                </a:solidFill>
+                <a:effectLst/>
+                <a:latin typeface="Courier New" panose="02070309020205020404" pitchFamily="49" charset="0"/>
+                <a:cs typeface="Courier New" panose="02070309020205020404" pitchFamily="49" charset="0"/>
+              </a:rPr>
+              <a:t>).</a:t>
+            </a:r>
+            <a:r>
+              <a:rPr kumimoji="0" lang="de-DE" altLang="de-DE" sz="1600" b="0" i="1" u="none" strike="noStrike" cap="none" normalizeH="0" baseline="0" dirty="0" err="1">
+                <a:ln>
+                  <a:noFill/>
+                </a:ln>
+                <a:solidFill>
+                  <a:srgbClr val="000000"/>
+                </a:solidFill>
+                <a:effectLst/>
+                <a:latin typeface="Courier New" panose="02070309020205020404" pitchFamily="49" charset="0"/>
+                <a:cs typeface="Courier New" panose="02070309020205020404" pitchFamily="49" charset="0"/>
+              </a:rPr>
+              <a:t>toList</a:t>
+            </a:r>
+            <a:r>
+              <a:rPr kumimoji="0" lang="de-DE" altLang="de-DE" sz="1600" b="0" i="0" u="none" strike="noStrike" cap="none" normalizeH="0" baseline="0" dirty="0">
+                <a:ln>
+                  <a:noFill/>
+                </a:ln>
+                <a:solidFill>
+                  <a:srgbClr val="000000"/>
+                </a:solidFill>
+                <a:effectLst/>
+                <a:latin typeface="Courier New" panose="02070309020205020404" pitchFamily="49" charset="0"/>
+                <a:cs typeface="Courier New" panose="02070309020205020404" pitchFamily="49" charset="0"/>
+              </a:rPr>
+              <a:t>()</a:t>
+            </a:r>
+            <a:br>
+              <a:rPr kumimoji="0" lang="de-DE" altLang="de-DE" sz="1600" b="0" i="0" u="none" strike="noStrike" cap="none" normalizeH="0" baseline="0" dirty="0">
+                <a:ln>
+                  <a:noFill/>
+                </a:ln>
+                <a:solidFill>
+                  <a:srgbClr val="000000"/>
+                </a:solidFill>
+                <a:effectLst/>
+                <a:latin typeface="Courier New" panose="02070309020205020404" pitchFamily="49" charset="0"/>
+                <a:cs typeface="Courier New" panose="02070309020205020404" pitchFamily="49" charset="0"/>
+              </a:rPr>
+            </a:br>
+            <a:r>
+              <a:rPr kumimoji="0" lang="de-DE" altLang="de-DE" sz="1600" b="0" i="0" u="none" strike="noStrike" cap="none" normalizeH="0" baseline="0" dirty="0">
+                <a:ln>
+                  <a:noFill/>
+                </a:ln>
+                <a:solidFill>
+                  <a:srgbClr val="000000"/>
+                </a:solidFill>
+                <a:effectLst/>
+                <a:latin typeface="Courier New" panose="02070309020205020404" pitchFamily="49" charset="0"/>
+                <a:cs typeface="Courier New" panose="02070309020205020404" pitchFamily="49" charset="0"/>
+              </a:rPr>
+              <a:t>        </a:t>
+            </a:r>
+            <a:r>
+              <a:rPr kumimoji="0" lang="de-DE" altLang="de-DE" sz="1600" b="1" i="0" u="none" strike="noStrike" cap="none" normalizeH="0" baseline="0" dirty="0" err="1">
+                <a:ln>
+                  <a:noFill/>
+                </a:ln>
+                <a:solidFill>
+                  <a:srgbClr val="660E7A"/>
+                </a:solidFill>
+                <a:effectLst/>
+                <a:latin typeface="Courier New" panose="02070309020205020404" pitchFamily="49" charset="0"/>
+                <a:cs typeface="Courier New" panose="02070309020205020404" pitchFamily="49" charset="0"/>
+              </a:rPr>
+              <a:t>computedTable</a:t>
+            </a:r>
+            <a:r>
+              <a:rPr kumimoji="0" lang="de-DE" altLang="de-DE" sz="1600" b="0" i="0" u="none" strike="noStrike" cap="none" normalizeH="0" baseline="0" dirty="0" err="1">
+                <a:ln>
+                  <a:noFill/>
+                </a:ln>
+                <a:solidFill>
+                  <a:srgbClr val="000000"/>
+                </a:solidFill>
+                <a:effectLst/>
+                <a:latin typeface="Courier New" panose="02070309020205020404" pitchFamily="49" charset="0"/>
+                <a:cs typeface="Courier New" panose="02070309020205020404" pitchFamily="49" charset="0"/>
+              </a:rPr>
+              <a:t>.put</a:t>
+            </a:r>
+            <a:r>
+              <a:rPr kumimoji="0" lang="de-DE" altLang="de-DE" sz="1600" b="0" i="0" u="none" strike="noStrike" cap="none" normalizeH="0" baseline="0" dirty="0">
+                <a:ln>
+                  <a:noFill/>
+                </a:ln>
+                <a:solidFill>
+                  <a:srgbClr val="000000"/>
+                </a:solidFill>
+                <a:effectLst/>
+                <a:latin typeface="Courier New" panose="02070309020205020404" pitchFamily="49" charset="0"/>
+                <a:cs typeface="Courier New" panose="02070309020205020404" pitchFamily="49" charset="0"/>
+              </a:rPr>
+              <a:t>(</a:t>
+            </a:r>
+            <a:r>
+              <a:rPr kumimoji="0" lang="de-DE" altLang="de-DE" sz="1600" b="0" i="0" u="none" strike="noStrike" cap="none" normalizeH="0" baseline="0" dirty="0" err="1">
+                <a:ln>
+                  <a:noFill/>
+                </a:ln>
+                <a:solidFill>
+                  <a:srgbClr val="000000"/>
+                </a:solidFill>
+                <a:effectLst/>
+                <a:latin typeface="Courier New" panose="02070309020205020404" pitchFamily="49" charset="0"/>
+                <a:cs typeface="Courier New" panose="02070309020205020404" pitchFamily="49" charset="0"/>
+              </a:rPr>
+              <a:t>node</a:t>
+            </a:r>
+            <a:r>
+              <a:rPr kumimoji="0" lang="de-DE" altLang="de-DE" sz="1600" b="0" i="0" u="none" strike="noStrike" cap="none" normalizeH="0" baseline="0" dirty="0">
+                <a:ln>
+                  <a:noFill/>
+                </a:ln>
+                <a:solidFill>
+                  <a:srgbClr val="000000"/>
+                </a:solidFill>
+                <a:effectLst/>
+                <a:latin typeface="Courier New" panose="02070309020205020404" pitchFamily="49" charset="0"/>
+                <a:cs typeface="Courier New" panose="02070309020205020404" pitchFamily="49" charset="0"/>
+              </a:rPr>
+              <a:t>, </a:t>
+            </a:r>
+            <a:r>
+              <a:rPr kumimoji="0" lang="de-DE" altLang="de-DE" sz="1600" b="0" i="0" u="none" strike="noStrike" cap="none" normalizeH="0" baseline="0" dirty="0" err="1">
+                <a:ln>
+                  <a:noFill/>
+                </a:ln>
+                <a:solidFill>
+                  <a:srgbClr val="000000"/>
+                </a:solidFill>
+                <a:effectLst/>
+                <a:latin typeface="Courier New" panose="02070309020205020404" pitchFamily="49" charset="0"/>
+                <a:cs typeface="Courier New" panose="02070309020205020404" pitchFamily="49" charset="0"/>
+              </a:rPr>
+              <a:t>result</a:t>
+            </a:r>
+            <a:r>
+              <a:rPr kumimoji="0" lang="de-DE" altLang="de-DE" sz="1600" b="0" i="0" u="none" strike="noStrike" cap="none" normalizeH="0" baseline="0" dirty="0">
+                <a:ln>
+                  <a:noFill/>
+                </a:ln>
+                <a:solidFill>
+                  <a:srgbClr val="000000"/>
+                </a:solidFill>
+                <a:effectLst/>
+                <a:latin typeface="Courier New" panose="02070309020205020404" pitchFamily="49" charset="0"/>
+                <a:cs typeface="Courier New" panose="02070309020205020404" pitchFamily="49" charset="0"/>
+              </a:rPr>
+              <a:t>)</a:t>
+            </a:r>
+            <a:br>
+              <a:rPr kumimoji="0" lang="de-DE" altLang="de-DE" sz="1600" b="0" i="0" u="none" strike="noStrike" cap="none" normalizeH="0" baseline="0" dirty="0">
+                <a:ln>
+                  <a:noFill/>
+                </a:ln>
+                <a:solidFill>
+                  <a:srgbClr val="000000"/>
+                </a:solidFill>
+                <a:effectLst/>
+                <a:latin typeface="Courier New" panose="02070309020205020404" pitchFamily="49" charset="0"/>
+                <a:cs typeface="Courier New" panose="02070309020205020404" pitchFamily="49" charset="0"/>
+              </a:rPr>
+            </a:br>
+            <a:r>
+              <a:rPr kumimoji="0" lang="de-DE" altLang="de-DE" sz="1600" b="0" i="0" u="none" strike="noStrike" cap="none" normalizeH="0" baseline="0" dirty="0">
+                <a:ln>
+                  <a:noFill/>
+                </a:ln>
+                <a:solidFill>
+                  <a:srgbClr val="000000"/>
+                </a:solidFill>
+                <a:effectLst/>
+                <a:latin typeface="Courier New" panose="02070309020205020404" pitchFamily="49" charset="0"/>
+                <a:cs typeface="Courier New" panose="02070309020205020404" pitchFamily="49" charset="0"/>
+              </a:rPr>
+              <a:t>        </a:t>
+            </a:r>
+            <a:r>
+              <a:rPr kumimoji="0" lang="de-DE" altLang="de-DE" sz="1600" b="1" i="0" u="none" strike="noStrike" cap="none" normalizeH="0" baseline="0" dirty="0" err="1">
+                <a:ln>
+                  <a:noFill/>
+                </a:ln>
+                <a:solidFill>
+                  <a:srgbClr val="000080"/>
+                </a:solidFill>
+                <a:effectLst/>
+                <a:latin typeface="Courier New" panose="02070309020205020404" pitchFamily="49" charset="0"/>
+                <a:cs typeface="Courier New" panose="02070309020205020404" pitchFamily="49" charset="0"/>
+              </a:rPr>
+              <a:t>return</a:t>
+            </a:r>
+            <a:r>
+              <a:rPr kumimoji="0" lang="de-DE" altLang="de-DE" sz="1600" b="1" i="0" u="none" strike="noStrike" cap="none" normalizeH="0" baseline="0" dirty="0">
+                <a:ln>
+                  <a:noFill/>
+                </a:ln>
+                <a:solidFill>
+                  <a:srgbClr val="000080"/>
+                </a:solidFill>
+                <a:effectLst/>
+                <a:latin typeface="Courier New" panose="02070309020205020404" pitchFamily="49" charset="0"/>
+                <a:cs typeface="Courier New" panose="02070309020205020404" pitchFamily="49" charset="0"/>
+              </a:rPr>
+              <a:t> </a:t>
+            </a:r>
+            <a:r>
+              <a:rPr kumimoji="0" lang="de-DE" altLang="de-DE" sz="1600" b="0" i="0" u="none" strike="noStrike" cap="none" normalizeH="0" baseline="0" dirty="0" err="1">
+                <a:ln>
+                  <a:noFill/>
+                </a:ln>
+                <a:solidFill>
+                  <a:srgbClr val="000000"/>
+                </a:solidFill>
+                <a:effectLst/>
+                <a:latin typeface="Courier New" panose="02070309020205020404" pitchFamily="49" charset="0"/>
+                <a:cs typeface="Courier New" panose="02070309020205020404" pitchFamily="49" charset="0"/>
+              </a:rPr>
+              <a:t>result.</a:t>
+            </a:r>
+            <a:r>
+              <a:rPr kumimoji="0" lang="de-DE" altLang="de-DE" sz="1600" b="0" i="1" u="none" strike="noStrike" cap="none" normalizeH="0" baseline="0" dirty="0" err="1">
+                <a:ln>
+                  <a:noFill/>
+                </a:ln>
+                <a:solidFill>
+                  <a:srgbClr val="000000"/>
+                </a:solidFill>
+                <a:effectLst/>
+                <a:latin typeface="Courier New" panose="02070309020205020404" pitchFamily="49" charset="0"/>
+                <a:cs typeface="Courier New" panose="02070309020205020404" pitchFamily="49" charset="0"/>
+              </a:rPr>
+              <a:t>asSequence</a:t>
+            </a:r>
+            <a:r>
+              <a:rPr kumimoji="0" lang="de-DE" altLang="de-DE" sz="1600" b="0" i="0" u="none" strike="noStrike" cap="none" normalizeH="0" baseline="0" dirty="0">
+                <a:ln>
+                  <a:noFill/>
+                </a:ln>
+                <a:solidFill>
+                  <a:srgbClr val="000000"/>
+                </a:solidFill>
+                <a:effectLst/>
+                <a:latin typeface="Courier New" panose="02070309020205020404" pitchFamily="49" charset="0"/>
+                <a:cs typeface="Courier New" panose="02070309020205020404" pitchFamily="49" charset="0"/>
+              </a:rPr>
+              <a:t>() </a:t>
+            </a:r>
+            <a:r>
+              <a:rPr kumimoji="0" lang="de-DE" altLang="de-DE" sz="1600" b="0" i="1" u="none" strike="noStrike" cap="none" normalizeH="0" baseline="0" dirty="0">
+                <a:ln>
+                  <a:noFill/>
+                </a:ln>
+                <a:solidFill>
+                  <a:srgbClr val="808080"/>
+                </a:solidFill>
+                <a:effectLst/>
+                <a:latin typeface="Courier New" panose="02070309020205020404" pitchFamily="49" charset="0"/>
+                <a:cs typeface="Courier New" panose="02070309020205020404" pitchFamily="49" charset="0"/>
+              </a:rPr>
+              <a:t>// Eleganz vom Ansatz weg...</a:t>
+            </a:r>
+            <a:br>
+              <a:rPr kumimoji="0" lang="de-DE" altLang="de-DE" sz="1600" b="0" i="1" u="none" strike="noStrike" cap="none" normalizeH="0" baseline="0" dirty="0">
+                <a:ln>
+                  <a:noFill/>
+                </a:ln>
+                <a:solidFill>
+                  <a:srgbClr val="808080"/>
+                </a:solidFill>
+                <a:effectLst/>
+                <a:latin typeface="Courier New" panose="02070309020205020404" pitchFamily="49" charset="0"/>
+                <a:cs typeface="Courier New" panose="02070309020205020404" pitchFamily="49" charset="0"/>
+              </a:rPr>
+            </a:br>
+            <a:r>
+              <a:rPr kumimoji="0" lang="de-DE" altLang="de-DE" sz="1600" b="0" i="1" u="none" strike="noStrike" cap="none" normalizeH="0" baseline="0" dirty="0">
+                <a:ln>
+                  <a:noFill/>
+                </a:ln>
+                <a:solidFill>
+                  <a:srgbClr val="808080"/>
+                </a:solidFill>
+                <a:effectLst/>
+                <a:latin typeface="Courier New" panose="02070309020205020404" pitchFamily="49" charset="0"/>
+                <a:cs typeface="Courier New" panose="02070309020205020404" pitchFamily="49" charset="0"/>
+              </a:rPr>
+              <a:t>    </a:t>
+            </a:r>
+            <a:r>
+              <a:rPr kumimoji="0" lang="de-DE" altLang="de-DE" sz="1600" b="0" i="0" u="none" strike="noStrike" cap="none" normalizeH="0" baseline="0" dirty="0">
+                <a:ln>
+                  <a:noFill/>
+                </a:ln>
+                <a:solidFill>
+                  <a:srgbClr val="000000"/>
+                </a:solidFill>
+                <a:effectLst/>
+                <a:latin typeface="Courier New" panose="02070309020205020404" pitchFamily="49" charset="0"/>
+                <a:cs typeface="Courier New" panose="02070309020205020404" pitchFamily="49" charset="0"/>
+              </a:rPr>
+              <a:t>}</a:t>
+            </a:r>
+            <a:br>
+              <a:rPr kumimoji="0" lang="de-DE" altLang="de-DE" sz="1600" b="0" i="0" u="none" strike="noStrike" cap="none" normalizeH="0" baseline="0" dirty="0">
+                <a:ln>
+                  <a:noFill/>
+                </a:ln>
+                <a:solidFill>
+                  <a:srgbClr val="000000"/>
+                </a:solidFill>
+                <a:effectLst/>
+                <a:latin typeface="Courier New" panose="02070309020205020404" pitchFamily="49" charset="0"/>
+                <a:cs typeface="Courier New" panose="02070309020205020404" pitchFamily="49" charset="0"/>
+              </a:rPr>
+            </a:br>
+            <a:r>
+              <a:rPr kumimoji="0" lang="de-DE" altLang="de-DE" sz="1600" b="0" i="0" u="none" strike="noStrike" cap="none" normalizeH="0" baseline="0" dirty="0">
+                <a:ln>
+                  <a:noFill/>
+                </a:ln>
+                <a:solidFill>
+                  <a:srgbClr val="000000"/>
+                </a:solidFill>
+                <a:effectLst/>
+                <a:latin typeface="Courier New" panose="02070309020205020404" pitchFamily="49" charset="0"/>
+                <a:cs typeface="Courier New" panose="02070309020205020404" pitchFamily="49" charset="0"/>
+              </a:rPr>
+              <a:t>}</a:t>
+            </a:r>
+            <a:endParaRPr kumimoji="0" lang="de-DE" altLang="de-DE" sz="3600" b="0" i="0" u="none" strike="noStrike" cap="none" normalizeH="0" baseline="0" dirty="0">
+              <a:ln>
+                <a:noFill/>
+              </a:ln>
+              <a:solidFill>
+                <a:schemeClr val="tx1"/>
+              </a:solidFill>
+              <a:effectLst/>
+              <a:latin typeface="Arial" panose="020B0604020202020204" pitchFamily="34" charset="0"/>
+            </a:endParaRPr>
+          </a:p>
+        </p:txBody>
+      </p:sp>
+    </p:spTree>
+    <p:extLst>
+      <p:ext uri="{BB962C8B-B14F-4D97-AF65-F5344CB8AC3E}">
+        <p14:creationId xmlns:p14="http://schemas.microsoft.com/office/powerpoint/2010/main" val="3864395574"/>
       </p:ext>
     </p:extLst>
   </p:cSld>
@@ -5897,1146 +8671,1404 @@
       </p:sp>
       <p:sp>
         <p:nvSpPr>
-          <p:cNvPr id="4" name="Rectangle 1"/>
-          <p:cNvSpPr>
-            <a:spLocks noChangeArrowheads="1"/>
-          </p:cNvSpPr>
+          <p:cNvPr id="19" name="Ellipse 18"/>
+          <p:cNvSpPr/>
           <p:nvPr/>
         </p:nvSpPr>
-        <p:spPr bwMode="auto">
+        <p:spPr>
           <a:xfrm>
-            <a:off x="94728" y="2695557"/>
-            <a:ext cx="9049272" cy="2323713"/>
+            <a:off x="2674889" y="2050603"/>
+            <a:ext cx="1469290" cy="546999"/>
+          </a:xfrm>
+          <a:prstGeom prst="ellipse">
+            <a:avLst/>
+          </a:prstGeom>
+          <a:solidFill>
+            <a:schemeClr val="accent2">
+              <a:lumMod val="60000"/>
+              <a:lumOff val="40000"/>
+              <a:alpha val="25000"/>
+            </a:schemeClr>
+          </a:solidFill>
+          <a:ln w="18000">
+            <a:solidFill>
+              <a:srgbClr val="000000"/>
+            </a:solidFill>
+          </a:ln>
+        </p:spPr>
+        <p:style>
+          <a:lnRef idx="2">
+            <a:schemeClr val="accent1">
+              <a:shade val="50000"/>
+            </a:schemeClr>
+          </a:lnRef>
+          <a:fillRef idx="1">
+            <a:schemeClr val="accent1"/>
+          </a:fillRef>
+          <a:effectRef idx="0">
+            <a:schemeClr val="accent1"/>
+          </a:effectRef>
+          <a:fontRef idx="minor">
+            <a:schemeClr val="lt1"/>
+          </a:fontRef>
+        </p:style>
+        <p:txBody>
+          <a:bodyPr rtlCol="0" anchor="ctr"/>
+          <a:lstStyle/>
+          <a:p>
+            <a:pPr algn="ctr"/>
+            <a:r>
+              <a:rPr lang="de-DE" dirty="0">
+                <a:solidFill>
+                  <a:srgbClr val="000000"/>
+                </a:solidFill>
+              </a:rPr>
+              <a:t>X_1</a:t>
+            </a:r>
+          </a:p>
+        </p:txBody>
+      </p:sp>
+      <p:sp>
+        <p:nvSpPr>
+          <p:cNvPr id="22" name="Ellipse 21"/>
+          <p:cNvSpPr/>
+          <p:nvPr/>
+        </p:nvSpPr>
+        <p:spPr>
+          <a:xfrm>
+            <a:off x="931113" y="2995281"/>
+            <a:ext cx="1372949" cy="489673"/>
+          </a:xfrm>
+          <a:prstGeom prst="ellipse">
+            <a:avLst/>
+          </a:prstGeom>
+          <a:solidFill>
+            <a:schemeClr val="accent2">
+              <a:lumMod val="60000"/>
+              <a:lumOff val="40000"/>
+              <a:alpha val="25000"/>
+            </a:schemeClr>
+          </a:solidFill>
+          <a:ln w="18000">
+            <a:solidFill>
+              <a:srgbClr val="000000"/>
+            </a:solidFill>
+          </a:ln>
+        </p:spPr>
+        <p:style>
+          <a:lnRef idx="2">
+            <a:schemeClr val="accent1">
+              <a:shade val="50000"/>
+            </a:schemeClr>
+          </a:lnRef>
+          <a:fillRef idx="1">
+            <a:schemeClr val="accent1"/>
+          </a:fillRef>
+          <a:effectRef idx="0">
+            <a:schemeClr val="accent1"/>
+          </a:effectRef>
+          <a:fontRef idx="minor">
+            <a:schemeClr val="lt1"/>
+          </a:fontRef>
+        </p:style>
+        <p:txBody>
+          <a:bodyPr rtlCol="0" anchor="ctr"/>
+          <a:lstStyle/>
+          <a:p>
+            <a:pPr algn="ctr"/>
+            <a:r>
+              <a:rPr lang="de-DE" dirty="0">
+                <a:solidFill>
+                  <a:srgbClr val="000000"/>
+                </a:solidFill>
+              </a:rPr>
+              <a:t>X_2</a:t>
+            </a:r>
+          </a:p>
+        </p:txBody>
+      </p:sp>
+      <p:sp>
+        <p:nvSpPr>
+          <p:cNvPr id="25" name="Ellipse 24"/>
+          <p:cNvSpPr/>
+          <p:nvPr/>
+        </p:nvSpPr>
+        <p:spPr>
+          <a:xfrm>
+            <a:off x="4575135" y="2993234"/>
+            <a:ext cx="1542052" cy="504714"/>
+          </a:xfrm>
+          <a:prstGeom prst="ellipse">
+            <a:avLst/>
+          </a:prstGeom>
+          <a:solidFill>
+            <a:schemeClr val="accent2">
+              <a:lumMod val="60000"/>
+              <a:lumOff val="40000"/>
+              <a:alpha val="25000"/>
+            </a:schemeClr>
+          </a:solidFill>
+          <a:ln w="18000">
+            <a:solidFill>
+              <a:srgbClr val="000000"/>
+            </a:solidFill>
+          </a:ln>
+        </p:spPr>
+        <p:style>
+          <a:lnRef idx="2">
+            <a:schemeClr val="accent1">
+              <a:shade val="50000"/>
+            </a:schemeClr>
+          </a:lnRef>
+          <a:fillRef idx="1">
+            <a:schemeClr val="accent1"/>
+          </a:fillRef>
+          <a:effectRef idx="0">
+            <a:schemeClr val="accent1"/>
+          </a:effectRef>
+          <a:fontRef idx="minor">
+            <a:schemeClr val="lt1"/>
+          </a:fontRef>
+        </p:style>
+        <p:txBody>
+          <a:bodyPr rtlCol="0" anchor="ctr"/>
+          <a:lstStyle/>
+          <a:p>
+            <a:pPr algn="ctr"/>
+            <a:r>
+              <a:rPr lang="de-DE" dirty="0">
+                <a:solidFill>
+                  <a:srgbClr val="000000"/>
+                </a:solidFill>
+              </a:rPr>
+              <a:t>X_2</a:t>
+            </a:r>
+          </a:p>
+        </p:txBody>
+      </p:sp>
+      <p:cxnSp>
+        <p:nvCxnSpPr>
+          <p:cNvPr id="28" name="Gerader Verbinder 27"/>
+          <p:cNvCxnSpPr>
+            <a:stCxn id="19" idx="3"/>
+            <a:endCxn id="22" idx="0"/>
+          </p:cNvCxnSpPr>
+          <p:nvPr/>
+        </p:nvCxnSpPr>
+        <p:spPr>
+          <a:xfrm flipH="1">
+            <a:off x="1617588" y="2517496"/>
+            <a:ext cx="1272474" cy="477785"/>
+          </a:xfrm>
+          <a:prstGeom prst="line">
+            <a:avLst/>
+          </a:prstGeom>
+          <a:ln w="19050" cap="flat" cmpd="sng" algn="ctr">
+            <a:solidFill>
+              <a:schemeClr val="dk1"/>
+            </a:solidFill>
+            <a:prstDash val="dash"/>
+            <a:round/>
+            <a:headEnd type="none" w="med" len="med"/>
+            <a:tailEnd type="none" w="med" len="med"/>
+          </a:ln>
+        </p:spPr>
+        <p:style>
+          <a:lnRef idx="0">
+            <a:scrgbClr r="0" g="0" b="0"/>
+          </a:lnRef>
+          <a:fillRef idx="0">
+            <a:scrgbClr r="0" g="0" b="0"/>
+          </a:fillRef>
+          <a:effectRef idx="0">
+            <a:scrgbClr r="0" g="0" b="0"/>
+          </a:effectRef>
+          <a:fontRef idx="minor">
+            <a:schemeClr val="tx1"/>
+          </a:fontRef>
+        </p:style>
+      </p:cxnSp>
+      <p:cxnSp>
+        <p:nvCxnSpPr>
+          <p:cNvPr id="36" name="Gerader Verbinder 35"/>
+          <p:cNvCxnSpPr>
+            <a:stCxn id="19" idx="5"/>
+            <a:endCxn id="25" idx="0"/>
+          </p:cNvCxnSpPr>
+          <p:nvPr/>
+        </p:nvCxnSpPr>
+        <p:spPr>
+          <a:xfrm>
+            <a:off x="3929006" y="2517496"/>
+            <a:ext cx="1417155" cy="475738"/>
+          </a:xfrm>
+          <a:prstGeom prst="line">
+            <a:avLst/>
+          </a:prstGeom>
+          <a:ln w="19050">
+            <a:headEnd type="none" w="med" len="med"/>
+            <a:tailEnd type="none" w="med" len="med"/>
+          </a:ln>
+        </p:spPr>
+        <p:style>
+          <a:lnRef idx="2">
+            <a:schemeClr val="dk1"/>
+          </a:lnRef>
+          <a:fillRef idx="0">
+            <a:schemeClr val="dk1"/>
+          </a:fillRef>
+          <a:effectRef idx="1">
+            <a:schemeClr val="dk1"/>
+          </a:effectRef>
+          <a:fontRef idx="minor">
+            <a:schemeClr val="tx1"/>
+          </a:fontRef>
+        </p:style>
+      </p:cxnSp>
+      <p:sp>
+        <p:nvSpPr>
+          <p:cNvPr id="41" name="Rechteck 40"/>
+          <p:cNvSpPr/>
+          <p:nvPr/>
+        </p:nvSpPr>
+        <p:spPr>
+          <a:xfrm>
+            <a:off x="2107274" y="5488158"/>
+            <a:ext cx="664560" cy="437400"/>
           </a:xfrm>
           <a:prstGeom prst="rect">
             <a:avLst/>
           </a:prstGeom>
           <a:solidFill>
-            <a:srgbClr val="FFFFFF"/>
+            <a:schemeClr val="accent2">
+              <a:lumMod val="60000"/>
+              <a:lumOff val="40000"/>
+              <a:alpha val="25000"/>
+            </a:schemeClr>
           </a:solidFill>
-          <a:ln>
-            <a:noFill/>
+          <a:ln w="18000">
+            <a:solidFill>
+              <a:srgbClr val="000000"/>
+            </a:solidFill>
           </a:ln>
-          <a:effectLst/>
-          <a:extLst>
-            <a:ext uri="{91240B29-F687-4f45-9708-019B960494DF}">
-              <a14:hiddenLine xmlns:a14="http://schemas.microsoft.com/office/drawing/2010/main" xmlns="" w="9525">
-                <a:solidFill>
-                  <a:schemeClr val="tx1"/>
-                </a:solidFill>
-                <a:miter lim="800000"/>
-                <a:headEnd/>
-                <a:tailEnd/>
-              </a14:hiddenLine>
-            </a:ext>
-            <a:ext uri="{AF507438-7753-43e0-B8FC-AC1667EBCBE1}">
-              <a14:hiddenEffects xmlns:a14="http://schemas.microsoft.com/office/drawing/2010/main" xmlns="">
-                <a:effectLst>
-                  <a:outerShdw dist="35921" dir="2700000" algn="ctr" rotWithShape="0">
-                    <a:schemeClr val="bg2"/>
-                  </a:outerShdw>
-                </a:effectLst>
-              </a14:hiddenEffects>
-            </a:ext>
-          </a:extLst>
         </p:spPr>
+        <p:style>
+          <a:lnRef idx="2">
+            <a:schemeClr val="accent1">
+              <a:shade val="50000"/>
+            </a:schemeClr>
+          </a:lnRef>
+          <a:fillRef idx="1">
+            <a:schemeClr val="accent1"/>
+          </a:fillRef>
+          <a:effectRef idx="0">
+            <a:schemeClr val="accent1"/>
+          </a:effectRef>
+          <a:fontRef idx="minor">
+            <a:schemeClr val="lt1"/>
+          </a:fontRef>
+        </p:style>
         <p:txBody>
-          <a:bodyPr vert="horz" wrap="none" lIns="91440" tIns="45720" rIns="91440" bIns="45720" numCol="1" anchor="ctr" anchorCtr="0" compatLnSpc="1">
-            <a:prstTxWarp prst="textNoShape">
-              <a:avLst/>
-            </a:prstTxWarp>
-            <a:spAutoFit/>
-          </a:bodyPr>
+          <a:bodyPr rtlCol="0" anchor="ctr"/>
           <a:lstStyle/>
           <a:p>
-            <a:pPr marL="0" marR="0" lvl="0" indent="0" algn="l" defTabSz="914400" rtl="0" eaLnBrk="0" fontAlgn="base" latinLnBrk="0" hangingPunct="0">
-              <a:lnSpc>
-                <a:spcPct val="100000"/>
-              </a:lnSpc>
-              <a:spcBef>
-                <a:spcPct val="0"/>
-              </a:spcBef>
-              <a:spcAft>
-                <a:spcPct val="0"/>
-              </a:spcAft>
-              <a:buClrTx/>
-              <a:buSzTx/>
-              <a:buFontTx/>
-              <a:buNone/>
-              <a:tabLst/>
-            </a:pPr>
-            <a:r>
-              <a:rPr kumimoji="0" lang="de-DE" altLang="de-DE" sz="1450" b="1" i="0" u="none" strike="noStrike" cap="none" normalizeH="0" baseline="0" dirty="0" err="1">
-                <a:ln>
-                  <a:noFill/>
-                </a:ln>
-                <a:solidFill>
-                  <a:srgbClr val="000080"/>
-                </a:solidFill>
-                <a:effectLst/>
-                <a:latin typeface="Courier New" panose="02070309020205020404" pitchFamily="49" charset="0"/>
-                <a:cs typeface="Courier New" panose="02070309020205020404" pitchFamily="49" charset="0"/>
-              </a:rPr>
-              <a:t>val</a:t>
-            </a:r>
-            <a:r>
-              <a:rPr kumimoji="0" lang="de-DE" altLang="de-DE" sz="1450" b="1" i="0" u="none" strike="noStrike" cap="none" normalizeH="0" baseline="0" dirty="0">
-                <a:ln>
-                  <a:noFill/>
-                </a:ln>
-                <a:solidFill>
-                  <a:srgbClr val="000080"/>
-                </a:solidFill>
-                <a:effectLst/>
-                <a:latin typeface="Courier New" panose="02070309020205020404" pitchFamily="49" charset="0"/>
-                <a:cs typeface="Courier New" panose="02070309020205020404" pitchFamily="49" charset="0"/>
-              </a:rPr>
-              <a:t> </a:t>
-            </a:r>
-            <a:r>
-              <a:rPr kumimoji="0" lang="de-DE" altLang="de-DE" sz="1450" b="0" i="0" u="none" strike="noStrike" cap="none" normalizeH="0" baseline="0" dirty="0" err="1">
-                <a:ln>
-                  <a:noFill/>
-                </a:ln>
-                <a:solidFill>
-                  <a:srgbClr val="000000"/>
-                </a:solidFill>
-                <a:effectLst/>
-                <a:latin typeface="Courier New" panose="02070309020205020404" pitchFamily="49" charset="0"/>
-                <a:cs typeface="Courier New" panose="02070309020205020404" pitchFamily="49" charset="0"/>
-              </a:rPr>
-              <a:t>current</a:t>
-            </a:r>
-            <a:r>
-              <a:rPr kumimoji="0" lang="de-DE" altLang="de-DE" sz="1450" b="0" i="0" u="none" strike="noStrike" cap="none" normalizeH="0" baseline="0" dirty="0">
-                <a:ln>
-                  <a:noFill/>
-                </a:ln>
-                <a:solidFill>
-                  <a:srgbClr val="000000"/>
-                </a:solidFill>
-                <a:effectLst/>
-                <a:latin typeface="Courier New" panose="02070309020205020404" pitchFamily="49" charset="0"/>
-                <a:cs typeface="Courier New" panose="02070309020205020404" pitchFamily="49" charset="0"/>
-              </a:rPr>
-              <a:t> = </a:t>
-            </a:r>
-            <a:r>
-              <a:rPr kumimoji="0" lang="de-DE" altLang="de-DE" sz="1450" b="0" i="0" u="none" strike="noStrike" cap="none" normalizeH="0" baseline="0" dirty="0" err="1">
-                <a:ln>
-                  <a:noFill/>
-                </a:ln>
-                <a:solidFill>
-                  <a:srgbClr val="000000"/>
-                </a:solidFill>
-                <a:effectLst/>
-                <a:latin typeface="Courier New" panose="02070309020205020404" pitchFamily="49" charset="0"/>
-                <a:cs typeface="Courier New" panose="02070309020205020404" pitchFamily="49" charset="0"/>
-              </a:rPr>
-              <a:t>node.</a:t>
-            </a:r>
-            <a:r>
-              <a:rPr kumimoji="0" lang="de-DE" altLang="de-DE" sz="1450" b="1" i="0" u="none" strike="noStrike" cap="none" normalizeH="0" baseline="0" dirty="0" err="1">
-                <a:ln>
-                  <a:noFill/>
-                </a:ln>
-                <a:solidFill>
-                  <a:srgbClr val="660E7A"/>
-                </a:solidFill>
-                <a:effectLst/>
-                <a:latin typeface="Courier New" panose="02070309020205020404" pitchFamily="49" charset="0"/>
-                <a:cs typeface="Courier New" panose="02070309020205020404" pitchFamily="49" charset="0"/>
-              </a:rPr>
-              <a:t>probabilities</a:t>
-            </a:r>
-            <a:r>
-              <a:rPr kumimoji="0" lang="de-DE" altLang="de-DE" sz="1450" b="0" i="0" u="none" strike="noStrike" cap="none" normalizeH="0" baseline="0" dirty="0" err="1">
-                <a:ln>
-                  <a:noFill/>
-                </a:ln>
-                <a:solidFill>
-                  <a:srgbClr val="000000"/>
-                </a:solidFill>
-                <a:effectLst/>
-                <a:latin typeface="Courier New" panose="02070309020205020404" pitchFamily="49" charset="0"/>
-                <a:cs typeface="Courier New" panose="02070309020205020404" pitchFamily="49" charset="0"/>
-              </a:rPr>
-              <a:t>.</a:t>
-            </a:r>
-            <a:r>
-              <a:rPr kumimoji="0" lang="de-DE" altLang="de-DE" sz="1450" b="0" i="1" u="none" strike="noStrike" cap="none" normalizeH="0" baseline="0" dirty="0" err="1">
-                <a:ln>
-                  <a:noFill/>
-                </a:ln>
-                <a:solidFill>
-                  <a:srgbClr val="000000"/>
-                </a:solidFill>
-                <a:effectLst/>
-                <a:latin typeface="Courier New" panose="02070309020205020404" pitchFamily="49" charset="0"/>
-                <a:cs typeface="Courier New" panose="02070309020205020404" pitchFamily="49" charset="0"/>
-              </a:rPr>
-              <a:t>asSequence</a:t>
-            </a:r>
-            <a:r>
-              <a:rPr kumimoji="0" lang="de-DE" altLang="de-DE" sz="1450" b="0" i="0" u="none" strike="noStrike" cap="none" normalizeH="0" baseline="0" dirty="0">
-                <a:ln>
-                  <a:noFill/>
-                </a:ln>
-                <a:solidFill>
-                  <a:srgbClr val="000000"/>
-                </a:solidFill>
-                <a:effectLst/>
-                <a:latin typeface="Courier New" panose="02070309020205020404" pitchFamily="49" charset="0"/>
-                <a:cs typeface="Courier New" panose="02070309020205020404" pitchFamily="49" charset="0"/>
-              </a:rPr>
-              <a:t>()</a:t>
-            </a:r>
-            <a:br>
-              <a:rPr kumimoji="0" lang="de-DE" altLang="de-DE" sz="1450" b="0" i="0" u="none" strike="noStrike" cap="none" normalizeH="0" baseline="0" dirty="0">
-                <a:ln>
-                  <a:noFill/>
-                </a:ln>
-                <a:solidFill>
-                  <a:srgbClr val="000000"/>
-                </a:solidFill>
-                <a:effectLst/>
-                <a:latin typeface="Courier New" panose="02070309020205020404" pitchFamily="49" charset="0"/>
-                <a:cs typeface="Courier New" panose="02070309020205020404" pitchFamily="49" charset="0"/>
-              </a:rPr>
-            </a:br>
-            <a:r>
-              <a:rPr kumimoji="0" lang="de-DE" altLang="de-DE" sz="1450" b="1" i="0" u="none" strike="noStrike" cap="none" normalizeH="0" baseline="0" dirty="0" err="1">
-                <a:ln>
-                  <a:noFill/>
-                </a:ln>
-                <a:solidFill>
-                  <a:srgbClr val="000080"/>
-                </a:solidFill>
-                <a:effectLst/>
-                <a:latin typeface="Courier New" panose="02070309020205020404" pitchFamily="49" charset="0"/>
-                <a:cs typeface="Courier New" panose="02070309020205020404" pitchFamily="49" charset="0"/>
-              </a:rPr>
-              <a:t>val</a:t>
-            </a:r>
-            <a:r>
-              <a:rPr kumimoji="0" lang="de-DE" altLang="de-DE" sz="1450" b="1" i="0" u="none" strike="noStrike" cap="none" normalizeH="0" baseline="0" dirty="0">
-                <a:ln>
-                  <a:noFill/>
-                </a:ln>
-                <a:solidFill>
-                  <a:srgbClr val="000080"/>
-                </a:solidFill>
-                <a:effectLst/>
-                <a:latin typeface="Courier New" panose="02070309020205020404" pitchFamily="49" charset="0"/>
-                <a:cs typeface="Courier New" panose="02070309020205020404" pitchFamily="49" charset="0"/>
-              </a:rPr>
-              <a:t> </a:t>
-            </a:r>
-            <a:r>
-              <a:rPr kumimoji="0" lang="de-DE" altLang="de-DE" sz="1450" b="0" i="0" u="none" strike="noStrike" cap="none" normalizeH="0" baseline="0" dirty="0">
-                <a:ln>
-                  <a:noFill/>
-                </a:ln>
-                <a:solidFill>
-                  <a:srgbClr val="000000"/>
-                </a:solidFill>
-                <a:effectLst/>
-                <a:latin typeface="Courier New" panose="02070309020205020404" pitchFamily="49" charset="0"/>
-                <a:cs typeface="Courier New" panose="02070309020205020404" pitchFamily="49" charset="0"/>
-              </a:rPr>
-              <a:t>g2 = </a:t>
-            </a:r>
-            <a:r>
-              <a:rPr kumimoji="0" lang="de-DE" altLang="de-DE" sz="1450" b="0" i="0" u="none" strike="noStrike" cap="none" normalizeH="0" baseline="0" dirty="0" err="1">
-                <a:ln>
-                  <a:noFill/>
-                </a:ln>
-                <a:solidFill>
-                  <a:srgbClr val="000000"/>
-                </a:solidFill>
-                <a:effectLst/>
-                <a:latin typeface="Courier New" panose="02070309020205020404" pitchFamily="49" charset="0"/>
-                <a:cs typeface="Courier New" panose="02070309020205020404" pitchFamily="49" charset="0"/>
-              </a:rPr>
-              <a:t>constructFormulaTopDown</a:t>
-            </a:r>
-            <a:r>
-              <a:rPr kumimoji="0" lang="de-DE" altLang="de-DE" sz="1450" b="0" i="0" u="none" strike="noStrike" cap="none" normalizeH="0" baseline="0" dirty="0">
-                <a:ln>
-                  <a:noFill/>
-                </a:ln>
-                <a:solidFill>
-                  <a:srgbClr val="000000"/>
-                </a:solidFill>
-                <a:effectLst/>
-                <a:latin typeface="Courier New" panose="02070309020205020404" pitchFamily="49" charset="0"/>
-                <a:cs typeface="Courier New" panose="02070309020205020404" pitchFamily="49" charset="0"/>
-              </a:rPr>
-              <a:t>(</a:t>
-            </a:r>
-            <a:r>
-              <a:rPr kumimoji="0" lang="de-DE" altLang="de-DE" sz="1450" b="0" i="0" u="none" strike="noStrike" cap="none" normalizeH="0" baseline="0" dirty="0" err="1">
-                <a:ln>
-                  <a:noFill/>
-                </a:ln>
-                <a:solidFill>
-                  <a:srgbClr val="000000"/>
-                </a:solidFill>
-                <a:effectLst/>
-                <a:latin typeface="Courier New" panose="02070309020205020404" pitchFamily="49" charset="0"/>
-                <a:cs typeface="Courier New" panose="02070309020205020404" pitchFamily="49" charset="0"/>
-              </a:rPr>
-              <a:t>node.</a:t>
-            </a:r>
-            <a:r>
-              <a:rPr kumimoji="0" lang="de-DE" altLang="de-DE" sz="1450" b="1" i="0" u="none" strike="noStrike" cap="none" normalizeH="0" baseline="0" dirty="0" err="1">
-                <a:ln>
-                  <a:noFill/>
-                </a:ln>
-                <a:solidFill>
-                  <a:srgbClr val="660E7A"/>
-                </a:solidFill>
-                <a:effectLst/>
-                <a:latin typeface="Courier New" panose="02070309020205020404" pitchFamily="49" charset="0"/>
-                <a:cs typeface="Courier New" panose="02070309020205020404" pitchFamily="49" charset="0"/>
-              </a:rPr>
-              <a:t>lowChild</a:t>
-            </a:r>
-            <a:r>
-              <a:rPr kumimoji="0" lang="de-DE" altLang="de-DE" sz="1450" b="0" i="0" u="none" strike="noStrike" cap="none" normalizeH="0" baseline="0" dirty="0">
-                <a:ln>
-                  <a:noFill/>
-                </a:ln>
-                <a:solidFill>
-                  <a:srgbClr val="000000"/>
-                </a:solidFill>
-                <a:effectLst/>
-                <a:latin typeface="Courier New" panose="02070309020205020404" pitchFamily="49" charset="0"/>
-                <a:cs typeface="Courier New" panose="02070309020205020404" pitchFamily="49" charset="0"/>
-              </a:rPr>
-              <a:t>)</a:t>
-            </a:r>
-            <a:br>
-              <a:rPr kumimoji="0" lang="de-DE" altLang="de-DE" sz="1450" b="0" i="0" u="none" strike="noStrike" cap="none" normalizeH="0" baseline="0" dirty="0">
-                <a:ln>
-                  <a:noFill/>
-                </a:ln>
-                <a:solidFill>
-                  <a:srgbClr val="000000"/>
-                </a:solidFill>
-                <a:effectLst/>
-                <a:latin typeface="Courier New" panose="02070309020205020404" pitchFamily="49" charset="0"/>
-                <a:cs typeface="Courier New" panose="02070309020205020404" pitchFamily="49" charset="0"/>
-              </a:rPr>
-            </a:br>
-            <a:r>
-              <a:rPr kumimoji="0" lang="de-DE" altLang="de-DE" sz="1450" b="1" i="0" u="none" strike="noStrike" cap="none" normalizeH="0" baseline="0" dirty="0" err="1">
-                <a:ln>
-                  <a:noFill/>
-                </a:ln>
-                <a:solidFill>
-                  <a:srgbClr val="000080"/>
-                </a:solidFill>
-                <a:effectLst/>
-                <a:latin typeface="Courier New" panose="02070309020205020404" pitchFamily="49" charset="0"/>
-                <a:cs typeface="Courier New" panose="02070309020205020404" pitchFamily="49" charset="0"/>
-              </a:rPr>
-              <a:t>val</a:t>
-            </a:r>
-            <a:r>
-              <a:rPr kumimoji="0" lang="de-DE" altLang="de-DE" sz="1450" b="1" i="0" u="none" strike="noStrike" cap="none" normalizeH="0" baseline="0" dirty="0">
-                <a:ln>
-                  <a:noFill/>
-                </a:ln>
-                <a:solidFill>
-                  <a:srgbClr val="000080"/>
-                </a:solidFill>
-                <a:effectLst/>
-                <a:latin typeface="Courier New" panose="02070309020205020404" pitchFamily="49" charset="0"/>
-                <a:cs typeface="Courier New" panose="02070309020205020404" pitchFamily="49" charset="0"/>
-              </a:rPr>
-              <a:t> </a:t>
-            </a:r>
-            <a:r>
-              <a:rPr kumimoji="0" lang="de-DE" altLang="de-DE" sz="1450" b="0" i="0" u="none" strike="noStrike" cap="none" normalizeH="0" baseline="0" dirty="0">
-                <a:ln>
-                  <a:noFill/>
-                </a:ln>
-                <a:solidFill>
-                  <a:srgbClr val="000000"/>
-                </a:solidFill>
-                <a:effectLst/>
-                <a:latin typeface="Courier New" panose="02070309020205020404" pitchFamily="49" charset="0"/>
-                <a:cs typeface="Courier New" panose="02070309020205020404" pitchFamily="49" charset="0"/>
-              </a:rPr>
-              <a:t>g1_x1 = </a:t>
-            </a:r>
-            <a:r>
-              <a:rPr kumimoji="0" lang="de-DE" altLang="de-DE" sz="1450" b="0" i="0" u="none" strike="noStrike" cap="none" normalizeH="0" baseline="0" dirty="0" err="1">
-                <a:ln>
-                  <a:noFill/>
-                </a:ln>
-                <a:solidFill>
-                  <a:srgbClr val="000000"/>
-                </a:solidFill>
-                <a:effectLst/>
-                <a:latin typeface="Courier New" panose="02070309020205020404" pitchFamily="49" charset="0"/>
-                <a:cs typeface="Courier New" panose="02070309020205020404" pitchFamily="49" charset="0"/>
-              </a:rPr>
-              <a:t>getHigh</a:t>
-            </a:r>
-            <a:r>
-              <a:rPr kumimoji="0" lang="de-DE" altLang="de-DE" sz="1450" b="0" i="0" u="none" strike="noStrike" cap="none" normalizeH="0" baseline="0" dirty="0">
-                <a:ln>
-                  <a:noFill/>
-                </a:ln>
-                <a:solidFill>
-                  <a:srgbClr val="000000"/>
-                </a:solidFill>
-                <a:effectLst/>
-                <a:latin typeface="Courier New" panose="02070309020205020404" pitchFamily="49" charset="0"/>
-                <a:cs typeface="Courier New" panose="02070309020205020404" pitchFamily="49" charset="0"/>
-              </a:rPr>
-              <a:t>(</a:t>
-            </a:r>
-            <a:r>
-              <a:rPr kumimoji="0" lang="de-DE" altLang="de-DE" sz="1450" b="0" i="0" u="none" strike="noStrike" cap="none" normalizeH="0" baseline="0" dirty="0" err="1">
-                <a:ln>
-                  <a:noFill/>
-                </a:ln>
-                <a:solidFill>
-                  <a:srgbClr val="000000"/>
-                </a:solidFill>
-                <a:effectLst/>
-                <a:latin typeface="Courier New" panose="02070309020205020404" pitchFamily="49" charset="0"/>
-                <a:cs typeface="Courier New" panose="02070309020205020404" pitchFamily="49" charset="0"/>
-              </a:rPr>
-              <a:t>node</a:t>
-            </a:r>
-            <a:r>
-              <a:rPr kumimoji="0" lang="de-DE" altLang="de-DE" sz="1450" b="0" i="0" u="none" strike="noStrike" cap="none" normalizeH="0" baseline="0" dirty="0">
-                <a:ln>
-                  <a:noFill/>
-                </a:ln>
-                <a:solidFill>
-                  <a:srgbClr val="000000"/>
-                </a:solidFill>
-                <a:effectLst/>
-                <a:latin typeface="Courier New" panose="02070309020205020404" pitchFamily="49" charset="0"/>
-                <a:cs typeface="Courier New" panose="02070309020205020404" pitchFamily="49" charset="0"/>
-              </a:rPr>
-              <a:t>)</a:t>
-            </a:r>
-            <a:br>
-              <a:rPr kumimoji="0" lang="de-DE" altLang="de-DE" sz="1450" b="0" i="0" u="none" strike="noStrike" cap="none" normalizeH="0" baseline="0" dirty="0">
-                <a:ln>
-                  <a:noFill/>
-                </a:ln>
-                <a:solidFill>
-                  <a:srgbClr val="000000"/>
-                </a:solidFill>
-                <a:effectLst/>
-                <a:latin typeface="Courier New" panose="02070309020205020404" pitchFamily="49" charset="0"/>
-                <a:cs typeface="Courier New" panose="02070309020205020404" pitchFamily="49" charset="0"/>
-              </a:rPr>
-            </a:br>
-            <a:br>
-              <a:rPr kumimoji="0" lang="de-DE" altLang="de-DE" sz="1450" b="0" i="0" u="none" strike="noStrike" cap="none" normalizeH="0" baseline="0" dirty="0">
-                <a:ln>
-                  <a:noFill/>
-                </a:ln>
-                <a:solidFill>
-                  <a:srgbClr val="000000"/>
-                </a:solidFill>
-                <a:effectLst/>
-                <a:latin typeface="Courier New" panose="02070309020205020404" pitchFamily="49" charset="0"/>
-                <a:cs typeface="Courier New" panose="02070309020205020404" pitchFamily="49" charset="0"/>
-              </a:rPr>
-            </a:br>
-            <a:r>
-              <a:rPr kumimoji="0" lang="de-DE" altLang="de-DE" sz="1450" b="1" i="0" u="none" strike="noStrike" cap="none" normalizeH="0" baseline="0" dirty="0" err="1">
-                <a:ln>
-                  <a:noFill/>
-                </a:ln>
-                <a:solidFill>
-                  <a:srgbClr val="000080"/>
-                </a:solidFill>
-                <a:effectLst/>
-                <a:latin typeface="Courier New" panose="02070309020205020404" pitchFamily="49" charset="0"/>
-                <a:cs typeface="Courier New" panose="02070309020205020404" pitchFamily="49" charset="0"/>
-              </a:rPr>
-              <a:t>if</a:t>
-            </a:r>
-            <a:r>
-              <a:rPr kumimoji="0" lang="de-DE" altLang="de-DE" sz="1450" b="1" i="0" u="none" strike="noStrike" cap="none" normalizeH="0" baseline="0" dirty="0">
-                <a:ln>
-                  <a:noFill/>
-                </a:ln>
-                <a:solidFill>
-                  <a:srgbClr val="000080"/>
-                </a:solidFill>
-                <a:effectLst/>
-                <a:latin typeface="Courier New" panose="02070309020205020404" pitchFamily="49" charset="0"/>
-                <a:cs typeface="Courier New" panose="02070309020205020404" pitchFamily="49" charset="0"/>
-              </a:rPr>
-              <a:t> </a:t>
-            </a:r>
-            <a:r>
-              <a:rPr kumimoji="0" lang="de-DE" altLang="de-DE" sz="1450" b="0" i="0" u="none" strike="noStrike" cap="none" normalizeH="0" baseline="0" dirty="0">
-                <a:ln>
-                  <a:noFill/>
-                </a:ln>
-                <a:solidFill>
-                  <a:srgbClr val="000000"/>
-                </a:solidFill>
-                <a:effectLst/>
-                <a:latin typeface="Courier New" panose="02070309020205020404" pitchFamily="49" charset="0"/>
-                <a:cs typeface="Courier New" panose="02070309020205020404" pitchFamily="49" charset="0"/>
-              </a:rPr>
-              <a:t>(</a:t>
-            </a:r>
-            <a:r>
-              <a:rPr kumimoji="0" lang="de-DE" altLang="de-DE" sz="1450" b="0" i="0" u="none" strike="noStrike" cap="none" normalizeH="0" baseline="0" dirty="0" err="1">
-                <a:ln>
-                  <a:noFill/>
-                </a:ln>
-                <a:solidFill>
-                  <a:srgbClr val="000000"/>
-                </a:solidFill>
-                <a:effectLst/>
-                <a:latin typeface="Courier New" panose="02070309020205020404" pitchFamily="49" charset="0"/>
-                <a:cs typeface="Courier New" panose="02070309020205020404" pitchFamily="49" charset="0"/>
-              </a:rPr>
-              <a:t>node.</a:t>
-            </a:r>
-            <a:r>
-              <a:rPr kumimoji="0" lang="de-DE" altLang="de-DE" sz="1450" b="1" i="0" u="none" strike="noStrike" cap="none" normalizeH="0" baseline="0" dirty="0" err="1">
-                <a:ln>
-                  <a:noFill/>
-                </a:ln>
-                <a:solidFill>
-                  <a:srgbClr val="660E7A"/>
-                </a:solidFill>
-                <a:effectLst/>
-                <a:latin typeface="Courier New" panose="02070309020205020404" pitchFamily="49" charset="0"/>
-                <a:cs typeface="Courier New" panose="02070309020205020404" pitchFamily="49" charset="0"/>
-              </a:rPr>
-              <a:t>isLowStateDependent</a:t>
-            </a:r>
-            <a:r>
-              <a:rPr kumimoji="0" lang="de-DE" altLang="de-DE" sz="1450" b="0" i="0" u="none" strike="noStrike" cap="none" normalizeH="0" baseline="0" dirty="0">
-                <a:ln>
-                  <a:noFill/>
-                </a:ln>
-                <a:solidFill>
-                  <a:srgbClr val="000000"/>
-                </a:solidFill>
-                <a:effectLst/>
-                <a:latin typeface="Courier New" panose="02070309020205020404" pitchFamily="49" charset="0"/>
-                <a:cs typeface="Courier New" panose="02070309020205020404" pitchFamily="49" charset="0"/>
-              </a:rPr>
-              <a:t>) {</a:t>
-            </a:r>
-            <a:br>
-              <a:rPr kumimoji="0" lang="de-DE" altLang="de-DE" sz="1450" b="0" i="0" u="none" strike="noStrike" cap="none" normalizeH="0" baseline="0" dirty="0">
-                <a:ln>
-                  <a:noFill/>
-                </a:ln>
-                <a:solidFill>
-                  <a:srgbClr val="000000"/>
-                </a:solidFill>
-                <a:effectLst/>
-                <a:latin typeface="Courier New" panose="02070309020205020404" pitchFamily="49" charset="0"/>
-                <a:cs typeface="Courier New" panose="02070309020205020404" pitchFamily="49" charset="0"/>
-              </a:rPr>
-            </a:br>
-            <a:r>
-              <a:rPr kumimoji="0" lang="de-DE" altLang="de-DE" sz="1450" b="0" i="0" u="none" strike="noStrike" cap="none" normalizeH="0" baseline="0" dirty="0">
-                <a:ln>
-                  <a:noFill/>
-                </a:ln>
-                <a:solidFill>
-                  <a:srgbClr val="000000"/>
-                </a:solidFill>
-                <a:effectLst/>
-                <a:latin typeface="Courier New" panose="02070309020205020404" pitchFamily="49" charset="0"/>
-                <a:cs typeface="Courier New" panose="02070309020205020404" pitchFamily="49" charset="0"/>
-              </a:rPr>
-              <a:t>    </a:t>
-            </a:r>
-            <a:r>
-              <a:rPr kumimoji="0" lang="de-DE" altLang="de-DE" sz="1450" b="1" i="0" u="none" strike="noStrike" cap="none" normalizeH="0" baseline="0" dirty="0" err="1">
-                <a:ln>
-                  <a:noFill/>
-                </a:ln>
-                <a:solidFill>
-                  <a:srgbClr val="000080"/>
-                </a:solidFill>
-                <a:effectLst/>
-                <a:latin typeface="Courier New" panose="02070309020205020404" pitchFamily="49" charset="0"/>
-                <a:cs typeface="Courier New" panose="02070309020205020404" pitchFamily="49" charset="0"/>
-              </a:rPr>
-              <a:t>val</a:t>
-            </a:r>
-            <a:r>
-              <a:rPr kumimoji="0" lang="de-DE" altLang="de-DE" sz="1450" b="1" i="0" u="none" strike="noStrike" cap="none" normalizeH="0" baseline="0" dirty="0">
-                <a:ln>
-                  <a:noFill/>
-                </a:ln>
-                <a:solidFill>
-                  <a:srgbClr val="000080"/>
-                </a:solidFill>
-                <a:effectLst/>
-                <a:latin typeface="Courier New" panose="02070309020205020404" pitchFamily="49" charset="0"/>
-                <a:cs typeface="Courier New" panose="02070309020205020404" pitchFamily="49" charset="0"/>
-              </a:rPr>
-              <a:t> </a:t>
-            </a:r>
-            <a:r>
-              <a:rPr kumimoji="0" lang="de-DE" altLang="de-DE" sz="1450" b="0" i="0" u="none" strike="noStrike" cap="none" normalizeH="0" baseline="0" dirty="0">
-                <a:ln>
-                  <a:noFill/>
-                </a:ln>
-                <a:solidFill>
-                  <a:srgbClr val="000000"/>
-                </a:solidFill>
-                <a:effectLst/>
-                <a:latin typeface="Courier New" panose="02070309020205020404" pitchFamily="49" charset="0"/>
-                <a:cs typeface="Courier New" panose="02070309020205020404" pitchFamily="49" charset="0"/>
-              </a:rPr>
-              <a:t>h2_x1 = </a:t>
-            </a:r>
-            <a:r>
-              <a:rPr kumimoji="0" lang="de-DE" altLang="de-DE" sz="1450" b="0" i="0" u="none" strike="noStrike" cap="none" normalizeH="0" baseline="0" dirty="0" err="1">
-                <a:ln>
-                  <a:noFill/>
-                </a:ln>
-                <a:solidFill>
-                  <a:srgbClr val="000000"/>
-                </a:solidFill>
-                <a:effectLst/>
-                <a:latin typeface="Courier New" panose="02070309020205020404" pitchFamily="49" charset="0"/>
-                <a:cs typeface="Courier New" panose="02070309020205020404" pitchFamily="49" charset="0"/>
-              </a:rPr>
-              <a:t>getIndependentLow</a:t>
-            </a:r>
-            <a:r>
-              <a:rPr kumimoji="0" lang="de-DE" altLang="de-DE" sz="1450" b="0" i="0" u="none" strike="noStrike" cap="none" normalizeH="0" baseline="0" dirty="0">
-                <a:ln>
-                  <a:noFill/>
-                </a:ln>
-                <a:solidFill>
-                  <a:srgbClr val="000000"/>
-                </a:solidFill>
-                <a:effectLst/>
-                <a:latin typeface="Courier New" panose="02070309020205020404" pitchFamily="49" charset="0"/>
-                <a:cs typeface="Courier New" panose="02070309020205020404" pitchFamily="49" charset="0"/>
-              </a:rPr>
-              <a:t>(</a:t>
-            </a:r>
-            <a:r>
-              <a:rPr kumimoji="0" lang="de-DE" altLang="de-DE" sz="1450" b="0" i="0" u="none" strike="noStrike" cap="none" normalizeH="0" baseline="0" dirty="0" err="1">
-                <a:ln>
-                  <a:noFill/>
-                </a:ln>
-                <a:solidFill>
-                  <a:srgbClr val="000000"/>
-                </a:solidFill>
-                <a:effectLst/>
-                <a:latin typeface="Courier New" panose="02070309020205020404" pitchFamily="49" charset="0"/>
-                <a:cs typeface="Courier New" panose="02070309020205020404" pitchFamily="49" charset="0"/>
-              </a:rPr>
-              <a:t>node</a:t>
-            </a:r>
-            <a:r>
-              <a:rPr kumimoji="0" lang="de-DE" altLang="de-DE" sz="1450" b="0" i="0" u="none" strike="noStrike" cap="none" normalizeH="0" baseline="0" dirty="0">
-                <a:ln>
-                  <a:noFill/>
-                </a:ln>
-                <a:solidFill>
-                  <a:srgbClr val="000000"/>
-                </a:solidFill>
-                <a:effectLst/>
-                <a:latin typeface="Courier New" panose="02070309020205020404" pitchFamily="49" charset="0"/>
-                <a:cs typeface="Courier New" panose="02070309020205020404" pitchFamily="49" charset="0"/>
-              </a:rPr>
-              <a:t>)</a:t>
-            </a:r>
-            <a:br>
-              <a:rPr kumimoji="0" lang="de-DE" altLang="de-DE" sz="1450" b="0" i="0" u="none" strike="noStrike" cap="none" normalizeH="0" baseline="0" dirty="0">
-                <a:ln>
-                  <a:noFill/>
-                </a:ln>
-                <a:solidFill>
-                  <a:srgbClr val="000000"/>
-                </a:solidFill>
-                <a:effectLst/>
-                <a:latin typeface="Courier New" panose="02070309020205020404" pitchFamily="49" charset="0"/>
-                <a:cs typeface="Courier New" panose="02070309020205020404" pitchFamily="49" charset="0"/>
-              </a:rPr>
-            </a:br>
-            <a:r>
-              <a:rPr kumimoji="0" lang="de-DE" altLang="de-DE" sz="1450" b="0" i="0" u="none" strike="noStrike" cap="none" normalizeH="0" baseline="0" dirty="0">
-                <a:ln>
-                  <a:noFill/>
-                </a:ln>
-                <a:solidFill>
-                  <a:srgbClr val="000000"/>
-                </a:solidFill>
-                <a:effectLst/>
-                <a:latin typeface="Courier New" panose="02070309020205020404" pitchFamily="49" charset="0"/>
-                <a:cs typeface="Courier New" panose="02070309020205020404" pitchFamily="49" charset="0"/>
-              </a:rPr>
-              <a:t>    </a:t>
-            </a:r>
-            <a:r>
-              <a:rPr kumimoji="0" lang="de-DE" altLang="de-DE" sz="1450" b="1" i="0" u="none" strike="noStrike" cap="none" normalizeH="0" baseline="0" dirty="0" err="1">
-                <a:ln>
-                  <a:noFill/>
-                </a:ln>
-                <a:solidFill>
-                  <a:srgbClr val="000080"/>
-                </a:solidFill>
-                <a:effectLst/>
-                <a:latin typeface="Courier New" panose="02070309020205020404" pitchFamily="49" charset="0"/>
-                <a:cs typeface="Courier New" panose="02070309020205020404" pitchFamily="49" charset="0"/>
-              </a:rPr>
-              <a:t>return</a:t>
-            </a:r>
-            <a:r>
-              <a:rPr kumimoji="0" lang="de-DE" altLang="de-DE" sz="1450" b="1" i="0" u="none" strike="noStrike" cap="none" normalizeH="0" baseline="0" dirty="0">
-                <a:ln>
-                  <a:noFill/>
-                </a:ln>
-                <a:solidFill>
-                  <a:srgbClr val="000080"/>
-                </a:solidFill>
-                <a:effectLst/>
-                <a:latin typeface="Courier New" panose="02070309020205020404" pitchFamily="49" charset="0"/>
-                <a:cs typeface="Courier New" panose="02070309020205020404" pitchFamily="49" charset="0"/>
-              </a:rPr>
-              <a:t> </a:t>
-            </a:r>
-            <a:r>
-              <a:rPr kumimoji="0" lang="de-DE" altLang="de-DE" sz="1450" b="0" i="0" u="none" strike="noStrike" cap="none" normalizeH="0" baseline="0" dirty="0" err="1">
-                <a:ln>
-                  <a:noFill/>
-                </a:ln>
-                <a:solidFill>
-                  <a:srgbClr val="000000"/>
-                </a:solidFill>
-                <a:effectLst/>
-                <a:latin typeface="Courier New" panose="02070309020205020404" pitchFamily="49" charset="0"/>
-                <a:cs typeface="Courier New" panose="02070309020205020404" pitchFamily="49" charset="0"/>
-              </a:rPr>
-              <a:t>zip</a:t>
-            </a:r>
-            <a:r>
-              <a:rPr kumimoji="0" lang="de-DE" altLang="de-DE" sz="1450" b="0" i="0" u="none" strike="noStrike" cap="none" normalizeH="0" baseline="0" dirty="0">
-                <a:ln>
-                  <a:noFill/>
-                </a:ln>
-                <a:solidFill>
-                  <a:srgbClr val="000000"/>
-                </a:solidFill>
-                <a:effectLst/>
-                <a:latin typeface="Courier New" panose="02070309020205020404" pitchFamily="49" charset="0"/>
-                <a:cs typeface="Courier New" panose="02070309020205020404" pitchFamily="49" charset="0"/>
-              </a:rPr>
-              <a:t>(g1_x1, g2, h2_x1, </a:t>
-            </a:r>
-            <a:r>
-              <a:rPr kumimoji="0" lang="de-DE" altLang="de-DE" sz="1450" b="0" i="0" u="none" strike="noStrike" cap="none" normalizeH="0" baseline="0" dirty="0" err="1">
-                <a:ln>
-                  <a:noFill/>
-                </a:ln>
-                <a:solidFill>
-                  <a:srgbClr val="000000"/>
-                </a:solidFill>
-                <a:effectLst/>
-                <a:latin typeface="Courier New" panose="02070309020205020404" pitchFamily="49" charset="0"/>
-                <a:cs typeface="Courier New" panose="02070309020205020404" pitchFamily="49" charset="0"/>
-              </a:rPr>
-              <a:t>current</a:t>
-            </a:r>
-            <a:r>
-              <a:rPr kumimoji="0" lang="de-DE" altLang="de-DE" sz="1450" b="0" i="0" u="none" strike="noStrike" cap="none" normalizeH="0" baseline="0" dirty="0">
-                <a:ln>
-                  <a:noFill/>
-                </a:ln>
-                <a:solidFill>
-                  <a:srgbClr val="000000"/>
-                </a:solidFill>
-                <a:effectLst/>
-                <a:latin typeface="Courier New" panose="02070309020205020404" pitchFamily="49" charset="0"/>
-                <a:cs typeface="Courier New" panose="02070309020205020404" pitchFamily="49" charset="0"/>
-              </a:rPr>
-              <a:t>) </a:t>
-            </a:r>
-            <a:r>
-              <a:rPr kumimoji="0" lang="de-DE" altLang="de-DE" sz="1450" b="1" i="0" u="none" strike="noStrike" cap="none" normalizeH="0" baseline="0" dirty="0">
-                <a:ln>
-                  <a:noFill/>
-                </a:ln>
-                <a:solidFill>
-                  <a:srgbClr val="000000"/>
-                </a:solidFill>
-                <a:effectLst/>
-                <a:latin typeface="Courier New" panose="02070309020205020404" pitchFamily="49" charset="0"/>
-                <a:cs typeface="Courier New" panose="02070309020205020404" pitchFamily="49" charset="0"/>
-              </a:rPr>
-              <a:t>{</a:t>
-            </a:r>
-            <a:r>
-              <a:rPr kumimoji="0" lang="de-DE" altLang="de-DE" sz="1450" b="0" i="0" u="none" strike="noStrike" cap="none" normalizeH="0" baseline="0" dirty="0">
-                <a:ln>
-                  <a:noFill/>
-                </a:ln>
-                <a:solidFill>
-                  <a:srgbClr val="000000"/>
-                </a:solidFill>
-                <a:effectLst/>
-                <a:latin typeface="Courier New" panose="02070309020205020404" pitchFamily="49" charset="0"/>
-                <a:cs typeface="Courier New" panose="02070309020205020404" pitchFamily="49" charset="0"/>
-              </a:rPr>
-              <a:t>g1, g2, h2, x </a:t>
-            </a:r>
-            <a:r>
-              <a:rPr kumimoji="0" lang="de-DE" altLang="de-DE" sz="1450" b="1" i="0" u="none" strike="noStrike" cap="none" normalizeH="0" baseline="0" dirty="0">
-                <a:ln>
-                  <a:noFill/>
-                </a:ln>
-                <a:solidFill>
-                  <a:srgbClr val="000000"/>
-                </a:solidFill>
-                <a:effectLst/>
-                <a:latin typeface="Courier New" panose="02070309020205020404" pitchFamily="49" charset="0"/>
-                <a:cs typeface="Courier New" panose="02070309020205020404" pitchFamily="49" charset="0"/>
-              </a:rPr>
-              <a:t>-&gt; </a:t>
-            </a:r>
-            <a:r>
-              <a:rPr kumimoji="0" lang="de-DE" altLang="de-DE" sz="1450" b="0" i="0" u="none" strike="noStrike" cap="none" normalizeH="0" baseline="0" dirty="0">
-                <a:ln>
-                  <a:noFill/>
-                </a:ln>
-                <a:solidFill>
-                  <a:srgbClr val="000000"/>
-                </a:solidFill>
-                <a:effectLst/>
-                <a:latin typeface="Courier New" panose="02070309020205020404" pitchFamily="49" charset="0"/>
-                <a:cs typeface="Courier New" panose="02070309020205020404" pitchFamily="49" charset="0"/>
-              </a:rPr>
-              <a:t>g2 + x * (g1 - h2)</a:t>
-            </a:r>
-            <a:r>
-              <a:rPr kumimoji="0" lang="de-DE" altLang="de-DE" sz="1450" b="1" i="0" u="none" strike="noStrike" cap="none" normalizeH="0" baseline="0" dirty="0">
-                <a:ln>
-                  <a:noFill/>
-                </a:ln>
-                <a:solidFill>
-                  <a:srgbClr val="000000"/>
-                </a:solidFill>
-                <a:effectLst/>
-                <a:latin typeface="Courier New" panose="02070309020205020404" pitchFamily="49" charset="0"/>
-                <a:cs typeface="Courier New" panose="02070309020205020404" pitchFamily="49" charset="0"/>
-              </a:rPr>
-              <a:t>}</a:t>
-            </a:r>
-            <a:br>
-              <a:rPr kumimoji="0" lang="de-DE" altLang="de-DE" sz="1450" b="1" i="0" u="none" strike="noStrike" cap="none" normalizeH="0" baseline="0" dirty="0">
-                <a:ln>
-                  <a:noFill/>
-                </a:ln>
-                <a:solidFill>
-                  <a:srgbClr val="000000"/>
-                </a:solidFill>
-                <a:effectLst/>
-                <a:latin typeface="Courier New" panose="02070309020205020404" pitchFamily="49" charset="0"/>
-                <a:cs typeface="Courier New" panose="02070309020205020404" pitchFamily="49" charset="0"/>
-              </a:rPr>
-            </a:br>
-            <a:r>
-              <a:rPr kumimoji="0" lang="de-DE" altLang="de-DE" sz="1450" b="0" i="0" u="none" strike="noStrike" cap="none" normalizeH="0" baseline="0" dirty="0">
-                <a:ln>
-                  <a:noFill/>
-                </a:ln>
-                <a:solidFill>
-                  <a:srgbClr val="000000"/>
-                </a:solidFill>
-                <a:effectLst/>
-                <a:latin typeface="Courier New" panose="02070309020205020404" pitchFamily="49" charset="0"/>
-                <a:cs typeface="Courier New" panose="02070309020205020404" pitchFamily="49" charset="0"/>
-              </a:rPr>
-              <a:t>} </a:t>
-            </a:r>
-            <a:r>
-              <a:rPr kumimoji="0" lang="de-DE" altLang="de-DE" sz="1450" b="1" i="0" u="none" strike="noStrike" cap="none" normalizeH="0" baseline="0" dirty="0" err="1">
-                <a:ln>
-                  <a:noFill/>
-                </a:ln>
-                <a:solidFill>
-                  <a:srgbClr val="000080"/>
-                </a:solidFill>
-                <a:effectLst/>
-                <a:latin typeface="Courier New" panose="02070309020205020404" pitchFamily="49" charset="0"/>
-                <a:cs typeface="Courier New" panose="02070309020205020404" pitchFamily="49" charset="0"/>
-              </a:rPr>
-              <a:t>else</a:t>
-            </a:r>
-            <a:r>
-              <a:rPr kumimoji="0" lang="de-DE" altLang="de-DE" sz="1450" b="1" i="0" u="none" strike="noStrike" cap="none" normalizeH="0" baseline="0" dirty="0">
-                <a:ln>
-                  <a:noFill/>
-                </a:ln>
-                <a:solidFill>
-                  <a:srgbClr val="000080"/>
-                </a:solidFill>
-                <a:effectLst/>
-                <a:latin typeface="Courier New" panose="02070309020205020404" pitchFamily="49" charset="0"/>
-                <a:cs typeface="Courier New" panose="02070309020205020404" pitchFamily="49" charset="0"/>
-              </a:rPr>
-              <a:t> </a:t>
-            </a:r>
-            <a:r>
-              <a:rPr kumimoji="0" lang="de-DE" altLang="de-DE" sz="1450" b="0" i="0" u="none" strike="noStrike" cap="none" normalizeH="0" baseline="0" dirty="0">
-                <a:ln>
-                  <a:noFill/>
-                </a:ln>
-                <a:solidFill>
-                  <a:srgbClr val="000000"/>
-                </a:solidFill>
-                <a:effectLst/>
-                <a:latin typeface="Courier New" panose="02070309020205020404" pitchFamily="49" charset="0"/>
-                <a:cs typeface="Courier New" panose="02070309020205020404" pitchFamily="49" charset="0"/>
-              </a:rPr>
-              <a:t>{</a:t>
-            </a:r>
-            <a:br>
-              <a:rPr kumimoji="0" lang="de-DE" altLang="de-DE" sz="1450" b="0" i="0" u="none" strike="noStrike" cap="none" normalizeH="0" baseline="0" dirty="0">
-                <a:ln>
-                  <a:noFill/>
-                </a:ln>
-                <a:solidFill>
-                  <a:srgbClr val="000000"/>
-                </a:solidFill>
-                <a:effectLst/>
-                <a:latin typeface="Courier New" panose="02070309020205020404" pitchFamily="49" charset="0"/>
-                <a:cs typeface="Courier New" panose="02070309020205020404" pitchFamily="49" charset="0"/>
-              </a:rPr>
-            </a:br>
-            <a:r>
-              <a:rPr kumimoji="0" lang="de-DE" altLang="de-DE" sz="1450" b="0" i="0" u="none" strike="noStrike" cap="none" normalizeH="0" baseline="0" dirty="0">
-                <a:ln>
-                  <a:noFill/>
-                </a:ln>
-                <a:solidFill>
-                  <a:srgbClr val="000000"/>
-                </a:solidFill>
-                <a:effectLst/>
-                <a:latin typeface="Courier New" panose="02070309020205020404" pitchFamily="49" charset="0"/>
-                <a:cs typeface="Courier New" panose="02070309020205020404" pitchFamily="49" charset="0"/>
-              </a:rPr>
-              <a:t>    </a:t>
-            </a:r>
-            <a:r>
-              <a:rPr kumimoji="0" lang="de-DE" altLang="de-DE" sz="1450" b="1" i="0" u="none" strike="noStrike" cap="none" normalizeH="0" baseline="0" dirty="0" err="1">
-                <a:ln>
-                  <a:noFill/>
-                </a:ln>
-                <a:solidFill>
-                  <a:srgbClr val="000080"/>
-                </a:solidFill>
-                <a:effectLst/>
-                <a:latin typeface="Courier New" panose="02070309020205020404" pitchFamily="49" charset="0"/>
-                <a:cs typeface="Courier New" panose="02070309020205020404" pitchFamily="49" charset="0"/>
-              </a:rPr>
-              <a:t>return</a:t>
-            </a:r>
-            <a:r>
-              <a:rPr kumimoji="0" lang="de-DE" altLang="de-DE" sz="1450" b="1" i="0" u="none" strike="noStrike" cap="none" normalizeH="0" baseline="0" dirty="0">
-                <a:ln>
-                  <a:noFill/>
-                </a:ln>
-                <a:solidFill>
-                  <a:srgbClr val="000080"/>
-                </a:solidFill>
-                <a:effectLst/>
-                <a:latin typeface="Courier New" panose="02070309020205020404" pitchFamily="49" charset="0"/>
-                <a:cs typeface="Courier New" panose="02070309020205020404" pitchFamily="49" charset="0"/>
-              </a:rPr>
-              <a:t> </a:t>
-            </a:r>
-            <a:r>
-              <a:rPr kumimoji="0" lang="de-DE" altLang="de-DE" sz="1450" b="0" i="0" u="none" strike="noStrike" cap="none" normalizeH="0" baseline="0" dirty="0" err="1">
-                <a:ln>
-                  <a:noFill/>
-                </a:ln>
-                <a:solidFill>
-                  <a:srgbClr val="000000"/>
-                </a:solidFill>
-                <a:effectLst/>
-                <a:latin typeface="Courier New" panose="02070309020205020404" pitchFamily="49" charset="0"/>
-                <a:cs typeface="Courier New" panose="02070309020205020404" pitchFamily="49" charset="0"/>
-              </a:rPr>
-              <a:t>zip</a:t>
-            </a:r>
-            <a:r>
-              <a:rPr kumimoji="0" lang="de-DE" altLang="de-DE" sz="1450" b="0" i="0" u="none" strike="noStrike" cap="none" normalizeH="0" baseline="0" dirty="0">
-                <a:ln>
-                  <a:noFill/>
-                </a:ln>
-                <a:solidFill>
-                  <a:srgbClr val="000000"/>
-                </a:solidFill>
-                <a:effectLst/>
-                <a:latin typeface="Courier New" panose="02070309020205020404" pitchFamily="49" charset="0"/>
-                <a:cs typeface="Courier New" panose="02070309020205020404" pitchFamily="49" charset="0"/>
-              </a:rPr>
-              <a:t>(g1_x1, g2, </a:t>
-            </a:r>
-            <a:r>
-              <a:rPr kumimoji="0" lang="de-DE" altLang="de-DE" sz="1450" b="0" i="0" u="none" strike="noStrike" cap="none" normalizeH="0" baseline="0" dirty="0" err="1">
-                <a:ln>
-                  <a:noFill/>
-                </a:ln>
-                <a:solidFill>
-                  <a:srgbClr val="000000"/>
-                </a:solidFill>
-                <a:effectLst/>
-                <a:latin typeface="Courier New" panose="02070309020205020404" pitchFamily="49" charset="0"/>
-                <a:cs typeface="Courier New" panose="02070309020205020404" pitchFamily="49" charset="0"/>
-              </a:rPr>
-              <a:t>current</a:t>
-            </a:r>
-            <a:r>
-              <a:rPr kumimoji="0" lang="de-DE" altLang="de-DE" sz="1450" b="0" i="0" u="none" strike="noStrike" cap="none" normalizeH="0" baseline="0" dirty="0">
-                <a:ln>
-                  <a:noFill/>
-                </a:ln>
-                <a:solidFill>
-                  <a:srgbClr val="000000"/>
-                </a:solidFill>
-                <a:effectLst/>
-                <a:latin typeface="Courier New" panose="02070309020205020404" pitchFamily="49" charset="0"/>
-                <a:cs typeface="Courier New" panose="02070309020205020404" pitchFamily="49" charset="0"/>
-              </a:rPr>
-              <a:t>) </a:t>
-            </a:r>
-            <a:r>
-              <a:rPr kumimoji="0" lang="de-DE" altLang="de-DE" sz="1450" b="1" i="0" u="none" strike="noStrike" cap="none" normalizeH="0" baseline="0" dirty="0">
-                <a:ln>
-                  <a:noFill/>
-                </a:ln>
-                <a:solidFill>
-                  <a:srgbClr val="000000"/>
-                </a:solidFill>
-                <a:effectLst/>
-                <a:latin typeface="Courier New" panose="02070309020205020404" pitchFamily="49" charset="0"/>
-                <a:cs typeface="Courier New" panose="02070309020205020404" pitchFamily="49" charset="0"/>
-              </a:rPr>
-              <a:t>{</a:t>
-            </a:r>
-            <a:r>
-              <a:rPr kumimoji="0" lang="de-DE" altLang="de-DE" sz="1450" b="0" i="0" u="none" strike="noStrike" cap="none" normalizeH="0" baseline="0" dirty="0">
-                <a:ln>
-                  <a:noFill/>
-                </a:ln>
-                <a:solidFill>
-                  <a:srgbClr val="000000"/>
-                </a:solidFill>
-                <a:effectLst/>
-                <a:latin typeface="Courier New" panose="02070309020205020404" pitchFamily="49" charset="0"/>
-                <a:cs typeface="Courier New" panose="02070309020205020404" pitchFamily="49" charset="0"/>
-              </a:rPr>
-              <a:t>g1, g2, x </a:t>
-            </a:r>
-            <a:r>
-              <a:rPr kumimoji="0" lang="de-DE" altLang="de-DE" sz="1450" b="1" i="0" u="none" strike="noStrike" cap="none" normalizeH="0" baseline="0" dirty="0">
-                <a:ln>
-                  <a:noFill/>
-                </a:ln>
-                <a:solidFill>
-                  <a:srgbClr val="000000"/>
-                </a:solidFill>
-                <a:effectLst/>
-                <a:latin typeface="Courier New" panose="02070309020205020404" pitchFamily="49" charset="0"/>
-                <a:cs typeface="Courier New" panose="02070309020205020404" pitchFamily="49" charset="0"/>
-              </a:rPr>
-              <a:t>-&gt; </a:t>
-            </a:r>
-            <a:r>
-              <a:rPr kumimoji="0" lang="de-DE" altLang="de-DE" sz="1450" b="0" i="0" u="none" strike="noStrike" cap="none" normalizeH="0" baseline="0" dirty="0">
-                <a:ln>
-                  <a:noFill/>
-                </a:ln>
-                <a:solidFill>
-                  <a:srgbClr val="000000"/>
-                </a:solidFill>
-                <a:effectLst/>
-                <a:latin typeface="Courier New" panose="02070309020205020404" pitchFamily="49" charset="0"/>
-                <a:cs typeface="Courier New" panose="02070309020205020404" pitchFamily="49" charset="0"/>
-              </a:rPr>
-              <a:t>g2 + x * (g1 - g2)</a:t>
-            </a:r>
-            <a:r>
-              <a:rPr kumimoji="0" lang="de-DE" altLang="de-DE" sz="1450" b="1" i="0" u="none" strike="noStrike" cap="none" normalizeH="0" baseline="0" dirty="0">
-                <a:ln>
-                  <a:noFill/>
-                </a:ln>
-                <a:solidFill>
-                  <a:srgbClr val="000000"/>
-                </a:solidFill>
-                <a:effectLst/>
-                <a:latin typeface="Courier New" panose="02070309020205020404" pitchFamily="49" charset="0"/>
-                <a:cs typeface="Courier New" panose="02070309020205020404" pitchFamily="49" charset="0"/>
-              </a:rPr>
-              <a:t>}</a:t>
-            </a:r>
-            <a:br>
-              <a:rPr kumimoji="0" lang="de-DE" altLang="de-DE" sz="1450" b="1" i="0" u="none" strike="noStrike" cap="none" normalizeH="0" baseline="0" dirty="0">
-                <a:ln>
-                  <a:noFill/>
-                </a:ln>
-                <a:solidFill>
-                  <a:srgbClr val="000000"/>
-                </a:solidFill>
-                <a:effectLst/>
-                <a:latin typeface="Courier New" panose="02070309020205020404" pitchFamily="49" charset="0"/>
-                <a:cs typeface="Courier New" panose="02070309020205020404" pitchFamily="49" charset="0"/>
-              </a:rPr>
-            </a:br>
-            <a:r>
-              <a:rPr kumimoji="0" lang="de-DE" altLang="de-DE" sz="1450" b="0" i="0" u="none" strike="noStrike" cap="none" normalizeH="0" baseline="0" dirty="0">
-                <a:ln>
-                  <a:noFill/>
-                </a:ln>
-                <a:solidFill>
-                  <a:srgbClr val="000000"/>
-                </a:solidFill>
-                <a:effectLst/>
-                <a:latin typeface="Courier New" panose="02070309020205020404" pitchFamily="49" charset="0"/>
-                <a:cs typeface="Courier New" panose="02070309020205020404" pitchFamily="49" charset="0"/>
-              </a:rPr>
-              <a:t>}</a:t>
-            </a:r>
-            <a:endParaRPr kumimoji="0" lang="de-DE" altLang="de-DE" sz="1450" b="0" i="0" u="none" strike="noStrike" cap="none" normalizeH="0" baseline="0" dirty="0">
-              <a:ln>
-                <a:noFill/>
-              </a:ln>
-              <a:solidFill>
-                <a:schemeClr val="tx1"/>
-              </a:solidFill>
-              <a:effectLst/>
-              <a:latin typeface="Arial" panose="020B0604020202020204" pitchFamily="34" charset="0"/>
-            </a:endParaRPr>
+            <a:pPr algn="ctr"/>
+            <a:r>
+              <a:rPr lang="de-DE" dirty="0">
+                <a:solidFill>
+                  <a:srgbClr val="000000"/>
+                </a:solidFill>
+              </a:rPr>
+              <a:t>0</a:t>
+            </a:r>
           </a:p>
         </p:txBody>
       </p:sp>
+      <p:sp>
+        <p:nvSpPr>
+          <p:cNvPr id="44" name="Rechteck 43"/>
+          <p:cNvSpPr/>
+          <p:nvPr/>
+        </p:nvSpPr>
+        <p:spPr>
+          <a:xfrm>
+            <a:off x="4036541" y="5498065"/>
+            <a:ext cx="724785" cy="430920"/>
+          </a:xfrm>
+          <a:prstGeom prst="rect">
+            <a:avLst/>
+          </a:prstGeom>
+          <a:solidFill>
+            <a:schemeClr val="accent2">
+              <a:lumMod val="60000"/>
+              <a:lumOff val="40000"/>
+              <a:alpha val="25000"/>
+            </a:schemeClr>
+          </a:solidFill>
+          <a:ln w="18000">
+            <a:solidFill>
+              <a:srgbClr val="000000"/>
+            </a:solidFill>
+          </a:ln>
+        </p:spPr>
+        <p:style>
+          <a:lnRef idx="2">
+            <a:schemeClr val="accent1">
+              <a:shade val="50000"/>
+            </a:schemeClr>
+          </a:lnRef>
+          <a:fillRef idx="1">
+            <a:schemeClr val="accent1"/>
+          </a:fillRef>
+          <a:effectRef idx="0">
+            <a:schemeClr val="accent1"/>
+          </a:effectRef>
+          <a:fontRef idx="minor">
+            <a:schemeClr val="lt1"/>
+          </a:fontRef>
+        </p:style>
+        <p:txBody>
+          <a:bodyPr rtlCol="0" anchor="ctr"/>
+          <a:lstStyle/>
+          <a:p>
+            <a:pPr algn="ctr"/>
+            <a:r>
+              <a:rPr lang="de-DE" dirty="0">
+                <a:solidFill>
+                  <a:srgbClr val="000000"/>
+                </a:solidFill>
+              </a:rPr>
+              <a:t>1</a:t>
+            </a:r>
+          </a:p>
+        </p:txBody>
+      </p:sp>
+      <p:sp>
+        <p:nvSpPr>
+          <p:cNvPr id="47" name="Ellipse 46"/>
+          <p:cNvSpPr/>
+          <p:nvPr/>
+        </p:nvSpPr>
+        <p:spPr>
+          <a:xfrm>
+            <a:off x="3580892" y="4169478"/>
+            <a:ext cx="1031747" cy="501264"/>
+          </a:xfrm>
+          <a:prstGeom prst="ellipse">
+            <a:avLst/>
+          </a:prstGeom>
+          <a:solidFill>
+            <a:schemeClr val="accent2">
+              <a:lumMod val="60000"/>
+              <a:lumOff val="40000"/>
+              <a:alpha val="25000"/>
+            </a:schemeClr>
+          </a:solidFill>
+          <a:ln w="18000">
+            <a:solidFill>
+              <a:srgbClr val="000000"/>
+            </a:solidFill>
+          </a:ln>
+        </p:spPr>
+        <p:style>
+          <a:lnRef idx="2">
+            <a:schemeClr val="accent1">
+              <a:shade val="50000"/>
+            </a:schemeClr>
+          </a:lnRef>
+          <a:fillRef idx="1">
+            <a:schemeClr val="accent1"/>
+          </a:fillRef>
+          <a:effectRef idx="0">
+            <a:schemeClr val="accent1"/>
+          </a:effectRef>
+          <a:fontRef idx="minor">
+            <a:schemeClr val="lt1"/>
+          </a:fontRef>
+        </p:style>
+        <p:txBody>
+          <a:bodyPr rtlCol="0" anchor="ctr"/>
+          <a:lstStyle/>
+          <a:p>
+            <a:pPr algn="ctr"/>
+            <a:r>
+              <a:rPr lang="de-DE" dirty="0">
+                <a:solidFill>
+                  <a:srgbClr val="000000"/>
+                </a:solidFill>
+              </a:rPr>
+              <a:t>X_3</a:t>
+            </a:r>
+          </a:p>
+        </p:txBody>
+      </p:sp>
+      <p:cxnSp>
+        <p:nvCxnSpPr>
+          <p:cNvPr id="50" name="Gerader Verbinder 49"/>
+          <p:cNvCxnSpPr>
+            <a:stCxn id="25" idx="3"/>
+            <a:endCxn id="47" idx="0"/>
+          </p:cNvCxnSpPr>
+          <p:nvPr/>
+        </p:nvCxnSpPr>
+        <p:spPr>
+          <a:xfrm flipH="1">
+            <a:off x="4096766" y="3424034"/>
+            <a:ext cx="704197" cy="745444"/>
+          </a:xfrm>
+          <a:prstGeom prst="line">
+            <a:avLst/>
+          </a:prstGeom>
+          <a:ln w="19050" cap="flat" cmpd="sng" algn="ctr">
+            <a:solidFill>
+              <a:schemeClr val="dk1"/>
+            </a:solidFill>
+            <a:prstDash val="dash"/>
+            <a:round/>
+            <a:headEnd type="none" w="med" len="med"/>
+            <a:tailEnd type="none" w="med" len="med"/>
+          </a:ln>
+        </p:spPr>
+        <p:style>
+          <a:lnRef idx="0">
+            <a:scrgbClr r="0" g="0" b="0"/>
+          </a:lnRef>
+          <a:fillRef idx="0">
+            <a:scrgbClr r="0" g="0" b="0"/>
+          </a:fillRef>
+          <a:effectRef idx="0">
+            <a:scrgbClr r="0" g="0" b="0"/>
+          </a:effectRef>
+          <a:fontRef idx="minor">
+            <a:schemeClr val="tx1"/>
+          </a:fontRef>
+        </p:style>
+      </p:cxnSp>
+      <p:cxnSp>
+        <p:nvCxnSpPr>
+          <p:cNvPr id="55" name="Gerader Verbinder 54"/>
+          <p:cNvCxnSpPr>
+            <a:stCxn id="25" idx="4"/>
+            <a:endCxn id="44" idx="0"/>
+          </p:cNvCxnSpPr>
+          <p:nvPr/>
+        </p:nvCxnSpPr>
+        <p:spPr>
+          <a:xfrm flipH="1">
+            <a:off x="4398934" y="3497948"/>
+            <a:ext cx="947227" cy="2000117"/>
+          </a:xfrm>
+          <a:prstGeom prst="line">
+            <a:avLst/>
+          </a:prstGeom>
+          <a:ln w="19050">
+            <a:headEnd type="none" w="med" len="med"/>
+            <a:tailEnd type="none" w="med" len="med"/>
+          </a:ln>
+        </p:spPr>
+        <p:style>
+          <a:lnRef idx="2">
+            <a:schemeClr val="dk1"/>
+          </a:lnRef>
+          <a:fillRef idx="0">
+            <a:schemeClr val="dk1"/>
+          </a:fillRef>
+          <a:effectRef idx="1">
+            <a:schemeClr val="dk1"/>
+          </a:effectRef>
+          <a:fontRef idx="minor">
+            <a:schemeClr val="tx1"/>
+          </a:fontRef>
+        </p:style>
+      </p:cxnSp>
+      <p:cxnSp>
+        <p:nvCxnSpPr>
+          <p:cNvPr id="60" name="Gerader Verbinder 59"/>
+          <p:cNvCxnSpPr>
+            <a:stCxn id="47" idx="4"/>
+            <a:endCxn id="41" idx="3"/>
+          </p:cNvCxnSpPr>
+          <p:nvPr/>
+        </p:nvCxnSpPr>
+        <p:spPr>
+          <a:xfrm flipH="1">
+            <a:off x="2771834" y="4670742"/>
+            <a:ext cx="1324932" cy="1036116"/>
+          </a:xfrm>
+          <a:prstGeom prst="line">
+            <a:avLst/>
+          </a:prstGeom>
+          <a:ln w="19050" cap="flat" cmpd="sng" algn="ctr">
+            <a:solidFill>
+              <a:schemeClr val="dk1"/>
+            </a:solidFill>
+            <a:prstDash val="dash"/>
+            <a:round/>
+            <a:headEnd type="none" w="med" len="med"/>
+            <a:tailEnd type="none" w="med" len="med"/>
+          </a:ln>
+        </p:spPr>
+        <p:style>
+          <a:lnRef idx="0">
+            <a:scrgbClr r="0" g="0" b="0"/>
+          </a:lnRef>
+          <a:fillRef idx="0">
+            <a:scrgbClr r="0" g="0" b="0"/>
+          </a:fillRef>
+          <a:effectRef idx="0">
+            <a:scrgbClr r="0" g="0" b="0"/>
+          </a:effectRef>
+          <a:fontRef idx="minor">
+            <a:schemeClr val="tx1"/>
+          </a:fontRef>
+        </p:style>
+      </p:cxnSp>
+      <p:cxnSp>
+        <p:nvCxnSpPr>
+          <p:cNvPr id="67" name="Gerader Verbinder 66"/>
+          <p:cNvCxnSpPr>
+            <a:stCxn id="47" idx="4"/>
+            <a:endCxn id="44" idx="0"/>
+          </p:cNvCxnSpPr>
+          <p:nvPr/>
+        </p:nvCxnSpPr>
+        <p:spPr>
+          <a:xfrm>
+            <a:off x="4096766" y="4670742"/>
+            <a:ext cx="302168" cy="827323"/>
+          </a:xfrm>
+          <a:prstGeom prst="line">
+            <a:avLst/>
+          </a:prstGeom>
+          <a:ln w="19050">
+            <a:headEnd type="none" w="med" len="med"/>
+            <a:tailEnd type="none" w="med" len="med"/>
+          </a:ln>
+        </p:spPr>
+        <p:style>
+          <a:lnRef idx="2">
+            <a:schemeClr val="dk1"/>
+          </a:lnRef>
+          <a:fillRef idx="0">
+            <a:schemeClr val="dk1"/>
+          </a:fillRef>
+          <a:effectRef idx="1">
+            <a:schemeClr val="dk1"/>
+          </a:effectRef>
+          <a:fontRef idx="minor">
+            <a:schemeClr val="tx1"/>
+          </a:fontRef>
+        </p:style>
+      </p:cxnSp>
+      <p:sp>
+        <p:nvSpPr>
+          <p:cNvPr id="72" name="Ellipse 71"/>
+          <p:cNvSpPr/>
+          <p:nvPr/>
+        </p:nvSpPr>
+        <p:spPr>
+          <a:xfrm>
+            <a:off x="120383" y="4185928"/>
+            <a:ext cx="1125162" cy="501264"/>
+          </a:xfrm>
+          <a:prstGeom prst="ellipse">
+            <a:avLst/>
+          </a:prstGeom>
+          <a:solidFill>
+            <a:schemeClr val="accent2">
+              <a:lumMod val="60000"/>
+              <a:lumOff val="40000"/>
+              <a:alpha val="25000"/>
+            </a:schemeClr>
+          </a:solidFill>
+          <a:ln w="18000">
+            <a:solidFill>
+              <a:srgbClr val="000000"/>
+            </a:solidFill>
+          </a:ln>
+        </p:spPr>
+        <p:style>
+          <a:lnRef idx="2">
+            <a:schemeClr val="accent1">
+              <a:shade val="50000"/>
+            </a:schemeClr>
+          </a:lnRef>
+          <a:fillRef idx="1">
+            <a:schemeClr val="accent1"/>
+          </a:fillRef>
+          <a:effectRef idx="0">
+            <a:schemeClr val="accent1"/>
+          </a:effectRef>
+          <a:fontRef idx="minor">
+            <a:schemeClr val="lt1"/>
+          </a:fontRef>
+        </p:style>
+        <p:txBody>
+          <a:bodyPr rtlCol="0" anchor="ctr"/>
+          <a:lstStyle/>
+          <a:p>
+            <a:pPr algn="ctr"/>
+            <a:r>
+              <a:rPr lang="de-DE" dirty="0">
+                <a:solidFill>
+                  <a:srgbClr val="000000"/>
+                </a:solidFill>
+              </a:rPr>
+              <a:t>X_3</a:t>
+            </a:r>
+          </a:p>
+        </p:txBody>
+      </p:sp>
+      <p:cxnSp>
+        <p:nvCxnSpPr>
+          <p:cNvPr id="75" name="Gerader Verbinder 74"/>
+          <p:cNvCxnSpPr>
+            <a:stCxn id="22" idx="4"/>
+            <a:endCxn id="72" idx="0"/>
+          </p:cNvCxnSpPr>
+          <p:nvPr/>
+        </p:nvCxnSpPr>
+        <p:spPr>
+          <a:xfrm flipH="1">
+            <a:off x="682964" y="3484954"/>
+            <a:ext cx="934624" cy="700974"/>
+          </a:xfrm>
+          <a:prstGeom prst="line">
+            <a:avLst/>
+          </a:prstGeom>
+          <a:ln w="19050" cap="flat" cmpd="sng" algn="ctr">
+            <a:solidFill>
+              <a:schemeClr val="dk1"/>
+            </a:solidFill>
+            <a:prstDash val="dash"/>
+            <a:round/>
+            <a:headEnd type="none" w="med" len="med"/>
+            <a:tailEnd type="none" w="med" len="med"/>
+          </a:ln>
+        </p:spPr>
+        <p:style>
+          <a:lnRef idx="0">
+            <a:scrgbClr r="0" g="0" b="0"/>
+          </a:lnRef>
+          <a:fillRef idx="0">
+            <a:scrgbClr r="0" g="0" b="0"/>
+          </a:fillRef>
+          <a:effectRef idx="0">
+            <a:scrgbClr r="0" g="0" b="0"/>
+          </a:effectRef>
+          <a:fontRef idx="minor">
+            <a:schemeClr val="tx1"/>
+          </a:fontRef>
+        </p:style>
+      </p:cxnSp>
+      <p:sp>
+        <p:nvSpPr>
+          <p:cNvPr id="80" name="Ellipse 79"/>
+          <p:cNvSpPr/>
+          <p:nvPr/>
+        </p:nvSpPr>
+        <p:spPr>
+          <a:xfrm>
+            <a:off x="1961263" y="4185927"/>
+            <a:ext cx="1078899" cy="500267"/>
+          </a:xfrm>
+          <a:prstGeom prst="ellipse">
+            <a:avLst/>
+          </a:prstGeom>
+          <a:solidFill>
+            <a:schemeClr val="accent2">
+              <a:lumMod val="60000"/>
+              <a:lumOff val="40000"/>
+              <a:alpha val="25000"/>
+            </a:schemeClr>
+          </a:solidFill>
+          <a:ln w="18000">
+            <a:solidFill>
+              <a:srgbClr val="000000"/>
+            </a:solidFill>
+          </a:ln>
+        </p:spPr>
+        <p:style>
+          <a:lnRef idx="2">
+            <a:schemeClr val="accent1">
+              <a:shade val="50000"/>
+            </a:schemeClr>
+          </a:lnRef>
+          <a:fillRef idx="1">
+            <a:schemeClr val="accent1"/>
+          </a:fillRef>
+          <a:effectRef idx="0">
+            <a:schemeClr val="accent1"/>
+          </a:effectRef>
+          <a:fontRef idx="minor">
+            <a:schemeClr val="lt1"/>
+          </a:fontRef>
+        </p:style>
+        <p:txBody>
+          <a:bodyPr rtlCol="0" anchor="ctr"/>
+          <a:lstStyle/>
+          <a:p>
+            <a:pPr algn="ctr"/>
+            <a:r>
+              <a:rPr lang="de-DE" dirty="0">
+                <a:solidFill>
+                  <a:srgbClr val="000000"/>
+                </a:solidFill>
+              </a:rPr>
+              <a:t>X_3</a:t>
+            </a:r>
+          </a:p>
+        </p:txBody>
+      </p:sp>
+      <p:cxnSp>
+        <p:nvCxnSpPr>
+          <p:cNvPr id="83" name="Gerader Verbinder 82"/>
+          <p:cNvCxnSpPr>
+            <a:stCxn id="22" idx="4"/>
+            <a:endCxn id="80" idx="0"/>
+          </p:cNvCxnSpPr>
+          <p:nvPr/>
+        </p:nvCxnSpPr>
+        <p:spPr>
+          <a:xfrm>
+            <a:off x="1617588" y="3484954"/>
+            <a:ext cx="883125" cy="700973"/>
+          </a:xfrm>
+          <a:prstGeom prst="line">
+            <a:avLst/>
+          </a:prstGeom>
+          <a:ln w="19050">
+            <a:headEnd type="none" w="med" len="med"/>
+            <a:tailEnd type="none" w="med" len="med"/>
+          </a:ln>
+        </p:spPr>
+        <p:style>
+          <a:lnRef idx="2">
+            <a:schemeClr val="dk1"/>
+          </a:lnRef>
+          <a:fillRef idx="0">
+            <a:schemeClr val="dk1"/>
+          </a:fillRef>
+          <a:effectRef idx="1">
+            <a:schemeClr val="dk1"/>
+          </a:effectRef>
+          <a:fontRef idx="minor">
+            <a:schemeClr val="tx1"/>
+          </a:fontRef>
+        </p:style>
+      </p:cxnSp>
+      <p:cxnSp>
+        <p:nvCxnSpPr>
+          <p:cNvPr id="88" name="Gerader Verbinder 87"/>
+          <p:cNvCxnSpPr>
+            <a:stCxn id="80" idx="4"/>
+            <a:endCxn id="44" idx="1"/>
+          </p:cNvCxnSpPr>
+          <p:nvPr/>
+        </p:nvCxnSpPr>
+        <p:spPr>
+          <a:xfrm>
+            <a:off x="2500713" y="4686194"/>
+            <a:ext cx="1535828" cy="1027331"/>
+          </a:xfrm>
+          <a:prstGeom prst="line">
+            <a:avLst/>
+          </a:prstGeom>
+          <a:ln w="19050">
+            <a:headEnd type="none" w="med" len="med"/>
+            <a:tailEnd type="none" w="med" len="med"/>
+          </a:ln>
+        </p:spPr>
+        <p:style>
+          <a:lnRef idx="2">
+            <a:schemeClr val="dk1"/>
+          </a:lnRef>
+          <a:fillRef idx="0">
+            <a:schemeClr val="dk1"/>
+          </a:fillRef>
+          <a:effectRef idx="1">
+            <a:schemeClr val="dk1"/>
+          </a:effectRef>
+          <a:fontRef idx="minor">
+            <a:schemeClr val="tx1"/>
+          </a:fontRef>
+        </p:style>
+      </p:cxnSp>
+      <p:cxnSp>
+        <p:nvCxnSpPr>
+          <p:cNvPr id="93" name="Gerade Verbindung mit Pfeil 92"/>
+          <p:cNvCxnSpPr>
+            <a:stCxn id="72" idx="4"/>
+            <a:endCxn id="44" idx="1"/>
+          </p:cNvCxnSpPr>
+          <p:nvPr/>
+        </p:nvCxnSpPr>
+        <p:spPr>
+          <a:xfrm>
+            <a:off x="682964" y="4687192"/>
+            <a:ext cx="3353577" cy="1026333"/>
+          </a:xfrm>
+          <a:prstGeom prst="straightConnector1">
+            <a:avLst/>
+          </a:prstGeom>
+          <a:ln w="19050">
+            <a:headEnd type="none" w="med" len="med"/>
+            <a:tailEnd type="none" w="med" len="med"/>
+          </a:ln>
+        </p:spPr>
+        <p:style>
+          <a:lnRef idx="2">
+            <a:schemeClr val="dk1"/>
+          </a:lnRef>
+          <a:fillRef idx="0">
+            <a:schemeClr val="dk1"/>
+          </a:fillRef>
+          <a:effectRef idx="1">
+            <a:schemeClr val="dk1"/>
+          </a:effectRef>
+          <a:fontRef idx="minor">
+            <a:schemeClr val="tx1"/>
+          </a:fontRef>
+        </p:style>
+      </p:cxnSp>
+      <p:cxnSp>
+        <p:nvCxnSpPr>
+          <p:cNvPr id="98" name="Gerader Verbinder 97"/>
+          <p:cNvCxnSpPr>
+            <a:stCxn id="80" idx="4"/>
+            <a:endCxn id="41" idx="0"/>
+          </p:cNvCxnSpPr>
+          <p:nvPr/>
+        </p:nvCxnSpPr>
+        <p:spPr>
+          <a:xfrm flipH="1">
+            <a:off x="2439554" y="4686194"/>
+            <a:ext cx="61159" cy="801964"/>
+          </a:xfrm>
+          <a:prstGeom prst="line">
+            <a:avLst/>
+          </a:prstGeom>
+          <a:ln w="19050" cap="flat" cmpd="sng" algn="ctr">
+            <a:solidFill>
+              <a:schemeClr val="dk1"/>
+            </a:solidFill>
+            <a:prstDash val="dash"/>
+            <a:round/>
+            <a:headEnd type="none" w="med" len="med"/>
+            <a:tailEnd type="none" w="med" len="med"/>
+          </a:ln>
+        </p:spPr>
+        <p:style>
+          <a:lnRef idx="0">
+            <a:scrgbClr r="0" g="0" b="0"/>
+          </a:lnRef>
+          <a:fillRef idx="0">
+            <a:scrgbClr r="0" g="0" b="0"/>
+          </a:fillRef>
+          <a:effectRef idx="0">
+            <a:scrgbClr r="0" g="0" b="0"/>
+          </a:effectRef>
+          <a:fontRef idx="minor">
+            <a:schemeClr val="tx1"/>
+          </a:fontRef>
+        </p:style>
+      </p:cxnSp>
+      <p:cxnSp>
+        <p:nvCxnSpPr>
+          <p:cNvPr id="105" name="Gerader Verbinder 104"/>
+          <p:cNvCxnSpPr>
+            <a:stCxn id="72" idx="4"/>
+            <a:endCxn id="41" idx="0"/>
+          </p:cNvCxnSpPr>
+          <p:nvPr/>
+        </p:nvCxnSpPr>
+        <p:spPr>
+          <a:xfrm>
+            <a:off x="682964" y="4687192"/>
+            <a:ext cx="1756590" cy="800966"/>
+          </a:xfrm>
+          <a:prstGeom prst="line">
+            <a:avLst/>
+          </a:prstGeom>
+          <a:ln w="19050" cap="flat" cmpd="sng" algn="ctr">
+            <a:solidFill>
+              <a:schemeClr val="dk1"/>
+            </a:solidFill>
+            <a:prstDash val="dash"/>
+            <a:round/>
+            <a:headEnd type="none" w="med" len="med"/>
+            <a:tailEnd type="none" w="med" len="med"/>
+          </a:ln>
+        </p:spPr>
+        <p:style>
+          <a:lnRef idx="0">
+            <a:scrgbClr r="0" g="0" b="0"/>
+          </a:lnRef>
+          <a:fillRef idx="0">
+            <a:scrgbClr r="0" g="0" b="0"/>
+          </a:fillRef>
+          <a:effectRef idx="0">
+            <a:scrgbClr r="0" g="0" b="0"/>
+          </a:effectRef>
+          <a:fontRef idx="minor">
+            <a:schemeClr val="tx1"/>
+          </a:fontRef>
+        </p:style>
+      </p:cxnSp>
+      <mc:AlternateContent xmlns:mc="http://schemas.openxmlformats.org/markup-compatibility/2006">
+        <mc:Choice xmlns:a14="http://schemas.microsoft.com/office/drawing/2010/main" Requires="a14">
+          <p:sp>
+            <p:nvSpPr>
+              <p:cNvPr id="179" name="Rechteck 178"/>
+              <p:cNvSpPr/>
+              <p:nvPr/>
+            </p:nvSpPr>
+            <p:spPr>
+              <a:xfrm>
+                <a:off x="4221180" y="1854490"/>
+                <a:ext cx="4803303" cy="710194"/>
+              </a:xfrm>
+              <a:prstGeom prst="rect">
+                <a:avLst/>
+              </a:prstGeom>
+            </p:spPr>
+            <p:txBody>
+              <a:bodyPr wrap="none">
+                <a:spAutoFit/>
+              </a:bodyPr>
+              <a:lstStyle/>
+              <a:p>
+                <a14:m>
+                  <m:oMathPara xmlns:m="http://schemas.openxmlformats.org/officeDocument/2006/math">
+                    <m:oMathParaPr>
+                      <m:jc m:val="centerGroup"/>
+                    </m:oMathParaPr>
+                    <m:oMath xmlns:m="http://schemas.openxmlformats.org/officeDocument/2006/math">
+                      <m:r>
+                        <a:rPr lang="de-DE" b="0" i="1" smtClean="0">
+                          <a:latin typeface="Cambria Math" panose="02040503050406030204" pitchFamily="18" charset="0"/>
+                        </a:rPr>
+                        <m:t>𝑥</m:t>
+                      </m:r>
+                      <m:r>
+                        <a:rPr lang="de-DE" b="0" i="1" smtClean="0">
+                          <a:latin typeface="Cambria Math" panose="02040503050406030204" pitchFamily="18" charset="0"/>
+                        </a:rPr>
+                        <m:t>= </m:t>
+                      </m:r>
+                      <m:d>
+                        <m:dPr>
+                          <m:begChr m:val="{"/>
+                          <m:endChr m:val=""/>
+                          <m:ctrlPr>
+                            <a:rPr lang="de-DE" b="0" i="1" smtClean="0">
+                              <a:latin typeface="Cambria Math" panose="02040503050406030204" pitchFamily="18" charset="0"/>
+                            </a:rPr>
+                          </m:ctrlPr>
+                        </m:dPr>
+                        <m:e>
+                          <m:eqArr>
+                            <m:eqArrPr>
+                              <m:ctrlPr>
+                                <a:rPr lang="de-DE" b="0" i="1" smtClean="0">
+                                  <a:latin typeface="Cambria Math" panose="02040503050406030204" pitchFamily="18" charset="0"/>
+                                </a:rPr>
+                              </m:ctrlPr>
+                            </m:eqArrPr>
+                            <m:e>
+                              <m:sSub>
+                                <m:sSubPr>
+                                  <m:ctrlPr>
+                                    <a:rPr lang="de-DE" b="0" i="1" smtClean="0">
+                                      <a:latin typeface="Cambria Math" panose="02040503050406030204" pitchFamily="18" charset="0"/>
+                                    </a:rPr>
+                                  </m:ctrlPr>
+                                </m:sSubPr>
+                                <m:e>
+                                  <m:r>
+                                    <a:rPr lang="de-DE" b="0" i="1" smtClean="0">
+                                      <a:latin typeface="Cambria Math" panose="02040503050406030204" pitchFamily="18" charset="0"/>
+                                    </a:rPr>
+                                    <m:t>𝑔</m:t>
+                                  </m:r>
+                                </m:e>
+                                <m:sub>
+                                  <m:r>
+                                    <a:rPr lang="de-DE" b="0" i="1" smtClean="0">
+                                      <a:latin typeface="Cambria Math" panose="02040503050406030204" pitchFamily="18" charset="0"/>
+                                    </a:rPr>
+                                    <m:t>2</m:t>
+                                  </m:r>
+                                </m:sub>
+                              </m:sSub>
+                              <m:r>
+                                <a:rPr lang="de-DE" b="0" i="1" smtClean="0">
+                                  <a:latin typeface="Cambria Math" panose="02040503050406030204" pitchFamily="18" charset="0"/>
+                                </a:rPr>
+                                <m:t>+</m:t>
+                              </m:r>
+                              <m:r>
+                                <a:rPr lang="de-DE" b="0" i="1" smtClean="0">
+                                  <a:latin typeface="Cambria Math" panose="02040503050406030204" pitchFamily="18" charset="0"/>
+                                </a:rPr>
+                                <m:t>𝑥</m:t>
+                              </m:r>
+                              <m:r>
+                                <a:rPr lang="de-DE" b="0" i="1" smtClean="0">
+                                  <a:latin typeface="Cambria Math" panose="02040503050406030204" pitchFamily="18" charset="0"/>
+                                </a:rPr>
+                                <m:t>⋅</m:t>
+                              </m:r>
+                              <m:d>
+                                <m:dPr>
+                                  <m:ctrlPr>
+                                    <a:rPr lang="de-DE" b="0" i="1" smtClean="0">
+                                      <a:latin typeface="Cambria Math" panose="02040503050406030204" pitchFamily="18" charset="0"/>
+                                    </a:rPr>
+                                  </m:ctrlPr>
+                                </m:dPr>
+                                <m:e>
+                                  <m:sSub>
+                                    <m:sSubPr>
+                                      <m:ctrlPr>
+                                        <a:rPr lang="de-DE" b="0" i="1" smtClean="0">
+                                          <a:latin typeface="Cambria Math" panose="02040503050406030204" pitchFamily="18" charset="0"/>
+                                        </a:rPr>
+                                      </m:ctrlPr>
+                                    </m:sSubPr>
+                                    <m:e>
+                                      <m:r>
+                                        <a:rPr lang="de-DE" b="0" i="1" smtClean="0">
+                                          <a:latin typeface="Cambria Math" panose="02040503050406030204" pitchFamily="18" charset="0"/>
+                                        </a:rPr>
+                                        <m:t>𝑔</m:t>
+                                      </m:r>
+                                    </m:e>
+                                    <m:sub>
+                                      <m:r>
+                                        <a:rPr lang="de-DE" b="0" i="1" smtClean="0">
+                                          <a:latin typeface="Cambria Math" panose="02040503050406030204" pitchFamily="18" charset="0"/>
+                                        </a:rPr>
+                                        <m:t>1</m:t>
+                                      </m:r>
+                                    </m:sub>
+                                  </m:sSub>
+                                  <m:r>
+                                    <a:rPr lang="de-DE" b="0" i="1" smtClean="0">
+                                      <a:latin typeface="Cambria Math" panose="02040503050406030204" pitchFamily="18" charset="0"/>
+                                    </a:rPr>
+                                    <m:t>−</m:t>
+                                  </m:r>
+                                  <m:sSub>
+                                    <m:sSubPr>
+                                      <m:ctrlPr>
+                                        <a:rPr lang="de-DE" b="0" i="1" smtClean="0">
+                                          <a:latin typeface="Cambria Math" panose="02040503050406030204" pitchFamily="18" charset="0"/>
+                                        </a:rPr>
+                                      </m:ctrlPr>
+                                    </m:sSubPr>
+                                    <m:e>
+                                      <m:r>
+                                        <a:rPr lang="de-DE" b="0" i="1" smtClean="0">
+                                          <a:latin typeface="Cambria Math" panose="02040503050406030204" pitchFamily="18" charset="0"/>
+                                        </a:rPr>
+                                        <m:t>h</m:t>
+                                      </m:r>
+                                    </m:e>
+                                    <m:sub>
+                                      <m:r>
+                                        <a:rPr lang="de-DE" b="0" i="1" smtClean="0">
+                                          <a:latin typeface="Cambria Math" panose="02040503050406030204" pitchFamily="18" charset="0"/>
+                                        </a:rPr>
+                                        <m:t>2</m:t>
+                                      </m:r>
+                                    </m:sub>
+                                  </m:sSub>
+                                </m:e>
+                              </m:d>
+                              <m:r>
+                                <a:rPr lang="de-DE" b="0" i="1" smtClean="0">
+                                  <a:latin typeface="Cambria Math" panose="02040503050406030204" pitchFamily="18" charset="0"/>
+                                </a:rPr>
+                                <m:t>   </m:t>
+                              </m:r>
+                              <m:r>
+                                <a:rPr lang="de-DE" b="0" i="1" smtClean="0">
+                                  <a:latin typeface="Cambria Math" panose="02040503050406030204" pitchFamily="18" charset="0"/>
+                                </a:rPr>
+                                <m:t>𝑖𝑓</m:t>
+                              </m:r>
+                              <m:r>
+                                <a:rPr lang="de-DE" b="0" i="1" smtClean="0">
+                                  <a:latin typeface="Cambria Math" panose="02040503050406030204" pitchFamily="18" charset="0"/>
+                                </a:rPr>
+                                <m:t> </m:t>
+                              </m:r>
+                              <m:sSub>
+                                <m:sSubPr>
+                                  <m:ctrlPr>
+                                    <a:rPr lang="de-DE" b="0" i="1" smtClean="0">
+                                      <a:latin typeface="Cambria Math" panose="02040503050406030204" pitchFamily="18" charset="0"/>
+                                    </a:rPr>
+                                  </m:ctrlPr>
+                                </m:sSubPr>
+                                <m:e>
+                                  <m:r>
+                                    <a:rPr lang="de-DE" b="0" i="1" smtClean="0">
+                                      <a:latin typeface="Cambria Math" panose="02040503050406030204" pitchFamily="18" charset="0"/>
+                                    </a:rPr>
+                                    <m:t>𝑥</m:t>
+                                  </m:r>
+                                </m:e>
+                                <m:sub>
+                                  <m:r>
+                                    <a:rPr lang="de-DE" b="0" i="1" smtClean="0">
+                                      <a:latin typeface="Cambria Math" panose="02040503050406030204" pitchFamily="18" charset="0"/>
+                                    </a:rPr>
+                                    <m:t>1</m:t>
+                                  </m:r>
+                                </m:sub>
+                              </m:sSub>
+                              <m:r>
+                                <a:rPr lang="de-DE" b="0" i="1" smtClean="0">
+                                  <a:latin typeface="Cambria Math" panose="02040503050406030204" pitchFamily="18" charset="0"/>
+                                </a:rPr>
+                                <m:t> </m:t>
+                              </m:r>
+                              <m:r>
+                                <a:rPr lang="de-DE" b="0" i="1" smtClean="0">
+                                  <a:latin typeface="Cambria Math" panose="02040503050406030204" pitchFamily="18" charset="0"/>
+                                </a:rPr>
+                                <m:t>𝑑𝑒𝑝𝑒𝑛𝑑𝑠</m:t>
+                              </m:r>
+                              <m:r>
+                                <a:rPr lang="de-DE" b="0" i="1" smtClean="0">
+                                  <a:latin typeface="Cambria Math" panose="02040503050406030204" pitchFamily="18" charset="0"/>
+                                </a:rPr>
+                                <m:t> </m:t>
+                              </m:r>
+                              <m:r>
+                                <a:rPr lang="de-DE" b="0" i="1" smtClean="0">
+                                  <a:latin typeface="Cambria Math" panose="02040503050406030204" pitchFamily="18" charset="0"/>
+                                </a:rPr>
+                                <m:t>𝑜𝑛</m:t>
+                              </m:r>
+                              <m:r>
+                                <a:rPr lang="de-DE" b="0" i="1" smtClean="0">
+                                  <a:latin typeface="Cambria Math" panose="02040503050406030204" pitchFamily="18" charset="0"/>
+                                </a:rPr>
+                                <m:t> </m:t>
+                              </m:r>
+                              <m:sSub>
+                                <m:sSubPr>
+                                  <m:ctrlPr>
+                                    <a:rPr lang="de-DE" b="0" i="1" smtClean="0">
+                                      <a:latin typeface="Cambria Math" panose="02040503050406030204" pitchFamily="18" charset="0"/>
+                                    </a:rPr>
+                                  </m:ctrlPr>
+                                </m:sSubPr>
+                                <m:e>
+                                  <m:r>
+                                    <a:rPr lang="de-DE" b="0" i="1" smtClean="0">
+                                      <a:latin typeface="Cambria Math" panose="02040503050406030204" pitchFamily="18" charset="0"/>
+                                    </a:rPr>
+                                    <m:t>𝑥</m:t>
+                                  </m:r>
+                                </m:e>
+                                <m:sub>
+                                  <m:r>
+                                    <a:rPr lang="de-DE" b="0" i="1" smtClean="0">
+                                      <a:latin typeface="Cambria Math" panose="02040503050406030204" pitchFamily="18" charset="0"/>
+                                    </a:rPr>
+                                    <m:t>2</m:t>
+                                  </m:r>
+                                </m:sub>
+                              </m:sSub>
+                            </m:e>
+                            <m:e>
+                              <m:sSub>
+                                <m:sSubPr>
+                                  <m:ctrlPr>
+                                    <a:rPr lang="de-DE" b="0" i="1" smtClean="0">
+                                      <a:latin typeface="Cambria Math" panose="02040503050406030204" pitchFamily="18" charset="0"/>
+                                    </a:rPr>
+                                  </m:ctrlPr>
+                                </m:sSubPr>
+                                <m:e>
+                                  <m:r>
+                                    <a:rPr lang="de-DE" b="0" i="1" smtClean="0">
+                                      <a:latin typeface="Cambria Math" panose="02040503050406030204" pitchFamily="18" charset="0"/>
+                                    </a:rPr>
+                                    <m:t>𝑔</m:t>
+                                  </m:r>
+                                </m:e>
+                                <m:sub>
+                                  <m:r>
+                                    <a:rPr lang="de-DE" b="0" i="1" smtClean="0">
+                                      <a:latin typeface="Cambria Math" panose="02040503050406030204" pitchFamily="18" charset="0"/>
+                                    </a:rPr>
+                                    <m:t>2</m:t>
+                                  </m:r>
+                                </m:sub>
+                              </m:sSub>
+                              <m:r>
+                                <a:rPr lang="de-DE" b="0" i="1" smtClean="0">
+                                  <a:latin typeface="Cambria Math" panose="02040503050406030204" pitchFamily="18" charset="0"/>
+                                </a:rPr>
+                                <m:t>+</m:t>
+                              </m:r>
+                              <m:r>
+                                <a:rPr lang="de-DE" b="0" i="1" smtClean="0">
+                                  <a:latin typeface="Cambria Math" panose="02040503050406030204" pitchFamily="18" charset="0"/>
+                                </a:rPr>
+                                <m:t>𝑥</m:t>
+                              </m:r>
+                              <m:r>
+                                <a:rPr lang="de-DE" b="0" i="1" smtClean="0">
+                                  <a:latin typeface="Cambria Math" panose="02040503050406030204" pitchFamily="18" charset="0"/>
+                                </a:rPr>
+                                <m:t>⋅</m:t>
+                              </m:r>
+                              <m:d>
+                                <m:dPr>
+                                  <m:ctrlPr>
+                                    <a:rPr lang="de-DE" b="0" i="1" smtClean="0">
+                                      <a:latin typeface="Cambria Math" panose="02040503050406030204" pitchFamily="18" charset="0"/>
+                                    </a:rPr>
+                                  </m:ctrlPr>
+                                </m:dPr>
+                                <m:e>
+                                  <m:sSub>
+                                    <m:sSubPr>
+                                      <m:ctrlPr>
+                                        <a:rPr lang="de-DE" b="0" i="1" smtClean="0">
+                                          <a:latin typeface="Cambria Math" panose="02040503050406030204" pitchFamily="18" charset="0"/>
+                                        </a:rPr>
+                                      </m:ctrlPr>
+                                    </m:sSubPr>
+                                    <m:e>
+                                      <m:r>
+                                        <a:rPr lang="de-DE" b="0" i="1" smtClean="0">
+                                          <a:latin typeface="Cambria Math" panose="02040503050406030204" pitchFamily="18" charset="0"/>
+                                        </a:rPr>
+                                        <m:t>𝑔</m:t>
+                                      </m:r>
+                                    </m:e>
+                                    <m:sub>
+                                      <m:r>
+                                        <a:rPr lang="de-DE" b="0" i="1" smtClean="0">
+                                          <a:latin typeface="Cambria Math" panose="02040503050406030204" pitchFamily="18" charset="0"/>
+                                        </a:rPr>
+                                        <m:t>1</m:t>
+                                      </m:r>
+                                    </m:sub>
+                                  </m:sSub>
+                                  <m:r>
+                                    <a:rPr lang="de-DE" b="0" i="1" smtClean="0">
+                                      <a:latin typeface="Cambria Math" panose="02040503050406030204" pitchFamily="18" charset="0"/>
+                                    </a:rPr>
+                                    <m:t>−</m:t>
+                                  </m:r>
+                                  <m:sSub>
+                                    <m:sSubPr>
+                                      <m:ctrlPr>
+                                        <a:rPr lang="de-DE" b="0" i="1" smtClean="0">
+                                          <a:latin typeface="Cambria Math" panose="02040503050406030204" pitchFamily="18" charset="0"/>
+                                        </a:rPr>
+                                      </m:ctrlPr>
+                                    </m:sSubPr>
+                                    <m:e>
+                                      <m:r>
+                                        <a:rPr lang="de-DE" b="0" i="1" smtClean="0">
+                                          <a:latin typeface="Cambria Math" panose="02040503050406030204" pitchFamily="18" charset="0"/>
+                                        </a:rPr>
+                                        <m:t>𝑔</m:t>
+                                      </m:r>
+                                    </m:e>
+                                    <m:sub>
+                                      <m:r>
+                                        <a:rPr lang="de-DE" b="0" i="1" smtClean="0">
+                                          <a:latin typeface="Cambria Math" panose="02040503050406030204" pitchFamily="18" charset="0"/>
+                                        </a:rPr>
+                                        <m:t>2</m:t>
+                                      </m:r>
+                                    </m:sub>
+                                  </m:sSub>
+                                </m:e>
+                              </m:d>
+                              <m:r>
+                                <a:rPr lang="de-DE" b="0" i="1" smtClean="0">
+                                  <a:latin typeface="Cambria Math" panose="02040503050406030204" pitchFamily="18" charset="0"/>
+                                </a:rPr>
+                                <m:t>   </m:t>
+                              </m:r>
+                              <m:r>
+                                <a:rPr lang="de-DE" b="0" i="1" smtClean="0">
+                                  <a:latin typeface="Cambria Math" panose="02040503050406030204" pitchFamily="18" charset="0"/>
+                                </a:rPr>
+                                <m:t>𝑜𝑡h𝑒𝑟𝑤𝑖𝑠𝑒</m:t>
+                              </m:r>
+                              <m:r>
+                                <a:rPr lang="de-DE" b="0" i="1" smtClean="0">
+                                  <a:latin typeface="Cambria Math" panose="02040503050406030204" pitchFamily="18" charset="0"/>
+                                </a:rPr>
+                                <m:t>                   </m:t>
+                              </m:r>
+                            </m:e>
+                          </m:eqArr>
+                        </m:e>
+                      </m:d>
+                    </m:oMath>
+                  </m:oMathPara>
+                </a14:m>
+                <a:endParaRPr lang="de-DE" dirty="0"/>
+              </a:p>
+            </p:txBody>
+          </p:sp>
+        </mc:Choice>
+        <mc:Fallback>
+          <p:sp>
+            <p:nvSpPr>
+              <p:cNvPr id="179" name="Rechteck 178"/>
+              <p:cNvSpPr>
+                <a:spLocks noRot="1" noChangeAspect="1" noMove="1" noResize="1" noEditPoints="1" noAdjustHandles="1" noChangeArrowheads="1" noChangeShapeType="1" noTextEdit="1"/>
+              </p:cNvSpPr>
+              <p:nvPr/>
+            </p:nvSpPr>
+            <p:spPr>
+              <a:xfrm>
+                <a:off x="4221180" y="1854490"/>
+                <a:ext cx="4803303" cy="710194"/>
+              </a:xfrm>
+              <a:prstGeom prst="rect">
+                <a:avLst/>
+              </a:prstGeom>
+              <a:blipFill>
+                <a:blip r:embed="rId2"/>
+                <a:stretch>
+                  <a:fillRect/>
+                </a:stretch>
+              </a:blipFill>
+            </p:spPr>
+            <p:txBody>
+              <a:bodyPr/>
+              <a:lstStyle/>
+              <a:p>
+                <a:r>
+                  <a:rPr lang="de-DE">
+                    <a:noFill/>
+                  </a:rPr>
+                  <a:t> </a:t>
+                </a:r>
+              </a:p>
+            </p:txBody>
+          </p:sp>
+        </mc:Fallback>
+      </mc:AlternateContent>
     </p:spTree>
     <p:extLst>
       <p:ext uri="{BB962C8B-B14F-4D97-AF65-F5344CB8AC3E}">
-        <p14:creationId xmlns:p14="http://schemas.microsoft.com/office/powerpoint/2010/main" val="3002456709"/>
+        <p14:creationId xmlns:p14="http://schemas.microsoft.com/office/powerpoint/2010/main" val="4261089952"/>
       </p:ext>
     </p:extLst>
   </p:cSld>
@@ -7047,1702 +10079,6 @@
 </file>
 
 <file path=ppt/slides/slide8.xml><?xml version="1.0" encoding="utf-8"?>
-<p:sld xmlns:a="http://schemas.openxmlformats.org/drawingml/2006/main" xmlns:r="http://schemas.openxmlformats.org/officeDocument/2006/relationships" xmlns:p="http://schemas.openxmlformats.org/presentationml/2006/main">
-  <p:cSld>
-    <p:spTree>
-      <p:nvGrpSpPr>
-        <p:cNvPr id="1" name=""/>
-        <p:cNvGrpSpPr/>
-        <p:nvPr/>
-      </p:nvGrpSpPr>
-      <p:grpSpPr>
-        <a:xfrm>
-          <a:off x="0" y="0"/>
-          <a:ext cx="0" cy="0"/>
-          <a:chOff x="0" y="0"/>
-          <a:chExt cx="0" cy="0"/>
-        </a:xfrm>
-      </p:grpSpPr>
-      <p:sp>
-        <p:nvSpPr>
-          <p:cNvPr id="2" name="Titel 1"/>
-          <p:cNvSpPr>
-            <a:spLocks noGrp="1"/>
-          </p:cNvSpPr>
-          <p:nvPr>
-            <p:ph type="title"/>
-          </p:nvPr>
-        </p:nvSpPr>
-        <p:spPr/>
-        <p:txBody>
-          <a:bodyPr/>
-          <a:lstStyle/>
-          <a:p>
-            <a:r>
-              <a:rPr lang="de-DE" dirty="0"/>
-              <a:t>Top-event </a:t>
-            </a:r>
-            <a:r>
-              <a:rPr lang="de-DE" dirty="0" err="1"/>
-              <a:t>evaluation</a:t>
-            </a:r>
-            <a:endParaRPr lang="de-DE" dirty="0"/>
-          </a:p>
-        </p:txBody>
-      </p:sp>
-      <p:sp>
-        <p:nvSpPr>
-          <p:cNvPr id="3" name="Rectangle 1"/>
-          <p:cNvSpPr>
-            <a:spLocks noChangeArrowheads="1"/>
-          </p:cNvSpPr>
-          <p:nvPr/>
-        </p:nvSpPr>
-        <p:spPr bwMode="auto">
-          <a:xfrm>
-            <a:off x="120718" y="2318728"/>
-            <a:ext cx="8948283" cy="3293209"/>
-          </a:xfrm>
-          <a:prstGeom prst="rect">
-            <a:avLst/>
-          </a:prstGeom>
-          <a:solidFill>
-            <a:srgbClr val="FFFFFF"/>
-          </a:solidFill>
-          <a:ln>
-            <a:noFill/>
-          </a:ln>
-          <a:effectLst/>
-          <a:extLst>
-            <a:ext uri="{91240B29-F687-4f45-9708-019B960494DF}">
-              <a14:hiddenLine xmlns:a14="http://schemas.microsoft.com/office/drawing/2010/main" xmlns="" w="9525">
-                <a:solidFill>
-                  <a:schemeClr val="tx1"/>
-                </a:solidFill>
-                <a:miter lim="800000"/>
-                <a:headEnd/>
-                <a:tailEnd/>
-              </a14:hiddenLine>
-            </a:ext>
-            <a:ext uri="{AF507438-7753-43e0-B8FC-AC1667EBCBE1}">
-              <a14:hiddenEffects xmlns:a14="http://schemas.microsoft.com/office/drawing/2010/main" xmlns="">
-                <a:effectLst>
-                  <a:outerShdw dist="35921" dir="2700000" algn="ctr" rotWithShape="0">
-                    <a:schemeClr val="bg2"/>
-                  </a:outerShdw>
-                </a:effectLst>
-              </a14:hiddenEffects>
-            </a:ext>
-          </a:extLst>
-        </p:spPr>
-        <p:txBody>
-          <a:bodyPr vert="horz" wrap="none" lIns="91440" tIns="45720" rIns="91440" bIns="45720" numCol="1" anchor="ctr" anchorCtr="0" compatLnSpc="1">
-            <a:prstTxWarp prst="textNoShape">
-              <a:avLst/>
-            </a:prstTxWarp>
-            <a:spAutoFit/>
-          </a:bodyPr>
-          <a:lstStyle/>
-          <a:p>
-            <a:pPr marL="0" marR="0" lvl="0" indent="0" algn="l" defTabSz="914400" rtl="0" eaLnBrk="0" fontAlgn="base" latinLnBrk="0" hangingPunct="0">
-              <a:lnSpc>
-                <a:spcPct val="100000"/>
-              </a:lnSpc>
-              <a:spcBef>
-                <a:spcPct val="0"/>
-              </a:spcBef>
-              <a:spcAft>
-                <a:spcPct val="0"/>
-              </a:spcAft>
-              <a:buClrTx/>
-              <a:buSzTx/>
-              <a:buFontTx/>
-              <a:buNone/>
-              <a:tabLst/>
-            </a:pPr>
-            <a:r>
-              <a:rPr kumimoji="0" lang="de-DE" altLang="de-DE" sz="1600" b="1" i="0" u="none" strike="noStrike" cap="none" normalizeH="0" baseline="0" dirty="0">
-                <a:ln>
-                  <a:noFill/>
-                </a:ln>
-                <a:solidFill>
-                  <a:srgbClr val="000080"/>
-                </a:solidFill>
-                <a:effectLst/>
-                <a:latin typeface="Courier New" panose="02070309020205020404" pitchFamily="49" charset="0"/>
-                <a:cs typeface="Courier New" panose="02070309020205020404" pitchFamily="49" charset="0"/>
-              </a:rPr>
-              <a:t>private </a:t>
-            </a:r>
-            <a:r>
-              <a:rPr kumimoji="0" lang="de-DE" altLang="de-DE" sz="1600" b="1" i="0" u="none" strike="noStrike" cap="none" normalizeH="0" baseline="0" dirty="0" err="1">
-                <a:ln>
-                  <a:noFill/>
-                </a:ln>
-                <a:solidFill>
-                  <a:srgbClr val="000080"/>
-                </a:solidFill>
-                <a:effectLst/>
-                <a:latin typeface="Courier New" panose="02070309020205020404" pitchFamily="49" charset="0"/>
-                <a:cs typeface="Courier New" panose="02070309020205020404" pitchFamily="49" charset="0"/>
-              </a:rPr>
-              <a:t>fun</a:t>
-            </a:r>
-            <a:r>
-              <a:rPr kumimoji="0" lang="de-DE" altLang="de-DE" sz="1600" b="1" i="0" u="none" strike="noStrike" cap="none" normalizeH="0" baseline="0" dirty="0">
-                <a:ln>
-                  <a:noFill/>
-                </a:ln>
-                <a:solidFill>
-                  <a:srgbClr val="000080"/>
-                </a:solidFill>
-                <a:effectLst/>
-                <a:latin typeface="Courier New" panose="02070309020205020404" pitchFamily="49" charset="0"/>
-                <a:cs typeface="Courier New" panose="02070309020205020404" pitchFamily="49" charset="0"/>
-              </a:rPr>
-              <a:t> </a:t>
-            </a:r>
-            <a:r>
-              <a:rPr kumimoji="0" lang="de-DE" altLang="de-DE" sz="1600" b="0" i="0" u="none" strike="noStrike" cap="none" normalizeH="0" baseline="0" dirty="0" err="1">
-                <a:ln>
-                  <a:noFill/>
-                </a:ln>
-                <a:solidFill>
-                  <a:srgbClr val="000000"/>
-                </a:solidFill>
-                <a:effectLst/>
-                <a:latin typeface="Courier New" panose="02070309020205020404" pitchFamily="49" charset="0"/>
-                <a:cs typeface="Courier New" panose="02070309020205020404" pitchFamily="49" charset="0"/>
-              </a:rPr>
-              <a:t>constructFormulaTopDown</a:t>
-            </a:r>
-            <a:r>
-              <a:rPr kumimoji="0" lang="de-DE" altLang="de-DE" sz="1600" b="0" i="0" u="none" strike="noStrike" cap="none" normalizeH="0" baseline="0" dirty="0">
-                <a:ln>
-                  <a:noFill/>
-                </a:ln>
-                <a:solidFill>
-                  <a:srgbClr val="000000"/>
-                </a:solidFill>
-                <a:effectLst/>
-                <a:latin typeface="Courier New" panose="02070309020205020404" pitchFamily="49" charset="0"/>
-                <a:cs typeface="Courier New" panose="02070309020205020404" pitchFamily="49" charset="0"/>
-              </a:rPr>
-              <a:t> (</a:t>
-            </a:r>
-            <a:r>
-              <a:rPr kumimoji="0" lang="de-DE" altLang="de-DE" sz="1600" b="0" i="0" u="none" strike="noStrike" cap="none" normalizeH="0" baseline="0" dirty="0" err="1">
-                <a:ln>
-                  <a:noFill/>
-                </a:ln>
-                <a:solidFill>
-                  <a:srgbClr val="000000"/>
-                </a:solidFill>
-                <a:effectLst/>
-                <a:latin typeface="Courier New" panose="02070309020205020404" pitchFamily="49" charset="0"/>
-                <a:cs typeface="Courier New" panose="02070309020205020404" pitchFamily="49" charset="0"/>
-              </a:rPr>
-              <a:t>node</a:t>
-            </a:r>
-            <a:r>
-              <a:rPr kumimoji="0" lang="de-DE" altLang="de-DE" sz="1600" b="0" i="0" u="none" strike="noStrike" cap="none" normalizeH="0" baseline="0" dirty="0">
-                <a:ln>
-                  <a:noFill/>
-                </a:ln>
-                <a:solidFill>
-                  <a:srgbClr val="000000"/>
-                </a:solidFill>
-                <a:effectLst/>
-                <a:latin typeface="Courier New" panose="02070309020205020404" pitchFamily="49" charset="0"/>
-                <a:cs typeface="Courier New" panose="02070309020205020404" pitchFamily="49" charset="0"/>
-              </a:rPr>
-              <a:t>: </a:t>
-            </a:r>
-            <a:r>
-              <a:rPr kumimoji="0" lang="de-DE" altLang="de-DE" sz="1600" b="0" i="0" u="none" strike="noStrike" cap="none" normalizeH="0" baseline="0" dirty="0" err="1">
-                <a:ln>
-                  <a:noFill/>
-                </a:ln>
-                <a:solidFill>
-                  <a:srgbClr val="000000"/>
-                </a:solidFill>
-                <a:effectLst/>
-                <a:latin typeface="Courier New" panose="02070309020205020404" pitchFamily="49" charset="0"/>
-                <a:cs typeface="Courier New" panose="02070309020205020404" pitchFamily="49" charset="0"/>
-              </a:rPr>
-              <a:t>BDDNode</a:t>
-            </a:r>
-            <a:r>
-              <a:rPr kumimoji="0" lang="de-DE" altLang="de-DE" sz="1600" b="0" i="0" u="none" strike="noStrike" cap="none" normalizeH="0" baseline="0" dirty="0">
-                <a:ln>
-                  <a:noFill/>
-                </a:ln>
-                <a:solidFill>
-                  <a:srgbClr val="000000"/>
-                </a:solidFill>
-                <a:effectLst/>
-                <a:latin typeface="Courier New" panose="02070309020205020404" pitchFamily="49" charset="0"/>
-                <a:cs typeface="Courier New" panose="02070309020205020404" pitchFamily="49" charset="0"/>
-              </a:rPr>
-              <a:t>?): </a:t>
-            </a:r>
-            <a:r>
-              <a:rPr kumimoji="0" lang="de-DE" altLang="de-DE" sz="1600" b="0" i="0" u="none" strike="noStrike" cap="none" normalizeH="0" baseline="0" dirty="0" err="1">
-                <a:ln>
-                  <a:noFill/>
-                </a:ln>
-                <a:solidFill>
-                  <a:srgbClr val="000000"/>
-                </a:solidFill>
-                <a:effectLst/>
-                <a:latin typeface="Courier New" panose="02070309020205020404" pitchFamily="49" charset="0"/>
-                <a:cs typeface="Courier New" panose="02070309020205020404" pitchFamily="49" charset="0"/>
-              </a:rPr>
-              <a:t>Sequence</a:t>
-            </a:r>
-            <a:r>
-              <a:rPr kumimoji="0" lang="de-DE" altLang="de-DE" sz="1600" b="0" i="0" u="none" strike="noStrike" cap="none" normalizeH="0" baseline="0" dirty="0">
-                <a:ln>
-                  <a:noFill/>
-                </a:ln>
-                <a:solidFill>
-                  <a:srgbClr val="000000"/>
-                </a:solidFill>
-                <a:effectLst/>
-                <a:latin typeface="Courier New" panose="02070309020205020404" pitchFamily="49" charset="0"/>
-                <a:cs typeface="Courier New" panose="02070309020205020404" pitchFamily="49" charset="0"/>
-              </a:rPr>
-              <a:t>&lt;</a:t>
-            </a:r>
-            <a:r>
-              <a:rPr kumimoji="0" lang="de-DE" altLang="de-DE" sz="1600" b="0" i="0" u="none" strike="noStrike" cap="none" normalizeH="0" baseline="0" dirty="0" err="1">
-                <a:ln>
-                  <a:noFill/>
-                </a:ln>
-                <a:solidFill>
-                  <a:srgbClr val="000000"/>
-                </a:solidFill>
-                <a:effectLst/>
-                <a:latin typeface="Courier New" panose="02070309020205020404" pitchFamily="49" charset="0"/>
-                <a:cs typeface="Courier New" panose="02070309020205020404" pitchFamily="49" charset="0"/>
-              </a:rPr>
-              <a:t>Float</a:t>
-            </a:r>
-            <a:r>
-              <a:rPr kumimoji="0" lang="de-DE" altLang="de-DE" sz="1600" b="0" i="0" u="none" strike="noStrike" cap="none" normalizeH="0" baseline="0" dirty="0">
-                <a:ln>
-                  <a:noFill/>
-                </a:ln>
-                <a:solidFill>
-                  <a:srgbClr val="000000"/>
-                </a:solidFill>
-                <a:effectLst/>
-                <a:latin typeface="Courier New" panose="02070309020205020404" pitchFamily="49" charset="0"/>
-                <a:cs typeface="Courier New" panose="02070309020205020404" pitchFamily="49" charset="0"/>
-              </a:rPr>
-              <a:t>&gt; {</a:t>
-            </a:r>
-            <a:br>
-              <a:rPr kumimoji="0" lang="de-DE" altLang="de-DE" sz="1600" b="0" i="0" u="none" strike="noStrike" cap="none" normalizeH="0" baseline="0" dirty="0">
-                <a:ln>
-                  <a:noFill/>
-                </a:ln>
-                <a:solidFill>
-                  <a:srgbClr val="000000"/>
-                </a:solidFill>
-                <a:effectLst/>
-                <a:latin typeface="Courier New" panose="02070309020205020404" pitchFamily="49" charset="0"/>
-                <a:cs typeface="Courier New" panose="02070309020205020404" pitchFamily="49" charset="0"/>
-              </a:rPr>
-            </a:br>
-            <a:r>
-              <a:rPr kumimoji="0" lang="de-DE" altLang="de-DE" sz="1600" b="0" i="0" u="none" strike="noStrike" cap="none" normalizeH="0" baseline="0" dirty="0">
-                <a:ln>
-                  <a:noFill/>
-                </a:ln>
-                <a:solidFill>
-                  <a:srgbClr val="000000"/>
-                </a:solidFill>
-                <a:effectLst/>
-                <a:latin typeface="Courier New" panose="02070309020205020404" pitchFamily="49" charset="0"/>
-                <a:cs typeface="Courier New" panose="02070309020205020404" pitchFamily="49" charset="0"/>
-              </a:rPr>
-              <a:t>    </a:t>
-            </a:r>
-            <a:r>
-              <a:rPr kumimoji="0" lang="de-DE" altLang="de-DE" sz="1600" b="1" i="0" u="none" strike="noStrike" cap="none" normalizeH="0" baseline="0" dirty="0" err="1">
-                <a:ln>
-                  <a:noFill/>
-                </a:ln>
-                <a:solidFill>
-                  <a:srgbClr val="000080"/>
-                </a:solidFill>
-                <a:effectLst/>
-                <a:latin typeface="Courier New" panose="02070309020205020404" pitchFamily="49" charset="0"/>
-                <a:cs typeface="Courier New" panose="02070309020205020404" pitchFamily="49" charset="0"/>
-              </a:rPr>
-              <a:t>if</a:t>
-            </a:r>
-            <a:r>
-              <a:rPr kumimoji="0" lang="de-DE" altLang="de-DE" sz="1600" b="1" i="0" u="none" strike="noStrike" cap="none" normalizeH="0" baseline="0" dirty="0">
-                <a:ln>
-                  <a:noFill/>
-                </a:ln>
-                <a:solidFill>
-                  <a:srgbClr val="000080"/>
-                </a:solidFill>
-                <a:effectLst/>
-                <a:latin typeface="Courier New" panose="02070309020205020404" pitchFamily="49" charset="0"/>
-                <a:cs typeface="Courier New" panose="02070309020205020404" pitchFamily="49" charset="0"/>
-              </a:rPr>
-              <a:t> </a:t>
-            </a:r>
-            <a:r>
-              <a:rPr kumimoji="0" lang="de-DE" altLang="de-DE" sz="1600" b="0" i="0" u="none" strike="noStrike" cap="none" normalizeH="0" baseline="0" dirty="0">
-                <a:ln>
-                  <a:noFill/>
-                </a:ln>
-                <a:solidFill>
-                  <a:srgbClr val="000000"/>
-                </a:solidFill>
-                <a:effectLst/>
-                <a:latin typeface="Courier New" panose="02070309020205020404" pitchFamily="49" charset="0"/>
-                <a:cs typeface="Courier New" panose="02070309020205020404" pitchFamily="49" charset="0"/>
-              </a:rPr>
-              <a:t>(</a:t>
-            </a:r>
-            <a:r>
-              <a:rPr kumimoji="0" lang="de-DE" altLang="de-DE" sz="1600" b="0" i="0" u="none" strike="noStrike" cap="none" normalizeH="0" baseline="0" dirty="0" err="1">
-                <a:ln>
-                  <a:noFill/>
-                </a:ln>
-                <a:solidFill>
-                  <a:srgbClr val="000000"/>
-                </a:solidFill>
-                <a:effectLst/>
-                <a:latin typeface="Courier New" panose="02070309020205020404" pitchFamily="49" charset="0"/>
-                <a:cs typeface="Courier New" panose="02070309020205020404" pitchFamily="49" charset="0"/>
-              </a:rPr>
-              <a:t>node</a:t>
-            </a:r>
-            <a:r>
-              <a:rPr kumimoji="0" lang="de-DE" altLang="de-DE" sz="1600" b="0" i="0" u="none" strike="noStrike" cap="none" normalizeH="0" baseline="0" dirty="0">
-                <a:ln>
-                  <a:noFill/>
-                </a:ln>
-                <a:solidFill>
-                  <a:srgbClr val="000000"/>
-                </a:solidFill>
-                <a:effectLst/>
-                <a:latin typeface="Courier New" panose="02070309020205020404" pitchFamily="49" charset="0"/>
-                <a:cs typeface="Courier New" panose="02070309020205020404" pitchFamily="49" charset="0"/>
-              </a:rPr>
-              <a:t> == </a:t>
-            </a:r>
-            <a:r>
-              <a:rPr kumimoji="0" lang="de-DE" altLang="de-DE" sz="1600" b="1" i="0" u="none" strike="noStrike" cap="none" normalizeH="0" baseline="0" dirty="0">
-                <a:ln>
-                  <a:noFill/>
-                </a:ln>
-                <a:solidFill>
-                  <a:srgbClr val="000080"/>
-                </a:solidFill>
-                <a:effectLst/>
-                <a:latin typeface="Courier New" panose="02070309020205020404" pitchFamily="49" charset="0"/>
-                <a:cs typeface="Courier New" panose="02070309020205020404" pitchFamily="49" charset="0"/>
-              </a:rPr>
-              <a:t>null </a:t>
-            </a:r>
-            <a:r>
-              <a:rPr kumimoji="0" lang="de-DE" altLang="de-DE" sz="1600" b="0" i="0" u="none" strike="noStrike" cap="none" normalizeH="0" baseline="0" dirty="0">
-                <a:ln>
-                  <a:noFill/>
-                </a:ln>
-                <a:solidFill>
-                  <a:srgbClr val="000000"/>
-                </a:solidFill>
-                <a:effectLst/>
-                <a:latin typeface="Courier New" panose="02070309020205020404" pitchFamily="49" charset="0"/>
-                <a:cs typeface="Courier New" panose="02070309020205020404" pitchFamily="49" charset="0"/>
-              </a:rPr>
-              <a:t>|| </a:t>
-            </a:r>
-            <a:r>
-              <a:rPr kumimoji="0" lang="de-DE" altLang="de-DE" sz="1600" b="0" i="0" u="none" strike="noStrike" cap="none" normalizeH="0" baseline="0" dirty="0" err="1">
-                <a:ln>
-                  <a:noFill/>
-                </a:ln>
-                <a:solidFill>
-                  <a:srgbClr val="000000"/>
-                </a:solidFill>
-                <a:effectLst/>
-                <a:latin typeface="Courier New" panose="02070309020205020404" pitchFamily="49" charset="0"/>
-                <a:cs typeface="Courier New" panose="02070309020205020404" pitchFamily="49" charset="0"/>
-              </a:rPr>
-              <a:t>node.</a:t>
-            </a:r>
-            <a:r>
-              <a:rPr kumimoji="0" lang="de-DE" altLang="de-DE" sz="1600" b="1" i="0" u="none" strike="noStrike" cap="none" normalizeH="0" baseline="0" dirty="0" err="1">
-                <a:ln>
-                  <a:noFill/>
-                </a:ln>
-                <a:solidFill>
-                  <a:srgbClr val="660E7A"/>
-                </a:solidFill>
-                <a:effectLst/>
-                <a:latin typeface="Courier New" panose="02070309020205020404" pitchFamily="49" charset="0"/>
-                <a:cs typeface="Courier New" panose="02070309020205020404" pitchFamily="49" charset="0"/>
-              </a:rPr>
-              <a:t>isZero</a:t>
-            </a:r>
-            <a:r>
-              <a:rPr kumimoji="0" lang="de-DE" altLang="de-DE" sz="1600" b="0" i="0" u="none" strike="noStrike" cap="none" normalizeH="0" baseline="0" dirty="0">
-                <a:ln>
-                  <a:noFill/>
-                </a:ln>
-                <a:solidFill>
-                  <a:srgbClr val="000000"/>
-                </a:solidFill>
-                <a:effectLst/>
-                <a:latin typeface="Courier New" panose="02070309020205020404" pitchFamily="49" charset="0"/>
-                <a:cs typeface="Courier New" panose="02070309020205020404" pitchFamily="49" charset="0"/>
-              </a:rPr>
-              <a:t>) {</a:t>
-            </a:r>
-            <a:br>
-              <a:rPr kumimoji="0" lang="de-DE" altLang="de-DE" sz="1600" b="0" i="0" u="none" strike="noStrike" cap="none" normalizeH="0" baseline="0" dirty="0">
-                <a:ln>
-                  <a:noFill/>
-                </a:ln>
-                <a:solidFill>
-                  <a:srgbClr val="000000"/>
-                </a:solidFill>
-                <a:effectLst/>
-                <a:latin typeface="Courier New" panose="02070309020205020404" pitchFamily="49" charset="0"/>
-                <a:cs typeface="Courier New" panose="02070309020205020404" pitchFamily="49" charset="0"/>
-              </a:rPr>
-            </a:br>
-            <a:r>
-              <a:rPr kumimoji="0" lang="de-DE" altLang="de-DE" sz="1600" b="0" i="0" u="none" strike="noStrike" cap="none" normalizeH="0" baseline="0" dirty="0">
-                <a:ln>
-                  <a:noFill/>
-                </a:ln>
-                <a:solidFill>
-                  <a:srgbClr val="000000"/>
-                </a:solidFill>
-                <a:effectLst/>
-                <a:latin typeface="Courier New" panose="02070309020205020404" pitchFamily="49" charset="0"/>
-                <a:cs typeface="Courier New" panose="02070309020205020404" pitchFamily="49" charset="0"/>
-              </a:rPr>
-              <a:t>        </a:t>
-            </a:r>
-            <a:r>
-              <a:rPr kumimoji="0" lang="de-DE" altLang="de-DE" sz="1600" b="1" i="0" u="none" strike="noStrike" cap="none" normalizeH="0" baseline="0" dirty="0" err="1">
-                <a:ln>
-                  <a:noFill/>
-                </a:ln>
-                <a:solidFill>
-                  <a:srgbClr val="000080"/>
-                </a:solidFill>
-                <a:effectLst/>
-                <a:latin typeface="Courier New" panose="02070309020205020404" pitchFamily="49" charset="0"/>
-                <a:cs typeface="Courier New" panose="02070309020205020404" pitchFamily="49" charset="0"/>
-              </a:rPr>
-              <a:t>return</a:t>
-            </a:r>
-            <a:r>
-              <a:rPr kumimoji="0" lang="de-DE" altLang="de-DE" sz="1600" b="1" i="0" u="none" strike="noStrike" cap="none" normalizeH="0" baseline="0" dirty="0">
-                <a:ln>
-                  <a:noFill/>
-                </a:ln>
-                <a:solidFill>
-                  <a:srgbClr val="000080"/>
-                </a:solidFill>
-                <a:effectLst/>
-                <a:latin typeface="Courier New" panose="02070309020205020404" pitchFamily="49" charset="0"/>
-                <a:cs typeface="Courier New" panose="02070309020205020404" pitchFamily="49" charset="0"/>
-              </a:rPr>
-              <a:t> </a:t>
-            </a:r>
-            <a:r>
-              <a:rPr kumimoji="0" lang="de-DE" altLang="de-DE" sz="1600" b="0" i="1" u="none" strike="noStrike" cap="none" normalizeH="0" baseline="0" dirty="0" err="1">
-                <a:ln>
-                  <a:noFill/>
-                </a:ln>
-                <a:solidFill>
-                  <a:srgbClr val="000000"/>
-                </a:solidFill>
-                <a:effectLst/>
-                <a:latin typeface="Courier New" panose="02070309020205020404" pitchFamily="49" charset="0"/>
-                <a:cs typeface="Courier New" panose="02070309020205020404" pitchFamily="49" charset="0"/>
-              </a:rPr>
-              <a:t>generateSequence</a:t>
-            </a:r>
-            <a:r>
-              <a:rPr kumimoji="0" lang="de-DE" altLang="de-DE" sz="1600" b="0" i="0" u="none" strike="noStrike" cap="none" normalizeH="0" baseline="0" dirty="0">
-                <a:ln>
-                  <a:noFill/>
-                </a:ln>
-                <a:solidFill>
-                  <a:srgbClr val="000000"/>
-                </a:solidFill>
-                <a:effectLst/>
-                <a:latin typeface="Courier New" panose="02070309020205020404" pitchFamily="49" charset="0"/>
-                <a:cs typeface="Courier New" panose="02070309020205020404" pitchFamily="49" charset="0"/>
-              </a:rPr>
-              <a:t>(</a:t>
-            </a:r>
-            <a:r>
-              <a:rPr kumimoji="0" lang="de-DE" altLang="de-DE" sz="1600" b="1" i="0" u="none" strike="noStrike" cap="none" normalizeH="0" baseline="0" dirty="0" err="1">
-                <a:ln>
-                  <a:noFill/>
-                </a:ln>
-                <a:solidFill>
-                  <a:srgbClr val="660E7A"/>
-                </a:solidFill>
-                <a:effectLst/>
-                <a:latin typeface="Courier New" panose="02070309020205020404" pitchFamily="49" charset="0"/>
-                <a:cs typeface="Courier New" panose="02070309020205020404" pitchFamily="49" charset="0"/>
-              </a:rPr>
-              <a:t>zeros</a:t>
-            </a:r>
-            <a:r>
-              <a:rPr kumimoji="0" lang="de-DE" altLang="de-DE" sz="1600" b="0" i="0" u="none" strike="noStrike" cap="none" normalizeH="0" baseline="0" dirty="0">
-                <a:ln>
-                  <a:noFill/>
-                </a:ln>
-                <a:solidFill>
-                  <a:srgbClr val="000000"/>
-                </a:solidFill>
-                <a:effectLst/>
-                <a:latin typeface="Courier New" panose="02070309020205020404" pitchFamily="49" charset="0"/>
-                <a:cs typeface="Courier New" panose="02070309020205020404" pitchFamily="49" charset="0"/>
-              </a:rPr>
-              <a:t>)</a:t>
-            </a:r>
-            <a:br>
-              <a:rPr kumimoji="0" lang="de-DE" altLang="de-DE" sz="1600" b="0" i="0" u="none" strike="noStrike" cap="none" normalizeH="0" baseline="0" dirty="0">
-                <a:ln>
-                  <a:noFill/>
-                </a:ln>
-                <a:solidFill>
-                  <a:srgbClr val="000000"/>
-                </a:solidFill>
-                <a:effectLst/>
-                <a:latin typeface="Courier New" panose="02070309020205020404" pitchFamily="49" charset="0"/>
-                <a:cs typeface="Courier New" panose="02070309020205020404" pitchFamily="49" charset="0"/>
-              </a:rPr>
-            </a:br>
-            <a:r>
-              <a:rPr kumimoji="0" lang="de-DE" altLang="de-DE" sz="1600" b="0" i="0" u="none" strike="noStrike" cap="none" normalizeH="0" baseline="0" dirty="0">
-                <a:ln>
-                  <a:noFill/>
-                </a:ln>
-                <a:solidFill>
-                  <a:srgbClr val="000000"/>
-                </a:solidFill>
-                <a:effectLst/>
-                <a:latin typeface="Courier New" panose="02070309020205020404" pitchFamily="49" charset="0"/>
-                <a:cs typeface="Courier New" panose="02070309020205020404" pitchFamily="49" charset="0"/>
-              </a:rPr>
-              <a:t>    } </a:t>
-            </a:r>
-            <a:r>
-              <a:rPr kumimoji="0" lang="de-DE" altLang="de-DE" sz="1600" b="1" i="0" u="none" strike="noStrike" cap="none" normalizeH="0" baseline="0" dirty="0" err="1">
-                <a:ln>
-                  <a:noFill/>
-                </a:ln>
-                <a:solidFill>
-                  <a:srgbClr val="000080"/>
-                </a:solidFill>
-                <a:effectLst/>
-                <a:latin typeface="Courier New" panose="02070309020205020404" pitchFamily="49" charset="0"/>
-                <a:cs typeface="Courier New" panose="02070309020205020404" pitchFamily="49" charset="0"/>
-              </a:rPr>
-              <a:t>else</a:t>
-            </a:r>
-            <a:r>
-              <a:rPr kumimoji="0" lang="de-DE" altLang="de-DE" sz="1600" b="1" i="0" u="none" strike="noStrike" cap="none" normalizeH="0" baseline="0" dirty="0">
-                <a:ln>
-                  <a:noFill/>
-                </a:ln>
-                <a:solidFill>
-                  <a:srgbClr val="000080"/>
-                </a:solidFill>
-                <a:effectLst/>
-                <a:latin typeface="Courier New" panose="02070309020205020404" pitchFamily="49" charset="0"/>
-                <a:cs typeface="Courier New" panose="02070309020205020404" pitchFamily="49" charset="0"/>
-              </a:rPr>
-              <a:t> </a:t>
-            </a:r>
-            <a:r>
-              <a:rPr kumimoji="0" lang="de-DE" altLang="de-DE" sz="1600" b="1" i="0" u="none" strike="noStrike" cap="none" normalizeH="0" baseline="0" dirty="0" err="1">
-                <a:ln>
-                  <a:noFill/>
-                </a:ln>
-                <a:solidFill>
-                  <a:srgbClr val="000080"/>
-                </a:solidFill>
-                <a:effectLst/>
-                <a:latin typeface="Courier New" panose="02070309020205020404" pitchFamily="49" charset="0"/>
-                <a:cs typeface="Courier New" panose="02070309020205020404" pitchFamily="49" charset="0"/>
-              </a:rPr>
-              <a:t>if</a:t>
-            </a:r>
-            <a:r>
-              <a:rPr kumimoji="0" lang="de-DE" altLang="de-DE" sz="1600" b="1" i="0" u="none" strike="noStrike" cap="none" normalizeH="0" baseline="0" dirty="0">
-                <a:ln>
-                  <a:noFill/>
-                </a:ln>
-                <a:solidFill>
-                  <a:srgbClr val="000080"/>
-                </a:solidFill>
-                <a:effectLst/>
-                <a:latin typeface="Courier New" panose="02070309020205020404" pitchFamily="49" charset="0"/>
-                <a:cs typeface="Courier New" panose="02070309020205020404" pitchFamily="49" charset="0"/>
-              </a:rPr>
-              <a:t> </a:t>
-            </a:r>
-            <a:r>
-              <a:rPr kumimoji="0" lang="de-DE" altLang="de-DE" sz="1600" b="0" i="0" u="none" strike="noStrike" cap="none" normalizeH="0" baseline="0" dirty="0">
-                <a:ln>
-                  <a:noFill/>
-                </a:ln>
-                <a:solidFill>
-                  <a:srgbClr val="000000"/>
-                </a:solidFill>
-                <a:effectLst/>
-                <a:latin typeface="Courier New" panose="02070309020205020404" pitchFamily="49" charset="0"/>
-                <a:cs typeface="Courier New" panose="02070309020205020404" pitchFamily="49" charset="0"/>
-              </a:rPr>
-              <a:t>(</a:t>
-            </a:r>
-            <a:r>
-              <a:rPr kumimoji="0" lang="de-DE" altLang="de-DE" sz="1600" b="0" i="0" u="none" strike="noStrike" cap="none" normalizeH="0" baseline="0" dirty="0" err="1">
-                <a:ln>
-                  <a:noFill/>
-                </a:ln>
-                <a:solidFill>
-                  <a:srgbClr val="000000"/>
-                </a:solidFill>
-                <a:effectLst/>
-                <a:latin typeface="Courier New" panose="02070309020205020404" pitchFamily="49" charset="0"/>
-                <a:cs typeface="Courier New" panose="02070309020205020404" pitchFamily="49" charset="0"/>
-              </a:rPr>
-              <a:t>node.</a:t>
-            </a:r>
-            <a:r>
-              <a:rPr kumimoji="0" lang="de-DE" altLang="de-DE" sz="1600" b="1" i="0" u="none" strike="noStrike" cap="none" normalizeH="0" baseline="0" dirty="0" err="1">
-                <a:ln>
-                  <a:noFill/>
-                </a:ln>
-                <a:solidFill>
-                  <a:srgbClr val="660E7A"/>
-                </a:solidFill>
-                <a:effectLst/>
-                <a:latin typeface="Courier New" panose="02070309020205020404" pitchFamily="49" charset="0"/>
-                <a:cs typeface="Courier New" panose="02070309020205020404" pitchFamily="49" charset="0"/>
-              </a:rPr>
-              <a:t>isOne</a:t>
-            </a:r>
-            <a:r>
-              <a:rPr kumimoji="0" lang="de-DE" altLang="de-DE" sz="1600" b="0" i="0" u="none" strike="noStrike" cap="none" normalizeH="0" baseline="0" dirty="0">
-                <a:ln>
-                  <a:noFill/>
-                </a:ln>
-                <a:solidFill>
-                  <a:srgbClr val="000000"/>
-                </a:solidFill>
-                <a:effectLst/>
-                <a:latin typeface="Courier New" panose="02070309020205020404" pitchFamily="49" charset="0"/>
-                <a:cs typeface="Courier New" panose="02070309020205020404" pitchFamily="49" charset="0"/>
-              </a:rPr>
-              <a:t>) {</a:t>
-            </a:r>
-            <a:br>
-              <a:rPr kumimoji="0" lang="de-DE" altLang="de-DE" sz="1600" b="0" i="0" u="none" strike="noStrike" cap="none" normalizeH="0" baseline="0" dirty="0">
-                <a:ln>
-                  <a:noFill/>
-                </a:ln>
-                <a:solidFill>
-                  <a:srgbClr val="000000"/>
-                </a:solidFill>
-                <a:effectLst/>
-                <a:latin typeface="Courier New" panose="02070309020205020404" pitchFamily="49" charset="0"/>
-                <a:cs typeface="Courier New" panose="02070309020205020404" pitchFamily="49" charset="0"/>
-              </a:rPr>
-            </a:br>
-            <a:r>
-              <a:rPr kumimoji="0" lang="de-DE" altLang="de-DE" sz="1600" b="0" i="0" u="none" strike="noStrike" cap="none" normalizeH="0" baseline="0" dirty="0">
-                <a:ln>
-                  <a:noFill/>
-                </a:ln>
-                <a:solidFill>
-                  <a:srgbClr val="000000"/>
-                </a:solidFill>
-                <a:effectLst/>
-                <a:latin typeface="Courier New" panose="02070309020205020404" pitchFamily="49" charset="0"/>
-                <a:cs typeface="Courier New" panose="02070309020205020404" pitchFamily="49" charset="0"/>
-              </a:rPr>
-              <a:t>        </a:t>
-            </a:r>
-            <a:r>
-              <a:rPr kumimoji="0" lang="de-DE" altLang="de-DE" sz="1600" b="1" i="0" u="none" strike="noStrike" cap="none" normalizeH="0" baseline="0" dirty="0" err="1">
-                <a:ln>
-                  <a:noFill/>
-                </a:ln>
-                <a:solidFill>
-                  <a:srgbClr val="000080"/>
-                </a:solidFill>
-                <a:effectLst/>
-                <a:latin typeface="Courier New" panose="02070309020205020404" pitchFamily="49" charset="0"/>
-                <a:cs typeface="Courier New" panose="02070309020205020404" pitchFamily="49" charset="0"/>
-              </a:rPr>
-              <a:t>return</a:t>
-            </a:r>
-            <a:r>
-              <a:rPr kumimoji="0" lang="de-DE" altLang="de-DE" sz="1600" b="1" i="0" u="none" strike="noStrike" cap="none" normalizeH="0" baseline="0" dirty="0">
-                <a:ln>
-                  <a:noFill/>
-                </a:ln>
-                <a:solidFill>
-                  <a:srgbClr val="000080"/>
-                </a:solidFill>
-                <a:effectLst/>
-                <a:latin typeface="Courier New" panose="02070309020205020404" pitchFamily="49" charset="0"/>
-                <a:cs typeface="Courier New" panose="02070309020205020404" pitchFamily="49" charset="0"/>
-              </a:rPr>
-              <a:t> </a:t>
-            </a:r>
-            <a:r>
-              <a:rPr kumimoji="0" lang="de-DE" altLang="de-DE" sz="1600" b="0" i="1" u="none" strike="noStrike" cap="none" normalizeH="0" baseline="0" dirty="0" err="1">
-                <a:ln>
-                  <a:noFill/>
-                </a:ln>
-                <a:solidFill>
-                  <a:srgbClr val="000000"/>
-                </a:solidFill>
-                <a:effectLst/>
-                <a:latin typeface="Courier New" panose="02070309020205020404" pitchFamily="49" charset="0"/>
-                <a:cs typeface="Courier New" panose="02070309020205020404" pitchFamily="49" charset="0"/>
-              </a:rPr>
-              <a:t>generateSequence</a:t>
-            </a:r>
-            <a:r>
-              <a:rPr kumimoji="0" lang="de-DE" altLang="de-DE" sz="1600" b="0" i="0" u="none" strike="noStrike" cap="none" normalizeH="0" baseline="0" dirty="0">
-                <a:ln>
-                  <a:noFill/>
-                </a:ln>
-                <a:solidFill>
-                  <a:srgbClr val="000000"/>
-                </a:solidFill>
-                <a:effectLst/>
-                <a:latin typeface="Courier New" panose="02070309020205020404" pitchFamily="49" charset="0"/>
-                <a:cs typeface="Courier New" panose="02070309020205020404" pitchFamily="49" charset="0"/>
-              </a:rPr>
-              <a:t>(</a:t>
-            </a:r>
-            <a:r>
-              <a:rPr kumimoji="0" lang="de-DE" altLang="de-DE" sz="1600" b="1" i="0" u="none" strike="noStrike" cap="none" normalizeH="0" baseline="0" dirty="0" err="1">
-                <a:ln>
-                  <a:noFill/>
-                </a:ln>
-                <a:solidFill>
-                  <a:srgbClr val="660E7A"/>
-                </a:solidFill>
-                <a:effectLst/>
-                <a:latin typeface="Courier New" panose="02070309020205020404" pitchFamily="49" charset="0"/>
-                <a:cs typeface="Courier New" panose="02070309020205020404" pitchFamily="49" charset="0"/>
-              </a:rPr>
-              <a:t>ones</a:t>
-            </a:r>
-            <a:r>
-              <a:rPr kumimoji="0" lang="de-DE" altLang="de-DE" sz="1600" b="0" i="0" u="none" strike="noStrike" cap="none" normalizeH="0" baseline="0" dirty="0">
-                <a:ln>
-                  <a:noFill/>
-                </a:ln>
-                <a:solidFill>
-                  <a:srgbClr val="000000"/>
-                </a:solidFill>
-                <a:effectLst/>
-                <a:latin typeface="Courier New" panose="02070309020205020404" pitchFamily="49" charset="0"/>
-                <a:cs typeface="Courier New" panose="02070309020205020404" pitchFamily="49" charset="0"/>
-              </a:rPr>
-              <a:t>)</a:t>
-            </a:r>
-            <a:br>
-              <a:rPr kumimoji="0" lang="de-DE" altLang="de-DE" sz="1600" b="0" i="0" u="none" strike="noStrike" cap="none" normalizeH="0" baseline="0" dirty="0">
-                <a:ln>
-                  <a:noFill/>
-                </a:ln>
-                <a:solidFill>
-                  <a:srgbClr val="000000"/>
-                </a:solidFill>
-                <a:effectLst/>
-                <a:latin typeface="Courier New" panose="02070309020205020404" pitchFamily="49" charset="0"/>
-                <a:cs typeface="Courier New" panose="02070309020205020404" pitchFamily="49" charset="0"/>
-              </a:rPr>
-            </a:br>
-            <a:r>
-              <a:rPr kumimoji="0" lang="de-DE" altLang="de-DE" sz="1600" b="0" i="0" u="none" strike="noStrike" cap="none" normalizeH="0" baseline="0" dirty="0">
-                <a:ln>
-                  <a:noFill/>
-                </a:ln>
-                <a:solidFill>
-                  <a:srgbClr val="000000"/>
-                </a:solidFill>
-                <a:effectLst/>
-                <a:latin typeface="Courier New" panose="02070309020205020404" pitchFamily="49" charset="0"/>
-                <a:cs typeface="Courier New" panose="02070309020205020404" pitchFamily="49" charset="0"/>
-              </a:rPr>
-              <a:t>    } </a:t>
-            </a:r>
-            <a:r>
-              <a:rPr kumimoji="0" lang="de-DE" altLang="de-DE" sz="1600" b="1" i="0" u="none" strike="noStrike" cap="none" normalizeH="0" baseline="0" dirty="0" err="1">
-                <a:ln>
-                  <a:noFill/>
-                </a:ln>
-                <a:solidFill>
-                  <a:srgbClr val="000080"/>
-                </a:solidFill>
-                <a:effectLst/>
-                <a:latin typeface="Courier New" panose="02070309020205020404" pitchFamily="49" charset="0"/>
-                <a:cs typeface="Courier New" panose="02070309020205020404" pitchFamily="49" charset="0"/>
-              </a:rPr>
-              <a:t>else</a:t>
-            </a:r>
-            <a:r>
-              <a:rPr kumimoji="0" lang="de-DE" altLang="de-DE" sz="1600" b="1" i="0" u="none" strike="noStrike" cap="none" normalizeH="0" baseline="0" dirty="0">
-                <a:ln>
-                  <a:noFill/>
-                </a:ln>
-                <a:solidFill>
-                  <a:srgbClr val="000080"/>
-                </a:solidFill>
-                <a:effectLst/>
-                <a:latin typeface="Courier New" panose="02070309020205020404" pitchFamily="49" charset="0"/>
-                <a:cs typeface="Courier New" panose="02070309020205020404" pitchFamily="49" charset="0"/>
-              </a:rPr>
-              <a:t> </a:t>
-            </a:r>
-            <a:r>
-              <a:rPr kumimoji="0" lang="de-DE" altLang="de-DE" sz="1600" b="1" i="0" u="none" strike="noStrike" cap="none" normalizeH="0" baseline="0" dirty="0" err="1">
-                <a:ln>
-                  <a:noFill/>
-                </a:ln>
-                <a:solidFill>
-                  <a:srgbClr val="000080"/>
-                </a:solidFill>
-                <a:effectLst/>
-                <a:latin typeface="Courier New" panose="02070309020205020404" pitchFamily="49" charset="0"/>
-                <a:cs typeface="Courier New" panose="02070309020205020404" pitchFamily="49" charset="0"/>
-              </a:rPr>
-              <a:t>if</a:t>
-            </a:r>
-            <a:r>
-              <a:rPr kumimoji="0" lang="de-DE" altLang="de-DE" sz="1600" b="1" i="0" u="none" strike="noStrike" cap="none" normalizeH="0" baseline="0" dirty="0">
-                <a:ln>
-                  <a:noFill/>
-                </a:ln>
-                <a:solidFill>
-                  <a:srgbClr val="000080"/>
-                </a:solidFill>
-                <a:effectLst/>
-                <a:latin typeface="Courier New" panose="02070309020205020404" pitchFamily="49" charset="0"/>
-                <a:cs typeface="Courier New" panose="02070309020205020404" pitchFamily="49" charset="0"/>
-              </a:rPr>
-              <a:t> </a:t>
-            </a:r>
-            <a:r>
-              <a:rPr kumimoji="0" lang="de-DE" altLang="de-DE" sz="1600" b="0" i="0" u="none" strike="noStrike" cap="none" normalizeH="0" baseline="0" dirty="0">
-                <a:ln>
-                  <a:noFill/>
-                </a:ln>
-                <a:solidFill>
-                  <a:srgbClr val="000000"/>
-                </a:solidFill>
-                <a:effectLst/>
-                <a:latin typeface="Courier New" panose="02070309020205020404" pitchFamily="49" charset="0"/>
-                <a:cs typeface="Courier New" panose="02070309020205020404" pitchFamily="49" charset="0"/>
-              </a:rPr>
-              <a:t>(</a:t>
-            </a:r>
-            <a:r>
-              <a:rPr kumimoji="0" lang="de-DE" altLang="de-DE" sz="1600" b="1" i="0" u="none" strike="noStrike" cap="none" normalizeH="0" baseline="0" dirty="0" err="1">
-                <a:ln>
-                  <a:noFill/>
-                </a:ln>
-                <a:solidFill>
-                  <a:srgbClr val="660E7A"/>
-                </a:solidFill>
-                <a:effectLst/>
-                <a:latin typeface="Courier New" panose="02070309020205020404" pitchFamily="49" charset="0"/>
-                <a:cs typeface="Courier New" panose="02070309020205020404" pitchFamily="49" charset="0"/>
-              </a:rPr>
-              <a:t>computedTable</a:t>
-            </a:r>
-            <a:r>
-              <a:rPr kumimoji="0" lang="de-DE" altLang="de-DE" sz="1600" b="0" i="0" u="none" strike="noStrike" cap="none" normalizeH="0" baseline="0" dirty="0" err="1">
-                <a:ln>
-                  <a:noFill/>
-                </a:ln>
-                <a:solidFill>
-                  <a:srgbClr val="000000"/>
-                </a:solidFill>
-                <a:effectLst/>
-                <a:latin typeface="Courier New" panose="02070309020205020404" pitchFamily="49" charset="0"/>
-                <a:cs typeface="Courier New" panose="02070309020205020404" pitchFamily="49" charset="0"/>
-              </a:rPr>
-              <a:t>.containsKey</a:t>
-            </a:r>
-            <a:r>
-              <a:rPr kumimoji="0" lang="de-DE" altLang="de-DE" sz="1600" b="0" i="0" u="none" strike="noStrike" cap="none" normalizeH="0" baseline="0" dirty="0">
-                <a:ln>
-                  <a:noFill/>
-                </a:ln>
-                <a:solidFill>
-                  <a:srgbClr val="000000"/>
-                </a:solidFill>
-                <a:effectLst/>
-                <a:latin typeface="Courier New" panose="02070309020205020404" pitchFamily="49" charset="0"/>
-                <a:cs typeface="Courier New" panose="02070309020205020404" pitchFamily="49" charset="0"/>
-              </a:rPr>
-              <a:t>(</a:t>
-            </a:r>
-            <a:r>
-              <a:rPr kumimoji="0" lang="de-DE" altLang="de-DE" sz="1600" b="0" i="0" u="none" strike="noStrike" cap="none" normalizeH="0" baseline="0" dirty="0" err="1">
-                <a:ln>
-                  <a:noFill/>
-                </a:ln>
-                <a:solidFill>
-                  <a:srgbClr val="000000"/>
-                </a:solidFill>
-                <a:effectLst/>
-                <a:latin typeface="Courier New" panose="02070309020205020404" pitchFamily="49" charset="0"/>
-                <a:cs typeface="Courier New" panose="02070309020205020404" pitchFamily="49" charset="0"/>
-              </a:rPr>
-              <a:t>node</a:t>
-            </a:r>
-            <a:r>
-              <a:rPr kumimoji="0" lang="de-DE" altLang="de-DE" sz="1600" b="0" i="0" u="none" strike="noStrike" cap="none" normalizeH="0" baseline="0" dirty="0">
-                <a:ln>
-                  <a:noFill/>
-                </a:ln>
-                <a:solidFill>
-                  <a:srgbClr val="000000"/>
-                </a:solidFill>
-                <a:effectLst/>
-                <a:latin typeface="Courier New" panose="02070309020205020404" pitchFamily="49" charset="0"/>
-                <a:cs typeface="Courier New" panose="02070309020205020404" pitchFamily="49" charset="0"/>
-              </a:rPr>
-              <a:t>)) {</a:t>
-            </a:r>
-            <a:br>
-              <a:rPr kumimoji="0" lang="de-DE" altLang="de-DE" sz="1600" b="0" i="0" u="none" strike="noStrike" cap="none" normalizeH="0" baseline="0" dirty="0">
-                <a:ln>
-                  <a:noFill/>
-                </a:ln>
-                <a:solidFill>
-                  <a:srgbClr val="000000"/>
-                </a:solidFill>
-                <a:effectLst/>
-                <a:latin typeface="Courier New" panose="02070309020205020404" pitchFamily="49" charset="0"/>
-                <a:cs typeface="Courier New" panose="02070309020205020404" pitchFamily="49" charset="0"/>
-              </a:rPr>
-            </a:br>
-            <a:r>
-              <a:rPr kumimoji="0" lang="de-DE" altLang="de-DE" sz="1600" b="0" i="0" u="none" strike="noStrike" cap="none" normalizeH="0" baseline="0" dirty="0">
-                <a:ln>
-                  <a:noFill/>
-                </a:ln>
-                <a:solidFill>
-                  <a:srgbClr val="000000"/>
-                </a:solidFill>
-                <a:effectLst/>
-                <a:latin typeface="Courier New" panose="02070309020205020404" pitchFamily="49" charset="0"/>
-                <a:cs typeface="Courier New" panose="02070309020205020404" pitchFamily="49" charset="0"/>
-              </a:rPr>
-              <a:t>        </a:t>
-            </a:r>
-            <a:r>
-              <a:rPr kumimoji="0" lang="de-DE" altLang="de-DE" sz="1600" b="1" i="0" u="none" strike="noStrike" cap="none" normalizeH="0" baseline="0" dirty="0" err="1">
-                <a:ln>
-                  <a:noFill/>
-                </a:ln>
-                <a:solidFill>
-                  <a:srgbClr val="000080"/>
-                </a:solidFill>
-                <a:effectLst/>
-                <a:latin typeface="Courier New" panose="02070309020205020404" pitchFamily="49" charset="0"/>
-                <a:cs typeface="Courier New" panose="02070309020205020404" pitchFamily="49" charset="0"/>
-              </a:rPr>
-              <a:t>return</a:t>
-            </a:r>
-            <a:r>
-              <a:rPr kumimoji="0" lang="de-DE" altLang="de-DE" sz="1600" b="1" i="0" u="none" strike="noStrike" cap="none" normalizeH="0" baseline="0" dirty="0">
-                <a:ln>
-                  <a:noFill/>
-                </a:ln>
-                <a:solidFill>
-                  <a:srgbClr val="000080"/>
-                </a:solidFill>
-                <a:effectLst/>
-                <a:latin typeface="Courier New" panose="02070309020205020404" pitchFamily="49" charset="0"/>
-                <a:cs typeface="Courier New" panose="02070309020205020404" pitchFamily="49" charset="0"/>
-              </a:rPr>
-              <a:t> </a:t>
-            </a:r>
-            <a:r>
-              <a:rPr kumimoji="0" lang="de-DE" altLang="de-DE" sz="1600" b="1" i="0" u="none" strike="noStrike" cap="none" normalizeH="0" baseline="0" dirty="0" err="1">
-                <a:ln>
-                  <a:noFill/>
-                </a:ln>
-                <a:solidFill>
-                  <a:srgbClr val="660E7A"/>
-                </a:solidFill>
-                <a:effectLst/>
-                <a:latin typeface="Courier New" panose="02070309020205020404" pitchFamily="49" charset="0"/>
-                <a:cs typeface="Courier New" panose="02070309020205020404" pitchFamily="49" charset="0"/>
-              </a:rPr>
-              <a:t>computedTable</a:t>
-            </a:r>
-            <a:r>
-              <a:rPr kumimoji="0" lang="de-DE" altLang="de-DE" sz="1600" b="0" i="0" u="none" strike="noStrike" cap="none" normalizeH="0" baseline="0" dirty="0">
-                <a:ln>
-                  <a:noFill/>
-                </a:ln>
-                <a:solidFill>
-                  <a:srgbClr val="000000"/>
-                </a:solidFill>
-                <a:effectLst/>
-                <a:latin typeface="Courier New" panose="02070309020205020404" pitchFamily="49" charset="0"/>
-                <a:cs typeface="Courier New" panose="02070309020205020404" pitchFamily="49" charset="0"/>
-              </a:rPr>
-              <a:t>[</a:t>
-            </a:r>
-            <a:r>
-              <a:rPr kumimoji="0" lang="de-DE" altLang="de-DE" sz="1600" b="0" i="0" u="none" strike="noStrike" cap="none" normalizeH="0" baseline="0" dirty="0" err="1">
-                <a:ln>
-                  <a:noFill/>
-                </a:ln>
-                <a:solidFill>
-                  <a:srgbClr val="000000"/>
-                </a:solidFill>
-                <a:effectLst/>
-                <a:latin typeface="Courier New" panose="02070309020205020404" pitchFamily="49" charset="0"/>
-                <a:cs typeface="Courier New" panose="02070309020205020404" pitchFamily="49" charset="0"/>
-              </a:rPr>
-              <a:t>node</a:t>
-            </a:r>
-            <a:r>
-              <a:rPr kumimoji="0" lang="de-DE" altLang="de-DE" sz="1600" b="0" i="0" u="none" strike="noStrike" cap="none" normalizeH="0" baseline="0" dirty="0">
-                <a:ln>
-                  <a:noFill/>
-                </a:ln>
-                <a:solidFill>
-                  <a:srgbClr val="000000"/>
-                </a:solidFill>
-                <a:effectLst/>
-                <a:latin typeface="Courier New" panose="02070309020205020404" pitchFamily="49" charset="0"/>
-                <a:cs typeface="Courier New" panose="02070309020205020404" pitchFamily="49" charset="0"/>
-              </a:rPr>
-              <a:t>]!!.</a:t>
-            </a:r>
-            <a:r>
-              <a:rPr kumimoji="0" lang="de-DE" altLang="de-DE" sz="1600" b="0" i="1" u="none" strike="noStrike" cap="none" normalizeH="0" baseline="0" dirty="0" err="1">
-                <a:ln>
-                  <a:noFill/>
-                </a:ln>
-                <a:solidFill>
-                  <a:srgbClr val="000000"/>
-                </a:solidFill>
-                <a:effectLst/>
-                <a:latin typeface="Courier New" panose="02070309020205020404" pitchFamily="49" charset="0"/>
-                <a:cs typeface="Courier New" panose="02070309020205020404" pitchFamily="49" charset="0"/>
-              </a:rPr>
-              <a:t>asSequence</a:t>
-            </a:r>
-            <a:r>
-              <a:rPr kumimoji="0" lang="de-DE" altLang="de-DE" sz="1600" b="0" i="0" u="none" strike="noStrike" cap="none" normalizeH="0" baseline="0" dirty="0">
-                <a:ln>
-                  <a:noFill/>
-                </a:ln>
-                <a:solidFill>
-                  <a:srgbClr val="000000"/>
-                </a:solidFill>
-                <a:effectLst/>
-                <a:latin typeface="Courier New" panose="02070309020205020404" pitchFamily="49" charset="0"/>
-                <a:cs typeface="Courier New" panose="02070309020205020404" pitchFamily="49" charset="0"/>
-              </a:rPr>
-              <a:t>()</a:t>
-            </a:r>
-            <a:br>
-              <a:rPr kumimoji="0" lang="de-DE" altLang="de-DE" sz="1600" b="0" i="0" u="none" strike="noStrike" cap="none" normalizeH="0" baseline="0" dirty="0">
-                <a:ln>
-                  <a:noFill/>
-                </a:ln>
-                <a:solidFill>
-                  <a:srgbClr val="000000"/>
-                </a:solidFill>
-                <a:effectLst/>
-                <a:latin typeface="Courier New" panose="02070309020205020404" pitchFamily="49" charset="0"/>
-                <a:cs typeface="Courier New" panose="02070309020205020404" pitchFamily="49" charset="0"/>
-              </a:rPr>
-            </a:br>
-            <a:r>
-              <a:rPr kumimoji="0" lang="de-DE" altLang="de-DE" sz="1600" b="0" i="0" u="none" strike="noStrike" cap="none" normalizeH="0" baseline="0" dirty="0">
-                <a:ln>
-                  <a:noFill/>
-                </a:ln>
-                <a:solidFill>
-                  <a:srgbClr val="000000"/>
-                </a:solidFill>
-                <a:effectLst/>
-                <a:latin typeface="Courier New" panose="02070309020205020404" pitchFamily="49" charset="0"/>
-                <a:cs typeface="Courier New" panose="02070309020205020404" pitchFamily="49" charset="0"/>
-              </a:rPr>
-              <a:t>    } </a:t>
-            </a:r>
-            <a:r>
-              <a:rPr kumimoji="0" lang="de-DE" altLang="de-DE" sz="1600" b="1" i="0" u="none" strike="noStrike" cap="none" normalizeH="0" baseline="0" dirty="0" err="1">
-                <a:ln>
-                  <a:noFill/>
-                </a:ln>
-                <a:solidFill>
-                  <a:srgbClr val="000080"/>
-                </a:solidFill>
-                <a:effectLst/>
-                <a:latin typeface="Courier New" panose="02070309020205020404" pitchFamily="49" charset="0"/>
-                <a:cs typeface="Courier New" panose="02070309020205020404" pitchFamily="49" charset="0"/>
-              </a:rPr>
-              <a:t>else</a:t>
-            </a:r>
-            <a:r>
-              <a:rPr kumimoji="0" lang="de-DE" altLang="de-DE" sz="1600" b="1" i="0" u="none" strike="noStrike" cap="none" normalizeH="0" baseline="0" dirty="0">
-                <a:ln>
-                  <a:noFill/>
-                </a:ln>
-                <a:solidFill>
-                  <a:srgbClr val="000080"/>
-                </a:solidFill>
-                <a:effectLst/>
-                <a:latin typeface="Courier New" panose="02070309020205020404" pitchFamily="49" charset="0"/>
-                <a:cs typeface="Courier New" panose="02070309020205020404" pitchFamily="49" charset="0"/>
-              </a:rPr>
-              <a:t> </a:t>
-            </a:r>
-            <a:r>
-              <a:rPr kumimoji="0" lang="de-DE" altLang="de-DE" sz="1600" b="0" i="0" u="none" strike="noStrike" cap="none" normalizeH="0" baseline="0" dirty="0">
-                <a:ln>
-                  <a:noFill/>
-                </a:ln>
-                <a:solidFill>
-                  <a:srgbClr val="000000"/>
-                </a:solidFill>
-                <a:effectLst/>
-                <a:latin typeface="Courier New" panose="02070309020205020404" pitchFamily="49" charset="0"/>
-                <a:cs typeface="Courier New" panose="02070309020205020404" pitchFamily="49" charset="0"/>
-              </a:rPr>
-              <a:t>{</a:t>
-            </a:r>
-            <a:br>
-              <a:rPr kumimoji="0" lang="de-DE" altLang="de-DE" sz="1600" b="0" i="0" u="none" strike="noStrike" cap="none" normalizeH="0" baseline="0" dirty="0">
-                <a:ln>
-                  <a:noFill/>
-                </a:ln>
-                <a:solidFill>
-                  <a:srgbClr val="000000"/>
-                </a:solidFill>
-                <a:effectLst/>
-                <a:latin typeface="Courier New" panose="02070309020205020404" pitchFamily="49" charset="0"/>
-                <a:cs typeface="Courier New" panose="02070309020205020404" pitchFamily="49" charset="0"/>
-              </a:rPr>
-            </a:br>
-            <a:r>
-              <a:rPr kumimoji="0" lang="de-DE" altLang="de-DE" sz="1600" b="0" i="0" u="none" strike="noStrike" cap="none" normalizeH="0" baseline="0" dirty="0">
-                <a:ln>
-                  <a:noFill/>
-                </a:ln>
-                <a:solidFill>
-                  <a:srgbClr val="000000"/>
-                </a:solidFill>
-                <a:effectLst/>
-                <a:latin typeface="Courier New" panose="02070309020205020404" pitchFamily="49" charset="0"/>
-                <a:cs typeface="Courier New" panose="02070309020205020404" pitchFamily="49" charset="0"/>
-              </a:rPr>
-              <a:t>        </a:t>
-            </a:r>
-            <a:r>
-              <a:rPr kumimoji="0" lang="de-DE" altLang="de-DE" sz="1600" b="1" i="0" u="none" strike="noStrike" cap="none" normalizeH="0" baseline="0" dirty="0" err="1">
-                <a:ln>
-                  <a:noFill/>
-                </a:ln>
-                <a:solidFill>
-                  <a:srgbClr val="000080"/>
-                </a:solidFill>
-                <a:effectLst/>
-                <a:latin typeface="Courier New" panose="02070309020205020404" pitchFamily="49" charset="0"/>
-                <a:cs typeface="Courier New" panose="02070309020205020404" pitchFamily="49" charset="0"/>
-              </a:rPr>
-              <a:t>val</a:t>
-            </a:r>
-            <a:r>
-              <a:rPr kumimoji="0" lang="de-DE" altLang="de-DE" sz="1600" b="1" i="0" u="none" strike="noStrike" cap="none" normalizeH="0" baseline="0" dirty="0">
-                <a:ln>
-                  <a:noFill/>
-                </a:ln>
-                <a:solidFill>
-                  <a:srgbClr val="000080"/>
-                </a:solidFill>
-                <a:effectLst/>
-                <a:latin typeface="Courier New" panose="02070309020205020404" pitchFamily="49" charset="0"/>
-                <a:cs typeface="Courier New" panose="02070309020205020404" pitchFamily="49" charset="0"/>
-              </a:rPr>
-              <a:t> </a:t>
-            </a:r>
-            <a:r>
-              <a:rPr kumimoji="0" lang="de-DE" altLang="de-DE" sz="1600" b="0" i="0" u="none" strike="noStrike" cap="none" normalizeH="0" baseline="0" dirty="0" err="1">
-                <a:ln>
-                  <a:noFill/>
-                </a:ln>
-                <a:solidFill>
-                  <a:srgbClr val="000000"/>
-                </a:solidFill>
-                <a:effectLst/>
-                <a:latin typeface="Courier New" panose="02070309020205020404" pitchFamily="49" charset="0"/>
-                <a:cs typeface="Courier New" panose="02070309020205020404" pitchFamily="49" charset="0"/>
-              </a:rPr>
-              <a:t>result</a:t>
-            </a:r>
-            <a:r>
-              <a:rPr kumimoji="0" lang="de-DE" altLang="de-DE" sz="1600" b="0" i="0" u="none" strike="noStrike" cap="none" normalizeH="0" baseline="0" dirty="0">
-                <a:ln>
-                  <a:noFill/>
-                </a:ln>
-                <a:solidFill>
-                  <a:srgbClr val="000000"/>
-                </a:solidFill>
-                <a:effectLst/>
-                <a:latin typeface="Courier New" panose="02070309020205020404" pitchFamily="49" charset="0"/>
-                <a:cs typeface="Courier New" panose="02070309020205020404" pitchFamily="49" charset="0"/>
-              </a:rPr>
-              <a:t> = </a:t>
-            </a:r>
-            <a:r>
-              <a:rPr kumimoji="0" lang="de-DE" altLang="de-DE" sz="1600" b="0" i="0" u="none" strike="noStrike" cap="none" normalizeH="0" baseline="0" dirty="0" err="1">
-                <a:ln>
-                  <a:noFill/>
-                </a:ln>
-                <a:solidFill>
-                  <a:srgbClr val="000000"/>
-                </a:solidFill>
-                <a:effectLst/>
-                <a:latin typeface="Courier New" panose="02070309020205020404" pitchFamily="49" charset="0"/>
-                <a:cs typeface="Courier New" panose="02070309020205020404" pitchFamily="49" charset="0"/>
-              </a:rPr>
-              <a:t>formulaFromChildes</a:t>
-            </a:r>
-            <a:r>
-              <a:rPr kumimoji="0" lang="de-DE" altLang="de-DE" sz="1600" b="0" i="0" u="none" strike="noStrike" cap="none" normalizeH="0" baseline="0" dirty="0">
-                <a:ln>
-                  <a:noFill/>
-                </a:ln>
-                <a:solidFill>
-                  <a:srgbClr val="000000"/>
-                </a:solidFill>
-                <a:effectLst/>
-                <a:latin typeface="Courier New" panose="02070309020205020404" pitchFamily="49" charset="0"/>
-                <a:cs typeface="Courier New" panose="02070309020205020404" pitchFamily="49" charset="0"/>
-              </a:rPr>
-              <a:t>(</a:t>
-            </a:r>
-            <a:r>
-              <a:rPr kumimoji="0" lang="de-DE" altLang="de-DE" sz="1600" b="0" i="0" u="none" strike="noStrike" cap="none" normalizeH="0" baseline="0" dirty="0" err="1">
-                <a:ln>
-                  <a:noFill/>
-                </a:ln>
-                <a:solidFill>
-                  <a:srgbClr val="000000"/>
-                </a:solidFill>
-                <a:effectLst/>
-                <a:latin typeface="Courier New" panose="02070309020205020404" pitchFamily="49" charset="0"/>
-                <a:cs typeface="Courier New" panose="02070309020205020404" pitchFamily="49" charset="0"/>
-              </a:rPr>
-              <a:t>node</a:t>
-            </a:r>
-            <a:r>
-              <a:rPr kumimoji="0" lang="de-DE" altLang="de-DE" sz="1600" b="0" i="0" u="none" strike="noStrike" cap="none" normalizeH="0" baseline="0" dirty="0">
-                <a:ln>
-                  <a:noFill/>
-                </a:ln>
-                <a:solidFill>
-                  <a:srgbClr val="000000"/>
-                </a:solidFill>
-                <a:effectLst/>
-                <a:latin typeface="Courier New" panose="02070309020205020404" pitchFamily="49" charset="0"/>
-                <a:cs typeface="Courier New" panose="02070309020205020404" pitchFamily="49" charset="0"/>
-              </a:rPr>
-              <a:t>).</a:t>
-            </a:r>
-            <a:r>
-              <a:rPr kumimoji="0" lang="de-DE" altLang="de-DE" sz="1600" b="0" i="1" u="none" strike="noStrike" cap="none" normalizeH="0" baseline="0" dirty="0" err="1">
-                <a:ln>
-                  <a:noFill/>
-                </a:ln>
-                <a:solidFill>
-                  <a:srgbClr val="000000"/>
-                </a:solidFill>
-                <a:effectLst/>
-                <a:latin typeface="Courier New" panose="02070309020205020404" pitchFamily="49" charset="0"/>
-                <a:cs typeface="Courier New" panose="02070309020205020404" pitchFamily="49" charset="0"/>
-              </a:rPr>
-              <a:t>toList</a:t>
-            </a:r>
-            <a:r>
-              <a:rPr kumimoji="0" lang="de-DE" altLang="de-DE" sz="1600" b="0" i="0" u="none" strike="noStrike" cap="none" normalizeH="0" baseline="0" dirty="0">
-                <a:ln>
-                  <a:noFill/>
-                </a:ln>
-                <a:solidFill>
-                  <a:srgbClr val="000000"/>
-                </a:solidFill>
-                <a:effectLst/>
-                <a:latin typeface="Courier New" panose="02070309020205020404" pitchFamily="49" charset="0"/>
-                <a:cs typeface="Courier New" panose="02070309020205020404" pitchFamily="49" charset="0"/>
-              </a:rPr>
-              <a:t>()</a:t>
-            </a:r>
-            <a:br>
-              <a:rPr kumimoji="0" lang="de-DE" altLang="de-DE" sz="1600" b="0" i="0" u="none" strike="noStrike" cap="none" normalizeH="0" baseline="0" dirty="0">
-                <a:ln>
-                  <a:noFill/>
-                </a:ln>
-                <a:solidFill>
-                  <a:srgbClr val="000000"/>
-                </a:solidFill>
-                <a:effectLst/>
-                <a:latin typeface="Courier New" panose="02070309020205020404" pitchFamily="49" charset="0"/>
-                <a:cs typeface="Courier New" panose="02070309020205020404" pitchFamily="49" charset="0"/>
-              </a:rPr>
-            </a:br>
-            <a:r>
-              <a:rPr kumimoji="0" lang="de-DE" altLang="de-DE" sz="1600" b="0" i="0" u="none" strike="noStrike" cap="none" normalizeH="0" baseline="0" dirty="0">
-                <a:ln>
-                  <a:noFill/>
-                </a:ln>
-                <a:solidFill>
-                  <a:srgbClr val="000000"/>
-                </a:solidFill>
-                <a:effectLst/>
-                <a:latin typeface="Courier New" panose="02070309020205020404" pitchFamily="49" charset="0"/>
-                <a:cs typeface="Courier New" panose="02070309020205020404" pitchFamily="49" charset="0"/>
-              </a:rPr>
-              <a:t>        </a:t>
-            </a:r>
-            <a:r>
-              <a:rPr kumimoji="0" lang="de-DE" altLang="de-DE" sz="1600" b="1" i="0" u="none" strike="noStrike" cap="none" normalizeH="0" baseline="0" dirty="0" err="1">
-                <a:ln>
-                  <a:noFill/>
-                </a:ln>
-                <a:solidFill>
-                  <a:srgbClr val="660E7A"/>
-                </a:solidFill>
-                <a:effectLst/>
-                <a:latin typeface="Courier New" panose="02070309020205020404" pitchFamily="49" charset="0"/>
-                <a:cs typeface="Courier New" panose="02070309020205020404" pitchFamily="49" charset="0"/>
-              </a:rPr>
-              <a:t>computedTable</a:t>
-            </a:r>
-            <a:r>
-              <a:rPr kumimoji="0" lang="de-DE" altLang="de-DE" sz="1600" b="0" i="0" u="none" strike="noStrike" cap="none" normalizeH="0" baseline="0" dirty="0" err="1">
-                <a:ln>
-                  <a:noFill/>
-                </a:ln>
-                <a:solidFill>
-                  <a:srgbClr val="000000"/>
-                </a:solidFill>
-                <a:effectLst/>
-                <a:latin typeface="Courier New" panose="02070309020205020404" pitchFamily="49" charset="0"/>
-                <a:cs typeface="Courier New" panose="02070309020205020404" pitchFamily="49" charset="0"/>
-              </a:rPr>
-              <a:t>.put</a:t>
-            </a:r>
-            <a:r>
-              <a:rPr kumimoji="0" lang="de-DE" altLang="de-DE" sz="1600" b="0" i="0" u="none" strike="noStrike" cap="none" normalizeH="0" baseline="0" dirty="0">
-                <a:ln>
-                  <a:noFill/>
-                </a:ln>
-                <a:solidFill>
-                  <a:srgbClr val="000000"/>
-                </a:solidFill>
-                <a:effectLst/>
-                <a:latin typeface="Courier New" panose="02070309020205020404" pitchFamily="49" charset="0"/>
-                <a:cs typeface="Courier New" panose="02070309020205020404" pitchFamily="49" charset="0"/>
-              </a:rPr>
-              <a:t>(</a:t>
-            </a:r>
-            <a:r>
-              <a:rPr kumimoji="0" lang="de-DE" altLang="de-DE" sz="1600" b="0" i="0" u="none" strike="noStrike" cap="none" normalizeH="0" baseline="0" dirty="0" err="1">
-                <a:ln>
-                  <a:noFill/>
-                </a:ln>
-                <a:solidFill>
-                  <a:srgbClr val="000000"/>
-                </a:solidFill>
-                <a:effectLst/>
-                <a:latin typeface="Courier New" panose="02070309020205020404" pitchFamily="49" charset="0"/>
-                <a:cs typeface="Courier New" panose="02070309020205020404" pitchFamily="49" charset="0"/>
-              </a:rPr>
-              <a:t>node</a:t>
-            </a:r>
-            <a:r>
-              <a:rPr kumimoji="0" lang="de-DE" altLang="de-DE" sz="1600" b="0" i="0" u="none" strike="noStrike" cap="none" normalizeH="0" baseline="0" dirty="0">
-                <a:ln>
-                  <a:noFill/>
-                </a:ln>
-                <a:solidFill>
-                  <a:srgbClr val="000000"/>
-                </a:solidFill>
-                <a:effectLst/>
-                <a:latin typeface="Courier New" panose="02070309020205020404" pitchFamily="49" charset="0"/>
-                <a:cs typeface="Courier New" panose="02070309020205020404" pitchFamily="49" charset="0"/>
-              </a:rPr>
-              <a:t>, </a:t>
-            </a:r>
-            <a:r>
-              <a:rPr kumimoji="0" lang="de-DE" altLang="de-DE" sz="1600" b="0" i="0" u="none" strike="noStrike" cap="none" normalizeH="0" baseline="0" dirty="0" err="1">
-                <a:ln>
-                  <a:noFill/>
-                </a:ln>
-                <a:solidFill>
-                  <a:srgbClr val="000000"/>
-                </a:solidFill>
-                <a:effectLst/>
-                <a:latin typeface="Courier New" panose="02070309020205020404" pitchFamily="49" charset="0"/>
-                <a:cs typeface="Courier New" panose="02070309020205020404" pitchFamily="49" charset="0"/>
-              </a:rPr>
-              <a:t>result</a:t>
-            </a:r>
-            <a:r>
-              <a:rPr kumimoji="0" lang="de-DE" altLang="de-DE" sz="1600" b="0" i="0" u="none" strike="noStrike" cap="none" normalizeH="0" baseline="0" dirty="0">
-                <a:ln>
-                  <a:noFill/>
-                </a:ln>
-                <a:solidFill>
-                  <a:srgbClr val="000000"/>
-                </a:solidFill>
-                <a:effectLst/>
-                <a:latin typeface="Courier New" panose="02070309020205020404" pitchFamily="49" charset="0"/>
-                <a:cs typeface="Courier New" panose="02070309020205020404" pitchFamily="49" charset="0"/>
-              </a:rPr>
-              <a:t>)</a:t>
-            </a:r>
-            <a:br>
-              <a:rPr kumimoji="0" lang="de-DE" altLang="de-DE" sz="1600" b="0" i="0" u="none" strike="noStrike" cap="none" normalizeH="0" baseline="0" dirty="0">
-                <a:ln>
-                  <a:noFill/>
-                </a:ln>
-                <a:solidFill>
-                  <a:srgbClr val="000000"/>
-                </a:solidFill>
-                <a:effectLst/>
-                <a:latin typeface="Courier New" panose="02070309020205020404" pitchFamily="49" charset="0"/>
-                <a:cs typeface="Courier New" panose="02070309020205020404" pitchFamily="49" charset="0"/>
-              </a:rPr>
-            </a:br>
-            <a:r>
-              <a:rPr kumimoji="0" lang="de-DE" altLang="de-DE" sz="1600" b="0" i="0" u="none" strike="noStrike" cap="none" normalizeH="0" baseline="0" dirty="0">
-                <a:ln>
-                  <a:noFill/>
-                </a:ln>
-                <a:solidFill>
-                  <a:srgbClr val="000000"/>
-                </a:solidFill>
-                <a:effectLst/>
-                <a:latin typeface="Courier New" panose="02070309020205020404" pitchFamily="49" charset="0"/>
-                <a:cs typeface="Courier New" panose="02070309020205020404" pitchFamily="49" charset="0"/>
-              </a:rPr>
-              <a:t>        </a:t>
-            </a:r>
-            <a:r>
-              <a:rPr kumimoji="0" lang="de-DE" altLang="de-DE" sz="1600" b="1" i="0" u="none" strike="noStrike" cap="none" normalizeH="0" baseline="0" dirty="0" err="1">
-                <a:ln>
-                  <a:noFill/>
-                </a:ln>
-                <a:solidFill>
-                  <a:srgbClr val="000080"/>
-                </a:solidFill>
-                <a:effectLst/>
-                <a:latin typeface="Courier New" panose="02070309020205020404" pitchFamily="49" charset="0"/>
-                <a:cs typeface="Courier New" panose="02070309020205020404" pitchFamily="49" charset="0"/>
-              </a:rPr>
-              <a:t>return</a:t>
-            </a:r>
-            <a:r>
-              <a:rPr kumimoji="0" lang="de-DE" altLang="de-DE" sz="1600" b="1" i="0" u="none" strike="noStrike" cap="none" normalizeH="0" baseline="0" dirty="0">
-                <a:ln>
-                  <a:noFill/>
-                </a:ln>
-                <a:solidFill>
-                  <a:srgbClr val="000080"/>
-                </a:solidFill>
-                <a:effectLst/>
-                <a:latin typeface="Courier New" panose="02070309020205020404" pitchFamily="49" charset="0"/>
-                <a:cs typeface="Courier New" panose="02070309020205020404" pitchFamily="49" charset="0"/>
-              </a:rPr>
-              <a:t> </a:t>
-            </a:r>
-            <a:r>
-              <a:rPr kumimoji="0" lang="de-DE" altLang="de-DE" sz="1600" b="0" i="0" u="none" strike="noStrike" cap="none" normalizeH="0" baseline="0" dirty="0" err="1">
-                <a:ln>
-                  <a:noFill/>
-                </a:ln>
-                <a:solidFill>
-                  <a:srgbClr val="000000"/>
-                </a:solidFill>
-                <a:effectLst/>
-                <a:latin typeface="Courier New" panose="02070309020205020404" pitchFamily="49" charset="0"/>
-                <a:cs typeface="Courier New" panose="02070309020205020404" pitchFamily="49" charset="0"/>
-              </a:rPr>
-              <a:t>result.</a:t>
-            </a:r>
-            <a:r>
-              <a:rPr kumimoji="0" lang="de-DE" altLang="de-DE" sz="1600" b="0" i="1" u="none" strike="noStrike" cap="none" normalizeH="0" baseline="0" dirty="0" err="1">
-                <a:ln>
-                  <a:noFill/>
-                </a:ln>
-                <a:solidFill>
-                  <a:srgbClr val="000000"/>
-                </a:solidFill>
-                <a:effectLst/>
-                <a:latin typeface="Courier New" panose="02070309020205020404" pitchFamily="49" charset="0"/>
-                <a:cs typeface="Courier New" panose="02070309020205020404" pitchFamily="49" charset="0"/>
-              </a:rPr>
-              <a:t>asSequence</a:t>
-            </a:r>
-            <a:r>
-              <a:rPr kumimoji="0" lang="de-DE" altLang="de-DE" sz="1600" b="0" i="0" u="none" strike="noStrike" cap="none" normalizeH="0" baseline="0" dirty="0">
-                <a:ln>
-                  <a:noFill/>
-                </a:ln>
-                <a:solidFill>
-                  <a:srgbClr val="000000"/>
-                </a:solidFill>
-                <a:effectLst/>
-                <a:latin typeface="Courier New" panose="02070309020205020404" pitchFamily="49" charset="0"/>
-                <a:cs typeface="Courier New" panose="02070309020205020404" pitchFamily="49" charset="0"/>
-              </a:rPr>
-              <a:t>() </a:t>
-            </a:r>
-            <a:r>
-              <a:rPr kumimoji="0" lang="de-DE" altLang="de-DE" sz="1600" b="0" i="1" u="none" strike="noStrike" cap="none" normalizeH="0" baseline="0" dirty="0">
-                <a:ln>
-                  <a:noFill/>
-                </a:ln>
-                <a:solidFill>
-                  <a:srgbClr val="808080"/>
-                </a:solidFill>
-                <a:effectLst/>
-                <a:latin typeface="Courier New" panose="02070309020205020404" pitchFamily="49" charset="0"/>
-                <a:cs typeface="Courier New" panose="02070309020205020404" pitchFamily="49" charset="0"/>
-              </a:rPr>
-              <a:t>// Eleganz vom Ansatz weg...</a:t>
-            </a:r>
-            <a:br>
-              <a:rPr kumimoji="0" lang="de-DE" altLang="de-DE" sz="1600" b="0" i="1" u="none" strike="noStrike" cap="none" normalizeH="0" baseline="0" dirty="0">
-                <a:ln>
-                  <a:noFill/>
-                </a:ln>
-                <a:solidFill>
-                  <a:srgbClr val="808080"/>
-                </a:solidFill>
-                <a:effectLst/>
-                <a:latin typeface="Courier New" panose="02070309020205020404" pitchFamily="49" charset="0"/>
-                <a:cs typeface="Courier New" panose="02070309020205020404" pitchFamily="49" charset="0"/>
-              </a:rPr>
-            </a:br>
-            <a:r>
-              <a:rPr kumimoji="0" lang="de-DE" altLang="de-DE" sz="1600" b="0" i="1" u="none" strike="noStrike" cap="none" normalizeH="0" baseline="0" dirty="0">
-                <a:ln>
-                  <a:noFill/>
-                </a:ln>
-                <a:solidFill>
-                  <a:srgbClr val="808080"/>
-                </a:solidFill>
-                <a:effectLst/>
-                <a:latin typeface="Courier New" panose="02070309020205020404" pitchFamily="49" charset="0"/>
-                <a:cs typeface="Courier New" panose="02070309020205020404" pitchFamily="49" charset="0"/>
-              </a:rPr>
-              <a:t>    </a:t>
-            </a:r>
-            <a:r>
-              <a:rPr kumimoji="0" lang="de-DE" altLang="de-DE" sz="1600" b="0" i="0" u="none" strike="noStrike" cap="none" normalizeH="0" baseline="0" dirty="0">
-                <a:ln>
-                  <a:noFill/>
-                </a:ln>
-                <a:solidFill>
-                  <a:srgbClr val="000000"/>
-                </a:solidFill>
-                <a:effectLst/>
-                <a:latin typeface="Courier New" panose="02070309020205020404" pitchFamily="49" charset="0"/>
-                <a:cs typeface="Courier New" panose="02070309020205020404" pitchFamily="49" charset="0"/>
-              </a:rPr>
-              <a:t>}</a:t>
-            </a:r>
-            <a:br>
-              <a:rPr kumimoji="0" lang="de-DE" altLang="de-DE" sz="1600" b="0" i="0" u="none" strike="noStrike" cap="none" normalizeH="0" baseline="0" dirty="0">
-                <a:ln>
-                  <a:noFill/>
-                </a:ln>
-                <a:solidFill>
-                  <a:srgbClr val="000000"/>
-                </a:solidFill>
-                <a:effectLst/>
-                <a:latin typeface="Courier New" panose="02070309020205020404" pitchFamily="49" charset="0"/>
-                <a:cs typeface="Courier New" panose="02070309020205020404" pitchFamily="49" charset="0"/>
-              </a:rPr>
-            </a:br>
-            <a:r>
-              <a:rPr kumimoji="0" lang="de-DE" altLang="de-DE" sz="1600" b="0" i="0" u="none" strike="noStrike" cap="none" normalizeH="0" baseline="0" dirty="0">
-                <a:ln>
-                  <a:noFill/>
-                </a:ln>
-                <a:solidFill>
-                  <a:srgbClr val="000000"/>
-                </a:solidFill>
-                <a:effectLst/>
-                <a:latin typeface="Courier New" panose="02070309020205020404" pitchFamily="49" charset="0"/>
-                <a:cs typeface="Courier New" panose="02070309020205020404" pitchFamily="49" charset="0"/>
-              </a:rPr>
-              <a:t>}</a:t>
-            </a:r>
-            <a:endParaRPr kumimoji="0" lang="de-DE" altLang="de-DE" sz="3600" b="0" i="0" u="none" strike="noStrike" cap="none" normalizeH="0" baseline="0" dirty="0">
-              <a:ln>
-                <a:noFill/>
-              </a:ln>
-              <a:solidFill>
-                <a:schemeClr val="tx1"/>
-              </a:solidFill>
-              <a:effectLst/>
-              <a:latin typeface="Arial" panose="020B0604020202020204" pitchFamily="34" charset="0"/>
-            </a:endParaRPr>
-          </a:p>
-        </p:txBody>
-      </p:sp>
-    </p:spTree>
-    <p:extLst>
-      <p:ext uri="{BB962C8B-B14F-4D97-AF65-F5344CB8AC3E}">
-        <p14:creationId xmlns:p14="http://schemas.microsoft.com/office/powerpoint/2010/main" val="1061587473"/>
-      </p:ext>
-    </p:extLst>
-  </p:cSld>
-  <p:clrMapOvr>
-    <a:masterClrMapping/>
-  </p:clrMapOvr>
-</p:sld>
-</file>
-
-<file path=ppt/slides/slide9.xml><?xml version="1.0" encoding="utf-8"?>
 <p:sld xmlns:a="http://schemas.openxmlformats.org/drawingml/2006/main" xmlns:r="http://schemas.openxmlformats.org/officeDocument/2006/relationships" xmlns:p="http://schemas.openxmlformats.org/presentationml/2006/main">
   <p:cSld>
     <p:spTree>
@@ -8987,7 +10323,7 @@
             <a:graphicData uri="http://schemas.openxmlformats.org/presentationml/2006/ole">
               <mc:AlternateContent xmlns:mc="http://schemas.openxmlformats.org/markup-compatibility/2006">
                 <mc:Choice xmlns:v="urn:schemas-microsoft-com:vml" Requires="v">
-                  <p:oleObj spid="_x0000_s2088" name="Formel" r:id="rId3" imgW="609600" imgH="406400" progId="Equation.3">
+                  <p:oleObj spid="_x0000_s2112" name="Formel" r:id="rId3" imgW="609600" imgH="406400" progId="Equation.3">
                     <p:embed/>
                   </p:oleObj>
                 </mc:Choice>
@@ -9044,7 +10380,7 @@
             <a:graphicData uri="http://schemas.openxmlformats.org/presentationml/2006/ole">
               <mc:AlternateContent xmlns:mc="http://schemas.openxmlformats.org/markup-compatibility/2006">
                 <mc:Choice xmlns:v="urn:schemas-microsoft-com:vml" Requires="v">
-                  <p:oleObj spid="_x0000_s2089" name="Formel" r:id="rId5" imgW="469800" imgH="177480" progId="Equation.3">
+                  <p:oleObj spid="_x0000_s2113" name="Formel" r:id="rId5" imgW="469800" imgH="177480" progId="Equation.3">
                     <p:embed/>
                   </p:oleObj>
                 </mc:Choice>
@@ -9102,7 +10438,7 @@
           <a:graphicData uri="http://schemas.openxmlformats.org/presentationml/2006/ole">
             <mc:AlternateContent xmlns:mc="http://schemas.openxmlformats.org/markup-compatibility/2006">
               <mc:Choice xmlns:v="urn:schemas-microsoft-com:vml" Requires="v">
-                <p:oleObj spid="_x0000_s2090" name="Formel" r:id="rId7" imgW="1574800" imgH="457200" progId="Equation.3">
+                <p:oleObj spid="_x0000_s2114" name="Formel" r:id="rId7" imgW="1574800" imgH="457200" progId="Equation.3">
                   <p:embed/>
                 </p:oleObj>
               </mc:Choice>
@@ -9141,6 +10477,149 @@
     <p:extLst>
       <p:ext uri="{BB962C8B-B14F-4D97-AF65-F5344CB8AC3E}">
         <p14:creationId xmlns:p14="http://schemas.microsoft.com/office/powerpoint/2010/main" val="1171228283"/>
+      </p:ext>
+    </p:extLst>
+  </p:cSld>
+  <p:clrMapOvr>
+    <a:masterClrMapping/>
+  </p:clrMapOvr>
+</p:sld>
+</file>
+
+<file path=ppt/slides/slide9.xml><?xml version="1.0" encoding="utf-8"?>
+<p:sld xmlns:a="http://schemas.openxmlformats.org/drawingml/2006/main" xmlns:r="http://schemas.openxmlformats.org/officeDocument/2006/relationships" xmlns:p="http://schemas.openxmlformats.org/presentationml/2006/main">
+  <p:cSld>
+    <p:spTree>
+      <p:nvGrpSpPr>
+        <p:cNvPr id="1" name=""/>
+        <p:cNvGrpSpPr/>
+        <p:nvPr/>
+      </p:nvGrpSpPr>
+      <p:grpSpPr>
+        <a:xfrm>
+          <a:off x="0" y="0"/>
+          <a:ext cx="0" cy="0"/>
+          <a:chOff x="0" y="0"/>
+          <a:chExt cx="0" cy="0"/>
+        </a:xfrm>
+      </p:grpSpPr>
+      <p:sp>
+        <p:nvSpPr>
+          <p:cNvPr id="2" name="Titel 1"/>
+          <p:cNvSpPr>
+            <a:spLocks noGrp="1"/>
+          </p:cNvSpPr>
+          <p:nvPr>
+            <p:ph type="title"/>
+          </p:nvPr>
+        </p:nvSpPr>
+        <p:spPr/>
+        <p:txBody>
+          <a:bodyPr/>
+          <a:lstStyle/>
+          <a:p>
+            <a:r>
+              <a:rPr lang="de-DE" dirty="0" err="1"/>
+              <a:t>Testing</a:t>
+            </a:r>
+            <a:endParaRPr lang="de-DE" dirty="0"/>
+          </a:p>
+        </p:txBody>
+      </p:sp>
+      <p:sp>
+        <p:nvSpPr>
+          <p:cNvPr id="3" name="Inhaltsplatzhalter 2"/>
+          <p:cNvSpPr>
+            <a:spLocks noGrp="1"/>
+          </p:cNvSpPr>
+          <p:nvPr>
+            <p:ph idx="1"/>
+          </p:nvPr>
+        </p:nvSpPr>
+        <p:spPr/>
+        <p:txBody>
+          <a:bodyPr/>
+          <a:lstStyle/>
+          <a:p>
+            <a:pPr lvl="1"/>
+            <a:endParaRPr lang="de-DE" dirty="0"/>
+          </a:p>
+          <a:p>
+            <a:pPr lvl="1"/>
+            <a:endParaRPr lang="de-DE" dirty="0"/>
+          </a:p>
+          <a:p>
+            <a:pPr lvl="1"/>
+            <a:r>
+              <a:rPr lang="de-DE" sz="2800" dirty="0"/>
+              <a:t>Excel </a:t>
+            </a:r>
+            <a:r>
+              <a:rPr lang="de-DE" sz="2800" dirty="0" err="1"/>
+              <a:t>file</a:t>
+            </a:r>
+            <a:r>
+              <a:rPr lang="de-DE" sz="2800" dirty="0"/>
+              <a:t> → CSV → Test </a:t>
+            </a:r>
+            <a:r>
+              <a:rPr lang="de-DE" sz="2800" dirty="0" err="1"/>
+              <a:t>data</a:t>
+            </a:r>
+            <a:endParaRPr lang="de-DE" dirty="0"/>
+          </a:p>
+          <a:p>
+            <a:pPr lvl="2">
+              <a:buFont typeface="Symbol" panose="05050102010706020507" pitchFamily="18" charset="2"/>
+              <a:buChar char="Þ"/>
+            </a:pPr>
+            <a:r>
+              <a:rPr lang="de-DE" dirty="0"/>
+              <a:t> </a:t>
+            </a:r>
+            <a:r>
+              <a:rPr lang="de-DE" sz="2400" dirty="0" err="1"/>
+              <a:t>Decoupled</a:t>
+            </a:r>
+            <a:r>
+              <a:rPr lang="de-DE" sz="2400" dirty="0"/>
+              <a:t> </a:t>
+            </a:r>
+            <a:r>
+              <a:rPr lang="de-DE" sz="2400" dirty="0" err="1"/>
+              <a:t>tests</a:t>
+            </a:r>
+            <a:r>
+              <a:rPr lang="de-DE" sz="2400" dirty="0"/>
+              <a:t>:</a:t>
+            </a:r>
+            <a:endParaRPr lang="de-DE" sz="2800" dirty="0"/>
+          </a:p>
+          <a:p>
+            <a:pPr lvl="3"/>
+            <a:r>
+              <a:rPr lang="de-DE" sz="2200" dirty="0" err="1"/>
+              <a:t>Uniformization</a:t>
+            </a:r>
+            <a:endParaRPr lang="de-DE" sz="2200" dirty="0"/>
+          </a:p>
+          <a:p>
+            <a:pPr lvl="3"/>
+            <a:r>
+              <a:rPr lang="de-DE" sz="2200" dirty="0"/>
+              <a:t>Evaluation</a:t>
+            </a:r>
+          </a:p>
+          <a:p>
+            <a:pPr lvl="1"/>
+            <a:endParaRPr lang="de-DE" sz="2800" dirty="0"/>
+          </a:p>
+        </p:txBody>
+      </p:sp>
+    </p:spTree>
+    <p:extLst>
+      <p:ext uri="{BB962C8B-B14F-4D97-AF65-F5344CB8AC3E}">
+        <p14:creationId xmlns:p14="http://schemas.microsoft.com/office/powerpoint/2010/main" val="2906383264"/>
       </p:ext>
     </p:extLst>
   </p:cSld>

--- a/doc/programming_project_slides.pptx
+++ b/doc/programming_project_slides.pptx
@@ -12,12 +12,13 @@
     <p:sldId id="260" r:id="rId6"/>
     <p:sldId id="262" r:id="rId7"/>
     <p:sldId id="270" r:id="rId8"/>
-    <p:sldId id="269" r:id="rId9"/>
-    <p:sldId id="265" r:id="rId10"/>
-    <p:sldId id="264" r:id="rId11"/>
-    <p:sldId id="266" r:id="rId12"/>
-    <p:sldId id="271" r:id="rId13"/>
-    <p:sldId id="272" r:id="rId14"/>
+    <p:sldId id="273" r:id="rId9"/>
+    <p:sldId id="269" r:id="rId10"/>
+    <p:sldId id="265" r:id="rId11"/>
+    <p:sldId id="264" r:id="rId12"/>
+    <p:sldId id="266" r:id="rId13"/>
+    <p:sldId id="271" r:id="rId14"/>
+    <p:sldId id="272" r:id="rId15"/>
   </p:sldIdLst>
   <p:sldSz cx="9144000" cy="6858000" type="screen4x3"/>
   <p:notesSz cx="6858000" cy="9144000"/>
@@ -128,6 +129,7 @@
             <p14:sldId id="260"/>
             <p14:sldId id="262"/>
             <p14:sldId id="270"/>
+            <p14:sldId id="273"/>
             <p14:sldId id="269"/>
             <p14:sldId id="265"/>
             <p14:sldId id="264"/>
@@ -3968,39 +3970,106 @@
           <a:p>
             <a:r>
               <a:rPr lang="de-DE" dirty="0" err="1"/>
-              <a:t>Visualization</a:t>
+              <a:t>Testing</a:t>
             </a:r>
             <a:endParaRPr lang="de-DE" dirty="0"/>
           </a:p>
         </p:txBody>
       </p:sp>
-      <p:pic>
-        <p:nvPicPr>
-          <p:cNvPr id="4" name="Inhaltsplatzhalter 3"/>
-          <p:cNvPicPr>
-            <a:picLocks noGrp="1" noChangeAspect="1"/>
-          </p:cNvPicPr>
+      <p:sp>
+        <p:nvSpPr>
+          <p:cNvPr id="3" name="Inhaltsplatzhalter 2"/>
+          <p:cNvSpPr>
+            <a:spLocks noGrp="1"/>
+          </p:cNvSpPr>
           <p:nvPr>
             <p:ph idx="1"/>
           </p:nvPr>
-        </p:nvPicPr>
-        <p:blipFill>
-          <a:blip r:embed="rId2"/>
-          <a:stretch>
-            <a:fillRect/>
-          </a:stretch>
-        </p:blipFill>
-        <p:spPr>
-          <a:xfrm>
-            <a:off x="160771" y="1995854"/>
-            <a:ext cx="8868177" cy="3698713"/>
-          </a:xfrm>
-        </p:spPr>
-      </p:pic>
+        </p:nvSpPr>
+        <p:spPr/>
+        <p:txBody>
+          <a:bodyPr/>
+          <a:lstStyle/>
+          <a:p>
+            <a:pPr lvl="1"/>
+            <a:endParaRPr lang="de-DE" dirty="0"/>
+          </a:p>
+          <a:p>
+            <a:pPr lvl="1"/>
+            <a:endParaRPr lang="de-DE" dirty="0"/>
+          </a:p>
+          <a:p>
+            <a:pPr lvl="1"/>
+            <a:r>
+              <a:rPr lang="de-DE" sz="2800" dirty="0"/>
+              <a:t>Excel </a:t>
+            </a:r>
+            <a:r>
+              <a:rPr lang="de-DE" sz="2800" dirty="0" err="1"/>
+              <a:t>file</a:t>
+            </a:r>
+            <a:r>
+              <a:rPr lang="de-DE" sz="2800" dirty="0"/>
+              <a:t> → CSV → Test </a:t>
+            </a:r>
+            <a:r>
+              <a:rPr lang="de-DE" sz="2800" dirty="0" err="1"/>
+              <a:t>data</a:t>
+            </a:r>
+            <a:endParaRPr lang="de-DE" dirty="0"/>
+          </a:p>
+          <a:p>
+            <a:pPr lvl="2">
+              <a:buFont typeface="Symbol" panose="05050102010706020507" pitchFamily="18" charset="2"/>
+              <a:buChar char="Þ"/>
+            </a:pPr>
+            <a:r>
+              <a:rPr lang="de-DE" dirty="0"/>
+              <a:t> </a:t>
+            </a:r>
+            <a:r>
+              <a:rPr lang="de-DE" sz="2400" dirty="0" err="1"/>
+              <a:t>Decoupled</a:t>
+            </a:r>
+            <a:r>
+              <a:rPr lang="de-DE" sz="2400" dirty="0"/>
+              <a:t> </a:t>
+            </a:r>
+            <a:r>
+              <a:rPr lang="de-DE" sz="2400" dirty="0" err="1"/>
+              <a:t>tests</a:t>
+            </a:r>
+            <a:r>
+              <a:rPr lang="de-DE" sz="2400" dirty="0"/>
+              <a:t>:</a:t>
+            </a:r>
+            <a:endParaRPr lang="de-DE" sz="2800" dirty="0"/>
+          </a:p>
+          <a:p>
+            <a:pPr lvl="3"/>
+            <a:r>
+              <a:rPr lang="de-DE" sz="2200" dirty="0" err="1"/>
+              <a:t>Uniformization</a:t>
+            </a:r>
+            <a:endParaRPr lang="de-DE" sz="2200" dirty="0"/>
+          </a:p>
+          <a:p>
+            <a:pPr lvl="3"/>
+            <a:r>
+              <a:rPr lang="de-DE" sz="2200" dirty="0"/>
+              <a:t>Evaluation</a:t>
+            </a:r>
+          </a:p>
+          <a:p>
+            <a:pPr lvl="1"/>
+            <a:endParaRPr lang="de-DE" sz="2800" dirty="0"/>
+          </a:p>
+        </p:txBody>
+      </p:sp>
     </p:spTree>
     <p:extLst>
       <p:ext uri="{BB962C8B-B14F-4D97-AF65-F5344CB8AC3E}">
-        <p14:creationId xmlns:p14="http://schemas.microsoft.com/office/powerpoint/2010/main" val="750634630"/>
+        <p14:creationId xmlns:p14="http://schemas.microsoft.com/office/powerpoint/2010/main" val="2906383264"/>
       </p:ext>
     </p:extLst>
   </p:cSld>
@@ -4043,562 +4112,40 @@
           <a:lstStyle/>
           <a:p>
             <a:r>
-              <a:rPr lang="de-DE" dirty="0"/>
-              <a:t>Problems </a:t>
-            </a:r>
-            <a:r>
               <a:rPr lang="de-DE" dirty="0" err="1"/>
-              <a:t>encountered</a:t>
+              <a:t>Visualization</a:t>
             </a:r>
             <a:endParaRPr lang="de-DE" dirty="0"/>
           </a:p>
         </p:txBody>
       </p:sp>
-      <p:sp>
-        <p:nvSpPr>
-          <p:cNvPr id="3" name="Inhaltsplatzhalter 2"/>
-          <p:cNvSpPr>
-            <a:spLocks noGrp="1"/>
-          </p:cNvSpPr>
+      <p:pic>
+        <p:nvPicPr>
+          <p:cNvPr id="4" name="Inhaltsplatzhalter 3"/>
+          <p:cNvPicPr>
+            <a:picLocks noGrp="1" noChangeAspect="1"/>
+          </p:cNvPicPr>
           <p:nvPr>
             <p:ph idx="1"/>
           </p:nvPr>
-        </p:nvSpPr>
-        <p:spPr/>
-        <p:txBody>
-          <a:bodyPr>
-            <a:normAutofit fontScale="92500" lnSpcReduction="10000"/>
-          </a:bodyPr>
-          <a:lstStyle/>
-          <a:p>
-            <a:pPr lvl="1"/>
-            <a:r>
-              <a:rPr lang="de-DE" dirty="0"/>
-              <a:t>BDD </a:t>
-            </a:r>
-            <a:r>
-              <a:rPr lang="de-DE" dirty="0" err="1"/>
-              <a:t>library</a:t>
-            </a:r>
-            <a:r>
-              <a:rPr lang="de-DE" dirty="0"/>
-              <a:t> not easy </a:t>
-            </a:r>
-            <a:r>
-              <a:rPr lang="de-DE" dirty="0" err="1"/>
-              <a:t>to</a:t>
-            </a:r>
-            <a:r>
-              <a:rPr lang="de-DE" dirty="0"/>
-              <a:t> </a:t>
-            </a:r>
-            <a:r>
-              <a:rPr lang="de-DE" dirty="0" err="1"/>
-              <a:t>understand</a:t>
-            </a:r>
-            <a:endParaRPr lang="de-DE" dirty="0"/>
-          </a:p>
-          <a:p>
-            <a:pPr lvl="2"/>
-            <a:r>
-              <a:rPr lang="de-DE" dirty="0" err="1"/>
-              <a:t>Very</a:t>
-            </a:r>
-            <a:r>
-              <a:rPr lang="de-DE" dirty="0"/>
-              <a:t> </a:t>
-            </a:r>
-            <a:r>
-              <a:rPr lang="de-DE" dirty="0" err="1"/>
-              <a:t>cumbersome</a:t>
-            </a:r>
-            <a:r>
-              <a:rPr lang="de-DE" dirty="0"/>
-              <a:t> API, </a:t>
-            </a:r>
-            <a:r>
-              <a:rPr lang="de-DE" dirty="0" err="1"/>
-              <a:t>since</a:t>
-            </a:r>
-            <a:r>
-              <a:rPr lang="de-DE" dirty="0"/>
-              <a:t> </a:t>
-            </a:r>
-            <a:r>
-              <a:rPr lang="de-DE" dirty="0" err="1"/>
-              <a:t>everything</a:t>
-            </a:r>
-            <a:r>
-              <a:rPr lang="de-DE" dirty="0"/>
-              <a:t> </a:t>
-            </a:r>
-            <a:r>
-              <a:rPr lang="de-DE" dirty="0" err="1"/>
-              <a:t>is</a:t>
-            </a:r>
-            <a:r>
-              <a:rPr lang="de-DE" dirty="0"/>
-              <a:t> </a:t>
-            </a:r>
-            <a:r>
-              <a:rPr lang="de-DE" dirty="0" err="1"/>
-              <a:t>referenced</a:t>
-            </a:r>
-            <a:r>
-              <a:rPr lang="de-DE" dirty="0"/>
-              <a:t> </a:t>
-            </a:r>
-            <a:r>
-              <a:rPr lang="de-DE" dirty="0" err="1"/>
-              <a:t>by</a:t>
-            </a:r>
-            <a:r>
-              <a:rPr lang="de-DE" dirty="0"/>
-              <a:t> </a:t>
-            </a:r>
-            <a:r>
-              <a:rPr lang="de-DE" dirty="0" err="1"/>
-              <a:t>integers</a:t>
-            </a:r>
-            <a:endParaRPr lang="de-DE" dirty="0"/>
-          </a:p>
-          <a:p>
-            <a:pPr lvl="2">
-              <a:buFont typeface="Symbol" panose="05050102010706020507" pitchFamily="18" charset="2"/>
-              <a:buChar char="Þ"/>
-            </a:pPr>
-            <a:r>
-              <a:rPr lang="de-DE" dirty="0"/>
-              <a:t> Wrapper </a:t>
-            </a:r>
-            <a:r>
-              <a:rPr lang="de-DE" dirty="0" err="1"/>
-              <a:t>around</a:t>
-            </a:r>
-            <a:r>
-              <a:rPr lang="de-DE" dirty="0"/>
-              <a:t> </a:t>
-            </a:r>
-            <a:r>
-              <a:rPr lang="de-DE" dirty="0" err="1"/>
-              <a:t>constructed</a:t>
-            </a:r>
-            <a:r>
-              <a:rPr lang="de-DE" dirty="0"/>
-              <a:t> BDD</a:t>
-            </a:r>
-          </a:p>
-          <a:p>
-            <a:pPr lvl="1"/>
-            <a:endParaRPr lang="de-DE" dirty="0"/>
-          </a:p>
-          <a:p>
-            <a:pPr lvl="1"/>
-            <a:r>
-              <a:rPr lang="de-DE" dirty="0" err="1"/>
-              <a:t>Calculation</a:t>
-            </a:r>
-            <a:r>
-              <a:rPr lang="de-DE" dirty="0"/>
-              <a:t> </a:t>
-            </a:r>
-            <a:r>
-              <a:rPr lang="de-DE" dirty="0" err="1"/>
-              <a:t>of</a:t>
-            </a:r>
-            <a:r>
-              <a:rPr lang="de-DE" dirty="0"/>
-              <a:t> </a:t>
-            </a:r>
-            <a:r>
-              <a:rPr lang="de-DE" dirty="0" err="1"/>
-              <a:t>distribution</a:t>
-            </a:r>
-            <a:r>
-              <a:rPr lang="de-DE" dirty="0"/>
-              <a:t> (</a:t>
-            </a:r>
-            <a:r>
-              <a:rPr lang="de-DE" dirty="0" err="1"/>
-              <a:t>uniformization</a:t>
-            </a:r>
-            <a:r>
-              <a:rPr lang="de-DE" dirty="0"/>
-              <a:t>)</a:t>
-            </a:r>
-          </a:p>
-          <a:p>
-            <a:pPr lvl="2"/>
-            <a:r>
-              <a:rPr lang="de-DE" dirty="0"/>
-              <a:t>171! </a:t>
-            </a:r>
-            <a:r>
-              <a:rPr lang="de-DE" dirty="0" err="1"/>
-              <a:t>does</a:t>
-            </a:r>
-            <a:r>
-              <a:rPr lang="de-DE" dirty="0"/>
-              <a:t> not fit </a:t>
-            </a:r>
-            <a:r>
-              <a:rPr lang="de-DE" dirty="0" err="1"/>
-              <a:t>into</a:t>
-            </a:r>
-            <a:r>
-              <a:rPr lang="de-DE" dirty="0"/>
-              <a:t> Double Precision </a:t>
-            </a:r>
-            <a:r>
-              <a:rPr lang="de-DE" dirty="0" err="1"/>
-              <a:t>Float</a:t>
-            </a:r>
-            <a:endParaRPr lang="de-DE" dirty="0"/>
-          </a:p>
-          <a:p>
-            <a:pPr lvl="2">
-              <a:buFont typeface="Symbol" panose="05050102010706020507" pitchFamily="18" charset="2"/>
-              <a:buChar char="Þ"/>
-            </a:pPr>
-            <a:r>
-              <a:rPr lang="de-DE" dirty="0"/>
-              <a:t> </a:t>
-            </a:r>
-            <a:r>
-              <a:rPr lang="de-DE" dirty="0" err="1"/>
-              <a:t>Stop-Criteria</a:t>
-            </a:r>
-            <a:r>
-              <a:rPr lang="de-DE" dirty="0"/>
-              <a:t> </a:t>
-            </a:r>
-            <a:r>
-              <a:rPr lang="de-DE" dirty="0" err="1"/>
-              <a:t>adapted</a:t>
-            </a:r>
-            <a:r>
-              <a:rPr lang="de-DE" dirty="0"/>
-              <a:t> </a:t>
-            </a:r>
-            <a:r>
-              <a:rPr lang="de-DE" dirty="0" err="1"/>
-              <a:t>correspondingly</a:t>
-            </a:r>
-            <a:endParaRPr lang="de-DE" dirty="0"/>
-          </a:p>
-          <a:p>
-            <a:pPr lvl="1"/>
-            <a:endParaRPr lang="de-DE" dirty="0"/>
-          </a:p>
-          <a:p>
-            <a:pPr lvl="1"/>
-            <a:r>
-              <a:rPr lang="de-DE" dirty="0" err="1"/>
-              <a:t>Sequence</a:t>
-            </a:r>
-            <a:r>
-              <a:rPr lang="de-DE" dirty="0"/>
-              <a:t> API </a:t>
-            </a:r>
-            <a:r>
-              <a:rPr lang="de-DE" dirty="0" err="1"/>
-              <a:t>to</a:t>
-            </a:r>
-            <a:r>
-              <a:rPr lang="de-DE" dirty="0"/>
-              <a:t> </a:t>
-            </a:r>
-            <a:r>
-              <a:rPr lang="de-DE" dirty="0" err="1"/>
-              <a:t>build</a:t>
-            </a:r>
-            <a:r>
-              <a:rPr lang="de-DE" dirty="0"/>
-              <a:t> </a:t>
-            </a:r>
-            <a:r>
-              <a:rPr lang="de-DE" dirty="0" err="1"/>
-              <a:t>up</a:t>
-            </a:r>
-            <a:r>
-              <a:rPr lang="de-DE" dirty="0"/>
-              <a:t> </a:t>
-            </a:r>
-            <a:r>
-              <a:rPr lang="de-DE" dirty="0" err="1"/>
-              <a:t>formula</a:t>
-            </a:r>
-            <a:r>
-              <a:rPr lang="de-DE" dirty="0"/>
-              <a:t> </a:t>
-            </a:r>
-            <a:r>
-              <a:rPr lang="de-DE" dirty="0" err="1"/>
-              <a:t>for</a:t>
-            </a:r>
-            <a:r>
-              <a:rPr lang="de-DE" dirty="0"/>
-              <a:t> hole </a:t>
-            </a:r>
-            <a:r>
-              <a:rPr lang="de-DE" dirty="0" err="1"/>
-              <a:t>tree</a:t>
-            </a:r>
-            <a:endParaRPr lang="de-DE" dirty="0"/>
-          </a:p>
-          <a:p>
-            <a:pPr lvl="2"/>
-            <a:r>
-              <a:rPr lang="de-DE" b="1" u="sng" dirty="0"/>
-              <a:t>But:</a:t>
-            </a:r>
-            <a:r>
-              <a:rPr lang="de-DE" dirty="0"/>
-              <a:t> Not </a:t>
-            </a:r>
-            <a:r>
-              <a:rPr lang="de-DE" dirty="0" err="1"/>
-              <a:t>suitable</a:t>
-            </a:r>
-            <a:r>
-              <a:rPr lang="de-DE" dirty="0"/>
-              <a:t> </a:t>
-            </a:r>
-            <a:r>
-              <a:rPr lang="de-DE" dirty="0" err="1"/>
-              <a:t>for</a:t>
-            </a:r>
-            <a:r>
-              <a:rPr lang="de-DE" dirty="0"/>
-              <a:t> </a:t>
-            </a:r>
-            <a:r>
-              <a:rPr lang="de-DE" dirty="0" err="1"/>
-              <a:t>computed-table</a:t>
-            </a:r>
-            <a:r>
-              <a:rPr lang="de-DE" dirty="0"/>
-              <a:t> (</a:t>
-            </a:r>
-            <a:r>
-              <a:rPr lang="de-DE" dirty="0" err="1"/>
-              <a:t>as</a:t>
-            </a:r>
-            <a:r>
-              <a:rPr lang="de-DE" dirty="0"/>
-              <a:t> Java Stream </a:t>
-            </a:r>
-            <a:r>
-              <a:rPr lang="de-DE" dirty="0" err="1"/>
-              <a:t>only</a:t>
-            </a:r>
-            <a:r>
-              <a:rPr lang="de-DE" dirty="0"/>
-              <a:t> „</a:t>
-            </a:r>
-            <a:r>
-              <a:rPr lang="de-DE" dirty="0" err="1"/>
-              <a:t>one-shot</a:t>
-            </a:r>
-            <a:r>
-              <a:rPr lang="de-DE" dirty="0"/>
-              <a:t>“)</a:t>
-            </a:r>
-          </a:p>
-          <a:p>
-            <a:pPr lvl="2">
-              <a:buFont typeface="Symbol" panose="05050102010706020507" pitchFamily="18" charset="2"/>
-              <a:buChar char="Þ"/>
-            </a:pPr>
-            <a:r>
-              <a:rPr lang="de-DE" dirty="0"/>
-              <a:t> Per </a:t>
-            </a:r>
-            <a:r>
-              <a:rPr lang="de-DE" dirty="0" err="1"/>
-              <a:t>node</a:t>
-            </a:r>
-            <a:r>
-              <a:rPr lang="de-DE" dirty="0"/>
-              <a:t> </a:t>
-            </a:r>
-            <a:r>
-              <a:rPr lang="de-DE" dirty="0" err="1"/>
-              <a:t>the</a:t>
-            </a:r>
-            <a:r>
-              <a:rPr lang="de-DE" dirty="0"/>
-              <a:t> </a:t>
-            </a:r>
-            <a:r>
-              <a:rPr lang="de-DE" dirty="0" err="1"/>
-              <a:t>sequence</a:t>
-            </a:r>
-            <a:r>
-              <a:rPr lang="de-DE" dirty="0"/>
-              <a:t> </a:t>
-            </a:r>
-            <a:r>
-              <a:rPr lang="de-DE" dirty="0" err="1"/>
-              <a:t>is</a:t>
-            </a:r>
-            <a:r>
-              <a:rPr lang="de-DE" dirty="0"/>
-              <a:t> </a:t>
-            </a:r>
-            <a:r>
-              <a:rPr lang="de-DE" dirty="0" err="1"/>
-              <a:t>collected</a:t>
-            </a:r>
-            <a:r>
-              <a:rPr lang="de-DE" dirty="0"/>
-              <a:t> </a:t>
-            </a:r>
-            <a:r>
-              <a:rPr lang="de-DE" dirty="0" err="1"/>
-              <a:t>to</a:t>
-            </a:r>
-            <a:r>
-              <a:rPr lang="de-DE" dirty="0"/>
-              <a:t> a </a:t>
-            </a:r>
-            <a:r>
-              <a:rPr lang="de-DE" dirty="0" err="1"/>
-              <a:t>list</a:t>
-            </a:r>
-            <a:endParaRPr lang="de-DE" dirty="0"/>
-          </a:p>
-          <a:p>
-            <a:pPr lvl="2">
-              <a:buFont typeface="Symbol" panose="05050102010706020507" pitchFamily="18" charset="2"/>
-              <a:buChar char="Þ"/>
-            </a:pPr>
-            <a:r>
-              <a:rPr lang="de-DE" dirty="0"/>
-              <a:t> </a:t>
-            </a:r>
-            <a:r>
-              <a:rPr lang="de-DE" dirty="0" err="1"/>
-              <a:t>Elegance</a:t>
-            </a:r>
-            <a:r>
-              <a:rPr lang="de-DE" dirty="0"/>
-              <a:t> </a:t>
-            </a:r>
-            <a:r>
-              <a:rPr lang="de-DE" dirty="0" err="1"/>
-              <a:t>of</a:t>
-            </a:r>
-            <a:r>
-              <a:rPr lang="de-DE" dirty="0"/>
-              <a:t> </a:t>
-            </a:r>
-            <a:r>
-              <a:rPr lang="de-DE" dirty="0" err="1"/>
-              <a:t>approach</a:t>
-            </a:r>
-            <a:r>
-              <a:rPr lang="de-DE" dirty="0"/>
-              <a:t> lost </a:t>
-            </a:r>
-            <a:r>
-              <a:rPr lang="de-DE" dirty="0">
-                <a:sym typeface="Wingdings" panose="05000000000000000000" pitchFamily="2" charset="2"/>
-              </a:rPr>
-              <a:t></a:t>
-            </a:r>
-          </a:p>
-          <a:p>
-            <a:pPr lvl="2">
-              <a:buFont typeface="Symbol" panose="05050102010706020507" pitchFamily="18" charset="2"/>
-              <a:buChar char="Þ"/>
-            </a:pPr>
-            <a:r>
-              <a:rPr lang="de-DE" dirty="0">
-                <a:sym typeface="Wingdings" panose="05000000000000000000" pitchFamily="2" charset="2"/>
-              </a:rPr>
-              <a:t> Solution </a:t>
-            </a:r>
-            <a:r>
-              <a:rPr lang="de-DE" dirty="0" err="1">
-                <a:sym typeface="Wingdings" panose="05000000000000000000" pitchFamily="2" charset="2"/>
-              </a:rPr>
-              <a:t>could</a:t>
-            </a:r>
-            <a:r>
-              <a:rPr lang="de-DE" dirty="0">
-                <a:sym typeface="Wingdings" panose="05000000000000000000" pitchFamily="2" charset="2"/>
-              </a:rPr>
-              <a:t> </a:t>
-            </a:r>
-            <a:r>
-              <a:rPr lang="de-DE" dirty="0" err="1">
-                <a:sym typeface="Wingdings" panose="05000000000000000000" pitchFamily="2" charset="2"/>
-              </a:rPr>
-              <a:t>be</a:t>
-            </a:r>
-            <a:r>
-              <a:rPr lang="de-DE" dirty="0">
-                <a:sym typeface="Wingdings" panose="05000000000000000000" pitchFamily="2" charset="2"/>
-              </a:rPr>
-              <a:t> a </a:t>
-            </a:r>
-            <a:r>
-              <a:rPr lang="de-DE" dirty="0" err="1">
-                <a:sym typeface="Wingdings" panose="05000000000000000000" pitchFamily="2" charset="2"/>
-              </a:rPr>
-              <a:t>self</a:t>
-            </a:r>
-            <a:r>
-              <a:rPr lang="de-DE" dirty="0">
-                <a:sym typeface="Wingdings" panose="05000000000000000000" pitchFamily="2" charset="2"/>
-              </a:rPr>
-              <a:t>-made </a:t>
-            </a:r>
-            <a:r>
-              <a:rPr lang="de-DE" dirty="0" err="1"/>
-              <a:t>Sequence</a:t>
-            </a:r>
-            <a:r>
-              <a:rPr lang="de-DE" dirty="0"/>
-              <a:t>-like API </a:t>
-            </a:r>
-            <a:r>
-              <a:rPr lang="de-DE" dirty="0" err="1"/>
-              <a:t>with</a:t>
-            </a:r>
-            <a:r>
-              <a:rPr lang="de-DE" dirty="0"/>
-              <a:t> </a:t>
-            </a:r>
-            <a:r>
-              <a:rPr lang="de-DE" dirty="0" err="1"/>
-              <a:t>caching</a:t>
-            </a:r>
-            <a:r>
-              <a:rPr lang="de-DE" dirty="0"/>
-              <a:t> </a:t>
-            </a:r>
-            <a:r>
-              <a:rPr lang="de-DE" dirty="0" err="1"/>
-              <a:t>of</a:t>
-            </a:r>
-            <a:r>
-              <a:rPr lang="de-DE" dirty="0"/>
-              <a:t> last </a:t>
-            </a:r>
-            <a:r>
-              <a:rPr lang="de-DE" dirty="0" err="1"/>
-              <a:t>element</a:t>
-            </a:r>
-            <a:endParaRPr lang="de-DE" dirty="0"/>
-          </a:p>
-        </p:txBody>
-      </p:sp>
+        </p:nvPicPr>
+        <p:blipFill>
+          <a:blip r:embed="rId2"/>
+          <a:stretch>
+            <a:fillRect/>
+          </a:stretch>
+        </p:blipFill>
+        <p:spPr>
+          <a:xfrm>
+            <a:off x="160771" y="1995854"/>
+            <a:ext cx="8868177" cy="3698713"/>
+          </a:xfrm>
+        </p:spPr>
+      </p:pic>
     </p:spTree>
     <p:extLst>
       <p:ext uri="{BB962C8B-B14F-4D97-AF65-F5344CB8AC3E}">
-        <p14:creationId xmlns:p14="http://schemas.microsoft.com/office/powerpoint/2010/main" val="1669460301"/>
+        <p14:creationId xmlns:p14="http://schemas.microsoft.com/office/powerpoint/2010/main" val="750634630"/>
       </p:ext>
     </p:extLst>
   </p:cSld>
@@ -4609,7 +4156,7 @@
 </file>
 
 <file path=ppt/slides/slide12.xml><?xml version="1.0" encoding="utf-8"?>
-<p:sld xmlns:a="http://schemas.openxmlformats.org/drawingml/2006/main" xmlns:r="http://schemas.openxmlformats.org/officeDocument/2006/relationships" xmlns:p="http://schemas.openxmlformats.org/presentationml/2006/main" show="0">
+<p:sld xmlns:a="http://schemas.openxmlformats.org/drawingml/2006/main" xmlns:r="http://schemas.openxmlformats.org/officeDocument/2006/relationships" xmlns:p="http://schemas.openxmlformats.org/presentationml/2006/main">
   <p:cSld>
     <p:spTree>
       <p:nvGrpSpPr>
@@ -4642,11 +4189,11 @@
           <a:p>
             <a:r>
               <a:rPr lang="de-DE" dirty="0"/>
-              <a:t>Top-event </a:t>
+              <a:t>Problems </a:t>
             </a:r>
             <a:r>
               <a:rPr lang="de-DE" dirty="0" err="1"/>
-              <a:t>evaluation</a:t>
+              <a:t>encountered</a:t>
             </a:r>
             <a:endParaRPr lang="de-DE" dirty="0"/>
           </a:p>
@@ -4654,1146 +4201,549 @@
       </p:sp>
       <p:sp>
         <p:nvSpPr>
-          <p:cNvPr id="4" name="Rectangle 1"/>
+          <p:cNvPr id="3" name="Inhaltsplatzhalter 2"/>
           <p:cNvSpPr>
-            <a:spLocks noChangeArrowheads="1"/>
+            <a:spLocks noGrp="1"/>
           </p:cNvSpPr>
-          <p:nvPr/>
+          <p:nvPr>
+            <p:ph idx="1"/>
+          </p:nvPr>
         </p:nvSpPr>
-        <p:spPr bwMode="auto">
-          <a:xfrm>
-            <a:off x="94728" y="2695557"/>
-            <a:ext cx="9049272" cy="2323713"/>
-          </a:xfrm>
-          <a:prstGeom prst="rect">
-            <a:avLst/>
-          </a:prstGeom>
-          <a:solidFill>
-            <a:srgbClr val="FFFFFF"/>
-          </a:solidFill>
-          <a:ln>
-            <a:noFill/>
-          </a:ln>
-          <a:effectLst/>
-          <a:extLst>
-            <a:ext uri="{91240B29-F687-4f45-9708-019B960494DF}">
-              <a14:hiddenLine xmlns="" xmlns:a14="http://schemas.microsoft.com/office/drawing/2010/main" w="9525">
-                <a:solidFill>
-                  <a:schemeClr val="tx1"/>
-                </a:solidFill>
-                <a:miter lim="800000"/>
-                <a:headEnd/>
-                <a:tailEnd/>
-              </a14:hiddenLine>
-            </a:ext>
-            <a:ext uri="{AF507438-7753-43e0-B8FC-AC1667EBCBE1}">
-              <a14:hiddenEffects xmlns="" xmlns:a14="http://schemas.microsoft.com/office/drawing/2010/main">
-                <a:effectLst>
-                  <a:outerShdw dist="35921" dir="2700000" algn="ctr" rotWithShape="0">
-                    <a:schemeClr val="bg2"/>
-                  </a:outerShdw>
-                </a:effectLst>
-              </a14:hiddenEffects>
-            </a:ext>
-          </a:extLst>
-        </p:spPr>
+        <p:spPr/>
         <p:txBody>
-          <a:bodyPr vert="horz" wrap="none" lIns="91440" tIns="45720" rIns="91440" bIns="45720" numCol="1" anchor="ctr" anchorCtr="0" compatLnSpc="1">
-            <a:prstTxWarp prst="textNoShape">
-              <a:avLst/>
-            </a:prstTxWarp>
-            <a:spAutoFit/>
+          <a:bodyPr>
+            <a:normAutofit fontScale="92500" lnSpcReduction="10000"/>
           </a:bodyPr>
           <a:lstStyle/>
           <a:p>
-            <a:pPr marL="0" marR="0" lvl="0" indent="0" algn="l" defTabSz="914400" rtl="0" eaLnBrk="0" fontAlgn="base" latinLnBrk="0" hangingPunct="0">
-              <a:lnSpc>
-                <a:spcPct val="100000"/>
-              </a:lnSpc>
-              <a:spcBef>
-                <a:spcPct val="0"/>
-              </a:spcBef>
-              <a:spcAft>
-                <a:spcPct val="0"/>
-              </a:spcAft>
-              <a:buClrTx/>
-              <a:buSzTx/>
-              <a:buFontTx/>
-              <a:buNone/>
-              <a:tabLst/>
+            <a:pPr lvl="1"/>
+            <a:r>
+              <a:rPr lang="de-DE" dirty="0"/>
+              <a:t>BDD </a:t>
+            </a:r>
+            <a:r>
+              <a:rPr lang="de-DE" dirty="0" err="1"/>
+              <a:t>library</a:t>
+            </a:r>
+            <a:r>
+              <a:rPr lang="de-DE" dirty="0"/>
+              <a:t> not easy </a:t>
+            </a:r>
+            <a:r>
+              <a:rPr lang="de-DE" dirty="0" err="1"/>
+              <a:t>to</a:t>
+            </a:r>
+            <a:r>
+              <a:rPr lang="de-DE" dirty="0"/>
+              <a:t> </a:t>
+            </a:r>
+            <a:r>
+              <a:rPr lang="de-DE" dirty="0" err="1"/>
+              <a:t>understand</a:t>
+            </a:r>
+            <a:endParaRPr lang="de-DE" dirty="0"/>
+          </a:p>
+          <a:p>
+            <a:pPr lvl="2"/>
+            <a:r>
+              <a:rPr lang="de-DE" dirty="0" err="1"/>
+              <a:t>Very</a:t>
+            </a:r>
+            <a:r>
+              <a:rPr lang="de-DE" dirty="0"/>
+              <a:t> </a:t>
+            </a:r>
+            <a:r>
+              <a:rPr lang="de-DE" dirty="0" err="1"/>
+              <a:t>cumbersome</a:t>
+            </a:r>
+            <a:r>
+              <a:rPr lang="de-DE" dirty="0"/>
+              <a:t> API, </a:t>
+            </a:r>
+            <a:r>
+              <a:rPr lang="de-DE" dirty="0" err="1"/>
+              <a:t>since</a:t>
+            </a:r>
+            <a:r>
+              <a:rPr lang="de-DE" dirty="0"/>
+              <a:t> </a:t>
+            </a:r>
+            <a:r>
+              <a:rPr lang="de-DE" dirty="0" err="1"/>
+              <a:t>everything</a:t>
+            </a:r>
+            <a:r>
+              <a:rPr lang="de-DE" dirty="0"/>
+              <a:t> </a:t>
+            </a:r>
+            <a:r>
+              <a:rPr lang="de-DE" dirty="0" err="1"/>
+              <a:t>is</a:t>
+            </a:r>
+            <a:r>
+              <a:rPr lang="de-DE" dirty="0"/>
+              <a:t> </a:t>
+            </a:r>
+            <a:r>
+              <a:rPr lang="de-DE" dirty="0" err="1"/>
+              <a:t>referenced</a:t>
+            </a:r>
+            <a:r>
+              <a:rPr lang="de-DE" dirty="0"/>
+              <a:t> </a:t>
+            </a:r>
+            <a:r>
+              <a:rPr lang="de-DE" dirty="0" err="1"/>
+              <a:t>by</a:t>
+            </a:r>
+            <a:r>
+              <a:rPr lang="de-DE" dirty="0"/>
+              <a:t> </a:t>
+            </a:r>
+            <a:r>
+              <a:rPr lang="de-DE" dirty="0" err="1"/>
+              <a:t>integers</a:t>
+            </a:r>
+            <a:endParaRPr lang="de-DE" dirty="0"/>
+          </a:p>
+          <a:p>
+            <a:pPr lvl="2">
+              <a:buFont typeface="Symbol" panose="05050102010706020507" pitchFamily="18" charset="2"/>
+              <a:buChar char="Þ"/>
             </a:pPr>
             <a:r>
-              <a:rPr kumimoji="0" lang="de-DE" altLang="de-DE" sz="1450" b="1" i="0" u="none" strike="noStrike" cap="none" normalizeH="0" baseline="0" dirty="0" err="1">
-                <a:ln>
-                  <a:noFill/>
-                </a:ln>
-                <a:solidFill>
-                  <a:srgbClr val="000080"/>
-                </a:solidFill>
-                <a:effectLst/>
-                <a:latin typeface="Courier New" panose="02070309020205020404" pitchFamily="49" charset="0"/>
-                <a:cs typeface="Courier New" panose="02070309020205020404" pitchFamily="49" charset="0"/>
-              </a:rPr>
-              <a:t>val</a:t>
-            </a:r>
-            <a:r>
-              <a:rPr kumimoji="0" lang="de-DE" altLang="de-DE" sz="1450" b="1" i="0" u="none" strike="noStrike" cap="none" normalizeH="0" baseline="0" dirty="0">
-                <a:ln>
-                  <a:noFill/>
-                </a:ln>
-                <a:solidFill>
-                  <a:srgbClr val="000080"/>
-                </a:solidFill>
-                <a:effectLst/>
-                <a:latin typeface="Courier New" panose="02070309020205020404" pitchFamily="49" charset="0"/>
-                <a:cs typeface="Courier New" panose="02070309020205020404" pitchFamily="49" charset="0"/>
-              </a:rPr>
+              <a:rPr lang="de-DE" dirty="0"/>
+              <a:t> Wrapper </a:t>
+            </a:r>
+            <a:r>
+              <a:rPr lang="de-DE" dirty="0" err="1"/>
+              <a:t>around</a:t>
+            </a:r>
+            <a:r>
+              <a:rPr lang="de-DE" dirty="0"/>
               <a:t> </a:t>
             </a:r>
             <a:r>
-              <a:rPr kumimoji="0" lang="de-DE" altLang="de-DE" sz="1450" b="0" i="0" u="none" strike="noStrike" cap="none" normalizeH="0" baseline="0" dirty="0" err="1">
-                <a:ln>
-                  <a:noFill/>
-                </a:ln>
-                <a:solidFill>
-                  <a:srgbClr val="000000"/>
-                </a:solidFill>
-                <a:effectLst/>
-                <a:latin typeface="Courier New" panose="02070309020205020404" pitchFamily="49" charset="0"/>
-                <a:cs typeface="Courier New" panose="02070309020205020404" pitchFamily="49" charset="0"/>
-              </a:rPr>
-              <a:t>current</a:t>
-            </a:r>
-            <a:r>
-              <a:rPr kumimoji="0" lang="de-DE" altLang="de-DE" sz="1450" b="0" i="0" u="none" strike="noStrike" cap="none" normalizeH="0" baseline="0" dirty="0">
-                <a:ln>
-                  <a:noFill/>
-                </a:ln>
-                <a:solidFill>
-                  <a:srgbClr val="000000"/>
-                </a:solidFill>
-                <a:effectLst/>
-                <a:latin typeface="Courier New" panose="02070309020205020404" pitchFamily="49" charset="0"/>
-                <a:cs typeface="Courier New" panose="02070309020205020404" pitchFamily="49" charset="0"/>
-              </a:rPr>
-              <a:t> = </a:t>
-            </a:r>
-            <a:r>
-              <a:rPr kumimoji="0" lang="de-DE" altLang="de-DE" sz="1450" b="0" i="0" u="none" strike="noStrike" cap="none" normalizeH="0" baseline="0" dirty="0" err="1">
-                <a:ln>
-                  <a:noFill/>
-                </a:ln>
-                <a:solidFill>
-                  <a:srgbClr val="000000"/>
-                </a:solidFill>
-                <a:effectLst/>
-                <a:latin typeface="Courier New" panose="02070309020205020404" pitchFamily="49" charset="0"/>
-                <a:cs typeface="Courier New" panose="02070309020205020404" pitchFamily="49" charset="0"/>
-              </a:rPr>
-              <a:t>node.</a:t>
-            </a:r>
-            <a:r>
-              <a:rPr kumimoji="0" lang="de-DE" altLang="de-DE" sz="1450" b="1" i="0" u="none" strike="noStrike" cap="none" normalizeH="0" baseline="0" dirty="0" err="1">
-                <a:ln>
-                  <a:noFill/>
-                </a:ln>
-                <a:solidFill>
-                  <a:srgbClr val="660E7A"/>
-                </a:solidFill>
-                <a:effectLst/>
-                <a:latin typeface="Courier New" panose="02070309020205020404" pitchFamily="49" charset="0"/>
-                <a:cs typeface="Courier New" panose="02070309020205020404" pitchFamily="49" charset="0"/>
-              </a:rPr>
-              <a:t>probabilities</a:t>
-            </a:r>
-            <a:r>
-              <a:rPr kumimoji="0" lang="de-DE" altLang="de-DE" sz="1450" b="0" i="0" u="none" strike="noStrike" cap="none" normalizeH="0" baseline="0" dirty="0" err="1">
-                <a:ln>
-                  <a:noFill/>
-                </a:ln>
-                <a:solidFill>
-                  <a:srgbClr val="000000"/>
-                </a:solidFill>
-                <a:effectLst/>
-                <a:latin typeface="Courier New" panose="02070309020205020404" pitchFamily="49" charset="0"/>
-                <a:cs typeface="Courier New" panose="02070309020205020404" pitchFamily="49" charset="0"/>
-              </a:rPr>
-              <a:t>.</a:t>
-            </a:r>
-            <a:r>
-              <a:rPr kumimoji="0" lang="de-DE" altLang="de-DE" sz="1450" b="0" i="1" u="none" strike="noStrike" cap="none" normalizeH="0" baseline="0" dirty="0" err="1">
-                <a:ln>
-                  <a:noFill/>
-                </a:ln>
-                <a:solidFill>
-                  <a:srgbClr val="000000"/>
-                </a:solidFill>
-                <a:effectLst/>
-                <a:latin typeface="Courier New" panose="02070309020205020404" pitchFamily="49" charset="0"/>
-                <a:cs typeface="Courier New" panose="02070309020205020404" pitchFamily="49" charset="0"/>
-              </a:rPr>
-              <a:t>asSequence</a:t>
-            </a:r>
-            <a:r>
-              <a:rPr kumimoji="0" lang="de-DE" altLang="de-DE" sz="1450" b="0" i="0" u="none" strike="noStrike" cap="none" normalizeH="0" baseline="0" dirty="0">
-                <a:ln>
-                  <a:noFill/>
-                </a:ln>
-                <a:solidFill>
-                  <a:srgbClr val="000000"/>
-                </a:solidFill>
-                <a:effectLst/>
-                <a:latin typeface="Courier New" panose="02070309020205020404" pitchFamily="49" charset="0"/>
-                <a:cs typeface="Courier New" panose="02070309020205020404" pitchFamily="49" charset="0"/>
-              </a:rPr>
-              <a:t>()</a:t>
-            </a:r>
-            <a:br>
-              <a:rPr kumimoji="0" lang="de-DE" altLang="de-DE" sz="1450" b="0" i="0" u="none" strike="noStrike" cap="none" normalizeH="0" baseline="0" dirty="0">
-                <a:ln>
-                  <a:noFill/>
-                </a:ln>
-                <a:solidFill>
-                  <a:srgbClr val="000000"/>
-                </a:solidFill>
-                <a:effectLst/>
-                <a:latin typeface="Courier New" panose="02070309020205020404" pitchFamily="49" charset="0"/>
-                <a:cs typeface="Courier New" panose="02070309020205020404" pitchFamily="49" charset="0"/>
-              </a:rPr>
-            </a:br>
-            <a:r>
-              <a:rPr kumimoji="0" lang="de-DE" altLang="de-DE" sz="1450" b="1" i="0" u="none" strike="noStrike" cap="none" normalizeH="0" baseline="0" dirty="0" err="1">
-                <a:ln>
-                  <a:noFill/>
-                </a:ln>
-                <a:solidFill>
-                  <a:srgbClr val="000080"/>
-                </a:solidFill>
-                <a:effectLst/>
-                <a:latin typeface="Courier New" panose="02070309020205020404" pitchFamily="49" charset="0"/>
-                <a:cs typeface="Courier New" panose="02070309020205020404" pitchFamily="49" charset="0"/>
-              </a:rPr>
-              <a:t>val</a:t>
-            </a:r>
-            <a:r>
-              <a:rPr kumimoji="0" lang="de-DE" altLang="de-DE" sz="1450" b="1" i="0" u="none" strike="noStrike" cap="none" normalizeH="0" baseline="0" dirty="0">
-                <a:ln>
-                  <a:noFill/>
-                </a:ln>
-                <a:solidFill>
-                  <a:srgbClr val="000080"/>
-                </a:solidFill>
-                <a:effectLst/>
-                <a:latin typeface="Courier New" panose="02070309020205020404" pitchFamily="49" charset="0"/>
-                <a:cs typeface="Courier New" panose="02070309020205020404" pitchFamily="49" charset="0"/>
-              </a:rPr>
+              <a:rPr lang="de-DE" dirty="0" err="1"/>
+              <a:t>constructed</a:t>
+            </a:r>
+            <a:r>
+              <a:rPr lang="de-DE" dirty="0"/>
+              <a:t> BDD</a:t>
+            </a:r>
+          </a:p>
+          <a:p>
+            <a:pPr lvl="1"/>
+            <a:endParaRPr lang="de-DE" dirty="0"/>
+          </a:p>
+          <a:p>
+            <a:pPr lvl="1"/>
+            <a:r>
+              <a:rPr lang="de-DE" dirty="0" err="1"/>
+              <a:t>Calculation</a:t>
+            </a:r>
+            <a:r>
+              <a:rPr lang="de-DE" dirty="0"/>
               <a:t> </a:t>
             </a:r>
             <a:r>
-              <a:rPr kumimoji="0" lang="de-DE" altLang="de-DE" sz="1450" b="0" i="0" u="none" strike="noStrike" cap="none" normalizeH="0" baseline="0" dirty="0">
-                <a:ln>
-                  <a:noFill/>
-                </a:ln>
-                <a:solidFill>
-                  <a:srgbClr val="000000"/>
-                </a:solidFill>
-                <a:effectLst/>
-                <a:latin typeface="Courier New" panose="02070309020205020404" pitchFamily="49" charset="0"/>
-                <a:cs typeface="Courier New" panose="02070309020205020404" pitchFamily="49" charset="0"/>
-              </a:rPr>
-              <a:t>g2 = </a:t>
-            </a:r>
-            <a:r>
-              <a:rPr kumimoji="0" lang="de-DE" altLang="de-DE" sz="1450" b="0" i="0" u="none" strike="noStrike" cap="none" normalizeH="0" baseline="0" dirty="0" err="1">
-                <a:ln>
-                  <a:noFill/>
-                </a:ln>
-                <a:solidFill>
-                  <a:srgbClr val="000000"/>
-                </a:solidFill>
-                <a:effectLst/>
-                <a:latin typeface="Courier New" panose="02070309020205020404" pitchFamily="49" charset="0"/>
-                <a:cs typeface="Courier New" panose="02070309020205020404" pitchFamily="49" charset="0"/>
-              </a:rPr>
-              <a:t>constructFormulaTopDown</a:t>
-            </a:r>
-            <a:r>
-              <a:rPr kumimoji="0" lang="de-DE" altLang="de-DE" sz="1450" b="0" i="0" u="none" strike="noStrike" cap="none" normalizeH="0" baseline="0" dirty="0">
-                <a:ln>
-                  <a:noFill/>
-                </a:ln>
-                <a:solidFill>
-                  <a:srgbClr val="000000"/>
-                </a:solidFill>
-                <a:effectLst/>
-                <a:latin typeface="Courier New" panose="02070309020205020404" pitchFamily="49" charset="0"/>
-                <a:cs typeface="Courier New" panose="02070309020205020404" pitchFamily="49" charset="0"/>
-              </a:rPr>
-              <a:t>(</a:t>
-            </a:r>
-            <a:r>
-              <a:rPr kumimoji="0" lang="de-DE" altLang="de-DE" sz="1450" b="0" i="0" u="none" strike="noStrike" cap="none" normalizeH="0" baseline="0" dirty="0" err="1">
-                <a:ln>
-                  <a:noFill/>
-                </a:ln>
-                <a:solidFill>
-                  <a:srgbClr val="000000"/>
-                </a:solidFill>
-                <a:effectLst/>
-                <a:latin typeface="Courier New" panose="02070309020205020404" pitchFamily="49" charset="0"/>
-                <a:cs typeface="Courier New" panose="02070309020205020404" pitchFamily="49" charset="0"/>
-              </a:rPr>
-              <a:t>node.</a:t>
-            </a:r>
-            <a:r>
-              <a:rPr kumimoji="0" lang="de-DE" altLang="de-DE" sz="1450" b="1" i="0" u="none" strike="noStrike" cap="none" normalizeH="0" baseline="0" dirty="0" err="1">
-                <a:ln>
-                  <a:noFill/>
-                </a:ln>
-                <a:solidFill>
-                  <a:srgbClr val="660E7A"/>
-                </a:solidFill>
-                <a:effectLst/>
-                <a:latin typeface="Courier New" panose="02070309020205020404" pitchFamily="49" charset="0"/>
-                <a:cs typeface="Courier New" panose="02070309020205020404" pitchFamily="49" charset="0"/>
-              </a:rPr>
-              <a:t>lowChild</a:t>
-            </a:r>
-            <a:r>
-              <a:rPr kumimoji="0" lang="de-DE" altLang="de-DE" sz="1450" b="0" i="0" u="none" strike="noStrike" cap="none" normalizeH="0" baseline="0" dirty="0">
-                <a:ln>
-                  <a:noFill/>
-                </a:ln>
-                <a:solidFill>
-                  <a:srgbClr val="000000"/>
-                </a:solidFill>
-                <a:effectLst/>
-                <a:latin typeface="Courier New" panose="02070309020205020404" pitchFamily="49" charset="0"/>
-                <a:cs typeface="Courier New" panose="02070309020205020404" pitchFamily="49" charset="0"/>
-              </a:rPr>
+              <a:rPr lang="de-DE" dirty="0" err="1"/>
+              <a:t>of</a:t>
+            </a:r>
+            <a:r>
+              <a:rPr lang="de-DE" dirty="0"/>
+              <a:t> </a:t>
+            </a:r>
+            <a:r>
+              <a:rPr lang="de-DE" dirty="0" err="1"/>
+              <a:t>distribution</a:t>
+            </a:r>
+            <a:r>
+              <a:rPr lang="de-DE" dirty="0"/>
+              <a:t> (</a:t>
+            </a:r>
+            <a:r>
+              <a:rPr lang="de-DE" dirty="0" err="1"/>
+              <a:t>uniformization</a:t>
+            </a:r>
+            <a:r>
+              <a:rPr lang="de-DE" dirty="0"/>
               <a:t>)</a:t>
             </a:r>
-            <a:br>
-              <a:rPr kumimoji="0" lang="de-DE" altLang="de-DE" sz="1450" b="0" i="0" u="none" strike="noStrike" cap="none" normalizeH="0" baseline="0" dirty="0">
-                <a:ln>
-                  <a:noFill/>
-                </a:ln>
-                <a:solidFill>
-                  <a:srgbClr val="000000"/>
-                </a:solidFill>
-                <a:effectLst/>
-                <a:latin typeface="Courier New" panose="02070309020205020404" pitchFamily="49" charset="0"/>
-                <a:cs typeface="Courier New" panose="02070309020205020404" pitchFamily="49" charset="0"/>
-              </a:rPr>
-            </a:br>
-            <a:r>
-              <a:rPr kumimoji="0" lang="de-DE" altLang="de-DE" sz="1450" b="1" i="0" u="none" strike="noStrike" cap="none" normalizeH="0" baseline="0" dirty="0" err="1">
-                <a:ln>
-                  <a:noFill/>
-                </a:ln>
-                <a:solidFill>
-                  <a:srgbClr val="000080"/>
-                </a:solidFill>
-                <a:effectLst/>
-                <a:latin typeface="Courier New" panose="02070309020205020404" pitchFamily="49" charset="0"/>
-                <a:cs typeface="Courier New" panose="02070309020205020404" pitchFamily="49" charset="0"/>
-              </a:rPr>
-              <a:t>val</a:t>
-            </a:r>
-            <a:r>
-              <a:rPr kumimoji="0" lang="de-DE" altLang="de-DE" sz="1450" b="1" i="0" u="none" strike="noStrike" cap="none" normalizeH="0" baseline="0" dirty="0">
-                <a:ln>
-                  <a:noFill/>
-                </a:ln>
-                <a:solidFill>
-                  <a:srgbClr val="000080"/>
-                </a:solidFill>
-                <a:effectLst/>
-                <a:latin typeface="Courier New" panose="02070309020205020404" pitchFamily="49" charset="0"/>
-                <a:cs typeface="Courier New" panose="02070309020205020404" pitchFamily="49" charset="0"/>
-              </a:rPr>
+          </a:p>
+          <a:p>
+            <a:pPr lvl="2"/>
+            <a:r>
+              <a:rPr lang="de-DE" dirty="0"/>
+              <a:t>171! </a:t>
+            </a:r>
+            <a:r>
+              <a:rPr lang="de-DE" dirty="0" err="1"/>
+              <a:t>does</a:t>
+            </a:r>
+            <a:r>
+              <a:rPr lang="de-DE" dirty="0"/>
+              <a:t> not fit </a:t>
+            </a:r>
+            <a:r>
+              <a:rPr lang="de-DE" dirty="0" err="1"/>
+              <a:t>into</a:t>
+            </a:r>
+            <a:r>
+              <a:rPr lang="de-DE" dirty="0"/>
+              <a:t> Double Precision </a:t>
+            </a:r>
+            <a:r>
+              <a:rPr lang="de-DE" dirty="0" err="1"/>
+              <a:t>Float</a:t>
+            </a:r>
+            <a:endParaRPr lang="de-DE" dirty="0"/>
+          </a:p>
+          <a:p>
+            <a:pPr lvl="2">
+              <a:buFont typeface="Symbol" panose="05050102010706020507" pitchFamily="18" charset="2"/>
+              <a:buChar char="Þ"/>
+            </a:pPr>
+            <a:r>
+              <a:rPr lang="de-DE" dirty="0"/>
               <a:t> </a:t>
             </a:r>
             <a:r>
-              <a:rPr kumimoji="0" lang="de-DE" altLang="de-DE" sz="1450" b="0" i="0" u="none" strike="noStrike" cap="none" normalizeH="0" baseline="0" dirty="0">
-                <a:ln>
-                  <a:noFill/>
-                </a:ln>
-                <a:solidFill>
-                  <a:srgbClr val="000000"/>
-                </a:solidFill>
-                <a:effectLst/>
-                <a:latin typeface="Courier New" panose="02070309020205020404" pitchFamily="49" charset="0"/>
-                <a:cs typeface="Courier New" panose="02070309020205020404" pitchFamily="49" charset="0"/>
-              </a:rPr>
-              <a:t>g1_x1 = </a:t>
-            </a:r>
-            <a:r>
-              <a:rPr kumimoji="0" lang="de-DE" altLang="de-DE" sz="1450" b="0" i="0" u="none" strike="noStrike" cap="none" normalizeH="0" baseline="0" dirty="0" err="1">
-                <a:ln>
-                  <a:noFill/>
-                </a:ln>
-                <a:solidFill>
-                  <a:srgbClr val="000000"/>
-                </a:solidFill>
-                <a:effectLst/>
-                <a:latin typeface="Courier New" panose="02070309020205020404" pitchFamily="49" charset="0"/>
-                <a:cs typeface="Courier New" panose="02070309020205020404" pitchFamily="49" charset="0"/>
-              </a:rPr>
-              <a:t>getHigh</a:t>
-            </a:r>
-            <a:r>
-              <a:rPr kumimoji="0" lang="de-DE" altLang="de-DE" sz="1450" b="0" i="0" u="none" strike="noStrike" cap="none" normalizeH="0" baseline="0" dirty="0">
-                <a:ln>
-                  <a:noFill/>
-                </a:ln>
-                <a:solidFill>
-                  <a:srgbClr val="000000"/>
-                </a:solidFill>
-                <a:effectLst/>
-                <a:latin typeface="Courier New" panose="02070309020205020404" pitchFamily="49" charset="0"/>
-                <a:cs typeface="Courier New" panose="02070309020205020404" pitchFamily="49" charset="0"/>
-              </a:rPr>
-              <a:t>(</a:t>
-            </a:r>
-            <a:r>
-              <a:rPr kumimoji="0" lang="de-DE" altLang="de-DE" sz="1450" b="0" i="0" u="none" strike="noStrike" cap="none" normalizeH="0" baseline="0" dirty="0" err="1">
-                <a:ln>
-                  <a:noFill/>
-                </a:ln>
-                <a:solidFill>
-                  <a:srgbClr val="000000"/>
-                </a:solidFill>
-                <a:effectLst/>
-                <a:latin typeface="Courier New" panose="02070309020205020404" pitchFamily="49" charset="0"/>
-                <a:cs typeface="Courier New" panose="02070309020205020404" pitchFamily="49" charset="0"/>
-              </a:rPr>
+              <a:rPr lang="de-DE" dirty="0" err="1"/>
+              <a:t>Stop-Criteria</a:t>
+            </a:r>
+            <a:r>
+              <a:rPr lang="de-DE" dirty="0"/>
+              <a:t> </a:t>
+            </a:r>
+            <a:r>
+              <a:rPr lang="de-DE" dirty="0" err="1"/>
+              <a:t>adapted</a:t>
+            </a:r>
+            <a:r>
+              <a:rPr lang="de-DE" dirty="0"/>
+              <a:t> </a:t>
+            </a:r>
+            <a:r>
+              <a:rPr lang="de-DE" dirty="0" err="1"/>
+              <a:t>correspondingly</a:t>
+            </a:r>
+            <a:endParaRPr lang="de-DE" dirty="0"/>
+          </a:p>
+          <a:p>
+            <a:pPr lvl="1"/>
+            <a:endParaRPr lang="de-DE" dirty="0"/>
+          </a:p>
+          <a:p>
+            <a:pPr lvl="1"/>
+            <a:r>
+              <a:rPr lang="de-DE" dirty="0" err="1"/>
+              <a:t>Sequence</a:t>
+            </a:r>
+            <a:r>
+              <a:rPr lang="de-DE" dirty="0"/>
+              <a:t> API </a:t>
+            </a:r>
+            <a:r>
+              <a:rPr lang="de-DE" dirty="0" err="1"/>
+              <a:t>to</a:t>
+            </a:r>
+            <a:r>
+              <a:rPr lang="de-DE" dirty="0"/>
+              <a:t> </a:t>
+            </a:r>
+            <a:r>
+              <a:rPr lang="de-DE" dirty="0" err="1"/>
+              <a:t>build</a:t>
+            </a:r>
+            <a:r>
+              <a:rPr lang="de-DE" dirty="0"/>
+              <a:t> </a:t>
+            </a:r>
+            <a:r>
+              <a:rPr lang="de-DE" dirty="0" err="1"/>
+              <a:t>up</a:t>
+            </a:r>
+            <a:r>
+              <a:rPr lang="de-DE" dirty="0"/>
+              <a:t> </a:t>
+            </a:r>
+            <a:r>
+              <a:rPr lang="de-DE" dirty="0" err="1"/>
+              <a:t>formula</a:t>
+            </a:r>
+            <a:r>
+              <a:rPr lang="de-DE" dirty="0"/>
+              <a:t> </a:t>
+            </a:r>
+            <a:r>
+              <a:rPr lang="de-DE" dirty="0" err="1"/>
+              <a:t>for</a:t>
+            </a:r>
+            <a:r>
+              <a:rPr lang="de-DE" dirty="0"/>
+              <a:t> hole </a:t>
+            </a:r>
+            <a:r>
+              <a:rPr lang="de-DE" dirty="0" err="1"/>
+              <a:t>tree</a:t>
+            </a:r>
+            <a:endParaRPr lang="de-DE" dirty="0"/>
+          </a:p>
+          <a:p>
+            <a:pPr lvl="2"/>
+            <a:r>
+              <a:rPr lang="de-DE" b="1" u="sng" dirty="0"/>
+              <a:t>But:</a:t>
+            </a:r>
+            <a:r>
+              <a:rPr lang="de-DE" dirty="0"/>
+              <a:t> Not </a:t>
+            </a:r>
+            <a:r>
+              <a:rPr lang="de-DE" dirty="0" err="1"/>
+              <a:t>suitable</a:t>
+            </a:r>
+            <a:r>
+              <a:rPr lang="de-DE" dirty="0"/>
+              <a:t> </a:t>
+            </a:r>
+            <a:r>
+              <a:rPr lang="de-DE" dirty="0" err="1"/>
+              <a:t>for</a:t>
+            </a:r>
+            <a:r>
+              <a:rPr lang="de-DE" dirty="0"/>
+              <a:t> </a:t>
+            </a:r>
+            <a:r>
+              <a:rPr lang="de-DE" dirty="0" err="1"/>
+              <a:t>computed-table</a:t>
+            </a:r>
+            <a:r>
+              <a:rPr lang="de-DE" dirty="0"/>
+              <a:t> (</a:t>
+            </a:r>
+            <a:r>
+              <a:rPr lang="de-DE" dirty="0" err="1"/>
+              <a:t>as</a:t>
+            </a:r>
+            <a:r>
+              <a:rPr lang="de-DE" dirty="0"/>
+              <a:t> Java Stream </a:t>
+            </a:r>
+            <a:r>
+              <a:rPr lang="de-DE" dirty="0" err="1"/>
+              <a:t>only</a:t>
+            </a:r>
+            <a:r>
+              <a:rPr lang="de-DE" dirty="0"/>
+              <a:t> „</a:t>
+            </a:r>
+            <a:r>
+              <a:rPr lang="de-DE" dirty="0" err="1"/>
+              <a:t>one-shot</a:t>
+            </a:r>
+            <a:r>
+              <a:rPr lang="de-DE" dirty="0"/>
+              <a:t>“)</a:t>
+            </a:r>
+          </a:p>
+          <a:p>
+            <a:pPr lvl="2">
+              <a:buFont typeface="Symbol" panose="05050102010706020507" pitchFamily="18" charset="2"/>
+              <a:buChar char="Þ"/>
+            </a:pPr>
+            <a:r>
+              <a:rPr lang="de-DE" dirty="0"/>
+              <a:t> Per </a:t>
+            </a:r>
+            <a:r>
+              <a:rPr lang="de-DE" dirty="0" err="1"/>
               <a:t>node</a:t>
             </a:r>
             <a:r>
-              <a:rPr kumimoji="0" lang="de-DE" altLang="de-DE" sz="1450" b="0" i="0" u="none" strike="noStrike" cap="none" normalizeH="0" baseline="0" dirty="0">
-                <a:ln>
-                  <a:noFill/>
-                </a:ln>
-                <a:solidFill>
-                  <a:srgbClr val="000000"/>
-                </a:solidFill>
-                <a:effectLst/>
-                <a:latin typeface="Courier New" panose="02070309020205020404" pitchFamily="49" charset="0"/>
-                <a:cs typeface="Courier New" panose="02070309020205020404" pitchFamily="49" charset="0"/>
-              </a:rPr>
-              <a:t>)</a:t>
-            </a:r>
-            <a:br>
-              <a:rPr kumimoji="0" lang="de-DE" altLang="de-DE" sz="1450" b="0" i="0" u="none" strike="noStrike" cap="none" normalizeH="0" baseline="0" dirty="0">
-                <a:ln>
-                  <a:noFill/>
-                </a:ln>
-                <a:solidFill>
-                  <a:srgbClr val="000000"/>
-                </a:solidFill>
-                <a:effectLst/>
-                <a:latin typeface="Courier New" panose="02070309020205020404" pitchFamily="49" charset="0"/>
-                <a:cs typeface="Courier New" panose="02070309020205020404" pitchFamily="49" charset="0"/>
-              </a:rPr>
-            </a:br>
-            <a:br>
-              <a:rPr kumimoji="0" lang="de-DE" altLang="de-DE" sz="1450" b="0" i="0" u="none" strike="noStrike" cap="none" normalizeH="0" baseline="0" dirty="0">
-                <a:ln>
-                  <a:noFill/>
-                </a:ln>
-                <a:solidFill>
-                  <a:srgbClr val="000000"/>
-                </a:solidFill>
-                <a:effectLst/>
-                <a:latin typeface="Courier New" panose="02070309020205020404" pitchFamily="49" charset="0"/>
-                <a:cs typeface="Courier New" panose="02070309020205020404" pitchFamily="49" charset="0"/>
-              </a:rPr>
-            </a:br>
-            <a:r>
-              <a:rPr kumimoji="0" lang="de-DE" altLang="de-DE" sz="1450" b="1" i="0" u="none" strike="noStrike" cap="none" normalizeH="0" baseline="0" dirty="0" err="1">
-                <a:ln>
-                  <a:noFill/>
-                </a:ln>
-                <a:solidFill>
-                  <a:srgbClr val="000080"/>
-                </a:solidFill>
-                <a:effectLst/>
-                <a:latin typeface="Courier New" panose="02070309020205020404" pitchFamily="49" charset="0"/>
-                <a:cs typeface="Courier New" panose="02070309020205020404" pitchFamily="49" charset="0"/>
-              </a:rPr>
-              <a:t>if</a:t>
-            </a:r>
-            <a:r>
-              <a:rPr kumimoji="0" lang="de-DE" altLang="de-DE" sz="1450" b="1" i="0" u="none" strike="noStrike" cap="none" normalizeH="0" baseline="0" dirty="0">
-                <a:ln>
-                  <a:noFill/>
-                </a:ln>
-                <a:solidFill>
-                  <a:srgbClr val="000080"/>
-                </a:solidFill>
-                <a:effectLst/>
-                <a:latin typeface="Courier New" panose="02070309020205020404" pitchFamily="49" charset="0"/>
-                <a:cs typeface="Courier New" panose="02070309020205020404" pitchFamily="49" charset="0"/>
-              </a:rPr>
+              <a:rPr lang="de-DE" dirty="0"/>
               <a:t> </a:t>
             </a:r>
             <a:r>
-              <a:rPr kumimoji="0" lang="de-DE" altLang="de-DE" sz="1450" b="0" i="0" u="none" strike="noStrike" cap="none" normalizeH="0" baseline="0" dirty="0">
-                <a:ln>
-                  <a:noFill/>
-                </a:ln>
-                <a:solidFill>
-                  <a:srgbClr val="000000"/>
-                </a:solidFill>
-                <a:effectLst/>
-                <a:latin typeface="Courier New" panose="02070309020205020404" pitchFamily="49" charset="0"/>
-                <a:cs typeface="Courier New" panose="02070309020205020404" pitchFamily="49" charset="0"/>
-              </a:rPr>
-              <a:t>(</a:t>
-            </a:r>
-            <a:r>
-              <a:rPr kumimoji="0" lang="de-DE" altLang="de-DE" sz="1450" b="0" i="0" u="none" strike="noStrike" cap="none" normalizeH="0" baseline="0" dirty="0" err="1">
-                <a:ln>
-                  <a:noFill/>
-                </a:ln>
-                <a:solidFill>
-                  <a:srgbClr val="000000"/>
-                </a:solidFill>
-                <a:effectLst/>
-                <a:latin typeface="Courier New" panose="02070309020205020404" pitchFamily="49" charset="0"/>
-                <a:cs typeface="Courier New" panose="02070309020205020404" pitchFamily="49" charset="0"/>
-              </a:rPr>
-              <a:t>node.</a:t>
-            </a:r>
-            <a:r>
-              <a:rPr kumimoji="0" lang="de-DE" altLang="de-DE" sz="1450" b="1" i="0" u="none" strike="noStrike" cap="none" normalizeH="0" baseline="0" dirty="0" err="1">
-                <a:ln>
-                  <a:noFill/>
-                </a:ln>
-                <a:solidFill>
-                  <a:srgbClr val="660E7A"/>
-                </a:solidFill>
-                <a:effectLst/>
-                <a:latin typeface="Courier New" panose="02070309020205020404" pitchFamily="49" charset="0"/>
-                <a:cs typeface="Courier New" panose="02070309020205020404" pitchFamily="49" charset="0"/>
-              </a:rPr>
-              <a:t>isLowStateDependent</a:t>
-            </a:r>
-            <a:r>
-              <a:rPr kumimoji="0" lang="de-DE" altLang="de-DE" sz="1450" b="0" i="0" u="none" strike="noStrike" cap="none" normalizeH="0" baseline="0" dirty="0">
-                <a:ln>
-                  <a:noFill/>
-                </a:ln>
-                <a:solidFill>
-                  <a:srgbClr val="000000"/>
-                </a:solidFill>
-                <a:effectLst/>
-                <a:latin typeface="Courier New" panose="02070309020205020404" pitchFamily="49" charset="0"/>
-                <a:cs typeface="Courier New" panose="02070309020205020404" pitchFamily="49" charset="0"/>
-              </a:rPr>
-              <a:t>) {</a:t>
-            </a:r>
-            <a:br>
-              <a:rPr kumimoji="0" lang="de-DE" altLang="de-DE" sz="1450" b="0" i="0" u="none" strike="noStrike" cap="none" normalizeH="0" baseline="0" dirty="0">
-                <a:ln>
-                  <a:noFill/>
-                </a:ln>
-                <a:solidFill>
-                  <a:srgbClr val="000000"/>
-                </a:solidFill>
-                <a:effectLst/>
-                <a:latin typeface="Courier New" panose="02070309020205020404" pitchFamily="49" charset="0"/>
-                <a:cs typeface="Courier New" panose="02070309020205020404" pitchFamily="49" charset="0"/>
-              </a:rPr>
-            </a:br>
-            <a:r>
-              <a:rPr kumimoji="0" lang="de-DE" altLang="de-DE" sz="1450" b="0" i="0" u="none" strike="noStrike" cap="none" normalizeH="0" baseline="0" dirty="0">
-                <a:ln>
-                  <a:noFill/>
-                </a:ln>
-                <a:solidFill>
-                  <a:srgbClr val="000000"/>
-                </a:solidFill>
-                <a:effectLst/>
-                <a:latin typeface="Courier New" panose="02070309020205020404" pitchFamily="49" charset="0"/>
-                <a:cs typeface="Courier New" panose="02070309020205020404" pitchFamily="49" charset="0"/>
-              </a:rPr>
-              <a:t>    </a:t>
-            </a:r>
-            <a:r>
-              <a:rPr kumimoji="0" lang="de-DE" altLang="de-DE" sz="1450" b="1" i="0" u="none" strike="noStrike" cap="none" normalizeH="0" baseline="0" dirty="0" err="1">
-                <a:ln>
-                  <a:noFill/>
-                </a:ln>
-                <a:solidFill>
-                  <a:srgbClr val="000080"/>
-                </a:solidFill>
-                <a:effectLst/>
-                <a:latin typeface="Courier New" panose="02070309020205020404" pitchFamily="49" charset="0"/>
-                <a:cs typeface="Courier New" panose="02070309020205020404" pitchFamily="49" charset="0"/>
-              </a:rPr>
-              <a:t>val</a:t>
-            </a:r>
-            <a:r>
-              <a:rPr kumimoji="0" lang="de-DE" altLang="de-DE" sz="1450" b="1" i="0" u="none" strike="noStrike" cap="none" normalizeH="0" baseline="0" dirty="0">
-                <a:ln>
-                  <a:noFill/>
-                </a:ln>
-                <a:solidFill>
-                  <a:srgbClr val="000080"/>
-                </a:solidFill>
-                <a:effectLst/>
-                <a:latin typeface="Courier New" panose="02070309020205020404" pitchFamily="49" charset="0"/>
-                <a:cs typeface="Courier New" panose="02070309020205020404" pitchFamily="49" charset="0"/>
-              </a:rPr>
+              <a:rPr lang="de-DE" dirty="0" err="1"/>
+              <a:t>the</a:t>
+            </a:r>
+            <a:r>
+              <a:rPr lang="de-DE" dirty="0"/>
               <a:t> </a:t>
             </a:r>
             <a:r>
-              <a:rPr kumimoji="0" lang="de-DE" altLang="de-DE" sz="1450" b="0" i="0" u="none" strike="noStrike" cap="none" normalizeH="0" baseline="0" dirty="0">
-                <a:ln>
-                  <a:noFill/>
-                </a:ln>
-                <a:solidFill>
-                  <a:srgbClr val="000000"/>
-                </a:solidFill>
-                <a:effectLst/>
-                <a:latin typeface="Courier New" panose="02070309020205020404" pitchFamily="49" charset="0"/>
-                <a:cs typeface="Courier New" panose="02070309020205020404" pitchFamily="49" charset="0"/>
-              </a:rPr>
-              <a:t>h2_x1 = </a:t>
-            </a:r>
-            <a:r>
-              <a:rPr kumimoji="0" lang="de-DE" altLang="de-DE" sz="1450" b="0" i="0" u="none" strike="noStrike" cap="none" normalizeH="0" baseline="0" dirty="0" err="1">
-                <a:ln>
-                  <a:noFill/>
-                </a:ln>
-                <a:solidFill>
-                  <a:srgbClr val="000000"/>
-                </a:solidFill>
-                <a:effectLst/>
-                <a:latin typeface="Courier New" panose="02070309020205020404" pitchFamily="49" charset="0"/>
-                <a:cs typeface="Courier New" panose="02070309020205020404" pitchFamily="49" charset="0"/>
-              </a:rPr>
-              <a:t>getIndependentLow</a:t>
-            </a:r>
-            <a:r>
-              <a:rPr kumimoji="0" lang="de-DE" altLang="de-DE" sz="1450" b="0" i="0" u="none" strike="noStrike" cap="none" normalizeH="0" baseline="0" dirty="0">
-                <a:ln>
-                  <a:noFill/>
-                </a:ln>
-                <a:solidFill>
-                  <a:srgbClr val="000000"/>
-                </a:solidFill>
-                <a:effectLst/>
-                <a:latin typeface="Courier New" panose="02070309020205020404" pitchFamily="49" charset="0"/>
-                <a:cs typeface="Courier New" panose="02070309020205020404" pitchFamily="49" charset="0"/>
-              </a:rPr>
-              <a:t>(</a:t>
-            </a:r>
-            <a:r>
-              <a:rPr kumimoji="0" lang="de-DE" altLang="de-DE" sz="1450" b="0" i="0" u="none" strike="noStrike" cap="none" normalizeH="0" baseline="0" dirty="0" err="1">
-                <a:ln>
-                  <a:noFill/>
-                </a:ln>
-                <a:solidFill>
-                  <a:srgbClr val="000000"/>
-                </a:solidFill>
-                <a:effectLst/>
-                <a:latin typeface="Courier New" panose="02070309020205020404" pitchFamily="49" charset="0"/>
-                <a:cs typeface="Courier New" panose="02070309020205020404" pitchFamily="49" charset="0"/>
-              </a:rPr>
-              <a:t>node</a:t>
-            </a:r>
-            <a:r>
-              <a:rPr kumimoji="0" lang="de-DE" altLang="de-DE" sz="1450" b="0" i="0" u="none" strike="noStrike" cap="none" normalizeH="0" baseline="0" dirty="0">
-                <a:ln>
-                  <a:noFill/>
-                </a:ln>
-                <a:solidFill>
-                  <a:srgbClr val="000000"/>
-                </a:solidFill>
-                <a:effectLst/>
-                <a:latin typeface="Courier New" panose="02070309020205020404" pitchFamily="49" charset="0"/>
-                <a:cs typeface="Courier New" panose="02070309020205020404" pitchFamily="49" charset="0"/>
-              </a:rPr>
-              <a:t>)</a:t>
-            </a:r>
-            <a:br>
-              <a:rPr kumimoji="0" lang="de-DE" altLang="de-DE" sz="1450" b="0" i="0" u="none" strike="noStrike" cap="none" normalizeH="0" baseline="0" dirty="0">
-                <a:ln>
-                  <a:noFill/>
-                </a:ln>
-                <a:solidFill>
-                  <a:srgbClr val="000000"/>
-                </a:solidFill>
-                <a:effectLst/>
-                <a:latin typeface="Courier New" panose="02070309020205020404" pitchFamily="49" charset="0"/>
-                <a:cs typeface="Courier New" panose="02070309020205020404" pitchFamily="49" charset="0"/>
-              </a:rPr>
-            </a:br>
-            <a:r>
-              <a:rPr kumimoji="0" lang="de-DE" altLang="de-DE" sz="1450" b="0" i="0" u="none" strike="noStrike" cap="none" normalizeH="0" baseline="0" dirty="0">
-                <a:ln>
-                  <a:noFill/>
-                </a:ln>
-                <a:solidFill>
-                  <a:srgbClr val="000000"/>
-                </a:solidFill>
-                <a:effectLst/>
-                <a:latin typeface="Courier New" panose="02070309020205020404" pitchFamily="49" charset="0"/>
-                <a:cs typeface="Courier New" panose="02070309020205020404" pitchFamily="49" charset="0"/>
-              </a:rPr>
-              <a:t>    </a:t>
-            </a:r>
-            <a:r>
-              <a:rPr kumimoji="0" lang="de-DE" altLang="de-DE" sz="1450" b="1" i="0" u="none" strike="noStrike" cap="none" normalizeH="0" baseline="0" dirty="0" err="1">
-                <a:ln>
-                  <a:noFill/>
-                </a:ln>
-                <a:solidFill>
-                  <a:srgbClr val="000080"/>
-                </a:solidFill>
-                <a:effectLst/>
-                <a:latin typeface="Courier New" panose="02070309020205020404" pitchFamily="49" charset="0"/>
-                <a:cs typeface="Courier New" panose="02070309020205020404" pitchFamily="49" charset="0"/>
-              </a:rPr>
-              <a:t>return</a:t>
-            </a:r>
-            <a:r>
-              <a:rPr kumimoji="0" lang="de-DE" altLang="de-DE" sz="1450" b="1" i="0" u="none" strike="noStrike" cap="none" normalizeH="0" baseline="0" dirty="0">
-                <a:ln>
-                  <a:noFill/>
-                </a:ln>
-                <a:solidFill>
-                  <a:srgbClr val="000080"/>
-                </a:solidFill>
-                <a:effectLst/>
-                <a:latin typeface="Courier New" panose="02070309020205020404" pitchFamily="49" charset="0"/>
-                <a:cs typeface="Courier New" panose="02070309020205020404" pitchFamily="49" charset="0"/>
-              </a:rPr>
+              <a:rPr lang="de-DE" dirty="0" err="1"/>
+              <a:t>sequence</a:t>
+            </a:r>
+            <a:r>
+              <a:rPr lang="de-DE" dirty="0"/>
               <a:t> </a:t>
             </a:r>
             <a:r>
-              <a:rPr kumimoji="0" lang="de-DE" altLang="de-DE" sz="1450" b="0" i="0" u="none" strike="noStrike" cap="none" normalizeH="0" baseline="0" dirty="0" err="1">
-                <a:ln>
-                  <a:noFill/>
-                </a:ln>
-                <a:solidFill>
-                  <a:srgbClr val="000000"/>
-                </a:solidFill>
-                <a:effectLst/>
-                <a:latin typeface="Courier New" panose="02070309020205020404" pitchFamily="49" charset="0"/>
-                <a:cs typeface="Courier New" panose="02070309020205020404" pitchFamily="49" charset="0"/>
-              </a:rPr>
-              <a:t>zip</a:t>
-            </a:r>
-            <a:r>
-              <a:rPr kumimoji="0" lang="de-DE" altLang="de-DE" sz="1450" b="0" i="0" u="none" strike="noStrike" cap="none" normalizeH="0" baseline="0" dirty="0">
-                <a:ln>
-                  <a:noFill/>
-                </a:ln>
-                <a:solidFill>
-                  <a:srgbClr val="000000"/>
-                </a:solidFill>
-                <a:effectLst/>
-                <a:latin typeface="Courier New" panose="02070309020205020404" pitchFamily="49" charset="0"/>
-                <a:cs typeface="Courier New" panose="02070309020205020404" pitchFamily="49" charset="0"/>
-              </a:rPr>
-              <a:t>(g1_x1, g2, h2_x1, </a:t>
-            </a:r>
-            <a:r>
-              <a:rPr kumimoji="0" lang="de-DE" altLang="de-DE" sz="1450" b="0" i="0" u="none" strike="noStrike" cap="none" normalizeH="0" baseline="0" dirty="0" err="1">
-                <a:ln>
-                  <a:noFill/>
-                </a:ln>
-                <a:solidFill>
-                  <a:srgbClr val="000000"/>
-                </a:solidFill>
-                <a:effectLst/>
-                <a:latin typeface="Courier New" panose="02070309020205020404" pitchFamily="49" charset="0"/>
-                <a:cs typeface="Courier New" panose="02070309020205020404" pitchFamily="49" charset="0"/>
-              </a:rPr>
-              <a:t>current</a:t>
-            </a:r>
-            <a:r>
-              <a:rPr kumimoji="0" lang="de-DE" altLang="de-DE" sz="1450" b="0" i="0" u="none" strike="noStrike" cap="none" normalizeH="0" baseline="0" dirty="0">
-                <a:ln>
-                  <a:noFill/>
-                </a:ln>
-                <a:solidFill>
-                  <a:srgbClr val="000000"/>
-                </a:solidFill>
-                <a:effectLst/>
-                <a:latin typeface="Courier New" panose="02070309020205020404" pitchFamily="49" charset="0"/>
-                <a:cs typeface="Courier New" panose="02070309020205020404" pitchFamily="49" charset="0"/>
-              </a:rPr>
-              <a:t>) </a:t>
-            </a:r>
-            <a:r>
-              <a:rPr kumimoji="0" lang="de-DE" altLang="de-DE" sz="1450" b="1" i="0" u="none" strike="noStrike" cap="none" normalizeH="0" baseline="0" dirty="0">
-                <a:ln>
-                  <a:noFill/>
-                </a:ln>
-                <a:solidFill>
-                  <a:srgbClr val="000000"/>
-                </a:solidFill>
-                <a:effectLst/>
-                <a:latin typeface="Courier New" panose="02070309020205020404" pitchFamily="49" charset="0"/>
-                <a:cs typeface="Courier New" panose="02070309020205020404" pitchFamily="49" charset="0"/>
-              </a:rPr>
-              <a:t>{</a:t>
-            </a:r>
-            <a:r>
-              <a:rPr kumimoji="0" lang="de-DE" altLang="de-DE" sz="1450" b="0" i="0" u="none" strike="noStrike" cap="none" normalizeH="0" baseline="0" dirty="0">
-                <a:ln>
-                  <a:noFill/>
-                </a:ln>
-                <a:solidFill>
-                  <a:srgbClr val="000000"/>
-                </a:solidFill>
-                <a:effectLst/>
-                <a:latin typeface="Courier New" panose="02070309020205020404" pitchFamily="49" charset="0"/>
-                <a:cs typeface="Courier New" panose="02070309020205020404" pitchFamily="49" charset="0"/>
-              </a:rPr>
-              <a:t>g1, g2, h2, x </a:t>
-            </a:r>
-            <a:r>
-              <a:rPr kumimoji="0" lang="de-DE" altLang="de-DE" sz="1450" b="1" i="0" u="none" strike="noStrike" cap="none" normalizeH="0" baseline="0" dirty="0">
-                <a:ln>
-                  <a:noFill/>
-                </a:ln>
-                <a:solidFill>
-                  <a:srgbClr val="000000"/>
-                </a:solidFill>
-                <a:effectLst/>
-                <a:latin typeface="Courier New" panose="02070309020205020404" pitchFamily="49" charset="0"/>
-                <a:cs typeface="Courier New" panose="02070309020205020404" pitchFamily="49" charset="0"/>
-              </a:rPr>
-              <a:t>-&gt; </a:t>
-            </a:r>
-            <a:r>
-              <a:rPr kumimoji="0" lang="de-DE" altLang="de-DE" sz="1450" b="0" i="0" u="none" strike="noStrike" cap="none" normalizeH="0" baseline="0" dirty="0">
-                <a:ln>
-                  <a:noFill/>
-                </a:ln>
-                <a:solidFill>
-                  <a:srgbClr val="000000"/>
-                </a:solidFill>
-                <a:effectLst/>
-                <a:latin typeface="Courier New" panose="02070309020205020404" pitchFamily="49" charset="0"/>
-                <a:cs typeface="Courier New" panose="02070309020205020404" pitchFamily="49" charset="0"/>
-              </a:rPr>
-              <a:t>g2 + x * (g1 - h2)</a:t>
-            </a:r>
-            <a:r>
-              <a:rPr kumimoji="0" lang="de-DE" altLang="de-DE" sz="1450" b="1" i="0" u="none" strike="noStrike" cap="none" normalizeH="0" baseline="0" dirty="0">
-                <a:ln>
-                  <a:noFill/>
-                </a:ln>
-                <a:solidFill>
-                  <a:srgbClr val="000000"/>
-                </a:solidFill>
-                <a:effectLst/>
-                <a:latin typeface="Courier New" panose="02070309020205020404" pitchFamily="49" charset="0"/>
-                <a:cs typeface="Courier New" panose="02070309020205020404" pitchFamily="49" charset="0"/>
-              </a:rPr>
-              <a:t>}</a:t>
-            </a:r>
-            <a:br>
-              <a:rPr kumimoji="0" lang="de-DE" altLang="de-DE" sz="1450" b="1" i="0" u="none" strike="noStrike" cap="none" normalizeH="0" baseline="0" dirty="0">
-                <a:ln>
-                  <a:noFill/>
-                </a:ln>
-                <a:solidFill>
-                  <a:srgbClr val="000000"/>
-                </a:solidFill>
-                <a:effectLst/>
-                <a:latin typeface="Courier New" panose="02070309020205020404" pitchFamily="49" charset="0"/>
-                <a:cs typeface="Courier New" panose="02070309020205020404" pitchFamily="49" charset="0"/>
-              </a:rPr>
-            </a:br>
-            <a:r>
-              <a:rPr kumimoji="0" lang="de-DE" altLang="de-DE" sz="1450" b="0" i="0" u="none" strike="noStrike" cap="none" normalizeH="0" baseline="0" dirty="0">
-                <a:ln>
-                  <a:noFill/>
-                </a:ln>
-                <a:solidFill>
-                  <a:srgbClr val="000000"/>
-                </a:solidFill>
-                <a:effectLst/>
-                <a:latin typeface="Courier New" panose="02070309020205020404" pitchFamily="49" charset="0"/>
-                <a:cs typeface="Courier New" panose="02070309020205020404" pitchFamily="49" charset="0"/>
-              </a:rPr>
-              <a:t>} </a:t>
-            </a:r>
-            <a:r>
-              <a:rPr kumimoji="0" lang="de-DE" altLang="de-DE" sz="1450" b="1" i="0" u="none" strike="noStrike" cap="none" normalizeH="0" baseline="0" dirty="0" err="1">
-                <a:ln>
-                  <a:noFill/>
-                </a:ln>
-                <a:solidFill>
-                  <a:srgbClr val="000080"/>
-                </a:solidFill>
-                <a:effectLst/>
-                <a:latin typeface="Courier New" panose="02070309020205020404" pitchFamily="49" charset="0"/>
-                <a:cs typeface="Courier New" panose="02070309020205020404" pitchFamily="49" charset="0"/>
-              </a:rPr>
-              <a:t>else</a:t>
-            </a:r>
-            <a:r>
-              <a:rPr kumimoji="0" lang="de-DE" altLang="de-DE" sz="1450" b="1" i="0" u="none" strike="noStrike" cap="none" normalizeH="0" baseline="0" dirty="0">
-                <a:ln>
-                  <a:noFill/>
-                </a:ln>
-                <a:solidFill>
-                  <a:srgbClr val="000080"/>
-                </a:solidFill>
-                <a:effectLst/>
-                <a:latin typeface="Courier New" panose="02070309020205020404" pitchFamily="49" charset="0"/>
-                <a:cs typeface="Courier New" panose="02070309020205020404" pitchFamily="49" charset="0"/>
-              </a:rPr>
+              <a:rPr lang="de-DE" dirty="0" err="1"/>
+              <a:t>is</a:t>
+            </a:r>
+            <a:r>
+              <a:rPr lang="de-DE" dirty="0"/>
               <a:t> </a:t>
             </a:r>
             <a:r>
-              <a:rPr kumimoji="0" lang="de-DE" altLang="de-DE" sz="1450" b="0" i="0" u="none" strike="noStrike" cap="none" normalizeH="0" baseline="0" dirty="0">
-                <a:ln>
-                  <a:noFill/>
-                </a:ln>
-                <a:solidFill>
-                  <a:srgbClr val="000000"/>
-                </a:solidFill>
-                <a:effectLst/>
-                <a:latin typeface="Courier New" panose="02070309020205020404" pitchFamily="49" charset="0"/>
-                <a:cs typeface="Courier New" panose="02070309020205020404" pitchFamily="49" charset="0"/>
-              </a:rPr>
-              <a:t>{</a:t>
-            </a:r>
-            <a:br>
-              <a:rPr kumimoji="0" lang="de-DE" altLang="de-DE" sz="1450" b="0" i="0" u="none" strike="noStrike" cap="none" normalizeH="0" baseline="0" dirty="0">
-                <a:ln>
-                  <a:noFill/>
-                </a:ln>
-                <a:solidFill>
-                  <a:srgbClr val="000000"/>
-                </a:solidFill>
-                <a:effectLst/>
-                <a:latin typeface="Courier New" panose="02070309020205020404" pitchFamily="49" charset="0"/>
-                <a:cs typeface="Courier New" panose="02070309020205020404" pitchFamily="49" charset="0"/>
-              </a:rPr>
-            </a:br>
-            <a:r>
-              <a:rPr kumimoji="0" lang="de-DE" altLang="de-DE" sz="1450" b="0" i="0" u="none" strike="noStrike" cap="none" normalizeH="0" baseline="0" dirty="0">
-                <a:ln>
-                  <a:noFill/>
-                </a:ln>
-                <a:solidFill>
-                  <a:srgbClr val="000000"/>
-                </a:solidFill>
-                <a:effectLst/>
-                <a:latin typeface="Courier New" panose="02070309020205020404" pitchFamily="49" charset="0"/>
-                <a:cs typeface="Courier New" panose="02070309020205020404" pitchFamily="49" charset="0"/>
-              </a:rPr>
-              <a:t>    </a:t>
-            </a:r>
-            <a:r>
-              <a:rPr kumimoji="0" lang="de-DE" altLang="de-DE" sz="1450" b="1" i="0" u="none" strike="noStrike" cap="none" normalizeH="0" baseline="0" dirty="0" err="1">
-                <a:ln>
-                  <a:noFill/>
-                </a:ln>
-                <a:solidFill>
-                  <a:srgbClr val="000080"/>
-                </a:solidFill>
-                <a:effectLst/>
-                <a:latin typeface="Courier New" panose="02070309020205020404" pitchFamily="49" charset="0"/>
-                <a:cs typeface="Courier New" panose="02070309020205020404" pitchFamily="49" charset="0"/>
-              </a:rPr>
-              <a:t>return</a:t>
-            </a:r>
-            <a:r>
-              <a:rPr kumimoji="0" lang="de-DE" altLang="de-DE" sz="1450" b="1" i="0" u="none" strike="noStrike" cap="none" normalizeH="0" baseline="0" dirty="0">
-                <a:ln>
-                  <a:noFill/>
-                </a:ln>
-                <a:solidFill>
-                  <a:srgbClr val="000080"/>
-                </a:solidFill>
-                <a:effectLst/>
-                <a:latin typeface="Courier New" panose="02070309020205020404" pitchFamily="49" charset="0"/>
-                <a:cs typeface="Courier New" panose="02070309020205020404" pitchFamily="49" charset="0"/>
-              </a:rPr>
+              <a:rPr lang="de-DE" dirty="0" err="1"/>
+              <a:t>collected</a:t>
+            </a:r>
+            <a:r>
+              <a:rPr lang="de-DE" dirty="0"/>
               <a:t> </a:t>
             </a:r>
             <a:r>
-              <a:rPr kumimoji="0" lang="de-DE" altLang="de-DE" sz="1450" b="0" i="0" u="none" strike="noStrike" cap="none" normalizeH="0" baseline="0" dirty="0" err="1">
-                <a:ln>
-                  <a:noFill/>
-                </a:ln>
-                <a:solidFill>
-                  <a:srgbClr val="000000"/>
-                </a:solidFill>
-                <a:effectLst/>
-                <a:latin typeface="Courier New" panose="02070309020205020404" pitchFamily="49" charset="0"/>
-                <a:cs typeface="Courier New" panose="02070309020205020404" pitchFamily="49" charset="0"/>
-              </a:rPr>
-              <a:t>zip</a:t>
-            </a:r>
-            <a:r>
-              <a:rPr kumimoji="0" lang="de-DE" altLang="de-DE" sz="1450" b="0" i="0" u="none" strike="noStrike" cap="none" normalizeH="0" baseline="0" dirty="0">
-                <a:ln>
-                  <a:noFill/>
-                </a:ln>
-                <a:solidFill>
-                  <a:srgbClr val="000000"/>
-                </a:solidFill>
-                <a:effectLst/>
-                <a:latin typeface="Courier New" panose="02070309020205020404" pitchFamily="49" charset="0"/>
-                <a:cs typeface="Courier New" panose="02070309020205020404" pitchFamily="49" charset="0"/>
-              </a:rPr>
-              <a:t>(g1_x1, g2, </a:t>
-            </a:r>
-            <a:r>
-              <a:rPr kumimoji="0" lang="de-DE" altLang="de-DE" sz="1450" b="0" i="0" u="none" strike="noStrike" cap="none" normalizeH="0" baseline="0" dirty="0" err="1">
-                <a:ln>
-                  <a:noFill/>
-                </a:ln>
-                <a:solidFill>
-                  <a:srgbClr val="000000"/>
-                </a:solidFill>
-                <a:effectLst/>
-                <a:latin typeface="Courier New" panose="02070309020205020404" pitchFamily="49" charset="0"/>
-                <a:cs typeface="Courier New" panose="02070309020205020404" pitchFamily="49" charset="0"/>
-              </a:rPr>
-              <a:t>current</a:t>
-            </a:r>
-            <a:r>
-              <a:rPr kumimoji="0" lang="de-DE" altLang="de-DE" sz="1450" b="0" i="0" u="none" strike="noStrike" cap="none" normalizeH="0" baseline="0" dirty="0">
-                <a:ln>
-                  <a:noFill/>
-                </a:ln>
-                <a:solidFill>
-                  <a:srgbClr val="000000"/>
-                </a:solidFill>
-                <a:effectLst/>
-                <a:latin typeface="Courier New" panose="02070309020205020404" pitchFamily="49" charset="0"/>
-                <a:cs typeface="Courier New" panose="02070309020205020404" pitchFamily="49" charset="0"/>
-              </a:rPr>
-              <a:t>) </a:t>
-            </a:r>
-            <a:r>
-              <a:rPr kumimoji="0" lang="de-DE" altLang="de-DE" sz="1450" b="1" i="0" u="none" strike="noStrike" cap="none" normalizeH="0" baseline="0" dirty="0">
-                <a:ln>
-                  <a:noFill/>
-                </a:ln>
-                <a:solidFill>
-                  <a:srgbClr val="000000"/>
-                </a:solidFill>
-                <a:effectLst/>
-                <a:latin typeface="Courier New" panose="02070309020205020404" pitchFamily="49" charset="0"/>
-                <a:cs typeface="Courier New" panose="02070309020205020404" pitchFamily="49" charset="0"/>
-              </a:rPr>
-              <a:t>{</a:t>
-            </a:r>
-            <a:r>
-              <a:rPr kumimoji="0" lang="de-DE" altLang="de-DE" sz="1450" b="0" i="0" u="none" strike="noStrike" cap="none" normalizeH="0" baseline="0" dirty="0">
-                <a:ln>
-                  <a:noFill/>
-                </a:ln>
-                <a:solidFill>
-                  <a:srgbClr val="000000"/>
-                </a:solidFill>
-                <a:effectLst/>
-                <a:latin typeface="Courier New" panose="02070309020205020404" pitchFamily="49" charset="0"/>
-                <a:cs typeface="Courier New" panose="02070309020205020404" pitchFamily="49" charset="0"/>
-              </a:rPr>
-              <a:t>g1, g2, x </a:t>
-            </a:r>
-            <a:r>
-              <a:rPr kumimoji="0" lang="de-DE" altLang="de-DE" sz="1450" b="1" i="0" u="none" strike="noStrike" cap="none" normalizeH="0" baseline="0" dirty="0">
-                <a:ln>
-                  <a:noFill/>
-                </a:ln>
-                <a:solidFill>
-                  <a:srgbClr val="000000"/>
-                </a:solidFill>
-                <a:effectLst/>
-                <a:latin typeface="Courier New" panose="02070309020205020404" pitchFamily="49" charset="0"/>
-                <a:cs typeface="Courier New" panose="02070309020205020404" pitchFamily="49" charset="0"/>
-              </a:rPr>
-              <a:t>-&gt; </a:t>
-            </a:r>
-            <a:r>
-              <a:rPr kumimoji="0" lang="de-DE" altLang="de-DE" sz="1450" b="0" i="0" u="none" strike="noStrike" cap="none" normalizeH="0" baseline="0" dirty="0">
-                <a:ln>
-                  <a:noFill/>
-                </a:ln>
-                <a:solidFill>
-                  <a:srgbClr val="000000"/>
-                </a:solidFill>
-                <a:effectLst/>
-                <a:latin typeface="Courier New" panose="02070309020205020404" pitchFamily="49" charset="0"/>
-                <a:cs typeface="Courier New" panose="02070309020205020404" pitchFamily="49" charset="0"/>
-              </a:rPr>
-              <a:t>g2 + x * (g1 - g2)</a:t>
-            </a:r>
-            <a:r>
-              <a:rPr kumimoji="0" lang="de-DE" altLang="de-DE" sz="1450" b="1" i="0" u="none" strike="noStrike" cap="none" normalizeH="0" baseline="0" dirty="0">
-                <a:ln>
-                  <a:noFill/>
-                </a:ln>
-                <a:solidFill>
-                  <a:srgbClr val="000000"/>
-                </a:solidFill>
-                <a:effectLst/>
-                <a:latin typeface="Courier New" panose="02070309020205020404" pitchFamily="49" charset="0"/>
-                <a:cs typeface="Courier New" panose="02070309020205020404" pitchFamily="49" charset="0"/>
-              </a:rPr>
-              <a:t>}</a:t>
-            </a:r>
-            <a:br>
-              <a:rPr kumimoji="0" lang="de-DE" altLang="de-DE" sz="1450" b="1" i="0" u="none" strike="noStrike" cap="none" normalizeH="0" baseline="0" dirty="0">
-                <a:ln>
-                  <a:noFill/>
-                </a:ln>
-                <a:solidFill>
-                  <a:srgbClr val="000000"/>
-                </a:solidFill>
-                <a:effectLst/>
-                <a:latin typeface="Courier New" panose="02070309020205020404" pitchFamily="49" charset="0"/>
-                <a:cs typeface="Courier New" panose="02070309020205020404" pitchFamily="49" charset="0"/>
-              </a:rPr>
-            </a:br>
-            <a:r>
-              <a:rPr kumimoji="0" lang="de-DE" altLang="de-DE" sz="1450" b="0" i="0" u="none" strike="noStrike" cap="none" normalizeH="0" baseline="0" dirty="0">
-                <a:ln>
-                  <a:noFill/>
-                </a:ln>
-                <a:solidFill>
-                  <a:srgbClr val="000000"/>
-                </a:solidFill>
-                <a:effectLst/>
-                <a:latin typeface="Courier New" panose="02070309020205020404" pitchFamily="49" charset="0"/>
-                <a:cs typeface="Courier New" panose="02070309020205020404" pitchFamily="49" charset="0"/>
-              </a:rPr>
-              <a:t>}</a:t>
-            </a:r>
-            <a:endParaRPr kumimoji="0" lang="de-DE" altLang="de-DE" sz="1450" b="0" i="0" u="none" strike="noStrike" cap="none" normalizeH="0" baseline="0" dirty="0">
-              <a:ln>
-                <a:noFill/>
-              </a:ln>
-              <a:solidFill>
-                <a:schemeClr val="tx1"/>
-              </a:solidFill>
-              <a:effectLst/>
-              <a:latin typeface="Arial" panose="020B0604020202020204" pitchFamily="34" charset="0"/>
-            </a:endParaRPr>
+              <a:rPr lang="de-DE" dirty="0" err="1"/>
+              <a:t>to</a:t>
+            </a:r>
+            <a:r>
+              <a:rPr lang="de-DE" dirty="0"/>
+              <a:t> a </a:t>
+            </a:r>
+            <a:r>
+              <a:rPr lang="de-DE" dirty="0" err="1"/>
+              <a:t>list</a:t>
+            </a:r>
+            <a:endParaRPr lang="de-DE" dirty="0"/>
+          </a:p>
+          <a:p>
+            <a:pPr lvl="2">
+              <a:buFont typeface="Symbol" panose="05050102010706020507" pitchFamily="18" charset="2"/>
+              <a:buChar char="Þ"/>
+            </a:pPr>
+            <a:r>
+              <a:rPr lang="de-DE" dirty="0"/>
+              <a:t> </a:t>
+            </a:r>
+            <a:r>
+              <a:rPr lang="de-DE" dirty="0" err="1"/>
+              <a:t>Elegance</a:t>
+            </a:r>
+            <a:r>
+              <a:rPr lang="de-DE" dirty="0"/>
+              <a:t> </a:t>
+            </a:r>
+            <a:r>
+              <a:rPr lang="de-DE" dirty="0" err="1"/>
+              <a:t>of</a:t>
+            </a:r>
+            <a:r>
+              <a:rPr lang="de-DE" dirty="0"/>
+              <a:t> </a:t>
+            </a:r>
+            <a:r>
+              <a:rPr lang="de-DE" dirty="0" err="1"/>
+              <a:t>approach</a:t>
+            </a:r>
+            <a:r>
+              <a:rPr lang="de-DE" dirty="0"/>
+              <a:t> lost </a:t>
+            </a:r>
+            <a:r>
+              <a:rPr lang="de-DE" dirty="0">
+                <a:sym typeface="Wingdings" panose="05000000000000000000" pitchFamily="2" charset="2"/>
+              </a:rPr>
+              <a:t></a:t>
+            </a:r>
+          </a:p>
+          <a:p>
+            <a:pPr lvl="2">
+              <a:buFont typeface="Symbol" panose="05050102010706020507" pitchFamily="18" charset="2"/>
+              <a:buChar char="Þ"/>
+            </a:pPr>
+            <a:r>
+              <a:rPr lang="de-DE" dirty="0">
+                <a:sym typeface="Wingdings" panose="05000000000000000000" pitchFamily="2" charset="2"/>
+              </a:rPr>
+              <a:t> Solution </a:t>
+            </a:r>
+            <a:r>
+              <a:rPr lang="de-DE" dirty="0" err="1">
+                <a:sym typeface="Wingdings" panose="05000000000000000000" pitchFamily="2" charset="2"/>
+              </a:rPr>
+              <a:t>could</a:t>
+            </a:r>
+            <a:r>
+              <a:rPr lang="de-DE" dirty="0">
+                <a:sym typeface="Wingdings" panose="05000000000000000000" pitchFamily="2" charset="2"/>
+              </a:rPr>
+              <a:t> </a:t>
+            </a:r>
+            <a:r>
+              <a:rPr lang="de-DE" dirty="0" err="1">
+                <a:sym typeface="Wingdings" panose="05000000000000000000" pitchFamily="2" charset="2"/>
+              </a:rPr>
+              <a:t>be</a:t>
+            </a:r>
+            <a:r>
+              <a:rPr lang="de-DE" dirty="0">
+                <a:sym typeface="Wingdings" panose="05000000000000000000" pitchFamily="2" charset="2"/>
+              </a:rPr>
+              <a:t> a </a:t>
+            </a:r>
+            <a:r>
+              <a:rPr lang="de-DE" dirty="0" err="1">
+                <a:sym typeface="Wingdings" panose="05000000000000000000" pitchFamily="2" charset="2"/>
+              </a:rPr>
+              <a:t>self</a:t>
+            </a:r>
+            <a:r>
+              <a:rPr lang="de-DE" dirty="0">
+                <a:sym typeface="Wingdings" panose="05000000000000000000" pitchFamily="2" charset="2"/>
+              </a:rPr>
+              <a:t>-made </a:t>
+            </a:r>
+            <a:r>
+              <a:rPr lang="de-DE" dirty="0" err="1"/>
+              <a:t>Sequence</a:t>
+            </a:r>
+            <a:r>
+              <a:rPr lang="de-DE" dirty="0"/>
+              <a:t>-like API </a:t>
+            </a:r>
+            <a:r>
+              <a:rPr lang="de-DE" dirty="0" err="1"/>
+              <a:t>with</a:t>
+            </a:r>
+            <a:r>
+              <a:rPr lang="de-DE" dirty="0"/>
+              <a:t> </a:t>
+            </a:r>
+            <a:r>
+              <a:rPr lang="de-DE" dirty="0" err="1"/>
+              <a:t>caching</a:t>
+            </a:r>
+            <a:r>
+              <a:rPr lang="de-DE" dirty="0"/>
+              <a:t> </a:t>
+            </a:r>
+            <a:r>
+              <a:rPr lang="de-DE" dirty="0" err="1"/>
+              <a:t>of</a:t>
+            </a:r>
+            <a:r>
+              <a:rPr lang="de-DE" dirty="0"/>
+              <a:t> last </a:t>
+            </a:r>
+            <a:r>
+              <a:rPr lang="de-DE" dirty="0" err="1"/>
+              <a:t>element</a:t>
+            </a:r>
+            <a:endParaRPr lang="de-DE" dirty="0"/>
           </a:p>
         </p:txBody>
       </p:sp>
     </p:spTree>
     <p:extLst>
       <p:ext uri="{BB962C8B-B14F-4D97-AF65-F5344CB8AC3E}">
-        <p14:creationId xmlns:p14="http://schemas.microsoft.com/office/powerpoint/2010/main" val="4144554943"/>
+        <p14:creationId xmlns:p14="http://schemas.microsoft.com/office/powerpoint/2010/main" val="1669460301"/>
       </p:ext>
     </p:extLst>
   </p:cSld>
@@ -5849,6 +4799,1201 @@
       </p:sp>
       <p:sp>
         <p:nvSpPr>
+          <p:cNvPr id="4" name="Rectangle 1"/>
+          <p:cNvSpPr>
+            <a:spLocks noChangeArrowheads="1"/>
+          </p:cNvSpPr>
+          <p:nvPr/>
+        </p:nvSpPr>
+        <p:spPr bwMode="auto">
+          <a:xfrm>
+            <a:off x="94728" y="2695557"/>
+            <a:ext cx="9049272" cy="2323713"/>
+          </a:xfrm>
+          <a:prstGeom prst="rect">
+            <a:avLst/>
+          </a:prstGeom>
+          <a:solidFill>
+            <a:srgbClr val="FFFFFF"/>
+          </a:solidFill>
+          <a:ln>
+            <a:noFill/>
+          </a:ln>
+          <a:effectLst/>
+          <a:extLst>
+            <a:ext uri="{91240B29-F687-4f45-9708-019B960494DF}">
+              <a14:hiddenLine xmlns:a14="http://schemas.microsoft.com/office/drawing/2010/main" xmlns="" w="9525">
+                <a:solidFill>
+                  <a:schemeClr val="tx1"/>
+                </a:solidFill>
+                <a:miter lim="800000"/>
+                <a:headEnd/>
+                <a:tailEnd/>
+              </a14:hiddenLine>
+            </a:ext>
+            <a:ext uri="{AF507438-7753-43e0-B8FC-AC1667EBCBE1}">
+              <a14:hiddenEffects xmlns:a14="http://schemas.microsoft.com/office/drawing/2010/main" xmlns="">
+                <a:effectLst>
+                  <a:outerShdw dist="35921" dir="2700000" algn="ctr" rotWithShape="0">
+                    <a:schemeClr val="bg2"/>
+                  </a:outerShdw>
+                </a:effectLst>
+              </a14:hiddenEffects>
+            </a:ext>
+          </a:extLst>
+        </p:spPr>
+        <p:txBody>
+          <a:bodyPr vert="horz" wrap="none" lIns="91440" tIns="45720" rIns="91440" bIns="45720" numCol="1" anchor="ctr" anchorCtr="0" compatLnSpc="1">
+            <a:prstTxWarp prst="textNoShape">
+              <a:avLst/>
+            </a:prstTxWarp>
+            <a:spAutoFit/>
+          </a:bodyPr>
+          <a:lstStyle/>
+          <a:p>
+            <a:pPr marL="0" marR="0" lvl="0" indent="0" algn="l" defTabSz="914400" rtl="0" eaLnBrk="0" fontAlgn="base" latinLnBrk="0" hangingPunct="0">
+              <a:lnSpc>
+                <a:spcPct val="100000"/>
+              </a:lnSpc>
+              <a:spcBef>
+                <a:spcPct val="0"/>
+              </a:spcBef>
+              <a:spcAft>
+                <a:spcPct val="0"/>
+              </a:spcAft>
+              <a:buClrTx/>
+              <a:buSzTx/>
+              <a:buFontTx/>
+              <a:buNone/>
+              <a:tabLst/>
+            </a:pPr>
+            <a:r>
+              <a:rPr kumimoji="0" lang="de-DE" altLang="de-DE" sz="1450" b="1" i="0" u="none" strike="noStrike" cap="none" normalizeH="0" baseline="0" dirty="0" err="1">
+                <a:ln>
+                  <a:noFill/>
+                </a:ln>
+                <a:solidFill>
+                  <a:srgbClr val="000080"/>
+                </a:solidFill>
+                <a:effectLst/>
+                <a:latin typeface="Courier New" panose="02070309020205020404" pitchFamily="49" charset="0"/>
+                <a:cs typeface="Courier New" panose="02070309020205020404" pitchFamily="49" charset="0"/>
+              </a:rPr>
+              <a:t>val</a:t>
+            </a:r>
+            <a:r>
+              <a:rPr kumimoji="0" lang="de-DE" altLang="de-DE" sz="1450" b="1" i="0" u="none" strike="noStrike" cap="none" normalizeH="0" baseline="0" dirty="0">
+                <a:ln>
+                  <a:noFill/>
+                </a:ln>
+                <a:solidFill>
+                  <a:srgbClr val="000080"/>
+                </a:solidFill>
+                <a:effectLst/>
+                <a:latin typeface="Courier New" panose="02070309020205020404" pitchFamily="49" charset="0"/>
+                <a:cs typeface="Courier New" panose="02070309020205020404" pitchFamily="49" charset="0"/>
+              </a:rPr>
+              <a:t> </a:t>
+            </a:r>
+            <a:r>
+              <a:rPr kumimoji="0" lang="de-DE" altLang="de-DE" sz="1450" b="0" i="0" u="none" strike="noStrike" cap="none" normalizeH="0" baseline="0" dirty="0" err="1">
+                <a:ln>
+                  <a:noFill/>
+                </a:ln>
+                <a:solidFill>
+                  <a:srgbClr val="000000"/>
+                </a:solidFill>
+                <a:effectLst/>
+                <a:latin typeface="Courier New" panose="02070309020205020404" pitchFamily="49" charset="0"/>
+                <a:cs typeface="Courier New" panose="02070309020205020404" pitchFamily="49" charset="0"/>
+              </a:rPr>
+              <a:t>current</a:t>
+            </a:r>
+            <a:r>
+              <a:rPr kumimoji="0" lang="de-DE" altLang="de-DE" sz="1450" b="0" i="0" u="none" strike="noStrike" cap="none" normalizeH="0" baseline="0" dirty="0">
+                <a:ln>
+                  <a:noFill/>
+                </a:ln>
+                <a:solidFill>
+                  <a:srgbClr val="000000"/>
+                </a:solidFill>
+                <a:effectLst/>
+                <a:latin typeface="Courier New" panose="02070309020205020404" pitchFamily="49" charset="0"/>
+                <a:cs typeface="Courier New" panose="02070309020205020404" pitchFamily="49" charset="0"/>
+              </a:rPr>
+              <a:t> = </a:t>
+            </a:r>
+            <a:r>
+              <a:rPr kumimoji="0" lang="de-DE" altLang="de-DE" sz="1450" b="0" i="0" u="none" strike="noStrike" cap="none" normalizeH="0" baseline="0" dirty="0" err="1">
+                <a:ln>
+                  <a:noFill/>
+                </a:ln>
+                <a:solidFill>
+                  <a:srgbClr val="000000"/>
+                </a:solidFill>
+                <a:effectLst/>
+                <a:latin typeface="Courier New" panose="02070309020205020404" pitchFamily="49" charset="0"/>
+                <a:cs typeface="Courier New" panose="02070309020205020404" pitchFamily="49" charset="0"/>
+              </a:rPr>
+              <a:t>node.</a:t>
+            </a:r>
+            <a:r>
+              <a:rPr kumimoji="0" lang="de-DE" altLang="de-DE" sz="1450" b="1" i="0" u="none" strike="noStrike" cap="none" normalizeH="0" baseline="0" dirty="0" err="1">
+                <a:ln>
+                  <a:noFill/>
+                </a:ln>
+                <a:solidFill>
+                  <a:srgbClr val="660E7A"/>
+                </a:solidFill>
+                <a:effectLst/>
+                <a:latin typeface="Courier New" panose="02070309020205020404" pitchFamily="49" charset="0"/>
+                <a:cs typeface="Courier New" panose="02070309020205020404" pitchFamily="49" charset="0"/>
+              </a:rPr>
+              <a:t>probabilities</a:t>
+            </a:r>
+            <a:r>
+              <a:rPr kumimoji="0" lang="de-DE" altLang="de-DE" sz="1450" b="0" i="0" u="none" strike="noStrike" cap="none" normalizeH="0" baseline="0" dirty="0" err="1">
+                <a:ln>
+                  <a:noFill/>
+                </a:ln>
+                <a:solidFill>
+                  <a:srgbClr val="000000"/>
+                </a:solidFill>
+                <a:effectLst/>
+                <a:latin typeface="Courier New" panose="02070309020205020404" pitchFamily="49" charset="0"/>
+                <a:cs typeface="Courier New" panose="02070309020205020404" pitchFamily="49" charset="0"/>
+              </a:rPr>
+              <a:t>.</a:t>
+            </a:r>
+            <a:r>
+              <a:rPr kumimoji="0" lang="de-DE" altLang="de-DE" sz="1450" b="0" i="1" u="none" strike="noStrike" cap="none" normalizeH="0" baseline="0" dirty="0" err="1">
+                <a:ln>
+                  <a:noFill/>
+                </a:ln>
+                <a:solidFill>
+                  <a:srgbClr val="000000"/>
+                </a:solidFill>
+                <a:effectLst/>
+                <a:latin typeface="Courier New" panose="02070309020205020404" pitchFamily="49" charset="0"/>
+                <a:cs typeface="Courier New" panose="02070309020205020404" pitchFamily="49" charset="0"/>
+              </a:rPr>
+              <a:t>asSequence</a:t>
+            </a:r>
+            <a:r>
+              <a:rPr kumimoji="0" lang="de-DE" altLang="de-DE" sz="1450" b="0" i="0" u="none" strike="noStrike" cap="none" normalizeH="0" baseline="0" dirty="0">
+                <a:ln>
+                  <a:noFill/>
+                </a:ln>
+                <a:solidFill>
+                  <a:srgbClr val="000000"/>
+                </a:solidFill>
+                <a:effectLst/>
+                <a:latin typeface="Courier New" panose="02070309020205020404" pitchFamily="49" charset="0"/>
+                <a:cs typeface="Courier New" panose="02070309020205020404" pitchFamily="49" charset="0"/>
+              </a:rPr>
+              <a:t>()</a:t>
+            </a:r>
+            <a:br>
+              <a:rPr kumimoji="0" lang="de-DE" altLang="de-DE" sz="1450" b="0" i="0" u="none" strike="noStrike" cap="none" normalizeH="0" baseline="0" dirty="0">
+                <a:ln>
+                  <a:noFill/>
+                </a:ln>
+                <a:solidFill>
+                  <a:srgbClr val="000000"/>
+                </a:solidFill>
+                <a:effectLst/>
+                <a:latin typeface="Courier New" panose="02070309020205020404" pitchFamily="49" charset="0"/>
+                <a:cs typeface="Courier New" panose="02070309020205020404" pitchFamily="49" charset="0"/>
+              </a:rPr>
+            </a:br>
+            <a:r>
+              <a:rPr kumimoji="0" lang="de-DE" altLang="de-DE" sz="1450" b="1" i="0" u="none" strike="noStrike" cap="none" normalizeH="0" baseline="0" dirty="0" err="1">
+                <a:ln>
+                  <a:noFill/>
+                </a:ln>
+                <a:solidFill>
+                  <a:srgbClr val="000080"/>
+                </a:solidFill>
+                <a:effectLst/>
+                <a:latin typeface="Courier New" panose="02070309020205020404" pitchFamily="49" charset="0"/>
+                <a:cs typeface="Courier New" panose="02070309020205020404" pitchFamily="49" charset="0"/>
+              </a:rPr>
+              <a:t>val</a:t>
+            </a:r>
+            <a:r>
+              <a:rPr kumimoji="0" lang="de-DE" altLang="de-DE" sz="1450" b="1" i="0" u="none" strike="noStrike" cap="none" normalizeH="0" baseline="0" dirty="0">
+                <a:ln>
+                  <a:noFill/>
+                </a:ln>
+                <a:solidFill>
+                  <a:srgbClr val="000080"/>
+                </a:solidFill>
+                <a:effectLst/>
+                <a:latin typeface="Courier New" panose="02070309020205020404" pitchFamily="49" charset="0"/>
+                <a:cs typeface="Courier New" panose="02070309020205020404" pitchFamily="49" charset="0"/>
+              </a:rPr>
+              <a:t> </a:t>
+            </a:r>
+            <a:r>
+              <a:rPr kumimoji="0" lang="de-DE" altLang="de-DE" sz="1450" b="0" i="0" u="none" strike="noStrike" cap="none" normalizeH="0" baseline="0" dirty="0">
+                <a:ln>
+                  <a:noFill/>
+                </a:ln>
+                <a:solidFill>
+                  <a:srgbClr val="000000"/>
+                </a:solidFill>
+                <a:effectLst/>
+                <a:latin typeface="Courier New" panose="02070309020205020404" pitchFamily="49" charset="0"/>
+                <a:cs typeface="Courier New" panose="02070309020205020404" pitchFamily="49" charset="0"/>
+              </a:rPr>
+              <a:t>g2 = </a:t>
+            </a:r>
+            <a:r>
+              <a:rPr kumimoji="0" lang="de-DE" altLang="de-DE" sz="1450" b="0" i="0" u="none" strike="noStrike" cap="none" normalizeH="0" baseline="0" dirty="0" err="1">
+                <a:ln>
+                  <a:noFill/>
+                </a:ln>
+                <a:solidFill>
+                  <a:srgbClr val="000000"/>
+                </a:solidFill>
+                <a:effectLst/>
+                <a:latin typeface="Courier New" panose="02070309020205020404" pitchFamily="49" charset="0"/>
+                <a:cs typeface="Courier New" panose="02070309020205020404" pitchFamily="49" charset="0"/>
+              </a:rPr>
+              <a:t>constructFormulaTopDown</a:t>
+            </a:r>
+            <a:r>
+              <a:rPr kumimoji="0" lang="de-DE" altLang="de-DE" sz="1450" b="0" i="0" u="none" strike="noStrike" cap="none" normalizeH="0" baseline="0" dirty="0">
+                <a:ln>
+                  <a:noFill/>
+                </a:ln>
+                <a:solidFill>
+                  <a:srgbClr val="000000"/>
+                </a:solidFill>
+                <a:effectLst/>
+                <a:latin typeface="Courier New" panose="02070309020205020404" pitchFamily="49" charset="0"/>
+                <a:cs typeface="Courier New" panose="02070309020205020404" pitchFamily="49" charset="0"/>
+              </a:rPr>
+              <a:t>(</a:t>
+            </a:r>
+            <a:r>
+              <a:rPr kumimoji="0" lang="de-DE" altLang="de-DE" sz="1450" b="0" i="0" u="none" strike="noStrike" cap="none" normalizeH="0" baseline="0" dirty="0" err="1">
+                <a:ln>
+                  <a:noFill/>
+                </a:ln>
+                <a:solidFill>
+                  <a:srgbClr val="000000"/>
+                </a:solidFill>
+                <a:effectLst/>
+                <a:latin typeface="Courier New" panose="02070309020205020404" pitchFamily="49" charset="0"/>
+                <a:cs typeface="Courier New" panose="02070309020205020404" pitchFamily="49" charset="0"/>
+              </a:rPr>
+              <a:t>node.</a:t>
+            </a:r>
+            <a:r>
+              <a:rPr kumimoji="0" lang="de-DE" altLang="de-DE" sz="1450" b="1" i="0" u="none" strike="noStrike" cap="none" normalizeH="0" baseline="0" dirty="0" err="1">
+                <a:ln>
+                  <a:noFill/>
+                </a:ln>
+                <a:solidFill>
+                  <a:srgbClr val="660E7A"/>
+                </a:solidFill>
+                <a:effectLst/>
+                <a:latin typeface="Courier New" panose="02070309020205020404" pitchFamily="49" charset="0"/>
+                <a:cs typeface="Courier New" panose="02070309020205020404" pitchFamily="49" charset="0"/>
+              </a:rPr>
+              <a:t>lowChild</a:t>
+            </a:r>
+            <a:r>
+              <a:rPr kumimoji="0" lang="de-DE" altLang="de-DE" sz="1450" b="0" i="0" u="none" strike="noStrike" cap="none" normalizeH="0" baseline="0" dirty="0">
+                <a:ln>
+                  <a:noFill/>
+                </a:ln>
+                <a:solidFill>
+                  <a:srgbClr val="000000"/>
+                </a:solidFill>
+                <a:effectLst/>
+                <a:latin typeface="Courier New" panose="02070309020205020404" pitchFamily="49" charset="0"/>
+                <a:cs typeface="Courier New" panose="02070309020205020404" pitchFamily="49" charset="0"/>
+              </a:rPr>
+              <a:t>)</a:t>
+            </a:r>
+            <a:br>
+              <a:rPr kumimoji="0" lang="de-DE" altLang="de-DE" sz="1450" b="0" i="0" u="none" strike="noStrike" cap="none" normalizeH="0" baseline="0" dirty="0">
+                <a:ln>
+                  <a:noFill/>
+                </a:ln>
+                <a:solidFill>
+                  <a:srgbClr val="000000"/>
+                </a:solidFill>
+                <a:effectLst/>
+                <a:latin typeface="Courier New" panose="02070309020205020404" pitchFamily="49" charset="0"/>
+                <a:cs typeface="Courier New" panose="02070309020205020404" pitchFamily="49" charset="0"/>
+              </a:rPr>
+            </a:br>
+            <a:r>
+              <a:rPr kumimoji="0" lang="de-DE" altLang="de-DE" sz="1450" b="1" i="0" u="none" strike="noStrike" cap="none" normalizeH="0" baseline="0" dirty="0" err="1">
+                <a:ln>
+                  <a:noFill/>
+                </a:ln>
+                <a:solidFill>
+                  <a:srgbClr val="000080"/>
+                </a:solidFill>
+                <a:effectLst/>
+                <a:latin typeface="Courier New" panose="02070309020205020404" pitchFamily="49" charset="0"/>
+                <a:cs typeface="Courier New" panose="02070309020205020404" pitchFamily="49" charset="0"/>
+              </a:rPr>
+              <a:t>val</a:t>
+            </a:r>
+            <a:r>
+              <a:rPr kumimoji="0" lang="de-DE" altLang="de-DE" sz="1450" b="1" i="0" u="none" strike="noStrike" cap="none" normalizeH="0" baseline="0" dirty="0">
+                <a:ln>
+                  <a:noFill/>
+                </a:ln>
+                <a:solidFill>
+                  <a:srgbClr val="000080"/>
+                </a:solidFill>
+                <a:effectLst/>
+                <a:latin typeface="Courier New" panose="02070309020205020404" pitchFamily="49" charset="0"/>
+                <a:cs typeface="Courier New" panose="02070309020205020404" pitchFamily="49" charset="0"/>
+              </a:rPr>
+              <a:t> </a:t>
+            </a:r>
+            <a:r>
+              <a:rPr kumimoji="0" lang="de-DE" altLang="de-DE" sz="1450" b="0" i="0" u="none" strike="noStrike" cap="none" normalizeH="0" baseline="0" dirty="0">
+                <a:ln>
+                  <a:noFill/>
+                </a:ln>
+                <a:solidFill>
+                  <a:srgbClr val="000000"/>
+                </a:solidFill>
+                <a:effectLst/>
+                <a:latin typeface="Courier New" panose="02070309020205020404" pitchFamily="49" charset="0"/>
+                <a:cs typeface="Courier New" panose="02070309020205020404" pitchFamily="49" charset="0"/>
+              </a:rPr>
+              <a:t>g1_x1 = </a:t>
+            </a:r>
+            <a:r>
+              <a:rPr kumimoji="0" lang="de-DE" altLang="de-DE" sz="1450" b="0" i="0" u="none" strike="noStrike" cap="none" normalizeH="0" baseline="0" dirty="0" err="1">
+                <a:ln>
+                  <a:noFill/>
+                </a:ln>
+                <a:solidFill>
+                  <a:srgbClr val="000000"/>
+                </a:solidFill>
+                <a:effectLst/>
+                <a:latin typeface="Courier New" panose="02070309020205020404" pitchFamily="49" charset="0"/>
+                <a:cs typeface="Courier New" panose="02070309020205020404" pitchFamily="49" charset="0"/>
+              </a:rPr>
+              <a:t>getHigh</a:t>
+            </a:r>
+            <a:r>
+              <a:rPr kumimoji="0" lang="de-DE" altLang="de-DE" sz="1450" b="0" i="0" u="none" strike="noStrike" cap="none" normalizeH="0" baseline="0" dirty="0">
+                <a:ln>
+                  <a:noFill/>
+                </a:ln>
+                <a:solidFill>
+                  <a:srgbClr val="000000"/>
+                </a:solidFill>
+                <a:effectLst/>
+                <a:latin typeface="Courier New" panose="02070309020205020404" pitchFamily="49" charset="0"/>
+                <a:cs typeface="Courier New" panose="02070309020205020404" pitchFamily="49" charset="0"/>
+              </a:rPr>
+              <a:t>(</a:t>
+            </a:r>
+            <a:r>
+              <a:rPr kumimoji="0" lang="de-DE" altLang="de-DE" sz="1450" b="0" i="0" u="none" strike="noStrike" cap="none" normalizeH="0" baseline="0" dirty="0" err="1">
+                <a:ln>
+                  <a:noFill/>
+                </a:ln>
+                <a:solidFill>
+                  <a:srgbClr val="000000"/>
+                </a:solidFill>
+                <a:effectLst/>
+                <a:latin typeface="Courier New" panose="02070309020205020404" pitchFamily="49" charset="0"/>
+                <a:cs typeface="Courier New" panose="02070309020205020404" pitchFamily="49" charset="0"/>
+              </a:rPr>
+              <a:t>node</a:t>
+            </a:r>
+            <a:r>
+              <a:rPr kumimoji="0" lang="de-DE" altLang="de-DE" sz="1450" b="0" i="0" u="none" strike="noStrike" cap="none" normalizeH="0" baseline="0" dirty="0">
+                <a:ln>
+                  <a:noFill/>
+                </a:ln>
+                <a:solidFill>
+                  <a:srgbClr val="000000"/>
+                </a:solidFill>
+                <a:effectLst/>
+                <a:latin typeface="Courier New" panose="02070309020205020404" pitchFamily="49" charset="0"/>
+                <a:cs typeface="Courier New" panose="02070309020205020404" pitchFamily="49" charset="0"/>
+              </a:rPr>
+              <a:t>)</a:t>
+            </a:r>
+            <a:br>
+              <a:rPr kumimoji="0" lang="de-DE" altLang="de-DE" sz="1450" b="0" i="0" u="none" strike="noStrike" cap="none" normalizeH="0" baseline="0" dirty="0">
+                <a:ln>
+                  <a:noFill/>
+                </a:ln>
+                <a:solidFill>
+                  <a:srgbClr val="000000"/>
+                </a:solidFill>
+                <a:effectLst/>
+                <a:latin typeface="Courier New" panose="02070309020205020404" pitchFamily="49" charset="0"/>
+                <a:cs typeface="Courier New" panose="02070309020205020404" pitchFamily="49" charset="0"/>
+              </a:rPr>
+            </a:br>
+            <a:br>
+              <a:rPr kumimoji="0" lang="de-DE" altLang="de-DE" sz="1450" b="0" i="0" u="none" strike="noStrike" cap="none" normalizeH="0" baseline="0" dirty="0">
+                <a:ln>
+                  <a:noFill/>
+                </a:ln>
+                <a:solidFill>
+                  <a:srgbClr val="000000"/>
+                </a:solidFill>
+                <a:effectLst/>
+                <a:latin typeface="Courier New" panose="02070309020205020404" pitchFamily="49" charset="0"/>
+                <a:cs typeface="Courier New" panose="02070309020205020404" pitchFamily="49" charset="0"/>
+              </a:rPr>
+            </a:br>
+            <a:r>
+              <a:rPr kumimoji="0" lang="de-DE" altLang="de-DE" sz="1450" b="1" i="0" u="none" strike="noStrike" cap="none" normalizeH="0" baseline="0" dirty="0" err="1">
+                <a:ln>
+                  <a:noFill/>
+                </a:ln>
+                <a:solidFill>
+                  <a:srgbClr val="000080"/>
+                </a:solidFill>
+                <a:effectLst/>
+                <a:latin typeface="Courier New" panose="02070309020205020404" pitchFamily="49" charset="0"/>
+                <a:cs typeface="Courier New" panose="02070309020205020404" pitchFamily="49" charset="0"/>
+              </a:rPr>
+              <a:t>if</a:t>
+            </a:r>
+            <a:r>
+              <a:rPr kumimoji="0" lang="de-DE" altLang="de-DE" sz="1450" b="1" i="0" u="none" strike="noStrike" cap="none" normalizeH="0" baseline="0" dirty="0">
+                <a:ln>
+                  <a:noFill/>
+                </a:ln>
+                <a:solidFill>
+                  <a:srgbClr val="000080"/>
+                </a:solidFill>
+                <a:effectLst/>
+                <a:latin typeface="Courier New" panose="02070309020205020404" pitchFamily="49" charset="0"/>
+                <a:cs typeface="Courier New" panose="02070309020205020404" pitchFamily="49" charset="0"/>
+              </a:rPr>
+              <a:t> </a:t>
+            </a:r>
+            <a:r>
+              <a:rPr kumimoji="0" lang="de-DE" altLang="de-DE" sz="1450" b="0" i="0" u="none" strike="noStrike" cap="none" normalizeH="0" baseline="0" dirty="0">
+                <a:ln>
+                  <a:noFill/>
+                </a:ln>
+                <a:solidFill>
+                  <a:srgbClr val="000000"/>
+                </a:solidFill>
+                <a:effectLst/>
+                <a:latin typeface="Courier New" panose="02070309020205020404" pitchFamily="49" charset="0"/>
+                <a:cs typeface="Courier New" panose="02070309020205020404" pitchFamily="49" charset="0"/>
+              </a:rPr>
+              <a:t>(</a:t>
+            </a:r>
+            <a:r>
+              <a:rPr kumimoji="0" lang="de-DE" altLang="de-DE" sz="1450" b="0" i="0" u="none" strike="noStrike" cap="none" normalizeH="0" baseline="0" dirty="0" err="1">
+                <a:ln>
+                  <a:noFill/>
+                </a:ln>
+                <a:solidFill>
+                  <a:srgbClr val="000000"/>
+                </a:solidFill>
+                <a:effectLst/>
+                <a:latin typeface="Courier New" panose="02070309020205020404" pitchFamily="49" charset="0"/>
+                <a:cs typeface="Courier New" panose="02070309020205020404" pitchFamily="49" charset="0"/>
+              </a:rPr>
+              <a:t>node.</a:t>
+            </a:r>
+            <a:r>
+              <a:rPr kumimoji="0" lang="de-DE" altLang="de-DE" sz="1450" b="1" i="0" u="none" strike="noStrike" cap="none" normalizeH="0" baseline="0" dirty="0" err="1">
+                <a:ln>
+                  <a:noFill/>
+                </a:ln>
+                <a:solidFill>
+                  <a:srgbClr val="660E7A"/>
+                </a:solidFill>
+                <a:effectLst/>
+                <a:latin typeface="Courier New" panose="02070309020205020404" pitchFamily="49" charset="0"/>
+                <a:cs typeface="Courier New" panose="02070309020205020404" pitchFamily="49" charset="0"/>
+              </a:rPr>
+              <a:t>isLowStateDependent</a:t>
+            </a:r>
+            <a:r>
+              <a:rPr kumimoji="0" lang="de-DE" altLang="de-DE" sz="1450" b="0" i="0" u="none" strike="noStrike" cap="none" normalizeH="0" baseline="0" dirty="0">
+                <a:ln>
+                  <a:noFill/>
+                </a:ln>
+                <a:solidFill>
+                  <a:srgbClr val="000000"/>
+                </a:solidFill>
+                <a:effectLst/>
+                <a:latin typeface="Courier New" panose="02070309020205020404" pitchFamily="49" charset="0"/>
+                <a:cs typeface="Courier New" panose="02070309020205020404" pitchFamily="49" charset="0"/>
+              </a:rPr>
+              <a:t>) {</a:t>
+            </a:r>
+            <a:br>
+              <a:rPr kumimoji="0" lang="de-DE" altLang="de-DE" sz="1450" b="0" i="0" u="none" strike="noStrike" cap="none" normalizeH="0" baseline="0" dirty="0">
+                <a:ln>
+                  <a:noFill/>
+                </a:ln>
+                <a:solidFill>
+                  <a:srgbClr val="000000"/>
+                </a:solidFill>
+                <a:effectLst/>
+                <a:latin typeface="Courier New" panose="02070309020205020404" pitchFamily="49" charset="0"/>
+                <a:cs typeface="Courier New" panose="02070309020205020404" pitchFamily="49" charset="0"/>
+              </a:rPr>
+            </a:br>
+            <a:r>
+              <a:rPr kumimoji="0" lang="de-DE" altLang="de-DE" sz="1450" b="0" i="0" u="none" strike="noStrike" cap="none" normalizeH="0" baseline="0" dirty="0">
+                <a:ln>
+                  <a:noFill/>
+                </a:ln>
+                <a:solidFill>
+                  <a:srgbClr val="000000"/>
+                </a:solidFill>
+                <a:effectLst/>
+                <a:latin typeface="Courier New" panose="02070309020205020404" pitchFamily="49" charset="0"/>
+                <a:cs typeface="Courier New" panose="02070309020205020404" pitchFamily="49" charset="0"/>
+              </a:rPr>
+              <a:t>    </a:t>
+            </a:r>
+            <a:r>
+              <a:rPr kumimoji="0" lang="de-DE" altLang="de-DE" sz="1450" b="1" i="0" u="none" strike="noStrike" cap="none" normalizeH="0" baseline="0" dirty="0" err="1">
+                <a:ln>
+                  <a:noFill/>
+                </a:ln>
+                <a:solidFill>
+                  <a:srgbClr val="000080"/>
+                </a:solidFill>
+                <a:effectLst/>
+                <a:latin typeface="Courier New" panose="02070309020205020404" pitchFamily="49" charset="0"/>
+                <a:cs typeface="Courier New" panose="02070309020205020404" pitchFamily="49" charset="0"/>
+              </a:rPr>
+              <a:t>val</a:t>
+            </a:r>
+            <a:r>
+              <a:rPr kumimoji="0" lang="de-DE" altLang="de-DE" sz="1450" b="1" i="0" u="none" strike="noStrike" cap="none" normalizeH="0" baseline="0" dirty="0">
+                <a:ln>
+                  <a:noFill/>
+                </a:ln>
+                <a:solidFill>
+                  <a:srgbClr val="000080"/>
+                </a:solidFill>
+                <a:effectLst/>
+                <a:latin typeface="Courier New" panose="02070309020205020404" pitchFamily="49" charset="0"/>
+                <a:cs typeface="Courier New" panose="02070309020205020404" pitchFamily="49" charset="0"/>
+              </a:rPr>
+              <a:t> </a:t>
+            </a:r>
+            <a:r>
+              <a:rPr kumimoji="0" lang="de-DE" altLang="de-DE" sz="1450" b="0" i="0" u="none" strike="noStrike" cap="none" normalizeH="0" baseline="0" dirty="0">
+                <a:ln>
+                  <a:noFill/>
+                </a:ln>
+                <a:solidFill>
+                  <a:srgbClr val="000000"/>
+                </a:solidFill>
+                <a:effectLst/>
+                <a:latin typeface="Courier New" panose="02070309020205020404" pitchFamily="49" charset="0"/>
+                <a:cs typeface="Courier New" panose="02070309020205020404" pitchFamily="49" charset="0"/>
+              </a:rPr>
+              <a:t>h2_x1 = </a:t>
+            </a:r>
+            <a:r>
+              <a:rPr kumimoji="0" lang="de-DE" altLang="de-DE" sz="1450" b="0" i="0" u="none" strike="noStrike" cap="none" normalizeH="0" baseline="0" dirty="0" err="1">
+                <a:ln>
+                  <a:noFill/>
+                </a:ln>
+                <a:solidFill>
+                  <a:srgbClr val="000000"/>
+                </a:solidFill>
+                <a:effectLst/>
+                <a:latin typeface="Courier New" panose="02070309020205020404" pitchFamily="49" charset="0"/>
+                <a:cs typeface="Courier New" panose="02070309020205020404" pitchFamily="49" charset="0"/>
+              </a:rPr>
+              <a:t>getIndependentLow</a:t>
+            </a:r>
+            <a:r>
+              <a:rPr kumimoji="0" lang="de-DE" altLang="de-DE" sz="1450" b="0" i="0" u="none" strike="noStrike" cap="none" normalizeH="0" baseline="0" dirty="0">
+                <a:ln>
+                  <a:noFill/>
+                </a:ln>
+                <a:solidFill>
+                  <a:srgbClr val="000000"/>
+                </a:solidFill>
+                <a:effectLst/>
+                <a:latin typeface="Courier New" panose="02070309020205020404" pitchFamily="49" charset="0"/>
+                <a:cs typeface="Courier New" panose="02070309020205020404" pitchFamily="49" charset="0"/>
+              </a:rPr>
+              <a:t>(</a:t>
+            </a:r>
+            <a:r>
+              <a:rPr kumimoji="0" lang="de-DE" altLang="de-DE" sz="1450" b="0" i="0" u="none" strike="noStrike" cap="none" normalizeH="0" baseline="0" dirty="0" err="1">
+                <a:ln>
+                  <a:noFill/>
+                </a:ln>
+                <a:solidFill>
+                  <a:srgbClr val="000000"/>
+                </a:solidFill>
+                <a:effectLst/>
+                <a:latin typeface="Courier New" panose="02070309020205020404" pitchFamily="49" charset="0"/>
+                <a:cs typeface="Courier New" panose="02070309020205020404" pitchFamily="49" charset="0"/>
+              </a:rPr>
+              <a:t>node</a:t>
+            </a:r>
+            <a:r>
+              <a:rPr kumimoji="0" lang="de-DE" altLang="de-DE" sz="1450" b="0" i="0" u="none" strike="noStrike" cap="none" normalizeH="0" baseline="0" dirty="0">
+                <a:ln>
+                  <a:noFill/>
+                </a:ln>
+                <a:solidFill>
+                  <a:srgbClr val="000000"/>
+                </a:solidFill>
+                <a:effectLst/>
+                <a:latin typeface="Courier New" panose="02070309020205020404" pitchFamily="49" charset="0"/>
+                <a:cs typeface="Courier New" panose="02070309020205020404" pitchFamily="49" charset="0"/>
+              </a:rPr>
+              <a:t>)</a:t>
+            </a:r>
+            <a:br>
+              <a:rPr kumimoji="0" lang="de-DE" altLang="de-DE" sz="1450" b="0" i="0" u="none" strike="noStrike" cap="none" normalizeH="0" baseline="0" dirty="0">
+                <a:ln>
+                  <a:noFill/>
+                </a:ln>
+                <a:solidFill>
+                  <a:srgbClr val="000000"/>
+                </a:solidFill>
+                <a:effectLst/>
+                <a:latin typeface="Courier New" panose="02070309020205020404" pitchFamily="49" charset="0"/>
+                <a:cs typeface="Courier New" panose="02070309020205020404" pitchFamily="49" charset="0"/>
+              </a:rPr>
+            </a:br>
+            <a:r>
+              <a:rPr kumimoji="0" lang="de-DE" altLang="de-DE" sz="1450" b="0" i="0" u="none" strike="noStrike" cap="none" normalizeH="0" baseline="0" dirty="0">
+                <a:ln>
+                  <a:noFill/>
+                </a:ln>
+                <a:solidFill>
+                  <a:srgbClr val="000000"/>
+                </a:solidFill>
+                <a:effectLst/>
+                <a:latin typeface="Courier New" panose="02070309020205020404" pitchFamily="49" charset="0"/>
+                <a:cs typeface="Courier New" panose="02070309020205020404" pitchFamily="49" charset="0"/>
+              </a:rPr>
+              <a:t>    </a:t>
+            </a:r>
+            <a:r>
+              <a:rPr kumimoji="0" lang="de-DE" altLang="de-DE" sz="1450" b="1" i="0" u="none" strike="noStrike" cap="none" normalizeH="0" baseline="0" dirty="0" err="1">
+                <a:ln>
+                  <a:noFill/>
+                </a:ln>
+                <a:solidFill>
+                  <a:srgbClr val="000080"/>
+                </a:solidFill>
+                <a:effectLst/>
+                <a:latin typeface="Courier New" panose="02070309020205020404" pitchFamily="49" charset="0"/>
+                <a:cs typeface="Courier New" panose="02070309020205020404" pitchFamily="49" charset="0"/>
+              </a:rPr>
+              <a:t>return</a:t>
+            </a:r>
+            <a:r>
+              <a:rPr kumimoji="0" lang="de-DE" altLang="de-DE" sz="1450" b="1" i="0" u="none" strike="noStrike" cap="none" normalizeH="0" baseline="0" dirty="0">
+                <a:ln>
+                  <a:noFill/>
+                </a:ln>
+                <a:solidFill>
+                  <a:srgbClr val="000080"/>
+                </a:solidFill>
+                <a:effectLst/>
+                <a:latin typeface="Courier New" panose="02070309020205020404" pitchFamily="49" charset="0"/>
+                <a:cs typeface="Courier New" panose="02070309020205020404" pitchFamily="49" charset="0"/>
+              </a:rPr>
+              <a:t> </a:t>
+            </a:r>
+            <a:r>
+              <a:rPr kumimoji="0" lang="de-DE" altLang="de-DE" sz="1450" b="0" i="0" u="none" strike="noStrike" cap="none" normalizeH="0" baseline="0" dirty="0" err="1">
+                <a:ln>
+                  <a:noFill/>
+                </a:ln>
+                <a:solidFill>
+                  <a:srgbClr val="000000"/>
+                </a:solidFill>
+                <a:effectLst/>
+                <a:latin typeface="Courier New" panose="02070309020205020404" pitchFamily="49" charset="0"/>
+                <a:cs typeface="Courier New" panose="02070309020205020404" pitchFamily="49" charset="0"/>
+              </a:rPr>
+              <a:t>zip</a:t>
+            </a:r>
+            <a:r>
+              <a:rPr kumimoji="0" lang="de-DE" altLang="de-DE" sz="1450" b="0" i="0" u="none" strike="noStrike" cap="none" normalizeH="0" baseline="0" dirty="0">
+                <a:ln>
+                  <a:noFill/>
+                </a:ln>
+                <a:solidFill>
+                  <a:srgbClr val="000000"/>
+                </a:solidFill>
+                <a:effectLst/>
+                <a:latin typeface="Courier New" panose="02070309020205020404" pitchFamily="49" charset="0"/>
+                <a:cs typeface="Courier New" panose="02070309020205020404" pitchFamily="49" charset="0"/>
+              </a:rPr>
+              <a:t>(g1_x1, g2, h2_x1, </a:t>
+            </a:r>
+            <a:r>
+              <a:rPr kumimoji="0" lang="de-DE" altLang="de-DE" sz="1450" b="0" i="0" u="none" strike="noStrike" cap="none" normalizeH="0" baseline="0" dirty="0" err="1">
+                <a:ln>
+                  <a:noFill/>
+                </a:ln>
+                <a:solidFill>
+                  <a:srgbClr val="000000"/>
+                </a:solidFill>
+                <a:effectLst/>
+                <a:latin typeface="Courier New" panose="02070309020205020404" pitchFamily="49" charset="0"/>
+                <a:cs typeface="Courier New" panose="02070309020205020404" pitchFamily="49" charset="0"/>
+              </a:rPr>
+              <a:t>current</a:t>
+            </a:r>
+            <a:r>
+              <a:rPr kumimoji="0" lang="de-DE" altLang="de-DE" sz="1450" b="0" i="0" u="none" strike="noStrike" cap="none" normalizeH="0" baseline="0" dirty="0">
+                <a:ln>
+                  <a:noFill/>
+                </a:ln>
+                <a:solidFill>
+                  <a:srgbClr val="000000"/>
+                </a:solidFill>
+                <a:effectLst/>
+                <a:latin typeface="Courier New" panose="02070309020205020404" pitchFamily="49" charset="0"/>
+                <a:cs typeface="Courier New" panose="02070309020205020404" pitchFamily="49" charset="0"/>
+              </a:rPr>
+              <a:t>) </a:t>
+            </a:r>
+            <a:r>
+              <a:rPr kumimoji="0" lang="de-DE" altLang="de-DE" sz="1450" b="1" i="0" u="none" strike="noStrike" cap="none" normalizeH="0" baseline="0" dirty="0">
+                <a:ln>
+                  <a:noFill/>
+                </a:ln>
+                <a:solidFill>
+                  <a:srgbClr val="000000"/>
+                </a:solidFill>
+                <a:effectLst/>
+                <a:latin typeface="Courier New" panose="02070309020205020404" pitchFamily="49" charset="0"/>
+                <a:cs typeface="Courier New" panose="02070309020205020404" pitchFamily="49" charset="0"/>
+              </a:rPr>
+              <a:t>{</a:t>
+            </a:r>
+            <a:r>
+              <a:rPr kumimoji="0" lang="de-DE" altLang="de-DE" sz="1450" b="0" i="0" u="none" strike="noStrike" cap="none" normalizeH="0" baseline="0" dirty="0">
+                <a:ln>
+                  <a:noFill/>
+                </a:ln>
+                <a:solidFill>
+                  <a:srgbClr val="000000"/>
+                </a:solidFill>
+                <a:effectLst/>
+                <a:latin typeface="Courier New" panose="02070309020205020404" pitchFamily="49" charset="0"/>
+                <a:cs typeface="Courier New" panose="02070309020205020404" pitchFamily="49" charset="0"/>
+              </a:rPr>
+              <a:t>g1, g2, h2, x </a:t>
+            </a:r>
+            <a:r>
+              <a:rPr kumimoji="0" lang="de-DE" altLang="de-DE" sz="1450" b="1" i="0" u="none" strike="noStrike" cap="none" normalizeH="0" baseline="0" dirty="0">
+                <a:ln>
+                  <a:noFill/>
+                </a:ln>
+                <a:solidFill>
+                  <a:srgbClr val="000000"/>
+                </a:solidFill>
+                <a:effectLst/>
+                <a:latin typeface="Courier New" panose="02070309020205020404" pitchFamily="49" charset="0"/>
+                <a:cs typeface="Courier New" panose="02070309020205020404" pitchFamily="49" charset="0"/>
+              </a:rPr>
+              <a:t>-&gt; </a:t>
+            </a:r>
+            <a:r>
+              <a:rPr kumimoji="0" lang="de-DE" altLang="de-DE" sz="1450" b="0" i="0" u="none" strike="noStrike" cap="none" normalizeH="0" baseline="0" dirty="0">
+                <a:ln>
+                  <a:noFill/>
+                </a:ln>
+                <a:solidFill>
+                  <a:srgbClr val="000000"/>
+                </a:solidFill>
+                <a:effectLst/>
+                <a:latin typeface="Courier New" panose="02070309020205020404" pitchFamily="49" charset="0"/>
+                <a:cs typeface="Courier New" panose="02070309020205020404" pitchFamily="49" charset="0"/>
+              </a:rPr>
+              <a:t>g2 + x * (g1 - h2)</a:t>
+            </a:r>
+            <a:r>
+              <a:rPr kumimoji="0" lang="de-DE" altLang="de-DE" sz="1450" b="1" i="0" u="none" strike="noStrike" cap="none" normalizeH="0" baseline="0" dirty="0">
+                <a:ln>
+                  <a:noFill/>
+                </a:ln>
+                <a:solidFill>
+                  <a:srgbClr val="000000"/>
+                </a:solidFill>
+                <a:effectLst/>
+                <a:latin typeface="Courier New" panose="02070309020205020404" pitchFamily="49" charset="0"/>
+                <a:cs typeface="Courier New" panose="02070309020205020404" pitchFamily="49" charset="0"/>
+              </a:rPr>
+              <a:t>}</a:t>
+            </a:r>
+            <a:br>
+              <a:rPr kumimoji="0" lang="de-DE" altLang="de-DE" sz="1450" b="1" i="0" u="none" strike="noStrike" cap="none" normalizeH="0" baseline="0" dirty="0">
+                <a:ln>
+                  <a:noFill/>
+                </a:ln>
+                <a:solidFill>
+                  <a:srgbClr val="000000"/>
+                </a:solidFill>
+                <a:effectLst/>
+                <a:latin typeface="Courier New" panose="02070309020205020404" pitchFamily="49" charset="0"/>
+                <a:cs typeface="Courier New" panose="02070309020205020404" pitchFamily="49" charset="0"/>
+              </a:rPr>
+            </a:br>
+            <a:r>
+              <a:rPr kumimoji="0" lang="de-DE" altLang="de-DE" sz="1450" b="0" i="0" u="none" strike="noStrike" cap="none" normalizeH="0" baseline="0" dirty="0">
+                <a:ln>
+                  <a:noFill/>
+                </a:ln>
+                <a:solidFill>
+                  <a:srgbClr val="000000"/>
+                </a:solidFill>
+                <a:effectLst/>
+                <a:latin typeface="Courier New" panose="02070309020205020404" pitchFamily="49" charset="0"/>
+                <a:cs typeface="Courier New" panose="02070309020205020404" pitchFamily="49" charset="0"/>
+              </a:rPr>
+              <a:t>} </a:t>
+            </a:r>
+            <a:r>
+              <a:rPr kumimoji="0" lang="de-DE" altLang="de-DE" sz="1450" b="1" i="0" u="none" strike="noStrike" cap="none" normalizeH="0" baseline="0" dirty="0" err="1">
+                <a:ln>
+                  <a:noFill/>
+                </a:ln>
+                <a:solidFill>
+                  <a:srgbClr val="000080"/>
+                </a:solidFill>
+                <a:effectLst/>
+                <a:latin typeface="Courier New" panose="02070309020205020404" pitchFamily="49" charset="0"/>
+                <a:cs typeface="Courier New" panose="02070309020205020404" pitchFamily="49" charset="0"/>
+              </a:rPr>
+              <a:t>else</a:t>
+            </a:r>
+            <a:r>
+              <a:rPr kumimoji="0" lang="de-DE" altLang="de-DE" sz="1450" b="1" i="0" u="none" strike="noStrike" cap="none" normalizeH="0" baseline="0" dirty="0">
+                <a:ln>
+                  <a:noFill/>
+                </a:ln>
+                <a:solidFill>
+                  <a:srgbClr val="000080"/>
+                </a:solidFill>
+                <a:effectLst/>
+                <a:latin typeface="Courier New" panose="02070309020205020404" pitchFamily="49" charset="0"/>
+                <a:cs typeface="Courier New" panose="02070309020205020404" pitchFamily="49" charset="0"/>
+              </a:rPr>
+              <a:t> </a:t>
+            </a:r>
+            <a:r>
+              <a:rPr kumimoji="0" lang="de-DE" altLang="de-DE" sz="1450" b="0" i="0" u="none" strike="noStrike" cap="none" normalizeH="0" baseline="0" dirty="0">
+                <a:ln>
+                  <a:noFill/>
+                </a:ln>
+                <a:solidFill>
+                  <a:srgbClr val="000000"/>
+                </a:solidFill>
+                <a:effectLst/>
+                <a:latin typeface="Courier New" panose="02070309020205020404" pitchFamily="49" charset="0"/>
+                <a:cs typeface="Courier New" panose="02070309020205020404" pitchFamily="49" charset="0"/>
+              </a:rPr>
+              <a:t>{</a:t>
+            </a:r>
+            <a:br>
+              <a:rPr kumimoji="0" lang="de-DE" altLang="de-DE" sz="1450" b="0" i="0" u="none" strike="noStrike" cap="none" normalizeH="0" baseline="0" dirty="0">
+                <a:ln>
+                  <a:noFill/>
+                </a:ln>
+                <a:solidFill>
+                  <a:srgbClr val="000000"/>
+                </a:solidFill>
+                <a:effectLst/>
+                <a:latin typeface="Courier New" panose="02070309020205020404" pitchFamily="49" charset="0"/>
+                <a:cs typeface="Courier New" panose="02070309020205020404" pitchFamily="49" charset="0"/>
+              </a:rPr>
+            </a:br>
+            <a:r>
+              <a:rPr kumimoji="0" lang="de-DE" altLang="de-DE" sz="1450" b="0" i="0" u="none" strike="noStrike" cap="none" normalizeH="0" baseline="0" dirty="0">
+                <a:ln>
+                  <a:noFill/>
+                </a:ln>
+                <a:solidFill>
+                  <a:srgbClr val="000000"/>
+                </a:solidFill>
+                <a:effectLst/>
+                <a:latin typeface="Courier New" panose="02070309020205020404" pitchFamily="49" charset="0"/>
+                <a:cs typeface="Courier New" panose="02070309020205020404" pitchFamily="49" charset="0"/>
+              </a:rPr>
+              <a:t>    </a:t>
+            </a:r>
+            <a:r>
+              <a:rPr kumimoji="0" lang="de-DE" altLang="de-DE" sz="1450" b="1" i="0" u="none" strike="noStrike" cap="none" normalizeH="0" baseline="0" dirty="0" err="1">
+                <a:ln>
+                  <a:noFill/>
+                </a:ln>
+                <a:solidFill>
+                  <a:srgbClr val="000080"/>
+                </a:solidFill>
+                <a:effectLst/>
+                <a:latin typeface="Courier New" panose="02070309020205020404" pitchFamily="49" charset="0"/>
+                <a:cs typeface="Courier New" panose="02070309020205020404" pitchFamily="49" charset="0"/>
+              </a:rPr>
+              <a:t>return</a:t>
+            </a:r>
+            <a:r>
+              <a:rPr kumimoji="0" lang="de-DE" altLang="de-DE" sz="1450" b="1" i="0" u="none" strike="noStrike" cap="none" normalizeH="0" baseline="0" dirty="0">
+                <a:ln>
+                  <a:noFill/>
+                </a:ln>
+                <a:solidFill>
+                  <a:srgbClr val="000080"/>
+                </a:solidFill>
+                <a:effectLst/>
+                <a:latin typeface="Courier New" panose="02070309020205020404" pitchFamily="49" charset="0"/>
+                <a:cs typeface="Courier New" panose="02070309020205020404" pitchFamily="49" charset="0"/>
+              </a:rPr>
+              <a:t> </a:t>
+            </a:r>
+            <a:r>
+              <a:rPr kumimoji="0" lang="de-DE" altLang="de-DE" sz="1450" b="0" i="0" u="none" strike="noStrike" cap="none" normalizeH="0" baseline="0" dirty="0" err="1">
+                <a:ln>
+                  <a:noFill/>
+                </a:ln>
+                <a:solidFill>
+                  <a:srgbClr val="000000"/>
+                </a:solidFill>
+                <a:effectLst/>
+                <a:latin typeface="Courier New" panose="02070309020205020404" pitchFamily="49" charset="0"/>
+                <a:cs typeface="Courier New" panose="02070309020205020404" pitchFamily="49" charset="0"/>
+              </a:rPr>
+              <a:t>zip</a:t>
+            </a:r>
+            <a:r>
+              <a:rPr kumimoji="0" lang="de-DE" altLang="de-DE" sz="1450" b="0" i="0" u="none" strike="noStrike" cap="none" normalizeH="0" baseline="0" dirty="0">
+                <a:ln>
+                  <a:noFill/>
+                </a:ln>
+                <a:solidFill>
+                  <a:srgbClr val="000000"/>
+                </a:solidFill>
+                <a:effectLst/>
+                <a:latin typeface="Courier New" panose="02070309020205020404" pitchFamily="49" charset="0"/>
+                <a:cs typeface="Courier New" panose="02070309020205020404" pitchFamily="49" charset="0"/>
+              </a:rPr>
+              <a:t>(g1_x1, g2, </a:t>
+            </a:r>
+            <a:r>
+              <a:rPr kumimoji="0" lang="de-DE" altLang="de-DE" sz="1450" b="0" i="0" u="none" strike="noStrike" cap="none" normalizeH="0" baseline="0" dirty="0" err="1">
+                <a:ln>
+                  <a:noFill/>
+                </a:ln>
+                <a:solidFill>
+                  <a:srgbClr val="000000"/>
+                </a:solidFill>
+                <a:effectLst/>
+                <a:latin typeface="Courier New" panose="02070309020205020404" pitchFamily="49" charset="0"/>
+                <a:cs typeface="Courier New" panose="02070309020205020404" pitchFamily="49" charset="0"/>
+              </a:rPr>
+              <a:t>current</a:t>
+            </a:r>
+            <a:r>
+              <a:rPr kumimoji="0" lang="de-DE" altLang="de-DE" sz="1450" b="0" i="0" u="none" strike="noStrike" cap="none" normalizeH="0" baseline="0" dirty="0">
+                <a:ln>
+                  <a:noFill/>
+                </a:ln>
+                <a:solidFill>
+                  <a:srgbClr val="000000"/>
+                </a:solidFill>
+                <a:effectLst/>
+                <a:latin typeface="Courier New" panose="02070309020205020404" pitchFamily="49" charset="0"/>
+                <a:cs typeface="Courier New" panose="02070309020205020404" pitchFamily="49" charset="0"/>
+              </a:rPr>
+              <a:t>) </a:t>
+            </a:r>
+            <a:r>
+              <a:rPr kumimoji="0" lang="de-DE" altLang="de-DE" sz="1450" b="1" i="0" u="none" strike="noStrike" cap="none" normalizeH="0" baseline="0" dirty="0">
+                <a:ln>
+                  <a:noFill/>
+                </a:ln>
+                <a:solidFill>
+                  <a:srgbClr val="000000"/>
+                </a:solidFill>
+                <a:effectLst/>
+                <a:latin typeface="Courier New" panose="02070309020205020404" pitchFamily="49" charset="0"/>
+                <a:cs typeface="Courier New" panose="02070309020205020404" pitchFamily="49" charset="0"/>
+              </a:rPr>
+              <a:t>{</a:t>
+            </a:r>
+            <a:r>
+              <a:rPr kumimoji="0" lang="de-DE" altLang="de-DE" sz="1450" b="0" i="0" u="none" strike="noStrike" cap="none" normalizeH="0" baseline="0" dirty="0">
+                <a:ln>
+                  <a:noFill/>
+                </a:ln>
+                <a:solidFill>
+                  <a:srgbClr val="000000"/>
+                </a:solidFill>
+                <a:effectLst/>
+                <a:latin typeface="Courier New" panose="02070309020205020404" pitchFamily="49" charset="0"/>
+                <a:cs typeface="Courier New" panose="02070309020205020404" pitchFamily="49" charset="0"/>
+              </a:rPr>
+              <a:t>g1, g2, x </a:t>
+            </a:r>
+            <a:r>
+              <a:rPr kumimoji="0" lang="de-DE" altLang="de-DE" sz="1450" b="1" i="0" u="none" strike="noStrike" cap="none" normalizeH="0" baseline="0" dirty="0">
+                <a:ln>
+                  <a:noFill/>
+                </a:ln>
+                <a:solidFill>
+                  <a:srgbClr val="000000"/>
+                </a:solidFill>
+                <a:effectLst/>
+                <a:latin typeface="Courier New" panose="02070309020205020404" pitchFamily="49" charset="0"/>
+                <a:cs typeface="Courier New" panose="02070309020205020404" pitchFamily="49" charset="0"/>
+              </a:rPr>
+              <a:t>-&gt; </a:t>
+            </a:r>
+            <a:r>
+              <a:rPr kumimoji="0" lang="de-DE" altLang="de-DE" sz="1450" b="0" i="0" u="none" strike="noStrike" cap="none" normalizeH="0" baseline="0" dirty="0">
+                <a:ln>
+                  <a:noFill/>
+                </a:ln>
+                <a:solidFill>
+                  <a:srgbClr val="000000"/>
+                </a:solidFill>
+                <a:effectLst/>
+                <a:latin typeface="Courier New" panose="02070309020205020404" pitchFamily="49" charset="0"/>
+                <a:cs typeface="Courier New" panose="02070309020205020404" pitchFamily="49" charset="0"/>
+              </a:rPr>
+              <a:t>g2 + x * (g1 - g2)</a:t>
+            </a:r>
+            <a:r>
+              <a:rPr kumimoji="0" lang="de-DE" altLang="de-DE" sz="1450" b="1" i="0" u="none" strike="noStrike" cap="none" normalizeH="0" baseline="0" dirty="0">
+                <a:ln>
+                  <a:noFill/>
+                </a:ln>
+                <a:solidFill>
+                  <a:srgbClr val="000000"/>
+                </a:solidFill>
+                <a:effectLst/>
+                <a:latin typeface="Courier New" panose="02070309020205020404" pitchFamily="49" charset="0"/>
+                <a:cs typeface="Courier New" panose="02070309020205020404" pitchFamily="49" charset="0"/>
+              </a:rPr>
+              <a:t>}</a:t>
+            </a:r>
+            <a:br>
+              <a:rPr kumimoji="0" lang="de-DE" altLang="de-DE" sz="1450" b="1" i="0" u="none" strike="noStrike" cap="none" normalizeH="0" baseline="0" dirty="0">
+                <a:ln>
+                  <a:noFill/>
+                </a:ln>
+                <a:solidFill>
+                  <a:srgbClr val="000000"/>
+                </a:solidFill>
+                <a:effectLst/>
+                <a:latin typeface="Courier New" panose="02070309020205020404" pitchFamily="49" charset="0"/>
+                <a:cs typeface="Courier New" panose="02070309020205020404" pitchFamily="49" charset="0"/>
+              </a:rPr>
+            </a:br>
+            <a:r>
+              <a:rPr kumimoji="0" lang="de-DE" altLang="de-DE" sz="1450" b="0" i="0" u="none" strike="noStrike" cap="none" normalizeH="0" baseline="0" dirty="0">
+                <a:ln>
+                  <a:noFill/>
+                </a:ln>
+                <a:solidFill>
+                  <a:srgbClr val="000000"/>
+                </a:solidFill>
+                <a:effectLst/>
+                <a:latin typeface="Courier New" panose="02070309020205020404" pitchFamily="49" charset="0"/>
+                <a:cs typeface="Courier New" panose="02070309020205020404" pitchFamily="49" charset="0"/>
+              </a:rPr>
+              <a:t>}</a:t>
+            </a:r>
+            <a:endParaRPr kumimoji="0" lang="de-DE" altLang="de-DE" sz="1450" b="0" i="0" u="none" strike="noStrike" cap="none" normalizeH="0" baseline="0" dirty="0">
+              <a:ln>
+                <a:noFill/>
+              </a:ln>
+              <a:solidFill>
+                <a:schemeClr val="tx1"/>
+              </a:solidFill>
+              <a:effectLst/>
+              <a:latin typeface="Arial" panose="020B0604020202020204" pitchFamily="34" charset="0"/>
+            </a:endParaRPr>
+          </a:p>
+        </p:txBody>
+      </p:sp>
+    </p:spTree>
+    <p:extLst>
+      <p:ext uri="{BB962C8B-B14F-4D97-AF65-F5344CB8AC3E}">
+        <p14:creationId xmlns:p14="http://schemas.microsoft.com/office/powerpoint/2010/main" val="4144554943"/>
+      </p:ext>
+    </p:extLst>
+  </p:cSld>
+  <p:clrMapOvr>
+    <a:masterClrMapping/>
+  </p:clrMapOvr>
+</p:sld>
+</file>
+
+<file path=ppt/slides/slide14.xml><?xml version="1.0" encoding="utf-8"?>
+<p:sld xmlns:a="http://schemas.openxmlformats.org/drawingml/2006/main" xmlns:r="http://schemas.openxmlformats.org/officeDocument/2006/relationships" xmlns:p="http://schemas.openxmlformats.org/presentationml/2006/main" show="0">
+  <p:cSld>
+    <p:spTree>
+      <p:nvGrpSpPr>
+        <p:cNvPr id="1" name=""/>
+        <p:cNvGrpSpPr/>
+        <p:nvPr/>
+      </p:nvGrpSpPr>
+      <p:grpSpPr>
+        <a:xfrm>
+          <a:off x="0" y="0"/>
+          <a:ext cx="0" cy="0"/>
+          <a:chOff x="0" y="0"/>
+          <a:chExt cx="0" cy="0"/>
+        </a:xfrm>
+      </p:grpSpPr>
+      <p:sp>
+        <p:nvSpPr>
+          <p:cNvPr id="2" name="Titel 1"/>
+          <p:cNvSpPr>
+            <a:spLocks noGrp="1"/>
+          </p:cNvSpPr>
+          <p:nvPr>
+            <p:ph type="title"/>
+          </p:nvPr>
+        </p:nvSpPr>
+        <p:spPr/>
+        <p:txBody>
+          <a:bodyPr/>
+          <a:lstStyle/>
+          <a:p>
+            <a:r>
+              <a:rPr lang="de-DE" dirty="0"/>
+              <a:t>Top-event </a:t>
+            </a:r>
+            <a:r>
+              <a:rPr lang="de-DE" dirty="0" err="1"/>
+              <a:t>evaluation</a:t>
+            </a:r>
+            <a:endParaRPr lang="de-DE" dirty="0"/>
+          </a:p>
+        </p:txBody>
+      </p:sp>
+      <p:sp>
+        <p:nvSpPr>
           <p:cNvPr id="3" name="Rectangle 1"/>
           <p:cNvSpPr>
             <a:spLocks noChangeArrowheads="1"/>
@@ -5872,7 +6017,7 @@
           <a:effectLst/>
           <a:extLst>
             <a:ext uri="{91240B29-F687-4f45-9708-019B960494DF}">
-              <a14:hiddenLine xmlns="" xmlns:a14="http://schemas.microsoft.com/office/drawing/2010/main" w="9525">
+              <a14:hiddenLine xmlns:a14="http://schemas.microsoft.com/office/drawing/2010/main" xmlns="" w="9525">
                 <a:solidFill>
                   <a:schemeClr val="tx1"/>
                 </a:solidFill>
@@ -5882,7 +6027,7 @@
               </a14:hiddenLine>
             </a:ext>
             <a:ext uri="{AF507438-7753-43e0-B8FC-AC1667EBCBE1}">
-              <a14:hiddenEffects xmlns="" xmlns:a14="http://schemas.microsoft.com/office/drawing/2010/main">
+              <a14:hiddenEffects xmlns:a14="http://schemas.microsoft.com/office/drawing/2010/main" xmlns="">
                 <a:effectLst>
                   <a:outerShdw dist="35921" dir="2700000" algn="ctr" rotWithShape="0">
                     <a:schemeClr val="bg2"/>
@@ -8291,7 +8436,7 @@
         </p:blipFill>
         <p:spPr>
           <a:xfrm>
-            <a:off x="661572" y="64896"/>
+            <a:off x="884378" y="101991"/>
             <a:ext cx="4659208" cy="6204525"/>
           </a:xfrm>
           <a:prstGeom prst="rect">
@@ -8677,7 +8822,7 @@
         </p:nvSpPr>
         <p:spPr>
           <a:xfrm>
-            <a:off x="2674889" y="2050603"/>
+            <a:off x="3679252" y="2827757"/>
             <a:ext cx="1469290" cy="546999"/>
           </a:xfrm>
           <a:prstGeom prst="ellipse">
@@ -8736,7 +8881,7 @@
         </p:nvSpPr>
         <p:spPr>
           <a:xfrm>
-            <a:off x="931113" y="2995281"/>
+            <a:off x="1948122" y="3570650"/>
             <a:ext cx="1372949" cy="489673"/>
           </a:xfrm>
           <a:prstGeom prst="ellipse">
@@ -8795,7 +8940,7 @@
         </p:nvSpPr>
         <p:spPr>
           <a:xfrm>
-            <a:off x="4575135" y="2993234"/>
+            <a:off x="5506830" y="3595370"/>
             <a:ext cx="1542052" cy="504714"/>
           </a:xfrm>
           <a:prstGeom prst="ellipse">
@@ -8857,8 +9002,8 @@
         </p:nvCxnSpPr>
         <p:spPr>
           <a:xfrm flipH="1">
-            <a:off x="1617588" y="2517496"/>
-            <a:ext cx="1272474" cy="477785"/>
+            <a:off x="2634597" y="3294650"/>
+            <a:ext cx="1259828" cy="276000"/>
           </a:xfrm>
           <a:prstGeom prst="line">
             <a:avLst/>
@@ -8899,8 +9044,8 @@
         </p:nvCxnSpPr>
         <p:spPr>
           <a:xfrm>
-            <a:off x="3929006" y="2517496"/>
-            <a:ext cx="1417155" cy="475738"/>
+            <a:off x="4933369" y="3294650"/>
+            <a:ext cx="1344487" cy="300720"/>
           </a:xfrm>
           <a:prstGeom prst="line">
             <a:avLst/>
@@ -8933,7 +9078,7 @@
         </p:nvSpPr>
         <p:spPr>
           <a:xfrm>
-            <a:off x="2107274" y="5488158"/>
+            <a:off x="3219275" y="5696446"/>
             <a:ext cx="664560" cy="437400"/>
           </a:xfrm>
           <a:prstGeom prst="rect">
@@ -8992,7 +9137,7 @@
         </p:nvSpPr>
         <p:spPr>
           <a:xfrm>
-            <a:off x="4036541" y="5498065"/>
+            <a:off x="5148542" y="5706353"/>
             <a:ext cx="724785" cy="430920"/>
           </a:xfrm>
           <a:prstGeom prst="rect">
@@ -9051,7 +9196,7 @@
         </p:nvSpPr>
         <p:spPr>
           <a:xfrm>
-            <a:off x="3580892" y="4169478"/>
+            <a:off x="4723639" y="4574273"/>
             <a:ext cx="1031747" cy="501264"/>
           </a:xfrm>
           <a:prstGeom prst="ellipse">
@@ -9113,8 +9258,8 @@
         </p:nvCxnSpPr>
         <p:spPr>
           <a:xfrm flipH="1">
-            <a:off x="4096766" y="3424034"/>
-            <a:ext cx="704197" cy="745444"/>
+            <a:off x="5239513" y="4026170"/>
+            <a:ext cx="493145" cy="548103"/>
           </a:xfrm>
           <a:prstGeom prst="line">
             <a:avLst/>
@@ -9155,8 +9300,8 @@
         </p:nvCxnSpPr>
         <p:spPr>
           <a:xfrm flipH="1">
-            <a:off x="4398934" y="3497948"/>
-            <a:ext cx="947227" cy="2000117"/>
+            <a:off x="5510935" y="4100084"/>
+            <a:ext cx="766921" cy="1606269"/>
           </a:xfrm>
           <a:prstGeom prst="line">
             <a:avLst/>
@@ -9192,8 +9337,8 @@
         </p:nvCxnSpPr>
         <p:spPr>
           <a:xfrm flipH="1">
-            <a:off x="2771834" y="4670742"/>
-            <a:ext cx="1324932" cy="1036116"/>
+            <a:off x="3883835" y="5075537"/>
+            <a:ext cx="1355678" cy="839609"/>
           </a:xfrm>
           <a:prstGeom prst="line">
             <a:avLst/>
@@ -9234,8 +9379,8 @@
         </p:nvCxnSpPr>
         <p:spPr>
           <a:xfrm>
-            <a:off x="4096766" y="4670742"/>
-            <a:ext cx="302168" cy="827323"/>
+            <a:off x="5239513" y="5075537"/>
+            <a:ext cx="271422" cy="630816"/>
           </a:xfrm>
           <a:prstGeom prst="line">
             <a:avLst/>
@@ -9268,7 +9413,7 @@
         </p:nvSpPr>
         <p:spPr>
           <a:xfrm>
-            <a:off x="120383" y="4185928"/>
+            <a:off x="1263130" y="4590723"/>
             <a:ext cx="1125162" cy="501264"/>
           </a:xfrm>
           <a:prstGeom prst="ellipse">
@@ -9330,8 +9475,8 @@
         </p:nvCxnSpPr>
         <p:spPr>
           <a:xfrm flipH="1">
-            <a:off x="682964" y="3484954"/>
-            <a:ext cx="934624" cy="700974"/>
+            <a:off x="1825711" y="4060323"/>
+            <a:ext cx="808886" cy="530400"/>
           </a:xfrm>
           <a:prstGeom prst="line">
             <a:avLst/>
@@ -9369,7 +9514,7 @@
         </p:nvSpPr>
         <p:spPr>
           <a:xfrm>
-            <a:off x="1961263" y="4185927"/>
+            <a:off x="3104010" y="4590722"/>
             <a:ext cx="1078899" cy="500267"/>
           </a:xfrm>
           <a:prstGeom prst="ellipse">
@@ -9431,8 +9576,8 @@
         </p:nvCxnSpPr>
         <p:spPr>
           <a:xfrm>
-            <a:off x="1617588" y="3484954"/>
-            <a:ext cx="883125" cy="700973"/>
+            <a:off x="2634597" y="4060323"/>
+            <a:ext cx="1008863" cy="530399"/>
           </a:xfrm>
           <a:prstGeom prst="line">
             <a:avLst/>
@@ -9468,8 +9613,8 @@
         </p:nvCxnSpPr>
         <p:spPr>
           <a:xfrm>
-            <a:off x="2500713" y="4686194"/>
-            <a:ext cx="1535828" cy="1027331"/>
+            <a:off x="3643460" y="5090989"/>
+            <a:ext cx="1505082" cy="830824"/>
           </a:xfrm>
           <a:prstGeom prst="line">
             <a:avLst/>
@@ -9505,8 +9650,8 @@
         </p:nvCxnSpPr>
         <p:spPr>
           <a:xfrm>
-            <a:off x="682964" y="4687192"/>
-            <a:ext cx="3353577" cy="1026333"/>
+            <a:off x="1825711" y="5091987"/>
+            <a:ext cx="3322831" cy="829826"/>
           </a:xfrm>
           <a:prstGeom prst="straightConnector1">
             <a:avLst/>
@@ -9542,8 +9687,8 @@
         </p:nvCxnSpPr>
         <p:spPr>
           <a:xfrm flipH="1">
-            <a:off x="2439554" y="4686194"/>
-            <a:ext cx="61159" cy="801964"/>
+            <a:off x="3551555" y="5090989"/>
+            <a:ext cx="91905" cy="605457"/>
           </a:xfrm>
           <a:prstGeom prst="line">
             <a:avLst/>
@@ -9584,8 +9729,8 @@
         </p:nvCxnSpPr>
         <p:spPr>
           <a:xfrm>
-            <a:off x="682964" y="4687192"/>
-            <a:ext cx="1756590" cy="800966"/>
+            <a:off x="1825711" y="5091987"/>
+            <a:ext cx="1725844" cy="604459"/>
           </a:xfrm>
           <a:prstGeom prst="line">
             <a:avLst/>
@@ -9625,8 +9770,8 @@
             </p:nvSpPr>
             <p:spPr>
               <a:xfrm>
-                <a:off x="4221180" y="1854490"/>
-                <a:ext cx="4803303" cy="710194"/>
+                <a:off x="984224" y="1943026"/>
+                <a:ext cx="7221272" cy="710194"/>
               </a:xfrm>
               <a:prstGeom prst="rect">
                 <a:avLst/>
@@ -9638,388 +9783,550 @@
               </a:bodyPr>
               <a:lstStyle/>
               <a:p>
+                <a:pPr/>
+                <a:r>
+                  <a:rPr lang="de-DE" b="0" dirty="0"/>
+                  <a:t>P(F)</a:t>
+                </a:r>
                 <a14:m>
-                  <m:oMathPara xmlns:m="http://schemas.openxmlformats.org/officeDocument/2006/math">
-                    <m:oMathParaPr>
-                      <m:jc m:val="centerGroup"/>
-                    </m:oMathParaPr>
-                    <m:oMath xmlns:m="http://schemas.openxmlformats.org/officeDocument/2006/math">
-                      <m:r>
-                        <a:rPr lang="de-DE" b="0" i="1" smtClean="0">
-                          <a:latin typeface="Cambria Math" panose="02040503050406030204" pitchFamily="18" charset="0"/>
-                        </a:rPr>
-                        <m:t>𝑥</m:t>
-                      </m:r>
-                      <m:r>
-                        <a:rPr lang="de-DE" b="0" i="1" smtClean="0">
-                          <a:latin typeface="Cambria Math" panose="02040503050406030204" pitchFamily="18" charset="0"/>
-                        </a:rPr>
-                        <m:t>= </m:t>
-                      </m:r>
-                      <m:d>
-                        <m:dPr>
-                          <m:begChr m:val="{"/>
-                          <m:endChr m:val=""/>
-                          <m:ctrlPr>
-                            <a:rPr lang="de-DE" b="0" i="1" smtClean="0">
-                              <a:latin typeface="Cambria Math" panose="02040503050406030204" pitchFamily="18" charset="0"/>
-                            </a:rPr>
-                          </m:ctrlPr>
-                        </m:dPr>
-                        <m:e>
-                          <m:eqArr>
-                            <m:eqArrPr>
-                              <m:ctrlPr>
-                                <a:rPr lang="de-DE" b="0" i="1" smtClean="0">
-                                  <a:latin typeface="Cambria Math" panose="02040503050406030204" pitchFamily="18" charset="0"/>
-                                </a:rPr>
-                              </m:ctrlPr>
-                            </m:eqArrPr>
-                            <m:e>
-                              <m:sSub>
-                                <m:sSubPr>
-                                  <m:ctrlPr>
-                                    <a:rPr lang="de-DE" b="0" i="1" smtClean="0">
-                                      <a:latin typeface="Cambria Math" panose="02040503050406030204" pitchFamily="18" charset="0"/>
-                                    </a:rPr>
-                                  </m:ctrlPr>
-                                </m:sSubPr>
-                                <m:e>
-                                  <m:r>
-                                    <a:rPr lang="de-DE" b="0" i="1" smtClean="0">
-                                      <a:latin typeface="Cambria Math" panose="02040503050406030204" pitchFamily="18" charset="0"/>
-                                    </a:rPr>
-                                    <m:t>𝑔</m:t>
-                                  </m:r>
-                                </m:e>
-                                <m:sub>
-                                  <m:r>
-                                    <a:rPr lang="de-DE" b="0" i="1" smtClean="0">
-                                      <a:latin typeface="Cambria Math" panose="02040503050406030204" pitchFamily="18" charset="0"/>
-                                    </a:rPr>
-                                    <m:t>2</m:t>
-                                  </m:r>
-                                </m:sub>
-                              </m:sSub>
-                              <m:r>
-                                <a:rPr lang="de-DE" b="0" i="1" smtClean="0">
-                                  <a:latin typeface="Cambria Math" panose="02040503050406030204" pitchFamily="18" charset="0"/>
-                                </a:rPr>
-                                <m:t>+</m:t>
-                              </m:r>
-                              <m:r>
-                                <a:rPr lang="de-DE" b="0" i="1" smtClean="0">
-                                  <a:latin typeface="Cambria Math" panose="02040503050406030204" pitchFamily="18" charset="0"/>
-                                </a:rPr>
-                                <m:t>𝑥</m:t>
-                              </m:r>
-                              <m:r>
-                                <a:rPr lang="de-DE" b="0" i="1" smtClean="0">
-                                  <a:latin typeface="Cambria Math" panose="02040503050406030204" pitchFamily="18" charset="0"/>
-                                </a:rPr>
-                                <m:t>⋅</m:t>
-                              </m:r>
-                              <m:d>
-                                <m:dPr>
-                                  <m:ctrlPr>
-                                    <a:rPr lang="de-DE" b="0" i="1" smtClean="0">
-                                      <a:latin typeface="Cambria Math" panose="02040503050406030204" pitchFamily="18" charset="0"/>
-                                    </a:rPr>
-                                  </m:ctrlPr>
-                                </m:dPr>
-                                <m:e>
-                                  <m:sSub>
-                                    <m:sSubPr>
-                                      <m:ctrlPr>
-                                        <a:rPr lang="de-DE" b="0" i="1" smtClean="0">
-                                          <a:latin typeface="Cambria Math" panose="02040503050406030204" pitchFamily="18" charset="0"/>
-                                        </a:rPr>
-                                      </m:ctrlPr>
-                                    </m:sSubPr>
-                                    <m:e>
-                                      <m:r>
-                                        <a:rPr lang="de-DE" b="0" i="1" smtClean="0">
-                                          <a:latin typeface="Cambria Math" panose="02040503050406030204" pitchFamily="18" charset="0"/>
-                                        </a:rPr>
-                                        <m:t>𝑔</m:t>
-                                      </m:r>
-                                    </m:e>
-                                    <m:sub>
-                                      <m:r>
-                                        <a:rPr lang="de-DE" b="0" i="1" smtClean="0">
-                                          <a:latin typeface="Cambria Math" panose="02040503050406030204" pitchFamily="18" charset="0"/>
-                                        </a:rPr>
-                                        <m:t>1</m:t>
-                                      </m:r>
-                                    </m:sub>
-                                  </m:sSub>
-                                  <m:r>
-                                    <a:rPr lang="de-DE" b="0" i="1" smtClean="0">
-                                      <a:latin typeface="Cambria Math" panose="02040503050406030204" pitchFamily="18" charset="0"/>
-                                    </a:rPr>
-                                    <m:t>−</m:t>
-                                  </m:r>
-                                  <m:sSub>
-                                    <m:sSubPr>
-                                      <m:ctrlPr>
-                                        <a:rPr lang="de-DE" b="0" i="1" smtClean="0">
-                                          <a:latin typeface="Cambria Math" panose="02040503050406030204" pitchFamily="18" charset="0"/>
-                                        </a:rPr>
-                                      </m:ctrlPr>
-                                    </m:sSubPr>
-                                    <m:e>
-                                      <m:r>
-                                        <a:rPr lang="de-DE" b="0" i="1" smtClean="0">
-                                          <a:latin typeface="Cambria Math" panose="02040503050406030204" pitchFamily="18" charset="0"/>
-                                        </a:rPr>
-                                        <m:t>h</m:t>
-                                      </m:r>
-                                    </m:e>
-                                    <m:sub>
-                                      <m:r>
-                                        <a:rPr lang="de-DE" b="0" i="1" smtClean="0">
-                                          <a:latin typeface="Cambria Math" panose="02040503050406030204" pitchFamily="18" charset="0"/>
-                                        </a:rPr>
-                                        <m:t>2</m:t>
-                                      </m:r>
-                                    </m:sub>
-                                  </m:sSub>
-                                </m:e>
-                              </m:d>
-                              <m:r>
-                                <a:rPr lang="de-DE" b="0" i="1" smtClean="0">
-                                  <a:latin typeface="Cambria Math" panose="02040503050406030204" pitchFamily="18" charset="0"/>
-                                </a:rPr>
-                                <m:t>   </m:t>
-                              </m:r>
-                              <m:r>
-                                <a:rPr lang="de-DE" b="0" i="1" smtClean="0">
-                                  <a:latin typeface="Cambria Math" panose="02040503050406030204" pitchFamily="18" charset="0"/>
-                                </a:rPr>
-                                <m:t>𝑖𝑓</m:t>
-                              </m:r>
-                              <m:r>
-                                <a:rPr lang="de-DE" b="0" i="1" smtClean="0">
-                                  <a:latin typeface="Cambria Math" panose="02040503050406030204" pitchFamily="18" charset="0"/>
-                                </a:rPr>
-                                <m:t> </m:t>
-                              </m:r>
-                              <m:sSub>
-                                <m:sSubPr>
-                                  <m:ctrlPr>
-                                    <a:rPr lang="de-DE" b="0" i="1" smtClean="0">
-                                      <a:latin typeface="Cambria Math" panose="02040503050406030204" pitchFamily="18" charset="0"/>
-                                    </a:rPr>
-                                  </m:ctrlPr>
-                                </m:sSubPr>
-                                <m:e>
-                                  <m:r>
-                                    <a:rPr lang="de-DE" b="0" i="1" smtClean="0">
-                                      <a:latin typeface="Cambria Math" panose="02040503050406030204" pitchFamily="18" charset="0"/>
-                                    </a:rPr>
-                                    <m:t>𝑥</m:t>
-                                  </m:r>
-                                </m:e>
-                                <m:sub>
-                                  <m:r>
-                                    <a:rPr lang="de-DE" b="0" i="1" smtClean="0">
-                                      <a:latin typeface="Cambria Math" panose="02040503050406030204" pitchFamily="18" charset="0"/>
-                                    </a:rPr>
-                                    <m:t>1</m:t>
-                                  </m:r>
-                                </m:sub>
-                              </m:sSub>
-                              <m:r>
-                                <a:rPr lang="de-DE" b="0" i="1" smtClean="0">
-                                  <a:latin typeface="Cambria Math" panose="02040503050406030204" pitchFamily="18" charset="0"/>
-                                </a:rPr>
-                                <m:t> </m:t>
-                              </m:r>
-                              <m:r>
-                                <a:rPr lang="de-DE" b="0" i="1" smtClean="0">
-                                  <a:latin typeface="Cambria Math" panose="02040503050406030204" pitchFamily="18" charset="0"/>
-                                </a:rPr>
-                                <m:t>𝑑𝑒𝑝𝑒𝑛𝑑𝑠</m:t>
-                              </m:r>
-                              <m:r>
-                                <a:rPr lang="de-DE" b="0" i="1" smtClean="0">
-                                  <a:latin typeface="Cambria Math" panose="02040503050406030204" pitchFamily="18" charset="0"/>
-                                </a:rPr>
-                                <m:t> </m:t>
-                              </m:r>
-                              <m:r>
-                                <a:rPr lang="de-DE" b="0" i="1" smtClean="0">
-                                  <a:latin typeface="Cambria Math" panose="02040503050406030204" pitchFamily="18" charset="0"/>
-                                </a:rPr>
-                                <m:t>𝑜𝑛</m:t>
-                              </m:r>
-                              <m:r>
-                                <a:rPr lang="de-DE" b="0" i="1" smtClean="0">
-                                  <a:latin typeface="Cambria Math" panose="02040503050406030204" pitchFamily="18" charset="0"/>
-                                </a:rPr>
-                                <m:t> </m:t>
-                              </m:r>
-                              <m:sSub>
-                                <m:sSubPr>
-                                  <m:ctrlPr>
-                                    <a:rPr lang="de-DE" b="0" i="1" smtClean="0">
-                                      <a:latin typeface="Cambria Math" panose="02040503050406030204" pitchFamily="18" charset="0"/>
-                                    </a:rPr>
-                                  </m:ctrlPr>
-                                </m:sSubPr>
-                                <m:e>
-                                  <m:r>
-                                    <a:rPr lang="de-DE" b="0" i="1" smtClean="0">
-                                      <a:latin typeface="Cambria Math" panose="02040503050406030204" pitchFamily="18" charset="0"/>
-                                    </a:rPr>
-                                    <m:t>𝑥</m:t>
-                                  </m:r>
-                                </m:e>
-                                <m:sub>
-                                  <m:r>
-                                    <a:rPr lang="de-DE" b="0" i="1" smtClean="0">
-                                      <a:latin typeface="Cambria Math" panose="02040503050406030204" pitchFamily="18" charset="0"/>
-                                    </a:rPr>
-                                    <m:t>2</m:t>
-                                  </m:r>
-                                </m:sub>
-                              </m:sSub>
-                            </m:e>
-                            <m:e>
-                              <m:sSub>
-                                <m:sSubPr>
-                                  <m:ctrlPr>
-                                    <a:rPr lang="de-DE" b="0" i="1" smtClean="0">
-                                      <a:latin typeface="Cambria Math" panose="02040503050406030204" pitchFamily="18" charset="0"/>
-                                    </a:rPr>
-                                  </m:ctrlPr>
-                                </m:sSubPr>
-                                <m:e>
-                                  <m:r>
-                                    <a:rPr lang="de-DE" b="0" i="1" smtClean="0">
-                                      <a:latin typeface="Cambria Math" panose="02040503050406030204" pitchFamily="18" charset="0"/>
-                                    </a:rPr>
-                                    <m:t>𝑔</m:t>
-                                  </m:r>
-                                </m:e>
-                                <m:sub>
-                                  <m:r>
-                                    <a:rPr lang="de-DE" b="0" i="1" smtClean="0">
-                                      <a:latin typeface="Cambria Math" panose="02040503050406030204" pitchFamily="18" charset="0"/>
-                                    </a:rPr>
-                                    <m:t>2</m:t>
-                                  </m:r>
-                                </m:sub>
-                              </m:sSub>
-                              <m:r>
-                                <a:rPr lang="de-DE" b="0" i="1" smtClean="0">
-                                  <a:latin typeface="Cambria Math" panose="02040503050406030204" pitchFamily="18" charset="0"/>
-                                </a:rPr>
-                                <m:t>+</m:t>
-                              </m:r>
-                              <m:r>
-                                <a:rPr lang="de-DE" b="0" i="1" smtClean="0">
-                                  <a:latin typeface="Cambria Math" panose="02040503050406030204" pitchFamily="18" charset="0"/>
-                                </a:rPr>
-                                <m:t>𝑥</m:t>
-                              </m:r>
-                              <m:r>
-                                <a:rPr lang="de-DE" b="0" i="1" smtClean="0">
-                                  <a:latin typeface="Cambria Math" panose="02040503050406030204" pitchFamily="18" charset="0"/>
-                                </a:rPr>
-                                <m:t>⋅</m:t>
-                              </m:r>
-                              <m:d>
-                                <m:dPr>
-                                  <m:ctrlPr>
-                                    <a:rPr lang="de-DE" b="0" i="1" smtClean="0">
-                                      <a:latin typeface="Cambria Math" panose="02040503050406030204" pitchFamily="18" charset="0"/>
-                                    </a:rPr>
-                                  </m:ctrlPr>
-                                </m:dPr>
-                                <m:e>
-                                  <m:sSub>
-                                    <m:sSubPr>
-                                      <m:ctrlPr>
-                                        <a:rPr lang="de-DE" b="0" i="1" smtClean="0">
-                                          <a:latin typeface="Cambria Math" panose="02040503050406030204" pitchFamily="18" charset="0"/>
-                                        </a:rPr>
-                                      </m:ctrlPr>
-                                    </m:sSubPr>
-                                    <m:e>
-                                      <m:r>
-                                        <a:rPr lang="de-DE" b="0" i="1" smtClean="0">
-                                          <a:latin typeface="Cambria Math" panose="02040503050406030204" pitchFamily="18" charset="0"/>
-                                        </a:rPr>
-                                        <m:t>𝑔</m:t>
-                                      </m:r>
-                                    </m:e>
-                                    <m:sub>
-                                      <m:r>
-                                        <a:rPr lang="de-DE" b="0" i="1" smtClean="0">
-                                          <a:latin typeface="Cambria Math" panose="02040503050406030204" pitchFamily="18" charset="0"/>
-                                        </a:rPr>
-                                        <m:t>1</m:t>
-                                      </m:r>
-                                    </m:sub>
-                                  </m:sSub>
-                                  <m:r>
-                                    <a:rPr lang="de-DE" b="0" i="1" smtClean="0">
-                                      <a:latin typeface="Cambria Math" panose="02040503050406030204" pitchFamily="18" charset="0"/>
-                                    </a:rPr>
-                                    <m:t>−</m:t>
-                                  </m:r>
-                                  <m:sSub>
-                                    <m:sSubPr>
-                                      <m:ctrlPr>
-                                        <a:rPr lang="de-DE" b="0" i="1" smtClean="0">
-                                          <a:latin typeface="Cambria Math" panose="02040503050406030204" pitchFamily="18" charset="0"/>
-                                        </a:rPr>
-                                      </m:ctrlPr>
-                                    </m:sSubPr>
-                                    <m:e>
-                                      <m:r>
-                                        <a:rPr lang="de-DE" b="0" i="1" smtClean="0">
-                                          <a:latin typeface="Cambria Math" panose="02040503050406030204" pitchFamily="18" charset="0"/>
-                                        </a:rPr>
-                                        <m:t>𝑔</m:t>
-                                      </m:r>
-                                    </m:e>
-                                    <m:sub>
-                                      <m:r>
-                                        <a:rPr lang="de-DE" b="0" i="1" smtClean="0">
-                                          <a:latin typeface="Cambria Math" panose="02040503050406030204" pitchFamily="18" charset="0"/>
-                                        </a:rPr>
-                                        <m:t>2</m:t>
-                                      </m:r>
-                                    </m:sub>
-                                  </m:sSub>
-                                </m:e>
-                              </m:d>
-                              <m:r>
-                                <a:rPr lang="de-DE" b="0" i="1" smtClean="0">
-                                  <a:latin typeface="Cambria Math" panose="02040503050406030204" pitchFamily="18" charset="0"/>
-                                </a:rPr>
-                                <m:t>   </m:t>
-                              </m:r>
-                              <m:r>
-                                <a:rPr lang="de-DE" b="0" i="1" smtClean="0">
-                                  <a:latin typeface="Cambria Math" panose="02040503050406030204" pitchFamily="18" charset="0"/>
-                                </a:rPr>
-                                <m:t>𝑜𝑡h𝑒𝑟𝑤𝑖𝑠𝑒</m:t>
-                              </m:r>
-                              <m:r>
-                                <a:rPr lang="de-DE" b="0" i="1" smtClean="0">
-                                  <a:latin typeface="Cambria Math" panose="02040503050406030204" pitchFamily="18" charset="0"/>
-                                </a:rPr>
-                                <m:t>                   </m:t>
-                              </m:r>
-                            </m:e>
-                          </m:eqArr>
-                        </m:e>
-                      </m:d>
-                    </m:oMath>
-                  </m:oMathPara>
+                  <m:oMath xmlns:m="http://schemas.openxmlformats.org/officeDocument/2006/math">
+                    <m:r>
+                      <a:rPr lang="de-DE" b="0" i="1" smtClean="0">
+                        <a:latin typeface="Cambria Math" panose="02040503050406030204" pitchFamily="18" charset="0"/>
+                      </a:rPr>
+                      <m:t>=</m:t>
+                    </m:r>
+                    <m:d>
+                      <m:dPr>
+                        <m:begChr m:val="{"/>
+                        <m:endChr m:val=""/>
+                        <m:ctrlPr>
+                          <a:rPr lang="de-DE" b="0" i="1" smtClean="0">
+                            <a:latin typeface="Cambria Math" panose="02040503050406030204" pitchFamily="18" charset="0"/>
+                          </a:rPr>
+                        </m:ctrlPr>
+                      </m:dPr>
+                      <m:e>
+                        <m:eqArr>
+                          <m:eqArrPr>
+                            <m:ctrlPr>
+                              <a:rPr lang="de-DE" b="0" i="1" smtClean="0">
+                                <a:latin typeface="Cambria Math" panose="02040503050406030204" pitchFamily="18" charset="0"/>
+                              </a:rPr>
+                            </m:ctrlPr>
+                          </m:eqArrPr>
+                          <m:e>
+                            <m:r>
+                              <a:rPr lang="de-DE" b="0" i="1" smtClean="0">
+                                <a:latin typeface="Cambria Math" panose="02040503050406030204" pitchFamily="18" charset="0"/>
+                              </a:rPr>
+                              <m:t>𝑃</m:t>
+                            </m:r>
+                            <m:r>
+                              <a:rPr lang="de-DE" b="0" i="1" smtClean="0">
+                                <a:latin typeface="Cambria Math" panose="02040503050406030204" pitchFamily="18" charset="0"/>
+                              </a:rPr>
+                              <m:t>(</m:t>
+                            </m:r>
+                            <m:sSub>
+                              <m:sSubPr>
+                                <m:ctrlPr>
+                                  <a:rPr lang="de-DE" b="0" i="1" smtClean="0">
+                                    <a:latin typeface="Cambria Math" panose="02040503050406030204" pitchFamily="18" charset="0"/>
+                                  </a:rPr>
+                                </m:ctrlPr>
+                              </m:sSubPr>
+                              <m:e>
+                                <m:r>
+                                  <a:rPr lang="de-DE" b="0" i="1" smtClean="0">
+                                    <a:latin typeface="Cambria Math" panose="02040503050406030204" pitchFamily="18" charset="0"/>
+                                  </a:rPr>
+                                  <m:t>𝑔</m:t>
+                                </m:r>
+                              </m:e>
+                              <m:sub>
+                                <m:r>
+                                  <a:rPr lang="de-DE" b="0" i="1" smtClean="0">
+                                    <a:latin typeface="Cambria Math" panose="02040503050406030204" pitchFamily="18" charset="0"/>
+                                  </a:rPr>
+                                  <m:t>2</m:t>
+                                </m:r>
+                              </m:sub>
+                            </m:sSub>
+                            <m:r>
+                              <a:rPr lang="de-DE" b="0" i="1" smtClean="0">
+                                <a:latin typeface="Cambria Math" panose="02040503050406030204" pitchFamily="18" charset="0"/>
+                              </a:rPr>
+                              <m:t>)</m:t>
+                            </m:r>
+                            <m:r>
+                              <a:rPr lang="de-DE" b="0" i="1" smtClean="0">
+                                <a:latin typeface="Cambria Math" panose="02040503050406030204" pitchFamily="18" charset="0"/>
+                              </a:rPr>
+                              <m:t>+</m:t>
+                            </m:r>
+                            <m:r>
+                              <a:rPr lang="de-DE" b="0" i="1" smtClean="0">
+                                <a:latin typeface="Cambria Math" panose="02040503050406030204" pitchFamily="18" charset="0"/>
+                              </a:rPr>
+                              <m:t>𝑃</m:t>
+                            </m:r>
+                            <m:r>
+                              <a:rPr lang="de-DE" b="0" i="1" smtClean="0">
+                                <a:latin typeface="Cambria Math" panose="02040503050406030204" pitchFamily="18" charset="0"/>
+                              </a:rPr>
+                              <m:t>(</m:t>
+                            </m:r>
+                            <m:r>
+                              <a:rPr lang="de-DE" b="0" i="1" smtClean="0">
+                                <a:latin typeface="Cambria Math" panose="02040503050406030204" pitchFamily="18" charset="0"/>
+                              </a:rPr>
+                              <m:t>𝑥</m:t>
+                            </m:r>
+                            <m:r>
+                              <a:rPr lang="de-DE" b="0" i="1" smtClean="0">
+                                <a:latin typeface="Cambria Math" panose="02040503050406030204" pitchFamily="18" charset="0"/>
+                              </a:rPr>
+                              <m:t>)</m:t>
+                            </m:r>
+                            <m:r>
+                              <a:rPr lang="de-DE" b="0" i="1" smtClean="0">
+                                <a:latin typeface="Cambria Math" panose="02040503050406030204" pitchFamily="18" charset="0"/>
+                              </a:rPr>
+                              <m:t>⋅</m:t>
+                            </m:r>
+                            <m:d>
+                              <m:dPr>
+                                <m:ctrlPr>
+                                  <a:rPr lang="de-DE" b="0" i="1" smtClean="0">
+                                    <a:latin typeface="Cambria Math" panose="02040503050406030204" pitchFamily="18" charset="0"/>
+                                  </a:rPr>
+                                </m:ctrlPr>
+                              </m:dPr>
+                              <m:e>
+                                <m:r>
+                                  <a:rPr lang="de-DE" b="0" i="1" smtClean="0">
+                                    <a:latin typeface="Cambria Math" panose="02040503050406030204" pitchFamily="18" charset="0"/>
+                                  </a:rPr>
+                                  <m:t>𝑃</m:t>
+                                </m:r>
+                                <m:r>
+                                  <a:rPr lang="de-DE" b="0" i="1" smtClean="0">
+                                    <a:latin typeface="Cambria Math" panose="02040503050406030204" pitchFamily="18" charset="0"/>
+                                  </a:rPr>
+                                  <m:t>(</m:t>
+                                </m:r>
+                                <m:sSub>
+                                  <m:sSubPr>
+                                    <m:ctrlPr>
+                                      <a:rPr lang="de-DE" b="0" i="1" smtClean="0">
+                                        <a:latin typeface="Cambria Math" panose="02040503050406030204" pitchFamily="18" charset="0"/>
+                                      </a:rPr>
+                                    </m:ctrlPr>
+                                  </m:sSubPr>
+                                  <m:e>
+                                    <m:r>
+                                      <a:rPr lang="de-DE" b="0" i="1" smtClean="0">
+                                        <a:latin typeface="Cambria Math" panose="02040503050406030204" pitchFamily="18" charset="0"/>
+                                      </a:rPr>
+                                      <m:t>𝑔</m:t>
+                                    </m:r>
+                                  </m:e>
+                                  <m:sub>
+                                    <m:r>
+                                      <a:rPr lang="de-DE" b="0" i="1" smtClean="0">
+                                        <a:latin typeface="Cambria Math" panose="02040503050406030204" pitchFamily="18" charset="0"/>
+                                      </a:rPr>
+                                      <m:t>1</m:t>
+                                    </m:r>
+                                  </m:sub>
+                                </m:sSub>
+                                <m:r>
+                                  <a:rPr lang="de-DE" b="0" i="1" smtClean="0">
+                                    <a:latin typeface="Cambria Math" panose="02040503050406030204" pitchFamily="18" charset="0"/>
+                                  </a:rPr>
+                                  <m:t>)</m:t>
+                                </m:r>
+                                <m:r>
+                                  <a:rPr lang="de-DE" b="0" i="1" smtClean="0">
+                                    <a:latin typeface="Cambria Math" panose="02040503050406030204" pitchFamily="18" charset="0"/>
+                                  </a:rPr>
+                                  <m:t>−</m:t>
+                                </m:r>
+                                <m:r>
+                                  <a:rPr lang="de-DE" b="0" i="1" smtClean="0">
+                                    <a:latin typeface="Cambria Math" panose="02040503050406030204" pitchFamily="18" charset="0"/>
+                                  </a:rPr>
+                                  <m:t>𝑃</m:t>
+                                </m:r>
+                                <m:r>
+                                  <a:rPr lang="de-DE" b="0" i="1" smtClean="0">
+                                    <a:latin typeface="Cambria Math" panose="02040503050406030204" pitchFamily="18" charset="0"/>
+                                  </a:rPr>
+                                  <m:t>(</m:t>
+                                </m:r>
+                                <m:sSub>
+                                  <m:sSubPr>
+                                    <m:ctrlPr>
+                                      <a:rPr lang="de-DE" b="0" i="1" smtClean="0">
+                                        <a:latin typeface="Cambria Math" panose="02040503050406030204" pitchFamily="18" charset="0"/>
+                                      </a:rPr>
+                                    </m:ctrlPr>
+                                  </m:sSubPr>
+                                  <m:e>
+                                    <m:r>
+                                      <a:rPr lang="de-DE" b="0" i="1" smtClean="0">
+                                        <a:latin typeface="Cambria Math" panose="02040503050406030204" pitchFamily="18" charset="0"/>
+                                      </a:rPr>
+                                      <m:t>h</m:t>
+                                    </m:r>
+                                  </m:e>
+                                  <m:sub>
+                                    <m:r>
+                                      <a:rPr lang="de-DE" b="0" i="1" smtClean="0">
+                                        <a:latin typeface="Cambria Math" panose="02040503050406030204" pitchFamily="18" charset="0"/>
+                                      </a:rPr>
+                                      <m:t>2</m:t>
+                                    </m:r>
+                                  </m:sub>
+                                </m:sSub>
+                                <m:r>
+                                  <a:rPr lang="de-DE" b="0" i="1" smtClean="0">
+                                    <a:latin typeface="Cambria Math" panose="02040503050406030204" pitchFamily="18" charset="0"/>
+                                  </a:rPr>
+                                  <m:t>)</m:t>
+                                </m:r>
+                              </m:e>
+                            </m:d>
+                            <m:r>
+                              <a:rPr lang="de-DE" b="0" i="1" smtClean="0">
+                                <a:latin typeface="Cambria Math" panose="02040503050406030204" pitchFamily="18" charset="0"/>
+                              </a:rPr>
+                              <m:t>   </m:t>
+                            </m:r>
+                            <m:r>
+                              <a:rPr lang="de-DE" b="0" i="1" smtClean="0">
+                                <a:latin typeface="Cambria Math" panose="02040503050406030204" pitchFamily="18" charset="0"/>
+                              </a:rPr>
+                              <m:t>𝑖𝑓</m:t>
+                            </m:r>
+                            <m:r>
+                              <a:rPr lang="de-DE" b="0" i="1" smtClean="0">
+                                <a:latin typeface="Cambria Math" panose="02040503050406030204" pitchFamily="18" charset="0"/>
+                              </a:rPr>
+                              <m:t> </m:t>
+                            </m:r>
+                            <m:sSub>
+                              <m:sSubPr>
+                                <m:ctrlPr>
+                                  <a:rPr lang="de-DE" b="0" i="1" smtClean="0">
+                                    <a:latin typeface="Cambria Math" panose="02040503050406030204" pitchFamily="18" charset="0"/>
+                                  </a:rPr>
+                                </m:ctrlPr>
+                              </m:sSubPr>
+                              <m:e>
+                                <m:r>
+                                  <a:rPr lang="de-DE" b="0" i="1" smtClean="0">
+                                    <a:latin typeface="Cambria Math" panose="02040503050406030204" pitchFamily="18" charset="0"/>
+                                  </a:rPr>
+                                  <m:t>𝑥</m:t>
+                                </m:r>
+                              </m:e>
+                              <m:sub>
+                                <m:r>
+                                  <a:rPr lang="de-DE" b="0" i="1" smtClean="0">
+                                    <a:latin typeface="Cambria Math" panose="02040503050406030204" pitchFamily="18" charset="0"/>
+                                  </a:rPr>
+                                  <m:t>1</m:t>
+                                </m:r>
+                              </m:sub>
+                            </m:sSub>
+                            <m:r>
+                              <a:rPr lang="de-DE" b="0" i="1" smtClean="0">
+                                <a:latin typeface="Cambria Math" panose="02040503050406030204" pitchFamily="18" charset="0"/>
+                              </a:rPr>
+                              <m:t> </m:t>
+                            </m:r>
+                            <m:r>
+                              <a:rPr lang="de-DE" b="0" i="1" smtClean="0">
+                                <a:latin typeface="Cambria Math" panose="02040503050406030204" pitchFamily="18" charset="0"/>
+                              </a:rPr>
+                              <m:t>𝑎𝑛𝑑</m:t>
+                            </m:r>
+                            <m:r>
+                              <a:rPr lang="de-DE" b="0" i="1" smtClean="0">
+                                <a:latin typeface="Cambria Math" panose="02040503050406030204" pitchFamily="18" charset="0"/>
+                              </a:rPr>
+                              <m:t> </m:t>
+                            </m:r>
+                            <m:sSub>
+                              <m:sSubPr>
+                                <m:ctrlPr>
+                                  <a:rPr lang="de-DE" b="0" i="1" smtClean="0">
+                                    <a:latin typeface="Cambria Math" panose="02040503050406030204" pitchFamily="18" charset="0"/>
+                                  </a:rPr>
+                                </m:ctrlPr>
+                              </m:sSubPr>
+                              <m:e>
+                                <m:r>
+                                  <a:rPr lang="de-DE" b="0" i="1" smtClean="0">
+                                    <a:latin typeface="Cambria Math" panose="02040503050406030204" pitchFamily="18" charset="0"/>
+                                  </a:rPr>
+                                  <m:t>𝑥</m:t>
+                                </m:r>
+                              </m:e>
+                              <m:sub>
+                                <m:r>
+                                  <a:rPr lang="de-DE" b="0" i="1" smtClean="0">
+                                    <a:latin typeface="Cambria Math" panose="02040503050406030204" pitchFamily="18" charset="0"/>
+                                  </a:rPr>
+                                  <m:t>2</m:t>
+                                </m:r>
+                              </m:sub>
+                            </m:sSub>
+                            <m:r>
+                              <a:rPr lang="de-DE" b="0" i="1" smtClean="0">
+                                <a:latin typeface="Cambria Math" panose="02040503050406030204" pitchFamily="18" charset="0"/>
+                              </a:rPr>
+                              <m:t> </m:t>
+                            </m:r>
+                            <m:r>
+                              <a:rPr lang="de-DE" b="0" i="1" smtClean="0">
+                                <a:latin typeface="Cambria Math" panose="02040503050406030204" pitchFamily="18" charset="0"/>
+                              </a:rPr>
+                              <m:t>𝑠𝑎𝑚𝑒</m:t>
+                            </m:r>
+                            <m:r>
+                              <a:rPr lang="de-DE" b="0" i="1" smtClean="0">
+                                <a:latin typeface="Cambria Math" panose="02040503050406030204" pitchFamily="18" charset="0"/>
+                              </a:rPr>
+                              <m:t> </m:t>
+                            </m:r>
+                            <m:r>
+                              <a:rPr lang="de-DE" b="0" i="1" smtClean="0">
+                                <a:latin typeface="Cambria Math" panose="02040503050406030204" pitchFamily="18" charset="0"/>
+                              </a:rPr>
+                              <m:t>𝐶𝑜𝑚𝑝𝑜𝑛𝑒𝑛𝑡</m:t>
+                            </m:r>
+                          </m:e>
+                          <m:e>
+                            <m:r>
+                              <a:rPr lang="de-DE" b="0" i="1" smtClean="0">
+                                <a:latin typeface="Cambria Math" panose="02040503050406030204" pitchFamily="18" charset="0"/>
+                              </a:rPr>
+                              <m:t>𝑃</m:t>
+                            </m:r>
+                            <m:r>
+                              <a:rPr lang="de-DE" b="0" i="1" smtClean="0">
+                                <a:latin typeface="Cambria Math" panose="02040503050406030204" pitchFamily="18" charset="0"/>
+                              </a:rPr>
+                              <m:t>(</m:t>
+                            </m:r>
+                            <m:sSub>
+                              <m:sSubPr>
+                                <m:ctrlPr>
+                                  <a:rPr lang="de-DE" b="0" i="1" smtClean="0">
+                                    <a:latin typeface="Cambria Math" panose="02040503050406030204" pitchFamily="18" charset="0"/>
+                                  </a:rPr>
+                                </m:ctrlPr>
+                              </m:sSubPr>
+                              <m:e>
+                                <m:r>
+                                  <a:rPr lang="de-DE" b="0" i="1" smtClean="0">
+                                    <a:latin typeface="Cambria Math" panose="02040503050406030204" pitchFamily="18" charset="0"/>
+                                  </a:rPr>
+                                  <m:t>𝑔</m:t>
+                                </m:r>
+                              </m:e>
+                              <m:sub>
+                                <m:r>
+                                  <a:rPr lang="de-DE" b="0" i="1" smtClean="0">
+                                    <a:latin typeface="Cambria Math" panose="02040503050406030204" pitchFamily="18" charset="0"/>
+                                  </a:rPr>
+                                  <m:t>2</m:t>
+                                </m:r>
+                              </m:sub>
+                            </m:sSub>
+                            <m:r>
+                              <a:rPr lang="de-DE" b="0" i="1" smtClean="0">
+                                <a:latin typeface="Cambria Math" panose="02040503050406030204" pitchFamily="18" charset="0"/>
+                              </a:rPr>
+                              <m:t>)</m:t>
+                            </m:r>
+                            <m:r>
+                              <a:rPr lang="de-DE" b="0" i="1" smtClean="0">
+                                <a:latin typeface="Cambria Math" panose="02040503050406030204" pitchFamily="18" charset="0"/>
+                              </a:rPr>
+                              <m:t>+</m:t>
+                            </m:r>
+                            <m:r>
+                              <a:rPr lang="de-DE" b="0" i="1" smtClean="0">
+                                <a:latin typeface="Cambria Math" panose="02040503050406030204" pitchFamily="18" charset="0"/>
+                              </a:rPr>
+                              <m:t>𝑃</m:t>
+                            </m:r>
+                            <m:r>
+                              <a:rPr lang="de-DE" b="0" i="1" smtClean="0">
+                                <a:latin typeface="Cambria Math" panose="02040503050406030204" pitchFamily="18" charset="0"/>
+                              </a:rPr>
+                              <m:t>(</m:t>
+                            </m:r>
+                            <m:r>
+                              <a:rPr lang="de-DE" b="0" i="1" smtClean="0">
+                                <a:latin typeface="Cambria Math" panose="02040503050406030204" pitchFamily="18" charset="0"/>
+                              </a:rPr>
+                              <m:t>𝑥</m:t>
+                            </m:r>
+                            <m:r>
+                              <a:rPr lang="de-DE" b="0" i="1" smtClean="0">
+                                <a:latin typeface="Cambria Math" panose="02040503050406030204" pitchFamily="18" charset="0"/>
+                              </a:rPr>
+                              <m:t>)</m:t>
+                            </m:r>
+                            <m:r>
+                              <a:rPr lang="de-DE" b="0" i="1" smtClean="0">
+                                <a:latin typeface="Cambria Math" panose="02040503050406030204" pitchFamily="18" charset="0"/>
+                              </a:rPr>
+                              <m:t>⋅</m:t>
+                            </m:r>
+                            <m:d>
+                              <m:dPr>
+                                <m:ctrlPr>
+                                  <a:rPr lang="de-DE" b="0" i="1" smtClean="0">
+                                    <a:latin typeface="Cambria Math" panose="02040503050406030204" pitchFamily="18" charset="0"/>
+                                  </a:rPr>
+                                </m:ctrlPr>
+                              </m:dPr>
+                              <m:e>
+                                <m:r>
+                                  <a:rPr lang="de-DE" b="0" i="1" smtClean="0">
+                                    <a:latin typeface="Cambria Math" panose="02040503050406030204" pitchFamily="18" charset="0"/>
+                                  </a:rPr>
+                                  <m:t>𝑃</m:t>
+                                </m:r>
+                                <m:r>
+                                  <a:rPr lang="de-DE" b="0" i="1" smtClean="0">
+                                    <a:latin typeface="Cambria Math" panose="02040503050406030204" pitchFamily="18" charset="0"/>
+                                  </a:rPr>
+                                  <m:t>(</m:t>
+                                </m:r>
+                                <m:sSub>
+                                  <m:sSubPr>
+                                    <m:ctrlPr>
+                                      <a:rPr lang="de-DE" b="0" i="1" smtClean="0">
+                                        <a:latin typeface="Cambria Math" panose="02040503050406030204" pitchFamily="18" charset="0"/>
+                                      </a:rPr>
+                                    </m:ctrlPr>
+                                  </m:sSubPr>
+                                  <m:e>
+                                    <m:r>
+                                      <a:rPr lang="de-DE" b="0" i="1" smtClean="0">
+                                        <a:latin typeface="Cambria Math" panose="02040503050406030204" pitchFamily="18" charset="0"/>
+                                      </a:rPr>
+                                      <m:t>𝑔</m:t>
+                                    </m:r>
+                                  </m:e>
+                                  <m:sub>
+                                    <m:r>
+                                      <a:rPr lang="de-DE" b="0" i="1" smtClean="0">
+                                        <a:latin typeface="Cambria Math" panose="02040503050406030204" pitchFamily="18" charset="0"/>
+                                      </a:rPr>
+                                      <m:t>1</m:t>
+                                    </m:r>
+                                  </m:sub>
+                                </m:sSub>
+                                <m:r>
+                                  <a:rPr lang="de-DE" b="0" i="1" smtClean="0">
+                                    <a:latin typeface="Cambria Math" panose="02040503050406030204" pitchFamily="18" charset="0"/>
+                                  </a:rPr>
+                                  <m:t>)</m:t>
+                                </m:r>
+                                <m:r>
+                                  <a:rPr lang="de-DE" b="0" i="1" smtClean="0">
+                                    <a:latin typeface="Cambria Math" panose="02040503050406030204" pitchFamily="18" charset="0"/>
+                                  </a:rPr>
+                                  <m:t>−</m:t>
+                                </m:r>
+                                <m:r>
+                                  <a:rPr lang="de-DE" b="0" i="1" smtClean="0">
+                                    <a:latin typeface="Cambria Math" panose="02040503050406030204" pitchFamily="18" charset="0"/>
+                                  </a:rPr>
+                                  <m:t>𝑃</m:t>
+                                </m:r>
+                                <m:r>
+                                  <a:rPr lang="de-DE" b="0" i="1" smtClean="0">
+                                    <a:latin typeface="Cambria Math" panose="02040503050406030204" pitchFamily="18" charset="0"/>
+                                  </a:rPr>
+                                  <m:t>(</m:t>
+                                </m:r>
+                                <m:sSub>
+                                  <m:sSubPr>
+                                    <m:ctrlPr>
+                                      <a:rPr lang="de-DE" b="0" i="1" smtClean="0">
+                                        <a:latin typeface="Cambria Math" panose="02040503050406030204" pitchFamily="18" charset="0"/>
+                                      </a:rPr>
+                                    </m:ctrlPr>
+                                  </m:sSubPr>
+                                  <m:e>
+                                    <m:r>
+                                      <a:rPr lang="de-DE" b="0" i="1" smtClean="0">
+                                        <a:latin typeface="Cambria Math" panose="02040503050406030204" pitchFamily="18" charset="0"/>
+                                      </a:rPr>
+                                      <m:t>𝑔</m:t>
+                                    </m:r>
+                                  </m:e>
+                                  <m:sub>
+                                    <m:r>
+                                      <a:rPr lang="de-DE" b="0" i="1" smtClean="0">
+                                        <a:latin typeface="Cambria Math" panose="02040503050406030204" pitchFamily="18" charset="0"/>
+                                      </a:rPr>
+                                      <m:t>2</m:t>
+                                    </m:r>
+                                  </m:sub>
+                                </m:sSub>
+                                <m:r>
+                                  <a:rPr lang="de-DE" b="0" i="1" smtClean="0">
+                                    <a:latin typeface="Cambria Math" panose="02040503050406030204" pitchFamily="18" charset="0"/>
+                                  </a:rPr>
+                                  <m:t>)</m:t>
+                                </m:r>
+                              </m:e>
+                            </m:d>
+                            <m:r>
+                              <a:rPr lang="de-DE" b="0" i="1" smtClean="0">
+                                <a:latin typeface="Cambria Math" panose="02040503050406030204" pitchFamily="18" charset="0"/>
+                              </a:rPr>
+                              <m:t>   </m:t>
+                            </m:r>
+                            <m:r>
+                              <a:rPr lang="de-DE" b="0" i="1" smtClean="0">
+                                <a:latin typeface="Cambria Math" panose="02040503050406030204" pitchFamily="18" charset="0"/>
+                              </a:rPr>
+                              <m:t>𝑜𝑡h𝑒𝑟𝑤𝑖𝑠𝑒</m:t>
+                            </m:r>
+                            <m:r>
+                              <a:rPr lang="de-DE" b="0" i="1" smtClean="0">
+                                <a:latin typeface="Cambria Math" panose="02040503050406030204" pitchFamily="18" charset="0"/>
+                              </a:rPr>
+                              <m:t>       </m:t>
+                            </m:r>
+                            <m:r>
+                              <a:rPr lang="de-DE" b="0" i="1" smtClean="0">
+                                <a:latin typeface="Cambria Math" panose="02040503050406030204" pitchFamily="18" charset="0"/>
+                              </a:rPr>
+                              <m:t>            </m:t>
+                            </m:r>
+                            <m:r>
+                              <a:rPr lang="de-DE" b="0" i="1" smtClean="0">
+                                <a:latin typeface="Cambria Math" panose="02040503050406030204" pitchFamily="18" charset="0"/>
+                              </a:rPr>
+                              <m:t>                    </m:t>
+                            </m:r>
+                          </m:e>
+                        </m:eqArr>
+                      </m:e>
+                    </m:d>
+                  </m:oMath>
                 </a14:m>
                 <a:endParaRPr lang="de-DE" dirty="0"/>
               </a:p>
@@ -10037,8 +10344,8 @@
             </p:nvSpPr>
             <p:spPr>
               <a:xfrm>
-                <a:off x="4221180" y="1854490"/>
-                <a:ext cx="4803303" cy="710194"/>
+                <a:off x="984224" y="1943026"/>
+                <a:ext cx="7221272" cy="710194"/>
               </a:xfrm>
               <a:prstGeom prst="rect">
                 <a:avLst/>
@@ -10046,7 +10353,7 @@
               <a:blipFill>
                 <a:blip r:embed="rId2"/>
                 <a:stretch>
-                  <a:fillRect/>
+                  <a:fillRect l="-675"/>
                 </a:stretch>
               </a:blipFill>
             </p:spPr>
@@ -10065,6 +10372,619 @@
           </p:sp>
         </mc:Fallback>
       </mc:AlternateContent>
+      <mc:AlternateContent xmlns:mc="http://schemas.openxmlformats.org/markup-compatibility/2006">
+        <mc:Choice xmlns:a14="http://schemas.microsoft.com/office/drawing/2010/main" Requires="a14">
+          <p:sp>
+            <p:nvSpPr>
+              <p:cNvPr id="13" name="Textfeld 12"/>
+              <p:cNvSpPr txBox="1"/>
+              <p:nvPr/>
+            </p:nvSpPr>
+            <p:spPr>
+              <a:xfrm>
+                <a:off x="4266286" y="4112110"/>
+                <a:ext cx="457200" cy="493405"/>
+              </a:xfrm>
+              <a:prstGeom prst="rect">
+                <a:avLst/>
+              </a:prstGeom>
+              <a:noFill/>
+            </p:spPr>
+            <p:txBody>
+              <a:bodyPr wrap="square" rtlCol="0">
+                <a:spAutoFit/>
+              </a:bodyPr>
+              <a:lstStyle/>
+              <a:p>
+                <a14:m>
+                  <m:oMathPara xmlns:m="http://schemas.openxmlformats.org/officeDocument/2006/math">
+                    <m:oMathParaPr>
+                      <m:jc m:val="centerGroup"/>
+                    </m:oMathParaPr>
+                    <m:oMath xmlns:m="http://schemas.openxmlformats.org/officeDocument/2006/math">
+                      <m:sSub>
+                        <m:sSubPr>
+                          <m:ctrlPr>
+                            <a:rPr lang="de-DE" sz="2400" b="0" i="1" smtClean="0">
+                              <a:solidFill>
+                                <a:schemeClr val="accent4">
+                                  <a:lumMod val="75000"/>
+                                </a:schemeClr>
+                              </a:solidFill>
+                              <a:latin typeface="Cambria Math" panose="02040503050406030204" pitchFamily="18" charset="0"/>
+                            </a:rPr>
+                          </m:ctrlPr>
+                        </m:sSubPr>
+                        <m:e>
+                          <m:sSub>
+                            <m:sSubPr>
+                              <m:ctrlPr>
+                                <a:rPr lang="de-DE" sz="2400" i="1">
+                                  <a:solidFill>
+                                    <a:schemeClr val="accent4">
+                                      <a:lumMod val="75000"/>
+                                    </a:schemeClr>
+                                  </a:solidFill>
+                                  <a:latin typeface="Cambria Math" panose="02040503050406030204" pitchFamily="18" charset="0"/>
+                                </a:rPr>
+                              </m:ctrlPr>
+                            </m:sSubPr>
+                            <m:e>
+                              <m:r>
+                                <a:rPr lang="de-DE" sz="2400" i="1">
+                                  <a:solidFill>
+                                    <a:schemeClr val="accent4">
+                                      <a:lumMod val="75000"/>
+                                    </a:schemeClr>
+                                  </a:solidFill>
+                                  <a:latin typeface="Cambria Math" panose="02040503050406030204" pitchFamily="18" charset="0"/>
+                                </a:rPr>
+                                <m:t>𝑔</m:t>
+                              </m:r>
+                            </m:e>
+                            <m:sub>
+                              <m:r>
+                                <a:rPr lang="de-DE" sz="2400" i="1">
+                                  <a:solidFill>
+                                    <a:schemeClr val="accent4">
+                                      <a:lumMod val="75000"/>
+                                    </a:schemeClr>
+                                  </a:solidFill>
+                                  <a:latin typeface="Cambria Math" panose="02040503050406030204" pitchFamily="18" charset="0"/>
+                                </a:rPr>
+                                <m:t>1</m:t>
+                              </m:r>
+                            </m:sub>
+                          </m:sSub>
+                          <m:r>
+                            <a:rPr lang="de-DE" sz="2400" i="1">
+                              <a:solidFill>
+                                <a:schemeClr val="accent4">
+                                  <a:lumMod val="75000"/>
+                                </a:schemeClr>
+                              </a:solidFill>
+                              <a:latin typeface="Cambria Math" panose="02040503050406030204" pitchFamily="18" charset="0"/>
+                            </a:rPr>
+                            <m:t>|</m:t>
+                          </m:r>
+                        </m:e>
+                        <m:sub>
+                          <m:sSub>
+                            <m:sSubPr>
+                              <m:ctrlPr>
+                                <a:rPr lang="de-DE" sz="2400" i="1">
+                                  <a:solidFill>
+                                    <a:schemeClr val="accent4">
+                                      <a:lumMod val="75000"/>
+                                    </a:schemeClr>
+                                  </a:solidFill>
+                                  <a:latin typeface="Cambria Math" panose="02040503050406030204" pitchFamily="18" charset="0"/>
+                                </a:rPr>
+                              </m:ctrlPr>
+                            </m:sSubPr>
+                            <m:e>
+                              <m:r>
+                                <a:rPr lang="de-DE" sz="2400" i="1">
+                                  <a:solidFill>
+                                    <a:schemeClr val="accent4">
+                                      <a:lumMod val="75000"/>
+                                    </a:schemeClr>
+                                  </a:solidFill>
+                                  <a:latin typeface="Cambria Math" panose="02040503050406030204" pitchFamily="18" charset="0"/>
+                                </a:rPr>
+                                <m:t>𝑥</m:t>
+                              </m:r>
+                            </m:e>
+                            <m:sub>
+                              <m:r>
+                                <a:rPr lang="de-DE" sz="2400" i="1">
+                                  <a:solidFill>
+                                    <a:schemeClr val="accent4">
+                                      <a:lumMod val="75000"/>
+                                    </a:schemeClr>
+                                  </a:solidFill>
+                                  <a:latin typeface="Cambria Math" panose="02040503050406030204" pitchFamily="18" charset="0"/>
+                                </a:rPr>
+                                <m:t>1</m:t>
+                              </m:r>
+                            </m:sub>
+                          </m:sSub>
+                          <m:r>
+                            <a:rPr lang="de-DE" sz="2400" i="1">
+                              <a:solidFill>
+                                <a:schemeClr val="accent4">
+                                  <a:lumMod val="75000"/>
+                                </a:schemeClr>
+                              </a:solidFill>
+                              <a:latin typeface="Cambria Math" panose="02040503050406030204" pitchFamily="18" charset="0"/>
+                            </a:rPr>
+                            <m:t>=1</m:t>
+                          </m:r>
+                        </m:sub>
+                      </m:sSub>
+                    </m:oMath>
+                  </m:oMathPara>
+                </a14:m>
+                <a:endParaRPr lang="de-DE" sz="2400" dirty="0">
+                  <a:solidFill>
+                    <a:schemeClr val="accent4">
+                      <a:lumMod val="75000"/>
+                    </a:schemeClr>
+                  </a:solidFill>
+                </a:endParaRPr>
+              </a:p>
+            </p:txBody>
+          </p:sp>
+        </mc:Choice>
+        <mc:Fallback>
+          <p:sp>
+            <p:nvSpPr>
+              <p:cNvPr id="13" name="Textfeld 12"/>
+              <p:cNvSpPr txBox="1">
+                <a:spLocks noRot="1" noChangeAspect="1" noMove="1" noResize="1" noEditPoints="1" noAdjustHandles="1" noChangeArrowheads="1" noChangeShapeType="1" noTextEdit="1"/>
+              </p:cNvSpPr>
+              <p:nvPr/>
+            </p:nvSpPr>
+            <p:spPr>
+              <a:xfrm>
+                <a:off x="4266286" y="4112110"/>
+                <a:ext cx="457200" cy="493405"/>
+              </a:xfrm>
+              <a:prstGeom prst="rect">
+                <a:avLst/>
+              </a:prstGeom>
+              <a:blipFill>
+                <a:blip r:embed="rId3"/>
+                <a:stretch>
+                  <a:fillRect l="-4000" r="-144000" b="-12500"/>
+                </a:stretch>
+              </a:blipFill>
+            </p:spPr>
+            <p:txBody>
+              <a:bodyPr/>
+              <a:lstStyle/>
+              <a:p>
+                <a:r>
+                  <a:rPr lang="de-DE">
+                    <a:noFill/>
+                  </a:rPr>
+                  <a:t> </a:t>
+                </a:r>
+              </a:p>
+            </p:txBody>
+          </p:sp>
+        </mc:Fallback>
+      </mc:AlternateContent>
+      <mc:AlternateContent xmlns:mc="http://schemas.openxmlformats.org/markup-compatibility/2006">
+        <mc:Choice xmlns:a14="http://schemas.microsoft.com/office/drawing/2010/main" Requires="a14">
+          <p:sp>
+            <p:nvSpPr>
+              <p:cNvPr id="35" name="Textfeld 34"/>
+              <p:cNvSpPr txBox="1"/>
+              <p:nvPr/>
+            </p:nvSpPr>
+            <p:spPr>
+              <a:xfrm>
+                <a:off x="1948122" y="3101257"/>
+                <a:ext cx="457200" cy="461665"/>
+              </a:xfrm>
+              <a:prstGeom prst="rect">
+                <a:avLst/>
+              </a:prstGeom>
+              <a:noFill/>
+            </p:spPr>
+            <p:txBody>
+              <a:bodyPr wrap="square" rtlCol="0">
+                <a:spAutoFit/>
+              </a:bodyPr>
+              <a:lstStyle/>
+              <a:p>
+                <a14:m>
+                  <m:oMathPara xmlns:m="http://schemas.openxmlformats.org/officeDocument/2006/math">
+                    <m:oMathParaPr>
+                      <m:jc m:val="centerGroup"/>
+                    </m:oMathParaPr>
+                    <m:oMath xmlns:m="http://schemas.openxmlformats.org/officeDocument/2006/math">
+                      <m:sSub>
+                        <m:sSubPr>
+                          <m:ctrlPr>
+                            <a:rPr lang="de-DE" sz="2400" b="0" i="1" smtClean="0">
+                              <a:solidFill>
+                                <a:schemeClr val="accent4">
+                                  <a:lumMod val="75000"/>
+                                </a:schemeClr>
+                              </a:solidFill>
+                              <a:latin typeface="Cambria Math" panose="02040503050406030204" pitchFamily="18" charset="0"/>
+                            </a:rPr>
+                          </m:ctrlPr>
+                        </m:sSubPr>
+                        <m:e>
+                          <m:r>
+                            <a:rPr lang="de-DE" sz="2400" b="0" i="1" smtClean="0">
+                              <a:solidFill>
+                                <a:schemeClr val="accent4">
+                                  <a:lumMod val="75000"/>
+                                </a:schemeClr>
+                              </a:solidFill>
+                              <a:latin typeface="Cambria Math" panose="02040503050406030204" pitchFamily="18" charset="0"/>
+                            </a:rPr>
+                            <m:t>𝑔</m:t>
+                          </m:r>
+                        </m:e>
+                        <m:sub>
+                          <m:r>
+                            <a:rPr lang="de-DE" sz="2400" b="0" i="1" smtClean="0">
+                              <a:solidFill>
+                                <a:schemeClr val="accent4">
+                                  <a:lumMod val="75000"/>
+                                </a:schemeClr>
+                              </a:solidFill>
+                              <a:latin typeface="Cambria Math" panose="02040503050406030204" pitchFamily="18" charset="0"/>
+                            </a:rPr>
+                            <m:t>2</m:t>
+                          </m:r>
+                        </m:sub>
+                      </m:sSub>
+                    </m:oMath>
+                  </m:oMathPara>
+                </a14:m>
+                <a:endParaRPr lang="de-DE" sz="2400" dirty="0">
+                  <a:solidFill>
+                    <a:schemeClr val="accent4">
+                      <a:lumMod val="75000"/>
+                    </a:schemeClr>
+                  </a:solidFill>
+                </a:endParaRPr>
+              </a:p>
+            </p:txBody>
+          </p:sp>
+        </mc:Choice>
+        <mc:Fallback>
+          <p:sp>
+            <p:nvSpPr>
+              <p:cNvPr id="35" name="Textfeld 34"/>
+              <p:cNvSpPr txBox="1">
+                <a:spLocks noRot="1" noChangeAspect="1" noMove="1" noResize="1" noEditPoints="1" noAdjustHandles="1" noChangeArrowheads="1" noChangeShapeType="1" noTextEdit="1"/>
+              </p:cNvSpPr>
+              <p:nvPr/>
+            </p:nvSpPr>
+            <p:spPr>
+              <a:xfrm>
+                <a:off x="1948122" y="3101257"/>
+                <a:ext cx="457200" cy="461665"/>
+              </a:xfrm>
+              <a:prstGeom prst="rect">
+                <a:avLst/>
+              </a:prstGeom>
+              <a:blipFill>
+                <a:blip r:embed="rId4"/>
+                <a:stretch>
+                  <a:fillRect l="-4000" r="-2667" b="-10667"/>
+                </a:stretch>
+              </a:blipFill>
+            </p:spPr>
+            <p:txBody>
+              <a:bodyPr/>
+              <a:lstStyle/>
+              <a:p>
+                <a:r>
+                  <a:rPr lang="de-DE">
+                    <a:noFill/>
+                  </a:rPr>
+                  <a:t> </a:t>
+                </a:r>
+              </a:p>
+            </p:txBody>
+          </p:sp>
+        </mc:Fallback>
+      </mc:AlternateContent>
+      <mc:AlternateContent xmlns:mc="http://schemas.openxmlformats.org/markup-compatibility/2006">
+        <mc:Choice xmlns:a14="http://schemas.microsoft.com/office/drawing/2010/main" Requires="a14">
+          <p:sp>
+            <p:nvSpPr>
+              <p:cNvPr id="37" name="Textfeld 36"/>
+              <p:cNvSpPr txBox="1"/>
+              <p:nvPr/>
+            </p:nvSpPr>
+            <p:spPr>
+              <a:xfrm>
+                <a:off x="714906" y="4112110"/>
+                <a:ext cx="457200" cy="493405"/>
+              </a:xfrm>
+              <a:prstGeom prst="rect">
+                <a:avLst/>
+              </a:prstGeom>
+              <a:noFill/>
+            </p:spPr>
+            <p:txBody>
+              <a:bodyPr wrap="square" rtlCol="0">
+                <a:spAutoFit/>
+              </a:bodyPr>
+              <a:lstStyle/>
+              <a:p>
+                <a14:m>
+                  <m:oMathPara xmlns:m="http://schemas.openxmlformats.org/officeDocument/2006/math">
+                    <m:oMathParaPr>
+                      <m:jc m:val="centerGroup"/>
+                    </m:oMathParaPr>
+                    <m:oMath xmlns:m="http://schemas.openxmlformats.org/officeDocument/2006/math">
+                      <m:sSub>
+                        <m:sSubPr>
+                          <m:ctrlPr>
+                            <a:rPr lang="de-DE" sz="2400" b="0" i="1" smtClean="0">
+                              <a:solidFill>
+                                <a:schemeClr val="accent4">
+                                  <a:lumMod val="75000"/>
+                                </a:schemeClr>
+                              </a:solidFill>
+                              <a:latin typeface="Cambria Math" panose="02040503050406030204" pitchFamily="18" charset="0"/>
+                            </a:rPr>
+                          </m:ctrlPr>
+                        </m:sSubPr>
+                        <m:e>
+                          <m:sSub>
+                            <m:sSubPr>
+                              <m:ctrlPr>
+                                <a:rPr lang="de-DE" sz="2400" i="1">
+                                  <a:solidFill>
+                                    <a:schemeClr val="accent4">
+                                      <a:lumMod val="75000"/>
+                                    </a:schemeClr>
+                                  </a:solidFill>
+                                  <a:latin typeface="Cambria Math" panose="02040503050406030204" pitchFamily="18" charset="0"/>
+                                </a:rPr>
+                              </m:ctrlPr>
+                            </m:sSubPr>
+                            <m:e>
+                              <m:r>
+                                <a:rPr lang="de-DE" sz="2400" i="1">
+                                  <a:solidFill>
+                                    <a:schemeClr val="accent4">
+                                      <a:lumMod val="75000"/>
+                                    </a:schemeClr>
+                                  </a:solidFill>
+                                  <a:latin typeface="Cambria Math" panose="02040503050406030204" pitchFamily="18" charset="0"/>
+                                </a:rPr>
+                                <m:t>h</m:t>
+                              </m:r>
+                            </m:e>
+                            <m:sub>
+                              <m:r>
+                                <a:rPr lang="de-DE" sz="2400" i="1">
+                                  <a:solidFill>
+                                    <a:schemeClr val="accent4">
+                                      <a:lumMod val="75000"/>
+                                    </a:schemeClr>
+                                  </a:solidFill>
+                                  <a:latin typeface="Cambria Math" panose="02040503050406030204" pitchFamily="18" charset="0"/>
+                                </a:rPr>
+                                <m:t>2</m:t>
+                              </m:r>
+                            </m:sub>
+                          </m:sSub>
+                          <m:r>
+                            <a:rPr lang="de-DE" sz="2400" b="0" i="1" smtClean="0">
+                              <a:solidFill>
+                                <a:schemeClr val="accent4">
+                                  <a:lumMod val="75000"/>
+                                </a:schemeClr>
+                              </a:solidFill>
+                              <a:latin typeface="Cambria Math" panose="02040503050406030204" pitchFamily="18" charset="0"/>
+                            </a:rPr>
+                            <m:t>|</m:t>
+                          </m:r>
+                        </m:e>
+                        <m:sub>
+                          <m:sSub>
+                            <m:sSubPr>
+                              <m:ctrlPr>
+                                <a:rPr lang="de-DE" sz="2400" b="0" i="1" smtClean="0">
+                                  <a:solidFill>
+                                    <a:schemeClr val="accent4">
+                                      <a:lumMod val="75000"/>
+                                    </a:schemeClr>
+                                  </a:solidFill>
+                                  <a:latin typeface="Cambria Math" panose="02040503050406030204" pitchFamily="18" charset="0"/>
+                                </a:rPr>
+                              </m:ctrlPr>
+                            </m:sSubPr>
+                            <m:e>
+                              <m:r>
+                                <a:rPr lang="de-DE" sz="2400" b="0" i="1" smtClean="0">
+                                  <a:solidFill>
+                                    <a:schemeClr val="accent4">
+                                      <a:lumMod val="75000"/>
+                                    </a:schemeClr>
+                                  </a:solidFill>
+                                  <a:latin typeface="Cambria Math" panose="02040503050406030204" pitchFamily="18" charset="0"/>
+                                </a:rPr>
+                                <m:t>𝑥</m:t>
+                              </m:r>
+                            </m:e>
+                            <m:sub>
+                              <m:r>
+                                <a:rPr lang="de-DE" sz="2400" b="0" i="1" smtClean="0">
+                                  <a:solidFill>
+                                    <a:schemeClr val="accent4">
+                                      <a:lumMod val="75000"/>
+                                    </a:schemeClr>
+                                  </a:solidFill>
+                                  <a:latin typeface="Cambria Math" panose="02040503050406030204" pitchFamily="18" charset="0"/>
+                                </a:rPr>
+                                <m:t>1</m:t>
+                              </m:r>
+                            </m:sub>
+                          </m:sSub>
+                          <m:r>
+                            <a:rPr lang="de-DE" sz="2400" b="0" i="1" smtClean="0">
+                              <a:solidFill>
+                                <a:schemeClr val="accent4">
+                                  <a:lumMod val="75000"/>
+                                </a:schemeClr>
+                              </a:solidFill>
+                              <a:latin typeface="Cambria Math" panose="02040503050406030204" pitchFamily="18" charset="0"/>
+                            </a:rPr>
+                            <m:t>=1</m:t>
+                          </m:r>
+                        </m:sub>
+                      </m:sSub>
+                    </m:oMath>
+                  </m:oMathPara>
+                </a14:m>
+                <a:endParaRPr lang="de-DE" sz="2400" dirty="0">
+                  <a:solidFill>
+                    <a:schemeClr val="accent4">
+                      <a:lumMod val="75000"/>
+                    </a:schemeClr>
+                  </a:solidFill>
+                </a:endParaRPr>
+              </a:p>
+            </p:txBody>
+          </p:sp>
+        </mc:Choice>
+        <mc:Fallback>
+          <p:sp>
+            <p:nvSpPr>
+              <p:cNvPr id="37" name="Textfeld 36"/>
+              <p:cNvSpPr txBox="1">
+                <a:spLocks noRot="1" noChangeAspect="1" noMove="1" noResize="1" noEditPoints="1" noAdjustHandles="1" noChangeArrowheads="1" noChangeShapeType="1" noTextEdit="1"/>
+              </p:cNvSpPr>
+              <p:nvPr/>
+            </p:nvSpPr>
+            <p:spPr>
+              <a:xfrm>
+                <a:off x="714906" y="4112110"/>
+                <a:ext cx="457200" cy="493405"/>
+              </a:xfrm>
+              <a:prstGeom prst="rect">
+                <a:avLst/>
+              </a:prstGeom>
+              <a:blipFill>
+                <a:blip r:embed="rId5"/>
+                <a:stretch>
+                  <a:fillRect l="-4000" r="-144000" b="-12500"/>
+                </a:stretch>
+              </a:blipFill>
+            </p:spPr>
+            <p:txBody>
+              <a:bodyPr/>
+              <a:lstStyle/>
+              <a:p>
+                <a:r>
+                  <a:rPr lang="de-DE">
+                    <a:noFill/>
+                  </a:rPr>
+                  <a:t> </a:t>
+                </a:r>
+              </a:p>
+            </p:txBody>
+          </p:sp>
+        </mc:Fallback>
+      </mc:AlternateContent>
+      <p:sp>
+        <p:nvSpPr>
+          <p:cNvPr id="66" name="Textfeld 65"/>
+          <p:cNvSpPr txBox="1"/>
+          <p:nvPr/>
+        </p:nvSpPr>
+        <p:spPr>
+          <a:xfrm>
+            <a:off x="6026809" y="5207260"/>
+            <a:ext cx="3636902" cy="707886"/>
+          </a:xfrm>
+          <a:prstGeom prst="rect">
+            <a:avLst/>
+          </a:prstGeom>
+          <a:noFill/>
+        </p:spPr>
+        <p:txBody>
+          <a:bodyPr wrap="square" rtlCol="0">
+            <a:spAutoFit/>
+          </a:bodyPr>
+          <a:lstStyle/>
+          <a:p>
+            <a:r>
+              <a:rPr lang="de-DE" sz="2000" dirty="0">
+                <a:solidFill>
+                  <a:schemeClr val="accent4">
+                    <a:lumMod val="75000"/>
+                  </a:schemeClr>
+                </a:solidFill>
+              </a:rPr>
+              <a:t>X_1, X_2 same </a:t>
+            </a:r>
+            <a:r>
+              <a:rPr lang="de-DE" sz="2000" dirty="0" err="1">
+                <a:solidFill>
+                  <a:schemeClr val="accent4">
+                    <a:lumMod val="75000"/>
+                  </a:schemeClr>
+                </a:solidFill>
+              </a:rPr>
+              <a:t>component</a:t>
+            </a:r>
+            <a:r>
+              <a:rPr lang="de-DE" sz="2000" dirty="0">
+                <a:solidFill>
+                  <a:schemeClr val="accent4">
+                    <a:lumMod val="75000"/>
+                  </a:schemeClr>
+                </a:solidFill>
+              </a:rPr>
+              <a:t>;</a:t>
+            </a:r>
+          </a:p>
+          <a:p>
+            <a:r>
+              <a:rPr lang="de-DE" sz="2000" dirty="0">
+                <a:solidFill>
+                  <a:schemeClr val="accent4">
+                    <a:lumMod val="75000"/>
+                  </a:schemeClr>
+                </a:solidFill>
+              </a:rPr>
+              <a:t>X_3 different </a:t>
+            </a:r>
+            <a:r>
+              <a:rPr lang="de-DE" sz="2000" dirty="0" err="1">
+                <a:solidFill>
+                  <a:schemeClr val="accent4">
+                    <a:lumMod val="75000"/>
+                  </a:schemeClr>
+                </a:solidFill>
+              </a:rPr>
+              <a:t>component</a:t>
+            </a:r>
+            <a:endParaRPr lang="de-DE" sz="2000" dirty="0">
+              <a:solidFill>
+                <a:schemeClr val="accent4">
+                  <a:lumMod val="75000"/>
+                </a:schemeClr>
+              </a:solidFill>
+            </a:endParaRPr>
+          </a:p>
+        </p:txBody>
+      </p:sp>
     </p:spTree>
     <p:extLst>
       <p:ext uri="{BB962C8B-B14F-4D97-AF65-F5344CB8AC3E}">
@@ -10075,10 +10995,2191 @@
   <p:clrMapOvr>
     <a:masterClrMapping/>
   </p:clrMapOvr>
+  <p:timing>
+    <p:tnLst>
+      <p:par>
+        <p:cTn id="1" dur="indefinite" restart="never" nodeType="tmRoot">
+          <p:childTnLst>
+            <p:seq concurrent="1" nextAc="seek">
+              <p:cTn id="2" dur="indefinite" nodeType="mainSeq">
+                <p:childTnLst>
+                  <p:par>
+                    <p:cTn id="3" fill="hold">
+                      <p:stCondLst>
+                        <p:cond delay="indefinite"/>
+                      </p:stCondLst>
+                      <p:childTnLst>
+                        <p:par>
+                          <p:cTn id="4" fill="hold">
+                            <p:stCondLst>
+                              <p:cond delay="0"/>
+                            </p:stCondLst>
+                            <p:childTnLst>
+                              <p:par>
+                                <p:cTn id="5" presetID="10" presetClass="entr" presetSubtype="0" fill="hold" grpId="0" nodeType="clickEffect">
+                                  <p:stCondLst>
+                                    <p:cond delay="0"/>
+                                  </p:stCondLst>
+                                  <p:childTnLst>
+                                    <p:set>
+                                      <p:cBhvr>
+                                        <p:cTn id="6" dur="1" fill="hold">
+                                          <p:stCondLst>
+                                            <p:cond delay="0"/>
+                                          </p:stCondLst>
+                                        </p:cTn>
+                                        <p:tgtEl>
+                                          <p:spTgt spid="179"/>
+                                        </p:tgtEl>
+                                        <p:attrNameLst>
+                                          <p:attrName>style.visibility</p:attrName>
+                                        </p:attrNameLst>
+                                      </p:cBhvr>
+                                      <p:to>
+                                        <p:strVal val="visible"/>
+                                      </p:to>
+                                    </p:set>
+                                    <p:animEffect transition="in" filter="fade">
+                                      <p:cBhvr>
+                                        <p:cTn id="7" dur="500"/>
+                                        <p:tgtEl>
+                                          <p:spTgt spid="179"/>
+                                        </p:tgtEl>
+                                      </p:cBhvr>
+                                    </p:animEffect>
+                                  </p:childTnLst>
+                                </p:cTn>
+                              </p:par>
+                            </p:childTnLst>
+                          </p:cTn>
+                        </p:par>
+                      </p:childTnLst>
+                    </p:cTn>
+                  </p:par>
+                  <p:par>
+                    <p:cTn id="8" fill="hold">
+                      <p:stCondLst>
+                        <p:cond delay="indefinite"/>
+                      </p:stCondLst>
+                      <p:childTnLst>
+                        <p:par>
+                          <p:cTn id="9" fill="hold">
+                            <p:stCondLst>
+                              <p:cond delay="0"/>
+                            </p:stCondLst>
+                            <p:childTnLst>
+                              <p:par>
+                                <p:cTn id="10" presetID="10" presetClass="entr" presetSubtype="0" fill="hold" grpId="0" nodeType="clickEffect">
+                                  <p:stCondLst>
+                                    <p:cond delay="0"/>
+                                  </p:stCondLst>
+                                  <p:childTnLst>
+                                    <p:set>
+                                      <p:cBhvr>
+                                        <p:cTn id="11" dur="1" fill="hold">
+                                          <p:stCondLst>
+                                            <p:cond delay="0"/>
+                                          </p:stCondLst>
+                                        </p:cTn>
+                                        <p:tgtEl>
+                                          <p:spTgt spid="13"/>
+                                        </p:tgtEl>
+                                        <p:attrNameLst>
+                                          <p:attrName>style.visibility</p:attrName>
+                                        </p:attrNameLst>
+                                      </p:cBhvr>
+                                      <p:to>
+                                        <p:strVal val="visible"/>
+                                      </p:to>
+                                    </p:set>
+                                    <p:animEffect transition="in" filter="fade">
+                                      <p:cBhvr>
+                                        <p:cTn id="12" dur="500"/>
+                                        <p:tgtEl>
+                                          <p:spTgt spid="13"/>
+                                        </p:tgtEl>
+                                      </p:cBhvr>
+                                    </p:animEffect>
+                                  </p:childTnLst>
+                                </p:cTn>
+                              </p:par>
+                              <p:par>
+                                <p:cTn id="13" presetID="10" presetClass="entr" presetSubtype="0" fill="hold" grpId="0" nodeType="withEffect">
+                                  <p:stCondLst>
+                                    <p:cond delay="0"/>
+                                  </p:stCondLst>
+                                  <p:childTnLst>
+                                    <p:set>
+                                      <p:cBhvr>
+                                        <p:cTn id="14" dur="1" fill="hold">
+                                          <p:stCondLst>
+                                            <p:cond delay="0"/>
+                                          </p:stCondLst>
+                                        </p:cTn>
+                                        <p:tgtEl>
+                                          <p:spTgt spid="37"/>
+                                        </p:tgtEl>
+                                        <p:attrNameLst>
+                                          <p:attrName>style.visibility</p:attrName>
+                                        </p:attrNameLst>
+                                      </p:cBhvr>
+                                      <p:to>
+                                        <p:strVal val="visible"/>
+                                      </p:to>
+                                    </p:set>
+                                    <p:animEffect transition="in" filter="fade">
+                                      <p:cBhvr>
+                                        <p:cTn id="15" dur="500"/>
+                                        <p:tgtEl>
+                                          <p:spTgt spid="37"/>
+                                        </p:tgtEl>
+                                      </p:cBhvr>
+                                    </p:animEffect>
+                                  </p:childTnLst>
+                                </p:cTn>
+                              </p:par>
+                              <p:par>
+                                <p:cTn id="16" presetID="10" presetClass="entr" presetSubtype="0" fill="hold" grpId="0" nodeType="withEffect">
+                                  <p:stCondLst>
+                                    <p:cond delay="0"/>
+                                  </p:stCondLst>
+                                  <p:childTnLst>
+                                    <p:set>
+                                      <p:cBhvr>
+                                        <p:cTn id="17" dur="1" fill="hold">
+                                          <p:stCondLst>
+                                            <p:cond delay="0"/>
+                                          </p:stCondLst>
+                                        </p:cTn>
+                                        <p:tgtEl>
+                                          <p:spTgt spid="35"/>
+                                        </p:tgtEl>
+                                        <p:attrNameLst>
+                                          <p:attrName>style.visibility</p:attrName>
+                                        </p:attrNameLst>
+                                      </p:cBhvr>
+                                      <p:to>
+                                        <p:strVal val="visible"/>
+                                      </p:to>
+                                    </p:set>
+                                    <p:animEffect transition="in" filter="fade">
+                                      <p:cBhvr>
+                                        <p:cTn id="18" dur="500"/>
+                                        <p:tgtEl>
+                                          <p:spTgt spid="35"/>
+                                        </p:tgtEl>
+                                      </p:cBhvr>
+                                    </p:animEffect>
+                                  </p:childTnLst>
+                                </p:cTn>
+                              </p:par>
+                              <p:par>
+                                <p:cTn id="19" presetID="10" presetClass="entr" presetSubtype="0" fill="hold" grpId="0" nodeType="withEffect">
+                                  <p:stCondLst>
+                                    <p:cond delay="0"/>
+                                  </p:stCondLst>
+                                  <p:childTnLst>
+                                    <p:set>
+                                      <p:cBhvr>
+                                        <p:cTn id="20" dur="1" fill="hold">
+                                          <p:stCondLst>
+                                            <p:cond delay="0"/>
+                                          </p:stCondLst>
+                                        </p:cTn>
+                                        <p:tgtEl>
+                                          <p:spTgt spid="66"/>
+                                        </p:tgtEl>
+                                        <p:attrNameLst>
+                                          <p:attrName>style.visibility</p:attrName>
+                                        </p:attrNameLst>
+                                      </p:cBhvr>
+                                      <p:to>
+                                        <p:strVal val="visible"/>
+                                      </p:to>
+                                    </p:set>
+                                    <p:animEffect transition="in" filter="fade">
+                                      <p:cBhvr>
+                                        <p:cTn id="21" dur="500"/>
+                                        <p:tgtEl>
+                                          <p:spTgt spid="66"/>
+                                        </p:tgtEl>
+                                      </p:cBhvr>
+                                    </p:animEffect>
+                                  </p:childTnLst>
+                                </p:cTn>
+                              </p:par>
+                            </p:childTnLst>
+                          </p:cTn>
+                        </p:par>
+                      </p:childTnLst>
+                    </p:cTn>
+                  </p:par>
+                </p:childTnLst>
+              </p:cTn>
+              <p:prevCondLst>
+                <p:cond evt="onPrev" delay="0">
+                  <p:tgtEl>
+                    <p:sldTgt/>
+                  </p:tgtEl>
+                </p:cond>
+              </p:prevCondLst>
+              <p:nextCondLst>
+                <p:cond evt="onNext" delay="0">
+                  <p:tgtEl>
+                    <p:sldTgt/>
+                  </p:tgtEl>
+                </p:cond>
+              </p:nextCondLst>
+            </p:seq>
+          </p:childTnLst>
+        </p:cTn>
+      </p:par>
+    </p:tnLst>
+    <p:bldLst>
+      <p:bldP spid="179" grpId="0"/>
+      <p:bldP spid="13" grpId="0"/>
+      <p:bldP spid="35" grpId="0"/>
+      <p:bldP spid="37" grpId="0"/>
+      <p:bldP spid="66" grpId="0"/>
+    </p:bldLst>
+  </p:timing>
 </p:sld>
 </file>
 
 <file path=ppt/slides/slide8.xml><?xml version="1.0" encoding="utf-8"?>
+<p:sld xmlns:a="http://schemas.openxmlformats.org/drawingml/2006/main" xmlns:r="http://schemas.openxmlformats.org/officeDocument/2006/relationships" xmlns:p="http://schemas.openxmlformats.org/presentationml/2006/main">
+  <p:cSld>
+    <p:spTree>
+      <p:nvGrpSpPr>
+        <p:cNvPr id="1" name=""/>
+        <p:cNvGrpSpPr/>
+        <p:nvPr/>
+      </p:nvGrpSpPr>
+      <p:grpSpPr>
+        <a:xfrm>
+          <a:off x="0" y="0"/>
+          <a:ext cx="0" cy="0"/>
+          <a:chOff x="0" y="0"/>
+          <a:chExt cx="0" cy="0"/>
+        </a:xfrm>
+      </p:grpSpPr>
+      <p:sp>
+        <p:nvSpPr>
+          <p:cNvPr id="2" name="Titel 1"/>
+          <p:cNvSpPr>
+            <a:spLocks noGrp="1"/>
+          </p:cNvSpPr>
+          <p:nvPr>
+            <p:ph type="title"/>
+          </p:nvPr>
+        </p:nvSpPr>
+        <p:spPr/>
+        <p:txBody>
+          <a:bodyPr/>
+          <a:lstStyle/>
+          <a:p>
+            <a:r>
+              <a:rPr lang="de-DE" dirty="0"/>
+              <a:t>Top-event </a:t>
+            </a:r>
+            <a:r>
+              <a:rPr lang="de-DE" dirty="0" err="1"/>
+              <a:t>evaluation</a:t>
+            </a:r>
+            <a:endParaRPr lang="de-DE" dirty="0"/>
+          </a:p>
+        </p:txBody>
+      </p:sp>
+      <p:sp>
+        <p:nvSpPr>
+          <p:cNvPr id="19" name="Ellipse 18"/>
+          <p:cNvSpPr/>
+          <p:nvPr/>
+        </p:nvSpPr>
+        <p:spPr>
+          <a:xfrm>
+            <a:off x="3679252" y="2827757"/>
+            <a:ext cx="1469290" cy="546999"/>
+          </a:xfrm>
+          <a:prstGeom prst="ellipse">
+            <a:avLst/>
+          </a:prstGeom>
+          <a:solidFill>
+            <a:schemeClr val="accent2">
+              <a:lumMod val="60000"/>
+              <a:lumOff val="40000"/>
+              <a:alpha val="25000"/>
+            </a:schemeClr>
+          </a:solidFill>
+          <a:ln w="18000">
+            <a:solidFill>
+              <a:srgbClr val="000000"/>
+            </a:solidFill>
+          </a:ln>
+        </p:spPr>
+        <p:style>
+          <a:lnRef idx="2">
+            <a:schemeClr val="accent1">
+              <a:shade val="50000"/>
+            </a:schemeClr>
+          </a:lnRef>
+          <a:fillRef idx="1">
+            <a:schemeClr val="accent1"/>
+          </a:fillRef>
+          <a:effectRef idx="0">
+            <a:schemeClr val="accent1"/>
+          </a:effectRef>
+          <a:fontRef idx="minor">
+            <a:schemeClr val="lt1"/>
+          </a:fontRef>
+        </p:style>
+        <p:txBody>
+          <a:bodyPr rtlCol="0" anchor="ctr"/>
+          <a:lstStyle/>
+          <a:p>
+            <a:pPr algn="ctr"/>
+            <a:r>
+              <a:rPr lang="de-DE" dirty="0">
+                <a:solidFill>
+                  <a:srgbClr val="000000"/>
+                </a:solidFill>
+              </a:rPr>
+              <a:t>X_1</a:t>
+            </a:r>
+          </a:p>
+        </p:txBody>
+      </p:sp>
+      <p:sp>
+        <p:nvSpPr>
+          <p:cNvPr id="22" name="Ellipse 21"/>
+          <p:cNvSpPr/>
+          <p:nvPr/>
+        </p:nvSpPr>
+        <p:spPr>
+          <a:xfrm>
+            <a:off x="1948122" y="3570650"/>
+            <a:ext cx="1372949" cy="489673"/>
+          </a:xfrm>
+          <a:prstGeom prst="ellipse">
+            <a:avLst/>
+          </a:prstGeom>
+          <a:solidFill>
+            <a:schemeClr val="accent2">
+              <a:lumMod val="60000"/>
+              <a:lumOff val="40000"/>
+              <a:alpha val="25000"/>
+            </a:schemeClr>
+          </a:solidFill>
+          <a:ln w="18000">
+            <a:solidFill>
+              <a:srgbClr val="000000"/>
+            </a:solidFill>
+          </a:ln>
+        </p:spPr>
+        <p:style>
+          <a:lnRef idx="2">
+            <a:schemeClr val="accent1">
+              <a:shade val="50000"/>
+            </a:schemeClr>
+          </a:lnRef>
+          <a:fillRef idx="1">
+            <a:schemeClr val="accent1"/>
+          </a:fillRef>
+          <a:effectRef idx="0">
+            <a:schemeClr val="accent1"/>
+          </a:effectRef>
+          <a:fontRef idx="minor">
+            <a:schemeClr val="lt1"/>
+          </a:fontRef>
+        </p:style>
+        <p:txBody>
+          <a:bodyPr rtlCol="0" anchor="ctr"/>
+          <a:lstStyle/>
+          <a:p>
+            <a:pPr algn="ctr"/>
+            <a:r>
+              <a:rPr lang="de-DE" dirty="0">
+                <a:solidFill>
+                  <a:srgbClr val="000000"/>
+                </a:solidFill>
+              </a:rPr>
+              <a:t>X_2</a:t>
+            </a:r>
+          </a:p>
+        </p:txBody>
+      </p:sp>
+      <p:sp>
+        <p:nvSpPr>
+          <p:cNvPr id="25" name="Ellipse 24"/>
+          <p:cNvSpPr/>
+          <p:nvPr/>
+        </p:nvSpPr>
+        <p:spPr>
+          <a:xfrm>
+            <a:off x="5506830" y="3595370"/>
+            <a:ext cx="1542052" cy="504714"/>
+          </a:xfrm>
+          <a:prstGeom prst="ellipse">
+            <a:avLst/>
+          </a:prstGeom>
+          <a:solidFill>
+            <a:schemeClr val="accent2">
+              <a:lumMod val="60000"/>
+              <a:lumOff val="40000"/>
+              <a:alpha val="25000"/>
+            </a:schemeClr>
+          </a:solidFill>
+          <a:ln w="18000">
+            <a:solidFill>
+              <a:srgbClr val="000000"/>
+            </a:solidFill>
+          </a:ln>
+        </p:spPr>
+        <p:style>
+          <a:lnRef idx="2">
+            <a:schemeClr val="accent1">
+              <a:shade val="50000"/>
+            </a:schemeClr>
+          </a:lnRef>
+          <a:fillRef idx="1">
+            <a:schemeClr val="accent1"/>
+          </a:fillRef>
+          <a:effectRef idx="0">
+            <a:schemeClr val="accent1"/>
+          </a:effectRef>
+          <a:fontRef idx="minor">
+            <a:schemeClr val="lt1"/>
+          </a:fontRef>
+        </p:style>
+        <p:txBody>
+          <a:bodyPr rtlCol="0" anchor="ctr"/>
+          <a:lstStyle/>
+          <a:p>
+            <a:pPr algn="ctr"/>
+            <a:r>
+              <a:rPr lang="de-DE" dirty="0">
+                <a:solidFill>
+                  <a:srgbClr val="000000"/>
+                </a:solidFill>
+              </a:rPr>
+              <a:t>X_2</a:t>
+            </a:r>
+          </a:p>
+        </p:txBody>
+      </p:sp>
+      <p:cxnSp>
+        <p:nvCxnSpPr>
+          <p:cNvPr id="28" name="Gerader Verbinder 27"/>
+          <p:cNvCxnSpPr>
+            <a:stCxn id="19" idx="3"/>
+            <a:endCxn id="22" idx="0"/>
+          </p:cNvCxnSpPr>
+          <p:nvPr/>
+        </p:nvCxnSpPr>
+        <p:spPr>
+          <a:xfrm flipH="1">
+            <a:off x="2634597" y="3294650"/>
+            <a:ext cx="1259828" cy="276000"/>
+          </a:xfrm>
+          <a:prstGeom prst="line">
+            <a:avLst/>
+          </a:prstGeom>
+          <a:ln w="19050" cap="flat" cmpd="sng" algn="ctr">
+            <a:solidFill>
+              <a:schemeClr val="dk1"/>
+            </a:solidFill>
+            <a:prstDash val="dash"/>
+            <a:round/>
+            <a:headEnd type="none" w="med" len="med"/>
+            <a:tailEnd type="none" w="med" len="med"/>
+          </a:ln>
+        </p:spPr>
+        <p:style>
+          <a:lnRef idx="0">
+            <a:scrgbClr r="0" g="0" b="0"/>
+          </a:lnRef>
+          <a:fillRef idx="0">
+            <a:scrgbClr r="0" g="0" b="0"/>
+          </a:fillRef>
+          <a:effectRef idx="0">
+            <a:scrgbClr r="0" g="0" b="0"/>
+          </a:effectRef>
+          <a:fontRef idx="minor">
+            <a:schemeClr val="tx1"/>
+          </a:fontRef>
+        </p:style>
+      </p:cxnSp>
+      <p:cxnSp>
+        <p:nvCxnSpPr>
+          <p:cNvPr id="36" name="Gerader Verbinder 35"/>
+          <p:cNvCxnSpPr>
+            <a:stCxn id="19" idx="5"/>
+            <a:endCxn id="25" idx="0"/>
+          </p:cNvCxnSpPr>
+          <p:nvPr/>
+        </p:nvCxnSpPr>
+        <p:spPr>
+          <a:xfrm>
+            <a:off x="4933369" y="3294650"/>
+            <a:ext cx="1344487" cy="300720"/>
+          </a:xfrm>
+          <a:prstGeom prst="line">
+            <a:avLst/>
+          </a:prstGeom>
+          <a:ln w="19050">
+            <a:headEnd type="none" w="med" len="med"/>
+            <a:tailEnd type="none" w="med" len="med"/>
+          </a:ln>
+        </p:spPr>
+        <p:style>
+          <a:lnRef idx="2">
+            <a:schemeClr val="dk1"/>
+          </a:lnRef>
+          <a:fillRef idx="0">
+            <a:schemeClr val="dk1"/>
+          </a:fillRef>
+          <a:effectRef idx="1">
+            <a:schemeClr val="dk1"/>
+          </a:effectRef>
+          <a:fontRef idx="minor">
+            <a:schemeClr val="tx1"/>
+          </a:fontRef>
+        </p:style>
+      </p:cxnSp>
+      <p:sp>
+        <p:nvSpPr>
+          <p:cNvPr id="41" name="Rechteck 40"/>
+          <p:cNvSpPr/>
+          <p:nvPr/>
+        </p:nvSpPr>
+        <p:spPr>
+          <a:xfrm>
+            <a:off x="3219275" y="5696446"/>
+            <a:ext cx="664560" cy="437400"/>
+          </a:xfrm>
+          <a:prstGeom prst="rect">
+            <a:avLst/>
+          </a:prstGeom>
+          <a:solidFill>
+            <a:schemeClr val="accent2">
+              <a:lumMod val="60000"/>
+              <a:lumOff val="40000"/>
+              <a:alpha val="25000"/>
+            </a:schemeClr>
+          </a:solidFill>
+          <a:ln w="18000">
+            <a:solidFill>
+              <a:srgbClr val="000000"/>
+            </a:solidFill>
+          </a:ln>
+        </p:spPr>
+        <p:style>
+          <a:lnRef idx="2">
+            <a:schemeClr val="accent1">
+              <a:shade val="50000"/>
+            </a:schemeClr>
+          </a:lnRef>
+          <a:fillRef idx="1">
+            <a:schemeClr val="accent1"/>
+          </a:fillRef>
+          <a:effectRef idx="0">
+            <a:schemeClr val="accent1"/>
+          </a:effectRef>
+          <a:fontRef idx="minor">
+            <a:schemeClr val="lt1"/>
+          </a:fontRef>
+        </p:style>
+        <p:txBody>
+          <a:bodyPr rtlCol="0" anchor="ctr"/>
+          <a:lstStyle/>
+          <a:p>
+            <a:pPr algn="ctr"/>
+            <a:r>
+              <a:rPr lang="de-DE" dirty="0">
+                <a:solidFill>
+                  <a:srgbClr val="000000"/>
+                </a:solidFill>
+              </a:rPr>
+              <a:t>0</a:t>
+            </a:r>
+          </a:p>
+        </p:txBody>
+      </p:sp>
+      <p:sp>
+        <p:nvSpPr>
+          <p:cNvPr id="44" name="Rechteck 43"/>
+          <p:cNvSpPr/>
+          <p:nvPr/>
+        </p:nvSpPr>
+        <p:spPr>
+          <a:xfrm>
+            <a:off x="5148542" y="5706353"/>
+            <a:ext cx="724785" cy="430920"/>
+          </a:xfrm>
+          <a:prstGeom prst="rect">
+            <a:avLst/>
+          </a:prstGeom>
+          <a:solidFill>
+            <a:schemeClr val="accent2">
+              <a:lumMod val="60000"/>
+              <a:lumOff val="40000"/>
+              <a:alpha val="25000"/>
+            </a:schemeClr>
+          </a:solidFill>
+          <a:ln w="18000">
+            <a:solidFill>
+              <a:srgbClr val="000000"/>
+            </a:solidFill>
+          </a:ln>
+        </p:spPr>
+        <p:style>
+          <a:lnRef idx="2">
+            <a:schemeClr val="accent1">
+              <a:shade val="50000"/>
+            </a:schemeClr>
+          </a:lnRef>
+          <a:fillRef idx="1">
+            <a:schemeClr val="accent1"/>
+          </a:fillRef>
+          <a:effectRef idx="0">
+            <a:schemeClr val="accent1"/>
+          </a:effectRef>
+          <a:fontRef idx="minor">
+            <a:schemeClr val="lt1"/>
+          </a:fontRef>
+        </p:style>
+        <p:txBody>
+          <a:bodyPr rtlCol="0" anchor="ctr"/>
+          <a:lstStyle/>
+          <a:p>
+            <a:pPr algn="ctr"/>
+            <a:r>
+              <a:rPr lang="de-DE" dirty="0">
+                <a:solidFill>
+                  <a:srgbClr val="000000"/>
+                </a:solidFill>
+              </a:rPr>
+              <a:t>1</a:t>
+            </a:r>
+          </a:p>
+        </p:txBody>
+      </p:sp>
+      <p:sp>
+        <p:nvSpPr>
+          <p:cNvPr id="47" name="Ellipse 46"/>
+          <p:cNvSpPr/>
+          <p:nvPr/>
+        </p:nvSpPr>
+        <p:spPr>
+          <a:xfrm>
+            <a:off x="4723639" y="4574273"/>
+            <a:ext cx="1031747" cy="501264"/>
+          </a:xfrm>
+          <a:prstGeom prst="ellipse">
+            <a:avLst/>
+          </a:prstGeom>
+          <a:solidFill>
+            <a:schemeClr val="accent2">
+              <a:lumMod val="60000"/>
+              <a:lumOff val="40000"/>
+              <a:alpha val="25000"/>
+            </a:schemeClr>
+          </a:solidFill>
+          <a:ln w="18000">
+            <a:solidFill>
+              <a:srgbClr val="000000"/>
+            </a:solidFill>
+          </a:ln>
+        </p:spPr>
+        <p:style>
+          <a:lnRef idx="2">
+            <a:schemeClr val="accent1">
+              <a:shade val="50000"/>
+            </a:schemeClr>
+          </a:lnRef>
+          <a:fillRef idx="1">
+            <a:schemeClr val="accent1"/>
+          </a:fillRef>
+          <a:effectRef idx="0">
+            <a:schemeClr val="accent1"/>
+          </a:effectRef>
+          <a:fontRef idx="minor">
+            <a:schemeClr val="lt1"/>
+          </a:fontRef>
+        </p:style>
+        <p:txBody>
+          <a:bodyPr rtlCol="0" anchor="ctr"/>
+          <a:lstStyle/>
+          <a:p>
+            <a:pPr algn="ctr"/>
+            <a:r>
+              <a:rPr lang="de-DE" dirty="0">
+                <a:solidFill>
+                  <a:srgbClr val="000000"/>
+                </a:solidFill>
+              </a:rPr>
+              <a:t>X_3</a:t>
+            </a:r>
+          </a:p>
+        </p:txBody>
+      </p:sp>
+      <p:cxnSp>
+        <p:nvCxnSpPr>
+          <p:cNvPr id="50" name="Gerader Verbinder 49"/>
+          <p:cNvCxnSpPr>
+            <a:stCxn id="25" idx="3"/>
+            <a:endCxn id="47" idx="0"/>
+          </p:cNvCxnSpPr>
+          <p:nvPr/>
+        </p:nvCxnSpPr>
+        <p:spPr>
+          <a:xfrm flipH="1">
+            <a:off x="5239513" y="4026170"/>
+            <a:ext cx="493145" cy="548103"/>
+          </a:xfrm>
+          <a:prstGeom prst="line">
+            <a:avLst/>
+          </a:prstGeom>
+          <a:ln w="19050" cap="flat" cmpd="sng" algn="ctr">
+            <a:solidFill>
+              <a:schemeClr val="dk1"/>
+            </a:solidFill>
+            <a:prstDash val="dash"/>
+            <a:round/>
+            <a:headEnd type="none" w="med" len="med"/>
+            <a:tailEnd type="none" w="med" len="med"/>
+          </a:ln>
+        </p:spPr>
+        <p:style>
+          <a:lnRef idx="0">
+            <a:scrgbClr r="0" g="0" b="0"/>
+          </a:lnRef>
+          <a:fillRef idx="0">
+            <a:scrgbClr r="0" g="0" b="0"/>
+          </a:fillRef>
+          <a:effectRef idx="0">
+            <a:scrgbClr r="0" g="0" b="0"/>
+          </a:effectRef>
+          <a:fontRef idx="minor">
+            <a:schemeClr val="tx1"/>
+          </a:fontRef>
+        </p:style>
+      </p:cxnSp>
+      <p:cxnSp>
+        <p:nvCxnSpPr>
+          <p:cNvPr id="55" name="Gerader Verbinder 54"/>
+          <p:cNvCxnSpPr>
+            <a:stCxn id="25" idx="4"/>
+            <a:endCxn id="44" idx="0"/>
+          </p:cNvCxnSpPr>
+          <p:nvPr/>
+        </p:nvCxnSpPr>
+        <p:spPr>
+          <a:xfrm flipH="1">
+            <a:off x="5510935" y="4100084"/>
+            <a:ext cx="766921" cy="1606269"/>
+          </a:xfrm>
+          <a:prstGeom prst="line">
+            <a:avLst/>
+          </a:prstGeom>
+          <a:ln w="19050">
+            <a:headEnd type="none" w="med" len="med"/>
+            <a:tailEnd type="none" w="med" len="med"/>
+          </a:ln>
+        </p:spPr>
+        <p:style>
+          <a:lnRef idx="2">
+            <a:schemeClr val="dk1"/>
+          </a:lnRef>
+          <a:fillRef idx="0">
+            <a:schemeClr val="dk1"/>
+          </a:fillRef>
+          <a:effectRef idx="1">
+            <a:schemeClr val="dk1"/>
+          </a:effectRef>
+          <a:fontRef idx="minor">
+            <a:schemeClr val="tx1"/>
+          </a:fontRef>
+        </p:style>
+      </p:cxnSp>
+      <p:cxnSp>
+        <p:nvCxnSpPr>
+          <p:cNvPr id="60" name="Gerader Verbinder 59"/>
+          <p:cNvCxnSpPr>
+            <a:stCxn id="47" idx="4"/>
+            <a:endCxn id="41" idx="3"/>
+          </p:cNvCxnSpPr>
+          <p:nvPr/>
+        </p:nvCxnSpPr>
+        <p:spPr>
+          <a:xfrm flipH="1">
+            <a:off x="3883835" y="5075537"/>
+            <a:ext cx="1355678" cy="839609"/>
+          </a:xfrm>
+          <a:prstGeom prst="line">
+            <a:avLst/>
+          </a:prstGeom>
+          <a:ln w="19050" cap="flat" cmpd="sng" algn="ctr">
+            <a:solidFill>
+              <a:schemeClr val="dk1"/>
+            </a:solidFill>
+            <a:prstDash val="dash"/>
+            <a:round/>
+            <a:headEnd type="none" w="med" len="med"/>
+            <a:tailEnd type="none" w="med" len="med"/>
+          </a:ln>
+        </p:spPr>
+        <p:style>
+          <a:lnRef idx="0">
+            <a:scrgbClr r="0" g="0" b="0"/>
+          </a:lnRef>
+          <a:fillRef idx="0">
+            <a:scrgbClr r="0" g="0" b="0"/>
+          </a:fillRef>
+          <a:effectRef idx="0">
+            <a:scrgbClr r="0" g="0" b="0"/>
+          </a:effectRef>
+          <a:fontRef idx="minor">
+            <a:schemeClr val="tx1"/>
+          </a:fontRef>
+        </p:style>
+      </p:cxnSp>
+      <p:cxnSp>
+        <p:nvCxnSpPr>
+          <p:cNvPr id="67" name="Gerader Verbinder 66"/>
+          <p:cNvCxnSpPr>
+            <a:stCxn id="47" idx="4"/>
+            <a:endCxn id="44" idx="0"/>
+          </p:cNvCxnSpPr>
+          <p:nvPr/>
+        </p:nvCxnSpPr>
+        <p:spPr>
+          <a:xfrm>
+            <a:off x="5239513" y="5075537"/>
+            <a:ext cx="271422" cy="630816"/>
+          </a:xfrm>
+          <a:prstGeom prst="line">
+            <a:avLst/>
+          </a:prstGeom>
+          <a:ln w="19050">
+            <a:headEnd type="none" w="med" len="med"/>
+            <a:tailEnd type="none" w="med" len="med"/>
+          </a:ln>
+        </p:spPr>
+        <p:style>
+          <a:lnRef idx="2">
+            <a:schemeClr val="dk1"/>
+          </a:lnRef>
+          <a:fillRef idx="0">
+            <a:schemeClr val="dk1"/>
+          </a:fillRef>
+          <a:effectRef idx="1">
+            <a:schemeClr val="dk1"/>
+          </a:effectRef>
+          <a:fontRef idx="minor">
+            <a:schemeClr val="tx1"/>
+          </a:fontRef>
+        </p:style>
+      </p:cxnSp>
+      <p:sp>
+        <p:nvSpPr>
+          <p:cNvPr id="72" name="Ellipse 71"/>
+          <p:cNvSpPr/>
+          <p:nvPr/>
+        </p:nvSpPr>
+        <p:spPr>
+          <a:xfrm>
+            <a:off x="1263130" y="4590723"/>
+            <a:ext cx="1125162" cy="501264"/>
+          </a:xfrm>
+          <a:prstGeom prst="ellipse">
+            <a:avLst/>
+          </a:prstGeom>
+          <a:solidFill>
+            <a:schemeClr val="accent2">
+              <a:lumMod val="60000"/>
+              <a:lumOff val="40000"/>
+              <a:alpha val="25000"/>
+            </a:schemeClr>
+          </a:solidFill>
+          <a:ln w="18000">
+            <a:solidFill>
+              <a:srgbClr val="000000"/>
+            </a:solidFill>
+          </a:ln>
+        </p:spPr>
+        <p:style>
+          <a:lnRef idx="2">
+            <a:schemeClr val="accent1">
+              <a:shade val="50000"/>
+            </a:schemeClr>
+          </a:lnRef>
+          <a:fillRef idx="1">
+            <a:schemeClr val="accent1"/>
+          </a:fillRef>
+          <a:effectRef idx="0">
+            <a:schemeClr val="accent1"/>
+          </a:effectRef>
+          <a:fontRef idx="minor">
+            <a:schemeClr val="lt1"/>
+          </a:fontRef>
+        </p:style>
+        <p:txBody>
+          <a:bodyPr rtlCol="0" anchor="ctr"/>
+          <a:lstStyle/>
+          <a:p>
+            <a:pPr algn="ctr"/>
+            <a:r>
+              <a:rPr lang="de-DE" dirty="0">
+                <a:solidFill>
+                  <a:srgbClr val="000000"/>
+                </a:solidFill>
+              </a:rPr>
+              <a:t>X_3</a:t>
+            </a:r>
+          </a:p>
+        </p:txBody>
+      </p:sp>
+      <p:cxnSp>
+        <p:nvCxnSpPr>
+          <p:cNvPr id="75" name="Gerader Verbinder 74"/>
+          <p:cNvCxnSpPr>
+            <a:stCxn id="22" idx="4"/>
+            <a:endCxn id="72" idx="0"/>
+          </p:cNvCxnSpPr>
+          <p:nvPr/>
+        </p:nvCxnSpPr>
+        <p:spPr>
+          <a:xfrm flipH="1">
+            <a:off x="1825711" y="4060323"/>
+            <a:ext cx="808886" cy="530400"/>
+          </a:xfrm>
+          <a:prstGeom prst="line">
+            <a:avLst/>
+          </a:prstGeom>
+          <a:ln w="19050" cap="flat" cmpd="sng" algn="ctr">
+            <a:solidFill>
+              <a:schemeClr val="dk1"/>
+            </a:solidFill>
+            <a:prstDash val="dash"/>
+            <a:round/>
+            <a:headEnd type="none" w="med" len="med"/>
+            <a:tailEnd type="none" w="med" len="med"/>
+          </a:ln>
+        </p:spPr>
+        <p:style>
+          <a:lnRef idx="0">
+            <a:scrgbClr r="0" g="0" b="0"/>
+          </a:lnRef>
+          <a:fillRef idx="0">
+            <a:scrgbClr r="0" g="0" b="0"/>
+          </a:fillRef>
+          <a:effectRef idx="0">
+            <a:scrgbClr r="0" g="0" b="0"/>
+          </a:effectRef>
+          <a:fontRef idx="minor">
+            <a:schemeClr val="tx1"/>
+          </a:fontRef>
+        </p:style>
+      </p:cxnSp>
+      <p:sp>
+        <p:nvSpPr>
+          <p:cNvPr id="80" name="Ellipse 79"/>
+          <p:cNvSpPr/>
+          <p:nvPr/>
+        </p:nvSpPr>
+        <p:spPr>
+          <a:xfrm>
+            <a:off x="3104010" y="4590722"/>
+            <a:ext cx="1078899" cy="500267"/>
+          </a:xfrm>
+          <a:prstGeom prst="ellipse">
+            <a:avLst/>
+          </a:prstGeom>
+          <a:solidFill>
+            <a:schemeClr val="accent2">
+              <a:lumMod val="60000"/>
+              <a:lumOff val="40000"/>
+              <a:alpha val="25000"/>
+            </a:schemeClr>
+          </a:solidFill>
+          <a:ln w="18000">
+            <a:solidFill>
+              <a:srgbClr val="000000"/>
+            </a:solidFill>
+          </a:ln>
+        </p:spPr>
+        <p:style>
+          <a:lnRef idx="2">
+            <a:schemeClr val="accent1">
+              <a:shade val="50000"/>
+            </a:schemeClr>
+          </a:lnRef>
+          <a:fillRef idx="1">
+            <a:schemeClr val="accent1"/>
+          </a:fillRef>
+          <a:effectRef idx="0">
+            <a:schemeClr val="accent1"/>
+          </a:effectRef>
+          <a:fontRef idx="minor">
+            <a:schemeClr val="lt1"/>
+          </a:fontRef>
+        </p:style>
+        <p:txBody>
+          <a:bodyPr rtlCol="0" anchor="ctr"/>
+          <a:lstStyle/>
+          <a:p>
+            <a:pPr algn="ctr"/>
+            <a:r>
+              <a:rPr lang="de-DE" dirty="0">
+                <a:solidFill>
+                  <a:srgbClr val="000000"/>
+                </a:solidFill>
+              </a:rPr>
+              <a:t>X_3</a:t>
+            </a:r>
+          </a:p>
+        </p:txBody>
+      </p:sp>
+      <p:cxnSp>
+        <p:nvCxnSpPr>
+          <p:cNvPr id="83" name="Gerader Verbinder 82"/>
+          <p:cNvCxnSpPr>
+            <a:stCxn id="22" idx="4"/>
+            <a:endCxn id="80" idx="0"/>
+          </p:cNvCxnSpPr>
+          <p:nvPr/>
+        </p:nvCxnSpPr>
+        <p:spPr>
+          <a:xfrm>
+            <a:off x="2634597" y="4060323"/>
+            <a:ext cx="1008863" cy="530399"/>
+          </a:xfrm>
+          <a:prstGeom prst="line">
+            <a:avLst/>
+          </a:prstGeom>
+          <a:ln w="19050">
+            <a:headEnd type="none" w="med" len="med"/>
+            <a:tailEnd type="none" w="med" len="med"/>
+          </a:ln>
+        </p:spPr>
+        <p:style>
+          <a:lnRef idx="2">
+            <a:schemeClr val="dk1"/>
+          </a:lnRef>
+          <a:fillRef idx="0">
+            <a:schemeClr val="dk1"/>
+          </a:fillRef>
+          <a:effectRef idx="1">
+            <a:schemeClr val="dk1"/>
+          </a:effectRef>
+          <a:fontRef idx="minor">
+            <a:schemeClr val="tx1"/>
+          </a:fontRef>
+        </p:style>
+      </p:cxnSp>
+      <p:cxnSp>
+        <p:nvCxnSpPr>
+          <p:cNvPr id="88" name="Gerader Verbinder 87"/>
+          <p:cNvCxnSpPr>
+            <a:stCxn id="80" idx="4"/>
+            <a:endCxn id="44" idx="1"/>
+          </p:cNvCxnSpPr>
+          <p:nvPr/>
+        </p:nvCxnSpPr>
+        <p:spPr>
+          <a:xfrm>
+            <a:off x="3643460" y="5090989"/>
+            <a:ext cx="1505082" cy="830824"/>
+          </a:xfrm>
+          <a:prstGeom prst="line">
+            <a:avLst/>
+          </a:prstGeom>
+          <a:ln w="19050">
+            <a:headEnd type="none" w="med" len="med"/>
+            <a:tailEnd type="none" w="med" len="med"/>
+          </a:ln>
+        </p:spPr>
+        <p:style>
+          <a:lnRef idx="2">
+            <a:schemeClr val="dk1"/>
+          </a:lnRef>
+          <a:fillRef idx="0">
+            <a:schemeClr val="dk1"/>
+          </a:fillRef>
+          <a:effectRef idx="1">
+            <a:schemeClr val="dk1"/>
+          </a:effectRef>
+          <a:fontRef idx="minor">
+            <a:schemeClr val="tx1"/>
+          </a:fontRef>
+        </p:style>
+      </p:cxnSp>
+      <p:cxnSp>
+        <p:nvCxnSpPr>
+          <p:cNvPr id="93" name="Gerade Verbindung mit Pfeil 92"/>
+          <p:cNvCxnSpPr>
+            <a:stCxn id="72" idx="4"/>
+            <a:endCxn id="44" idx="1"/>
+          </p:cNvCxnSpPr>
+          <p:nvPr/>
+        </p:nvCxnSpPr>
+        <p:spPr>
+          <a:xfrm>
+            <a:off x="1825711" y="5091987"/>
+            <a:ext cx="3322831" cy="829826"/>
+          </a:xfrm>
+          <a:prstGeom prst="straightConnector1">
+            <a:avLst/>
+          </a:prstGeom>
+          <a:ln w="19050">
+            <a:headEnd type="none" w="med" len="med"/>
+            <a:tailEnd type="none" w="med" len="med"/>
+          </a:ln>
+        </p:spPr>
+        <p:style>
+          <a:lnRef idx="2">
+            <a:schemeClr val="dk1"/>
+          </a:lnRef>
+          <a:fillRef idx="0">
+            <a:schemeClr val="dk1"/>
+          </a:fillRef>
+          <a:effectRef idx="1">
+            <a:schemeClr val="dk1"/>
+          </a:effectRef>
+          <a:fontRef idx="minor">
+            <a:schemeClr val="tx1"/>
+          </a:fontRef>
+        </p:style>
+      </p:cxnSp>
+      <p:cxnSp>
+        <p:nvCxnSpPr>
+          <p:cNvPr id="98" name="Gerader Verbinder 97"/>
+          <p:cNvCxnSpPr>
+            <a:stCxn id="80" idx="4"/>
+            <a:endCxn id="41" idx="0"/>
+          </p:cNvCxnSpPr>
+          <p:nvPr/>
+        </p:nvCxnSpPr>
+        <p:spPr>
+          <a:xfrm flipH="1">
+            <a:off x="3551555" y="5090989"/>
+            <a:ext cx="91905" cy="605457"/>
+          </a:xfrm>
+          <a:prstGeom prst="line">
+            <a:avLst/>
+          </a:prstGeom>
+          <a:ln w="19050" cap="flat" cmpd="sng" algn="ctr">
+            <a:solidFill>
+              <a:schemeClr val="dk1"/>
+            </a:solidFill>
+            <a:prstDash val="dash"/>
+            <a:round/>
+            <a:headEnd type="none" w="med" len="med"/>
+            <a:tailEnd type="none" w="med" len="med"/>
+          </a:ln>
+        </p:spPr>
+        <p:style>
+          <a:lnRef idx="0">
+            <a:scrgbClr r="0" g="0" b="0"/>
+          </a:lnRef>
+          <a:fillRef idx="0">
+            <a:scrgbClr r="0" g="0" b="0"/>
+          </a:fillRef>
+          <a:effectRef idx="0">
+            <a:scrgbClr r="0" g="0" b="0"/>
+          </a:effectRef>
+          <a:fontRef idx="minor">
+            <a:schemeClr val="tx1"/>
+          </a:fontRef>
+        </p:style>
+      </p:cxnSp>
+      <p:cxnSp>
+        <p:nvCxnSpPr>
+          <p:cNvPr id="105" name="Gerader Verbinder 104"/>
+          <p:cNvCxnSpPr>
+            <a:stCxn id="72" idx="4"/>
+            <a:endCxn id="41" idx="0"/>
+          </p:cNvCxnSpPr>
+          <p:nvPr/>
+        </p:nvCxnSpPr>
+        <p:spPr>
+          <a:xfrm>
+            <a:off x="1825711" y="5091987"/>
+            <a:ext cx="1725844" cy="604459"/>
+          </a:xfrm>
+          <a:prstGeom prst="line">
+            <a:avLst/>
+          </a:prstGeom>
+          <a:ln w="19050" cap="flat" cmpd="sng" algn="ctr">
+            <a:solidFill>
+              <a:schemeClr val="dk1"/>
+            </a:solidFill>
+            <a:prstDash val="dash"/>
+            <a:round/>
+            <a:headEnd type="none" w="med" len="med"/>
+            <a:tailEnd type="none" w="med" len="med"/>
+          </a:ln>
+        </p:spPr>
+        <p:style>
+          <a:lnRef idx="0">
+            <a:scrgbClr r="0" g="0" b="0"/>
+          </a:lnRef>
+          <a:fillRef idx="0">
+            <a:scrgbClr r="0" g="0" b="0"/>
+          </a:fillRef>
+          <a:effectRef idx="0">
+            <a:scrgbClr r="0" g="0" b="0"/>
+          </a:effectRef>
+          <a:fontRef idx="minor">
+            <a:schemeClr val="tx1"/>
+          </a:fontRef>
+        </p:style>
+      </p:cxnSp>
+      <mc:AlternateContent xmlns:mc="http://schemas.openxmlformats.org/markup-compatibility/2006">
+        <mc:Choice xmlns:a14="http://schemas.microsoft.com/office/drawing/2010/main" Requires="a14">
+          <p:sp>
+            <p:nvSpPr>
+              <p:cNvPr id="179" name="Rechteck 178"/>
+              <p:cNvSpPr/>
+              <p:nvPr/>
+            </p:nvSpPr>
+            <p:spPr>
+              <a:xfrm>
+                <a:off x="984224" y="1943717"/>
+                <a:ext cx="7221272" cy="710194"/>
+              </a:xfrm>
+              <a:prstGeom prst="rect">
+                <a:avLst/>
+              </a:prstGeom>
+            </p:spPr>
+            <p:txBody>
+              <a:bodyPr wrap="none">
+                <a:spAutoFit/>
+              </a:bodyPr>
+              <a:lstStyle/>
+              <a:p>
+                <a:pPr/>
+                <a:r>
+                  <a:rPr lang="de-DE" b="0" dirty="0"/>
+                  <a:t>P(F)</a:t>
+                </a:r>
+                <a14:m>
+                  <m:oMath xmlns:m="http://schemas.openxmlformats.org/officeDocument/2006/math">
+                    <m:r>
+                      <a:rPr lang="de-DE" b="0" i="1" smtClean="0">
+                        <a:latin typeface="Cambria Math" panose="02040503050406030204" pitchFamily="18" charset="0"/>
+                      </a:rPr>
+                      <m:t>=</m:t>
+                    </m:r>
+                    <m:d>
+                      <m:dPr>
+                        <m:begChr m:val="{"/>
+                        <m:endChr m:val=""/>
+                        <m:ctrlPr>
+                          <a:rPr lang="de-DE" b="0" i="1" smtClean="0">
+                            <a:latin typeface="Cambria Math" panose="02040503050406030204" pitchFamily="18" charset="0"/>
+                          </a:rPr>
+                        </m:ctrlPr>
+                      </m:dPr>
+                      <m:e>
+                        <m:eqArr>
+                          <m:eqArrPr>
+                            <m:ctrlPr>
+                              <a:rPr lang="de-DE" b="0" i="1" smtClean="0">
+                                <a:latin typeface="Cambria Math" panose="02040503050406030204" pitchFamily="18" charset="0"/>
+                              </a:rPr>
+                            </m:ctrlPr>
+                          </m:eqArrPr>
+                          <m:e>
+                            <m:r>
+                              <a:rPr lang="de-DE" b="0" i="1" smtClean="0">
+                                <a:latin typeface="Cambria Math" panose="02040503050406030204" pitchFamily="18" charset="0"/>
+                              </a:rPr>
+                              <m:t>𝑃</m:t>
+                            </m:r>
+                            <m:r>
+                              <a:rPr lang="de-DE" b="0" i="1" smtClean="0">
+                                <a:latin typeface="Cambria Math" panose="02040503050406030204" pitchFamily="18" charset="0"/>
+                              </a:rPr>
+                              <m:t>(</m:t>
+                            </m:r>
+                            <m:sSub>
+                              <m:sSubPr>
+                                <m:ctrlPr>
+                                  <a:rPr lang="de-DE" b="0" i="1" smtClean="0">
+                                    <a:latin typeface="Cambria Math" panose="02040503050406030204" pitchFamily="18" charset="0"/>
+                                  </a:rPr>
+                                </m:ctrlPr>
+                              </m:sSubPr>
+                              <m:e>
+                                <m:r>
+                                  <a:rPr lang="de-DE" b="0" i="1" smtClean="0">
+                                    <a:latin typeface="Cambria Math" panose="02040503050406030204" pitchFamily="18" charset="0"/>
+                                  </a:rPr>
+                                  <m:t>𝑔</m:t>
+                                </m:r>
+                              </m:e>
+                              <m:sub>
+                                <m:r>
+                                  <a:rPr lang="de-DE" b="0" i="1" smtClean="0">
+                                    <a:latin typeface="Cambria Math" panose="02040503050406030204" pitchFamily="18" charset="0"/>
+                                  </a:rPr>
+                                  <m:t>2</m:t>
+                                </m:r>
+                              </m:sub>
+                            </m:sSub>
+                            <m:r>
+                              <a:rPr lang="de-DE" b="0" i="1" smtClean="0">
+                                <a:latin typeface="Cambria Math" panose="02040503050406030204" pitchFamily="18" charset="0"/>
+                              </a:rPr>
+                              <m:t>)</m:t>
+                            </m:r>
+                            <m:r>
+                              <a:rPr lang="de-DE" b="0" i="1" smtClean="0">
+                                <a:latin typeface="Cambria Math" panose="02040503050406030204" pitchFamily="18" charset="0"/>
+                              </a:rPr>
+                              <m:t>+</m:t>
+                            </m:r>
+                            <m:r>
+                              <a:rPr lang="de-DE" b="0" i="1" smtClean="0">
+                                <a:latin typeface="Cambria Math" panose="02040503050406030204" pitchFamily="18" charset="0"/>
+                              </a:rPr>
+                              <m:t>𝑃</m:t>
+                            </m:r>
+                            <m:r>
+                              <a:rPr lang="de-DE" b="0" i="1" smtClean="0">
+                                <a:latin typeface="Cambria Math" panose="02040503050406030204" pitchFamily="18" charset="0"/>
+                              </a:rPr>
+                              <m:t>(</m:t>
+                            </m:r>
+                            <m:r>
+                              <a:rPr lang="de-DE" b="0" i="1" smtClean="0">
+                                <a:latin typeface="Cambria Math" panose="02040503050406030204" pitchFamily="18" charset="0"/>
+                              </a:rPr>
+                              <m:t>𝑥</m:t>
+                            </m:r>
+                            <m:r>
+                              <a:rPr lang="de-DE" b="0" i="1" smtClean="0">
+                                <a:latin typeface="Cambria Math" panose="02040503050406030204" pitchFamily="18" charset="0"/>
+                              </a:rPr>
+                              <m:t>)</m:t>
+                            </m:r>
+                            <m:r>
+                              <a:rPr lang="de-DE" b="0" i="1" smtClean="0">
+                                <a:latin typeface="Cambria Math" panose="02040503050406030204" pitchFamily="18" charset="0"/>
+                              </a:rPr>
+                              <m:t>⋅</m:t>
+                            </m:r>
+                            <m:d>
+                              <m:dPr>
+                                <m:ctrlPr>
+                                  <a:rPr lang="de-DE" b="0" i="1" smtClean="0">
+                                    <a:latin typeface="Cambria Math" panose="02040503050406030204" pitchFamily="18" charset="0"/>
+                                  </a:rPr>
+                                </m:ctrlPr>
+                              </m:dPr>
+                              <m:e>
+                                <m:r>
+                                  <a:rPr lang="de-DE" b="0" i="1" smtClean="0">
+                                    <a:latin typeface="Cambria Math" panose="02040503050406030204" pitchFamily="18" charset="0"/>
+                                  </a:rPr>
+                                  <m:t>𝑃</m:t>
+                                </m:r>
+                                <m:r>
+                                  <a:rPr lang="de-DE" b="0" i="1" smtClean="0">
+                                    <a:latin typeface="Cambria Math" panose="02040503050406030204" pitchFamily="18" charset="0"/>
+                                  </a:rPr>
+                                  <m:t>(</m:t>
+                                </m:r>
+                                <m:sSub>
+                                  <m:sSubPr>
+                                    <m:ctrlPr>
+                                      <a:rPr lang="de-DE" b="0" i="1" smtClean="0">
+                                        <a:latin typeface="Cambria Math" panose="02040503050406030204" pitchFamily="18" charset="0"/>
+                                      </a:rPr>
+                                    </m:ctrlPr>
+                                  </m:sSubPr>
+                                  <m:e>
+                                    <m:r>
+                                      <a:rPr lang="de-DE" b="0" i="1" smtClean="0">
+                                        <a:latin typeface="Cambria Math" panose="02040503050406030204" pitchFamily="18" charset="0"/>
+                                      </a:rPr>
+                                      <m:t>𝑔</m:t>
+                                    </m:r>
+                                  </m:e>
+                                  <m:sub>
+                                    <m:r>
+                                      <a:rPr lang="de-DE" b="0" i="1" smtClean="0">
+                                        <a:latin typeface="Cambria Math" panose="02040503050406030204" pitchFamily="18" charset="0"/>
+                                      </a:rPr>
+                                      <m:t>1</m:t>
+                                    </m:r>
+                                  </m:sub>
+                                </m:sSub>
+                                <m:r>
+                                  <a:rPr lang="de-DE" b="0" i="1" smtClean="0">
+                                    <a:latin typeface="Cambria Math" panose="02040503050406030204" pitchFamily="18" charset="0"/>
+                                  </a:rPr>
+                                  <m:t>)</m:t>
+                                </m:r>
+                                <m:r>
+                                  <a:rPr lang="de-DE" b="0" i="1" smtClean="0">
+                                    <a:latin typeface="Cambria Math" panose="02040503050406030204" pitchFamily="18" charset="0"/>
+                                  </a:rPr>
+                                  <m:t>−</m:t>
+                                </m:r>
+                                <m:r>
+                                  <a:rPr lang="de-DE" b="0" i="1" smtClean="0">
+                                    <a:latin typeface="Cambria Math" panose="02040503050406030204" pitchFamily="18" charset="0"/>
+                                  </a:rPr>
+                                  <m:t>𝑃</m:t>
+                                </m:r>
+                                <m:r>
+                                  <a:rPr lang="de-DE" b="0" i="1" smtClean="0">
+                                    <a:latin typeface="Cambria Math" panose="02040503050406030204" pitchFamily="18" charset="0"/>
+                                  </a:rPr>
+                                  <m:t>(</m:t>
+                                </m:r>
+                                <m:sSub>
+                                  <m:sSubPr>
+                                    <m:ctrlPr>
+                                      <a:rPr lang="de-DE" b="0" i="1" smtClean="0">
+                                        <a:latin typeface="Cambria Math" panose="02040503050406030204" pitchFamily="18" charset="0"/>
+                                      </a:rPr>
+                                    </m:ctrlPr>
+                                  </m:sSubPr>
+                                  <m:e>
+                                    <m:r>
+                                      <a:rPr lang="de-DE" b="0" i="1" smtClean="0">
+                                        <a:latin typeface="Cambria Math" panose="02040503050406030204" pitchFamily="18" charset="0"/>
+                                      </a:rPr>
+                                      <m:t>h</m:t>
+                                    </m:r>
+                                  </m:e>
+                                  <m:sub>
+                                    <m:r>
+                                      <a:rPr lang="de-DE" b="0" i="1" smtClean="0">
+                                        <a:latin typeface="Cambria Math" panose="02040503050406030204" pitchFamily="18" charset="0"/>
+                                      </a:rPr>
+                                      <m:t>2</m:t>
+                                    </m:r>
+                                  </m:sub>
+                                </m:sSub>
+                                <m:r>
+                                  <a:rPr lang="de-DE" b="0" i="1" smtClean="0">
+                                    <a:latin typeface="Cambria Math" panose="02040503050406030204" pitchFamily="18" charset="0"/>
+                                  </a:rPr>
+                                  <m:t>)</m:t>
+                                </m:r>
+                              </m:e>
+                            </m:d>
+                            <m:r>
+                              <a:rPr lang="de-DE" b="0" i="1" smtClean="0">
+                                <a:latin typeface="Cambria Math" panose="02040503050406030204" pitchFamily="18" charset="0"/>
+                              </a:rPr>
+                              <m:t>   </m:t>
+                            </m:r>
+                            <m:r>
+                              <a:rPr lang="de-DE" b="0" i="1" smtClean="0">
+                                <a:latin typeface="Cambria Math" panose="02040503050406030204" pitchFamily="18" charset="0"/>
+                              </a:rPr>
+                              <m:t>𝑖𝑓</m:t>
+                            </m:r>
+                            <m:r>
+                              <a:rPr lang="de-DE" b="0" i="1" smtClean="0">
+                                <a:latin typeface="Cambria Math" panose="02040503050406030204" pitchFamily="18" charset="0"/>
+                              </a:rPr>
+                              <m:t> </m:t>
+                            </m:r>
+                            <m:sSub>
+                              <m:sSubPr>
+                                <m:ctrlPr>
+                                  <a:rPr lang="de-DE" b="0" i="1" smtClean="0">
+                                    <a:latin typeface="Cambria Math" panose="02040503050406030204" pitchFamily="18" charset="0"/>
+                                  </a:rPr>
+                                </m:ctrlPr>
+                              </m:sSubPr>
+                              <m:e>
+                                <m:r>
+                                  <a:rPr lang="de-DE" b="0" i="1" smtClean="0">
+                                    <a:latin typeface="Cambria Math" panose="02040503050406030204" pitchFamily="18" charset="0"/>
+                                  </a:rPr>
+                                  <m:t>𝑥</m:t>
+                                </m:r>
+                              </m:e>
+                              <m:sub>
+                                <m:r>
+                                  <a:rPr lang="de-DE" b="0" i="1" smtClean="0">
+                                    <a:latin typeface="Cambria Math" panose="02040503050406030204" pitchFamily="18" charset="0"/>
+                                  </a:rPr>
+                                  <m:t>1</m:t>
+                                </m:r>
+                              </m:sub>
+                            </m:sSub>
+                            <m:r>
+                              <a:rPr lang="de-DE" b="0" i="1" smtClean="0">
+                                <a:latin typeface="Cambria Math" panose="02040503050406030204" pitchFamily="18" charset="0"/>
+                              </a:rPr>
+                              <m:t> </m:t>
+                            </m:r>
+                            <m:r>
+                              <a:rPr lang="de-DE" b="0" i="1" smtClean="0">
+                                <a:latin typeface="Cambria Math" panose="02040503050406030204" pitchFamily="18" charset="0"/>
+                              </a:rPr>
+                              <m:t>𝑎𝑛𝑑</m:t>
+                            </m:r>
+                            <m:r>
+                              <a:rPr lang="de-DE" b="0" i="1" smtClean="0">
+                                <a:latin typeface="Cambria Math" panose="02040503050406030204" pitchFamily="18" charset="0"/>
+                              </a:rPr>
+                              <m:t> </m:t>
+                            </m:r>
+                            <m:sSub>
+                              <m:sSubPr>
+                                <m:ctrlPr>
+                                  <a:rPr lang="de-DE" b="0" i="1" smtClean="0">
+                                    <a:latin typeface="Cambria Math" panose="02040503050406030204" pitchFamily="18" charset="0"/>
+                                  </a:rPr>
+                                </m:ctrlPr>
+                              </m:sSubPr>
+                              <m:e>
+                                <m:r>
+                                  <a:rPr lang="de-DE" b="0" i="1" smtClean="0">
+                                    <a:latin typeface="Cambria Math" panose="02040503050406030204" pitchFamily="18" charset="0"/>
+                                  </a:rPr>
+                                  <m:t>𝑥</m:t>
+                                </m:r>
+                              </m:e>
+                              <m:sub>
+                                <m:r>
+                                  <a:rPr lang="de-DE" b="0" i="1" smtClean="0">
+                                    <a:latin typeface="Cambria Math" panose="02040503050406030204" pitchFamily="18" charset="0"/>
+                                  </a:rPr>
+                                  <m:t>2</m:t>
+                                </m:r>
+                              </m:sub>
+                            </m:sSub>
+                            <m:r>
+                              <a:rPr lang="de-DE" b="0" i="1" smtClean="0">
+                                <a:latin typeface="Cambria Math" panose="02040503050406030204" pitchFamily="18" charset="0"/>
+                              </a:rPr>
+                              <m:t> </m:t>
+                            </m:r>
+                            <m:r>
+                              <a:rPr lang="de-DE" b="0" i="1" smtClean="0">
+                                <a:latin typeface="Cambria Math" panose="02040503050406030204" pitchFamily="18" charset="0"/>
+                              </a:rPr>
+                              <m:t>𝑠𝑎𝑚𝑒</m:t>
+                            </m:r>
+                            <m:r>
+                              <a:rPr lang="de-DE" b="0" i="1" smtClean="0">
+                                <a:latin typeface="Cambria Math" panose="02040503050406030204" pitchFamily="18" charset="0"/>
+                              </a:rPr>
+                              <m:t> </m:t>
+                            </m:r>
+                            <m:r>
+                              <a:rPr lang="de-DE" b="0" i="1" smtClean="0">
+                                <a:latin typeface="Cambria Math" panose="02040503050406030204" pitchFamily="18" charset="0"/>
+                              </a:rPr>
+                              <m:t>𝐶𝑜𝑚𝑝𝑜𝑛𝑒𝑛𝑡</m:t>
+                            </m:r>
+                          </m:e>
+                          <m:e>
+                            <m:r>
+                              <a:rPr lang="de-DE" b="0" i="1" smtClean="0">
+                                <a:latin typeface="Cambria Math" panose="02040503050406030204" pitchFamily="18" charset="0"/>
+                              </a:rPr>
+                              <m:t>𝑃</m:t>
+                            </m:r>
+                            <m:r>
+                              <a:rPr lang="de-DE" b="0" i="1" smtClean="0">
+                                <a:latin typeface="Cambria Math" panose="02040503050406030204" pitchFamily="18" charset="0"/>
+                              </a:rPr>
+                              <m:t>(</m:t>
+                            </m:r>
+                            <m:sSub>
+                              <m:sSubPr>
+                                <m:ctrlPr>
+                                  <a:rPr lang="de-DE" b="0" i="1" smtClean="0">
+                                    <a:latin typeface="Cambria Math" panose="02040503050406030204" pitchFamily="18" charset="0"/>
+                                  </a:rPr>
+                                </m:ctrlPr>
+                              </m:sSubPr>
+                              <m:e>
+                                <m:r>
+                                  <a:rPr lang="de-DE" b="0" i="1" smtClean="0">
+                                    <a:latin typeface="Cambria Math" panose="02040503050406030204" pitchFamily="18" charset="0"/>
+                                  </a:rPr>
+                                  <m:t>𝑔</m:t>
+                                </m:r>
+                              </m:e>
+                              <m:sub>
+                                <m:r>
+                                  <a:rPr lang="de-DE" b="0" i="1" smtClean="0">
+                                    <a:latin typeface="Cambria Math" panose="02040503050406030204" pitchFamily="18" charset="0"/>
+                                  </a:rPr>
+                                  <m:t>2</m:t>
+                                </m:r>
+                              </m:sub>
+                            </m:sSub>
+                            <m:r>
+                              <a:rPr lang="de-DE" b="0" i="1" smtClean="0">
+                                <a:latin typeface="Cambria Math" panose="02040503050406030204" pitchFamily="18" charset="0"/>
+                              </a:rPr>
+                              <m:t>)</m:t>
+                            </m:r>
+                            <m:r>
+                              <a:rPr lang="de-DE" b="0" i="1" smtClean="0">
+                                <a:latin typeface="Cambria Math" panose="02040503050406030204" pitchFamily="18" charset="0"/>
+                              </a:rPr>
+                              <m:t>+</m:t>
+                            </m:r>
+                            <m:r>
+                              <a:rPr lang="de-DE" b="0" i="1" smtClean="0">
+                                <a:latin typeface="Cambria Math" panose="02040503050406030204" pitchFamily="18" charset="0"/>
+                              </a:rPr>
+                              <m:t>𝑃</m:t>
+                            </m:r>
+                            <m:r>
+                              <a:rPr lang="de-DE" b="0" i="1" smtClean="0">
+                                <a:latin typeface="Cambria Math" panose="02040503050406030204" pitchFamily="18" charset="0"/>
+                              </a:rPr>
+                              <m:t>(</m:t>
+                            </m:r>
+                            <m:r>
+                              <a:rPr lang="de-DE" b="0" i="1" smtClean="0">
+                                <a:latin typeface="Cambria Math" panose="02040503050406030204" pitchFamily="18" charset="0"/>
+                              </a:rPr>
+                              <m:t>𝑥</m:t>
+                            </m:r>
+                            <m:r>
+                              <a:rPr lang="de-DE" b="0" i="1" smtClean="0">
+                                <a:latin typeface="Cambria Math" panose="02040503050406030204" pitchFamily="18" charset="0"/>
+                              </a:rPr>
+                              <m:t>)</m:t>
+                            </m:r>
+                            <m:r>
+                              <a:rPr lang="de-DE" b="0" i="1" smtClean="0">
+                                <a:latin typeface="Cambria Math" panose="02040503050406030204" pitchFamily="18" charset="0"/>
+                              </a:rPr>
+                              <m:t>⋅</m:t>
+                            </m:r>
+                            <m:d>
+                              <m:dPr>
+                                <m:ctrlPr>
+                                  <a:rPr lang="de-DE" b="0" i="1" smtClean="0">
+                                    <a:latin typeface="Cambria Math" panose="02040503050406030204" pitchFamily="18" charset="0"/>
+                                  </a:rPr>
+                                </m:ctrlPr>
+                              </m:dPr>
+                              <m:e>
+                                <m:r>
+                                  <a:rPr lang="de-DE" b="0" i="1" smtClean="0">
+                                    <a:latin typeface="Cambria Math" panose="02040503050406030204" pitchFamily="18" charset="0"/>
+                                  </a:rPr>
+                                  <m:t>𝑃</m:t>
+                                </m:r>
+                                <m:r>
+                                  <a:rPr lang="de-DE" b="0" i="1" smtClean="0">
+                                    <a:latin typeface="Cambria Math" panose="02040503050406030204" pitchFamily="18" charset="0"/>
+                                  </a:rPr>
+                                  <m:t>(</m:t>
+                                </m:r>
+                                <m:sSub>
+                                  <m:sSubPr>
+                                    <m:ctrlPr>
+                                      <a:rPr lang="de-DE" b="0" i="1" smtClean="0">
+                                        <a:latin typeface="Cambria Math" panose="02040503050406030204" pitchFamily="18" charset="0"/>
+                                      </a:rPr>
+                                    </m:ctrlPr>
+                                  </m:sSubPr>
+                                  <m:e>
+                                    <m:r>
+                                      <a:rPr lang="de-DE" b="0" i="1" smtClean="0">
+                                        <a:latin typeface="Cambria Math" panose="02040503050406030204" pitchFamily="18" charset="0"/>
+                                      </a:rPr>
+                                      <m:t>𝑔</m:t>
+                                    </m:r>
+                                  </m:e>
+                                  <m:sub>
+                                    <m:r>
+                                      <a:rPr lang="de-DE" b="0" i="1" smtClean="0">
+                                        <a:latin typeface="Cambria Math" panose="02040503050406030204" pitchFamily="18" charset="0"/>
+                                      </a:rPr>
+                                      <m:t>1</m:t>
+                                    </m:r>
+                                  </m:sub>
+                                </m:sSub>
+                                <m:r>
+                                  <a:rPr lang="de-DE" b="0" i="1" smtClean="0">
+                                    <a:latin typeface="Cambria Math" panose="02040503050406030204" pitchFamily="18" charset="0"/>
+                                  </a:rPr>
+                                  <m:t>)</m:t>
+                                </m:r>
+                                <m:r>
+                                  <a:rPr lang="de-DE" b="0" i="1" smtClean="0">
+                                    <a:latin typeface="Cambria Math" panose="02040503050406030204" pitchFamily="18" charset="0"/>
+                                  </a:rPr>
+                                  <m:t>−</m:t>
+                                </m:r>
+                                <m:r>
+                                  <a:rPr lang="de-DE" b="0" i="1" smtClean="0">
+                                    <a:latin typeface="Cambria Math" panose="02040503050406030204" pitchFamily="18" charset="0"/>
+                                  </a:rPr>
+                                  <m:t>𝑃</m:t>
+                                </m:r>
+                                <m:r>
+                                  <a:rPr lang="de-DE" b="0" i="1" smtClean="0">
+                                    <a:latin typeface="Cambria Math" panose="02040503050406030204" pitchFamily="18" charset="0"/>
+                                  </a:rPr>
+                                  <m:t>(</m:t>
+                                </m:r>
+                                <m:sSub>
+                                  <m:sSubPr>
+                                    <m:ctrlPr>
+                                      <a:rPr lang="de-DE" b="0" i="1" smtClean="0">
+                                        <a:latin typeface="Cambria Math" panose="02040503050406030204" pitchFamily="18" charset="0"/>
+                                      </a:rPr>
+                                    </m:ctrlPr>
+                                  </m:sSubPr>
+                                  <m:e>
+                                    <m:r>
+                                      <a:rPr lang="de-DE" b="0" i="1" smtClean="0">
+                                        <a:latin typeface="Cambria Math" panose="02040503050406030204" pitchFamily="18" charset="0"/>
+                                      </a:rPr>
+                                      <m:t>𝑔</m:t>
+                                    </m:r>
+                                  </m:e>
+                                  <m:sub>
+                                    <m:r>
+                                      <a:rPr lang="de-DE" b="0" i="1" smtClean="0">
+                                        <a:latin typeface="Cambria Math" panose="02040503050406030204" pitchFamily="18" charset="0"/>
+                                      </a:rPr>
+                                      <m:t>2</m:t>
+                                    </m:r>
+                                  </m:sub>
+                                </m:sSub>
+                                <m:r>
+                                  <a:rPr lang="de-DE" b="0" i="1" smtClean="0">
+                                    <a:latin typeface="Cambria Math" panose="02040503050406030204" pitchFamily="18" charset="0"/>
+                                  </a:rPr>
+                                  <m:t>)</m:t>
+                                </m:r>
+                              </m:e>
+                            </m:d>
+                            <m:r>
+                              <a:rPr lang="de-DE" b="0" i="1" smtClean="0">
+                                <a:latin typeface="Cambria Math" panose="02040503050406030204" pitchFamily="18" charset="0"/>
+                              </a:rPr>
+                              <m:t>   </m:t>
+                            </m:r>
+                            <m:r>
+                              <a:rPr lang="de-DE" b="0" i="1" smtClean="0">
+                                <a:latin typeface="Cambria Math" panose="02040503050406030204" pitchFamily="18" charset="0"/>
+                              </a:rPr>
+                              <m:t>𝑜𝑡h𝑒𝑟𝑤𝑖𝑠𝑒</m:t>
+                            </m:r>
+                            <m:r>
+                              <a:rPr lang="de-DE" b="0" i="1" smtClean="0">
+                                <a:latin typeface="Cambria Math" panose="02040503050406030204" pitchFamily="18" charset="0"/>
+                              </a:rPr>
+                              <m:t>       </m:t>
+                            </m:r>
+                            <m:r>
+                              <a:rPr lang="de-DE" b="0" i="1" smtClean="0">
+                                <a:latin typeface="Cambria Math" panose="02040503050406030204" pitchFamily="18" charset="0"/>
+                              </a:rPr>
+                              <m:t>            </m:t>
+                            </m:r>
+                            <m:r>
+                              <a:rPr lang="de-DE" b="0" i="1" smtClean="0">
+                                <a:latin typeface="Cambria Math" panose="02040503050406030204" pitchFamily="18" charset="0"/>
+                              </a:rPr>
+                              <m:t>                    </m:t>
+                            </m:r>
+                          </m:e>
+                        </m:eqArr>
+                      </m:e>
+                    </m:d>
+                  </m:oMath>
+                </a14:m>
+                <a:endParaRPr lang="de-DE" dirty="0"/>
+              </a:p>
+            </p:txBody>
+          </p:sp>
+        </mc:Choice>
+        <mc:Fallback>
+          <p:sp>
+            <p:nvSpPr>
+              <p:cNvPr id="179" name="Rechteck 178"/>
+              <p:cNvSpPr>
+                <a:spLocks noRot="1" noChangeAspect="1" noMove="1" noResize="1" noEditPoints="1" noAdjustHandles="1" noChangeArrowheads="1" noChangeShapeType="1" noTextEdit="1"/>
+              </p:cNvSpPr>
+              <p:nvPr/>
+            </p:nvSpPr>
+            <p:spPr>
+              <a:xfrm>
+                <a:off x="984224" y="1943717"/>
+                <a:ext cx="7221272" cy="710194"/>
+              </a:xfrm>
+              <a:prstGeom prst="rect">
+                <a:avLst/>
+              </a:prstGeom>
+              <a:blipFill>
+                <a:blip r:embed="rId2"/>
+                <a:stretch>
+                  <a:fillRect l="-675"/>
+                </a:stretch>
+              </a:blipFill>
+            </p:spPr>
+            <p:txBody>
+              <a:bodyPr/>
+              <a:lstStyle/>
+              <a:p>
+                <a:r>
+                  <a:rPr lang="de-DE">
+                    <a:noFill/>
+                  </a:rPr>
+                  <a:t> </a:t>
+                </a:r>
+              </a:p>
+            </p:txBody>
+          </p:sp>
+        </mc:Fallback>
+      </mc:AlternateContent>
+      <mc:AlternateContent xmlns:mc="http://schemas.openxmlformats.org/markup-compatibility/2006">
+        <mc:Choice xmlns:a14="http://schemas.microsoft.com/office/drawing/2010/main" Requires="a14">
+          <p:sp>
+            <p:nvSpPr>
+              <p:cNvPr id="13" name="Textfeld 12"/>
+              <p:cNvSpPr txBox="1"/>
+              <p:nvPr/>
+            </p:nvSpPr>
+            <p:spPr>
+              <a:xfrm>
+                <a:off x="6049256" y="3084831"/>
+                <a:ext cx="457200" cy="461665"/>
+              </a:xfrm>
+              <a:prstGeom prst="rect">
+                <a:avLst/>
+              </a:prstGeom>
+              <a:noFill/>
+            </p:spPr>
+            <p:txBody>
+              <a:bodyPr wrap="square" rtlCol="0">
+                <a:spAutoFit/>
+              </a:bodyPr>
+              <a:lstStyle/>
+              <a:p>
+                <a14:m>
+                  <m:oMathPara xmlns:m="http://schemas.openxmlformats.org/officeDocument/2006/math">
+                    <m:oMathParaPr>
+                      <m:jc m:val="centerGroup"/>
+                    </m:oMathParaPr>
+                    <m:oMath xmlns:m="http://schemas.openxmlformats.org/officeDocument/2006/math">
+                      <m:sSub>
+                        <m:sSubPr>
+                          <m:ctrlPr>
+                            <a:rPr lang="de-DE" sz="2400" b="0" i="1" smtClean="0">
+                              <a:solidFill>
+                                <a:schemeClr val="accent4">
+                                  <a:lumMod val="75000"/>
+                                </a:schemeClr>
+                              </a:solidFill>
+                              <a:latin typeface="Cambria Math" panose="02040503050406030204" pitchFamily="18" charset="0"/>
+                            </a:rPr>
+                          </m:ctrlPr>
+                        </m:sSubPr>
+                        <m:e>
+                          <m:r>
+                            <a:rPr lang="de-DE" sz="2400" b="0" i="1" smtClean="0">
+                              <a:solidFill>
+                                <a:schemeClr val="accent4">
+                                  <a:lumMod val="75000"/>
+                                </a:schemeClr>
+                              </a:solidFill>
+                              <a:latin typeface="Cambria Math" panose="02040503050406030204" pitchFamily="18" charset="0"/>
+                            </a:rPr>
+                            <m:t>𝑔</m:t>
+                          </m:r>
+                        </m:e>
+                        <m:sub>
+                          <m:r>
+                            <a:rPr lang="de-DE" sz="2400" b="0" i="1" smtClean="0">
+                              <a:solidFill>
+                                <a:schemeClr val="accent4">
+                                  <a:lumMod val="75000"/>
+                                </a:schemeClr>
+                              </a:solidFill>
+                              <a:latin typeface="Cambria Math" panose="02040503050406030204" pitchFamily="18" charset="0"/>
+                            </a:rPr>
+                            <m:t>1</m:t>
+                          </m:r>
+                        </m:sub>
+                      </m:sSub>
+                    </m:oMath>
+                  </m:oMathPara>
+                </a14:m>
+                <a:endParaRPr lang="de-DE" sz="2400" dirty="0">
+                  <a:solidFill>
+                    <a:schemeClr val="accent4">
+                      <a:lumMod val="75000"/>
+                    </a:schemeClr>
+                  </a:solidFill>
+                </a:endParaRPr>
+              </a:p>
+            </p:txBody>
+          </p:sp>
+        </mc:Choice>
+        <mc:Fallback>
+          <p:sp>
+            <p:nvSpPr>
+              <p:cNvPr id="13" name="Textfeld 12"/>
+              <p:cNvSpPr txBox="1">
+                <a:spLocks noRot="1" noChangeAspect="1" noMove="1" noResize="1" noEditPoints="1" noAdjustHandles="1" noChangeArrowheads="1" noChangeShapeType="1" noTextEdit="1"/>
+              </p:cNvSpPr>
+              <p:nvPr/>
+            </p:nvSpPr>
+            <p:spPr>
+              <a:xfrm>
+                <a:off x="6049256" y="3084831"/>
+                <a:ext cx="457200" cy="461665"/>
+              </a:xfrm>
+              <a:prstGeom prst="rect">
+                <a:avLst/>
+              </a:prstGeom>
+              <a:blipFill>
+                <a:blip r:embed="rId3"/>
+                <a:stretch>
+                  <a:fillRect l="-4000" r="-1333" b="-10526"/>
+                </a:stretch>
+              </a:blipFill>
+            </p:spPr>
+            <p:txBody>
+              <a:bodyPr/>
+              <a:lstStyle/>
+              <a:p>
+                <a:r>
+                  <a:rPr lang="de-DE">
+                    <a:noFill/>
+                  </a:rPr>
+                  <a:t> </a:t>
+                </a:r>
+              </a:p>
+            </p:txBody>
+          </p:sp>
+        </mc:Fallback>
+      </mc:AlternateContent>
+      <mc:AlternateContent xmlns:mc="http://schemas.openxmlformats.org/markup-compatibility/2006">
+        <mc:Choice xmlns:a14="http://schemas.microsoft.com/office/drawing/2010/main" Requires="a14">
+          <p:sp>
+            <p:nvSpPr>
+              <p:cNvPr id="35" name="Textfeld 34"/>
+              <p:cNvSpPr txBox="1"/>
+              <p:nvPr/>
+            </p:nvSpPr>
+            <p:spPr>
+              <a:xfrm>
+                <a:off x="1948122" y="3101257"/>
+                <a:ext cx="457200" cy="461665"/>
+              </a:xfrm>
+              <a:prstGeom prst="rect">
+                <a:avLst/>
+              </a:prstGeom>
+              <a:noFill/>
+            </p:spPr>
+            <p:txBody>
+              <a:bodyPr wrap="square" rtlCol="0">
+                <a:spAutoFit/>
+              </a:bodyPr>
+              <a:lstStyle/>
+              <a:p>
+                <a14:m>
+                  <m:oMathPara xmlns:m="http://schemas.openxmlformats.org/officeDocument/2006/math">
+                    <m:oMathParaPr>
+                      <m:jc m:val="centerGroup"/>
+                    </m:oMathParaPr>
+                    <m:oMath xmlns:m="http://schemas.openxmlformats.org/officeDocument/2006/math">
+                      <m:sSub>
+                        <m:sSubPr>
+                          <m:ctrlPr>
+                            <a:rPr lang="de-DE" sz="2400" b="0" i="1" smtClean="0">
+                              <a:solidFill>
+                                <a:schemeClr val="accent4">
+                                  <a:lumMod val="75000"/>
+                                </a:schemeClr>
+                              </a:solidFill>
+                              <a:latin typeface="Cambria Math" panose="02040503050406030204" pitchFamily="18" charset="0"/>
+                            </a:rPr>
+                          </m:ctrlPr>
+                        </m:sSubPr>
+                        <m:e>
+                          <m:r>
+                            <a:rPr lang="de-DE" sz="2400" b="0" i="1" smtClean="0">
+                              <a:solidFill>
+                                <a:schemeClr val="accent4">
+                                  <a:lumMod val="75000"/>
+                                </a:schemeClr>
+                              </a:solidFill>
+                              <a:latin typeface="Cambria Math" panose="02040503050406030204" pitchFamily="18" charset="0"/>
+                            </a:rPr>
+                            <m:t>𝑔</m:t>
+                          </m:r>
+                        </m:e>
+                        <m:sub>
+                          <m:r>
+                            <a:rPr lang="de-DE" sz="2400" b="0" i="1" smtClean="0">
+                              <a:solidFill>
+                                <a:schemeClr val="accent4">
+                                  <a:lumMod val="75000"/>
+                                </a:schemeClr>
+                              </a:solidFill>
+                              <a:latin typeface="Cambria Math" panose="02040503050406030204" pitchFamily="18" charset="0"/>
+                            </a:rPr>
+                            <m:t>2</m:t>
+                          </m:r>
+                        </m:sub>
+                      </m:sSub>
+                    </m:oMath>
+                  </m:oMathPara>
+                </a14:m>
+                <a:endParaRPr lang="de-DE" sz="2400" dirty="0">
+                  <a:solidFill>
+                    <a:schemeClr val="accent4">
+                      <a:lumMod val="75000"/>
+                    </a:schemeClr>
+                  </a:solidFill>
+                </a:endParaRPr>
+              </a:p>
+            </p:txBody>
+          </p:sp>
+        </mc:Choice>
+        <mc:Fallback>
+          <p:sp>
+            <p:nvSpPr>
+              <p:cNvPr id="35" name="Textfeld 34"/>
+              <p:cNvSpPr txBox="1">
+                <a:spLocks noRot="1" noChangeAspect="1" noMove="1" noResize="1" noEditPoints="1" noAdjustHandles="1" noChangeArrowheads="1" noChangeShapeType="1" noTextEdit="1"/>
+              </p:cNvSpPr>
+              <p:nvPr/>
+            </p:nvSpPr>
+            <p:spPr>
+              <a:xfrm>
+                <a:off x="1948122" y="3101257"/>
+                <a:ext cx="457200" cy="461665"/>
+              </a:xfrm>
+              <a:prstGeom prst="rect">
+                <a:avLst/>
+              </a:prstGeom>
+              <a:blipFill>
+                <a:blip r:embed="rId4"/>
+                <a:stretch>
+                  <a:fillRect l="-4000" r="-2667" b="-10667"/>
+                </a:stretch>
+              </a:blipFill>
+            </p:spPr>
+            <p:txBody>
+              <a:bodyPr/>
+              <a:lstStyle/>
+              <a:p>
+                <a:r>
+                  <a:rPr lang="de-DE">
+                    <a:noFill/>
+                  </a:rPr>
+                  <a:t> </a:t>
+                </a:r>
+              </a:p>
+            </p:txBody>
+          </p:sp>
+        </mc:Fallback>
+      </mc:AlternateContent>
+      <p:sp>
+        <p:nvSpPr>
+          <p:cNvPr id="66" name="Textfeld 65"/>
+          <p:cNvSpPr txBox="1"/>
+          <p:nvPr/>
+        </p:nvSpPr>
+        <p:spPr>
+          <a:xfrm>
+            <a:off x="6026809" y="5207260"/>
+            <a:ext cx="3002891" cy="707886"/>
+          </a:xfrm>
+          <a:prstGeom prst="rect">
+            <a:avLst/>
+          </a:prstGeom>
+          <a:noFill/>
+        </p:spPr>
+        <p:txBody>
+          <a:bodyPr wrap="square" rtlCol="0">
+            <a:spAutoFit/>
+          </a:bodyPr>
+          <a:lstStyle/>
+          <a:p>
+            <a:r>
+              <a:rPr lang="de-DE" sz="2000" dirty="0">
+                <a:solidFill>
+                  <a:schemeClr val="accent4">
+                    <a:lumMod val="75000"/>
+                  </a:schemeClr>
+                </a:solidFill>
+              </a:rPr>
+              <a:t>X_1, X_2 </a:t>
+            </a:r>
+            <a:r>
+              <a:rPr lang="de-DE" sz="2000" dirty="0" err="1">
+                <a:solidFill>
+                  <a:schemeClr val="accent4">
+                    <a:lumMod val="75000"/>
+                  </a:schemeClr>
+                </a:solidFill>
+              </a:rPr>
+              <a:t>and</a:t>
+            </a:r>
+            <a:r>
+              <a:rPr lang="de-DE" sz="2000" dirty="0">
+                <a:solidFill>
+                  <a:schemeClr val="accent4">
+                    <a:lumMod val="75000"/>
+                  </a:schemeClr>
+                </a:solidFill>
+              </a:rPr>
+              <a:t> X_3  different </a:t>
+            </a:r>
+            <a:r>
+              <a:rPr lang="de-DE" sz="2000" dirty="0" err="1">
+                <a:solidFill>
+                  <a:schemeClr val="accent4">
+                    <a:lumMod val="75000"/>
+                  </a:schemeClr>
+                </a:solidFill>
+              </a:rPr>
+              <a:t>components</a:t>
+            </a:r>
+            <a:endParaRPr lang="de-DE" sz="2000" dirty="0">
+              <a:solidFill>
+                <a:schemeClr val="accent4">
+                  <a:lumMod val="75000"/>
+                </a:schemeClr>
+              </a:solidFill>
+            </a:endParaRPr>
+          </a:p>
+        </p:txBody>
+      </p:sp>
+    </p:spTree>
+    <p:extLst>
+      <p:ext uri="{BB962C8B-B14F-4D97-AF65-F5344CB8AC3E}">
+        <p14:creationId xmlns:p14="http://schemas.microsoft.com/office/powerpoint/2010/main" val="2884631123"/>
+      </p:ext>
+    </p:extLst>
+  </p:cSld>
+  <p:clrMapOvr>
+    <a:masterClrMapping/>
+  </p:clrMapOvr>
+</p:sld>
+</file>
+
+<file path=ppt/slides/slide9.xml><?xml version="1.0" encoding="utf-8"?>
 <p:sld xmlns:a="http://schemas.openxmlformats.org/drawingml/2006/main" xmlns:r="http://schemas.openxmlformats.org/officeDocument/2006/relationships" xmlns:p="http://schemas.openxmlformats.org/presentationml/2006/main">
   <p:cSld>
     <p:spTree>
@@ -10323,7 +13424,7 @@
             <a:graphicData uri="http://schemas.openxmlformats.org/presentationml/2006/ole">
               <mc:AlternateContent xmlns:mc="http://schemas.openxmlformats.org/markup-compatibility/2006">
                 <mc:Choice xmlns:v="urn:schemas-microsoft-com:vml" Requires="v">
-                  <p:oleObj spid="_x0000_s2112" name="Formel" r:id="rId3" imgW="609600" imgH="406400" progId="Equation.3">
+                  <p:oleObj spid="_x0000_s2136" name="Formel" r:id="rId3" imgW="609600" imgH="406400" progId="Equation.3">
                     <p:embed/>
                   </p:oleObj>
                 </mc:Choice>
@@ -10380,7 +13481,7 @@
             <a:graphicData uri="http://schemas.openxmlformats.org/presentationml/2006/ole">
               <mc:AlternateContent xmlns:mc="http://schemas.openxmlformats.org/markup-compatibility/2006">
                 <mc:Choice xmlns:v="urn:schemas-microsoft-com:vml" Requires="v">
-                  <p:oleObj spid="_x0000_s2113" name="Formel" r:id="rId5" imgW="469800" imgH="177480" progId="Equation.3">
+                  <p:oleObj spid="_x0000_s2137" name="Formel" r:id="rId5" imgW="469800" imgH="177480" progId="Equation.3">
                     <p:embed/>
                   </p:oleObj>
                 </mc:Choice>
@@ -10438,7 +13539,7 @@
           <a:graphicData uri="http://schemas.openxmlformats.org/presentationml/2006/ole">
             <mc:AlternateContent xmlns:mc="http://schemas.openxmlformats.org/markup-compatibility/2006">
               <mc:Choice xmlns:v="urn:schemas-microsoft-com:vml" Requires="v">
-                <p:oleObj spid="_x0000_s2114" name="Formel" r:id="rId7" imgW="1574800" imgH="457200" progId="Equation.3">
+                <p:oleObj spid="_x0000_s2138" name="Formel" r:id="rId7" imgW="1574800" imgH="457200" progId="Equation.3">
                   <p:embed/>
                 </p:oleObj>
               </mc:Choice>
@@ -10477,149 +13578,6 @@
     <p:extLst>
       <p:ext uri="{BB962C8B-B14F-4D97-AF65-F5344CB8AC3E}">
         <p14:creationId xmlns:p14="http://schemas.microsoft.com/office/powerpoint/2010/main" val="1171228283"/>
-      </p:ext>
-    </p:extLst>
-  </p:cSld>
-  <p:clrMapOvr>
-    <a:masterClrMapping/>
-  </p:clrMapOvr>
-</p:sld>
-</file>
-
-<file path=ppt/slides/slide9.xml><?xml version="1.0" encoding="utf-8"?>
-<p:sld xmlns:a="http://schemas.openxmlformats.org/drawingml/2006/main" xmlns:r="http://schemas.openxmlformats.org/officeDocument/2006/relationships" xmlns:p="http://schemas.openxmlformats.org/presentationml/2006/main">
-  <p:cSld>
-    <p:spTree>
-      <p:nvGrpSpPr>
-        <p:cNvPr id="1" name=""/>
-        <p:cNvGrpSpPr/>
-        <p:nvPr/>
-      </p:nvGrpSpPr>
-      <p:grpSpPr>
-        <a:xfrm>
-          <a:off x="0" y="0"/>
-          <a:ext cx="0" cy="0"/>
-          <a:chOff x="0" y="0"/>
-          <a:chExt cx="0" cy="0"/>
-        </a:xfrm>
-      </p:grpSpPr>
-      <p:sp>
-        <p:nvSpPr>
-          <p:cNvPr id="2" name="Titel 1"/>
-          <p:cNvSpPr>
-            <a:spLocks noGrp="1"/>
-          </p:cNvSpPr>
-          <p:nvPr>
-            <p:ph type="title"/>
-          </p:nvPr>
-        </p:nvSpPr>
-        <p:spPr/>
-        <p:txBody>
-          <a:bodyPr/>
-          <a:lstStyle/>
-          <a:p>
-            <a:r>
-              <a:rPr lang="de-DE" dirty="0" err="1"/>
-              <a:t>Testing</a:t>
-            </a:r>
-            <a:endParaRPr lang="de-DE" dirty="0"/>
-          </a:p>
-        </p:txBody>
-      </p:sp>
-      <p:sp>
-        <p:nvSpPr>
-          <p:cNvPr id="3" name="Inhaltsplatzhalter 2"/>
-          <p:cNvSpPr>
-            <a:spLocks noGrp="1"/>
-          </p:cNvSpPr>
-          <p:nvPr>
-            <p:ph idx="1"/>
-          </p:nvPr>
-        </p:nvSpPr>
-        <p:spPr/>
-        <p:txBody>
-          <a:bodyPr/>
-          <a:lstStyle/>
-          <a:p>
-            <a:pPr lvl="1"/>
-            <a:endParaRPr lang="de-DE" dirty="0"/>
-          </a:p>
-          <a:p>
-            <a:pPr lvl="1"/>
-            <a:endParaRPr lang="de-DE" dirty="0"/>
-          </a:p>
-          <a:p>
-            <a:pPr lvl="1"/>
-            <a:r>
-              <a:rPr lang="de-DE" sz="2800" dirty="0"/>
-              <a:t>Excel </a:t>
-            </a:r>
-            <a:r>
-              <a:rPr lang="de-DE" sz="2800" dirty="0" err="1"/>
-              <a:t>file</a:t>
-            </a:r>
-            <a:r>
-              <a:rPr lang="de-DE" sz="2800" dirty="0"/>
-              <a:t> → CSV → Test </a:t>
-            </a:r>
-            <a:r>
-              <a:rPr lang="de-DE" sz="2800" dirty="0" err="1"/>
-              <a:t>data</a:t>
-            </a:r>
-            <a:endParaRPr lang="de-DE" dirty="0"/>
-          </a:p>
-          <a:p>
-            <a:pPr lvl="2">
-              <a:buFont typeface="Symbol" panose="05050102010706020507" pitchFamily="18" charset="2"/>
-              <a:buChar char="Þ"/>
-            </a:pPr>
-            <a:r>
-              <a:rPr lang="de-DE" dirty="0"/>
-              <a:t> </a:t>
-            </a:r>
-            <a:r>
-              <a:rPr lang="de-DE" sz="2400" dirty="0" err="1"/>
-              <a:t>Decoupled</a:t>
-            </a:r>
-            <a:r>
-              <a:rPr lang="de-DE" sz="2400" dirty="0"/>
-              <a:t> </a:t>
-            </a:r>
-            <a:r>
-              <a:rPr lang="de-DE" sz="2400" dirty="0" err="1"/>
-              <a:t>tests</a:t>
-            </a:r>
-            <a:r>
-              <a:rPr lang="de-DE" sz="2400" dirty="0"/>
-              <a:t>:</a:t>
-            </a:r>
-            <a:endParaRPr lang="de-DE" sz="2800" dirty="0"/>
-          </a:p>
-          <a:p>
-            <a:pPr lvl="3"/>
-            <a:r>
-              <a:rPr lang="de-DE" sz="2200" dirty="0" err="1"/>
-              <a:t>Uniformization</a:t>
-            </a:r>
-            <a:endParaRPr lang="de-DE" sz="2200" dirty="0"/>
-          </a:p>
-          <a:p>
-            <a:pPr lvl="3"/>
-            <a:r>
-              <a:rPr lang="de-DE" sz="2200" dirty="0"/>
-              <a:t>Evaluation</a:t>
-            </a:r>
-          </a:p>
-          <a:p>
-            <a:pPr lvl="1"/>
-            <a:endParaRPr lang="de-DE" sz="2800" dirty="0"/>
-          </a:p>
-        </p:txBody>
-      </p:sp>
-    </p:spTree>
-    <p:extLst>
-      <p:ext uri="{BB962C8B-B14F-4D97-AF65-F5344CB8AC3E}">
-        <p14:creationId xmlns:p14="http://schemas.microsoft.com/office/powerpoint/2010/main" val="2906383264"/>
       </p:ext>
     </p:extLst>
   </p:cSld>

--- a/doc/programming_project_slides.pptx
+++ b/doc/programming_project_slides.pptx
@@ -388,7 +388,7 @@
           <a:p>
             <a:fld id="{96DFF08F-DC6B-4601-B491-B0F83F6DD2DA}" type="datetimeFigureOut">
               <a:rPr lang="en-US" smtClean="0"/>
-              <a:t>7/11/2016</a:t>
+              <a:t>7/14/2016</a:t>
             </a:fld>
             <a:endParaRPr lang="en-US" dirty="0"/>
           </a:p>
@@ -596,7 +596,7 @@
           <a:p>
             <a:fld id="{96DFF08F-DC6B-4601-B491-B0F83F6DD2DA}" type="datetimeFigureOut">
               <a:rPr lang="en-US" smtClean="0"/>
-              <a:t>7/11/2016</a:t>
+              <a:t>7/14/2016</a:t>
             </a:fld>
             <a:endParaRPr lang="en-US" dirty="0"/>
           </a:p>
@@ -852,7 +852,7 @@
           <a:p>
             <a:fld id="{96DFF08F-DC6B-4601-B491-B0F83F6DD2DA}" type="datetimeFigureOut">
               <a:rPr lang="en-US" smtClean="0"/>
-              <a:t>7/11/2016</a:t>
+              <a:t>7/14/2016</a:t>
             </a:fld>
             <a:endParaRPr lang="en-US" dirty="0"/>
           </a:p>
@@ -1022,7 +1022,7 @@
           <a:p>
             <a:fld id="{D62CEF3B-A037-46D0-B02C-1428F07E9383}" type="datetimeFigureOut">
               <a:rPr lang="en-US" smtClean="0"/>
-              <a:t>7/11/2016</a:t>
+              <a:t>7/14/2016</a:t>
             </a:fld>
             <a:endParaRPr lang="en-US" dirty="0"/>
           </a:p>
@@ -1365,7 +1365,7 @@
           <a:p>
             <a:fld id="{96DFF08F-DC6B-4601-B491-B0F83F6DD2DA}" type="datetimeFigureOut">
               <a:rPr lang="en-US" smtClean="0"/>
-              <a:t>7/11/2016</a:t>
+              <a:t>7/14/2016</a:t>
             </a:fld>
             <a:endParaRPr lang="en-US" dirty="0"/>
           </a:p>
@@ -1640,7 +1640,7 @@
           <a:p>
             <a:fld id="{96DFF08F-DC6B-4601-B491-B0F83F6DD2DA}" type="datetimeFigureOut">
               <a:rPr lang="en-US" smtClean="0"/>
-              <a:t>7/11/2016</a:t>
+              <a:t>7/14/2016</a:t>
             </a:fld>
             <a:endParaRPr lang="en-US" dirty="0"/>
           </a:p>
@@ -2019,7 +2019,7 @@
           <a:p>
             <a:fld id="{96DFF08F-DC6B-4601-B491-B0F83F6DD2DA}" type="datetimeFigureOut">
               <a:rPr lang="en-US" smtClean="0"/>
-              <a:t>7/11/2016</a:t>
+              <a:t>7/14/2016</a:t>
             </a:fld>
             <a:endParaRPr lang="en-US" dirty="0"/>
           </a:p>
@@ -2137,7 +2137,7 @@
           <a:p>
             <a:fld id="{96DFF08F-DC6B-4601-B491-B0F83F6DD2DA}" type="datetimeFigureOut">
               <a:rPr lang="en-US" smtClean="0"/>
-              <a:t>7/11/2016</a:t>
+              <a:t>7/14/2016</a:t>
             </a:fld>
             <a:endParaRPr lang="en-US" dirty="0"/>
           </a:p>
@@ -2309,7 +2309,7 @@
             <a:fld id="{96DFF08F-DC6B-4601-B491-B0F83F6DD2DA}" type="datetimeFigureOut">
               <a:rPr lang="en-US" smtClean="0"/>
               <a:pPr/>
-              <a:t>7/11/2016</a:t>
+              <a:t>7/14/2016</a:t>
             </a:fld>
             <a:endParaRPr lang="en-US" dirty="0"/>
           </a:p>
@@ -2665,7 +2665,7 @@
             <a:fld id="{96DFF08F-DC6B-4601-B491-B0F83F6DD2DA}" type="datetimeFigureOut">
               <a:rPr lang="en-US" smtClean="0"/>
               <a:pPr/>
-              <a:t>7/11/2016</a:t>
+              <a:t>7/14/2016</a:t>
             </a:fld>
             <a:endParaRPr lang="en-US" dirty="0"/>
           </a:p>
@@ -3043,7 +3043,7 @@
           <a:p>
             <a:fld id="{96DFF08F-DC6B-4601-B491-B0F83F6DD2DA}" type="datetimeFigureOut">
               <a:rPr lang="en-US" smtClean="0"/>
-              <a:t>7/11/2016</a:t>
+              <a:t>7/14/2016</a:t>
             </a:fld>
             <a:endParaRPr lang="en-US" dirty="0"/>
           </a:p>
@@ -3331,7 +3331,7 @@
             <a:fld id="{96DFF08F-DC6B-4601-B491-B0F83F6DD2DA}" type="datetimeFigureOut">
               <a:rPr lang="en-US" smtClean="0"/>
               <a:pPr/>
-              <a:t>7/11/2016</a:t>
+              <a:t>7/14/2016</a:t>
             </a:fld>
             <a:endParaRPr lang="en-US" dirty="0"/>
           </a:p>
@@ -4483,7 +4483,15 @@
             </a:r>
             <a:r>
               <a:rPr lang="de-DE" dirty="0"/>
-              <a:t> hole </a:t>
+              <a:t> </a:t>
+            </a:r>
+            <a:r>
+              <a:rPr lang="de-DE" dirty="0" err="1"/>
+              <a:t>whole</a:t>
+            </a:r>
+            <a:r>
+              <a:rPr lang="de-DE" dirty="0"/>
+              <a:t> </a:t>
             </a:r>
             <a:r>
               <a:rPr lang="de-DE" dirty="0" err="1"/>
@@ -4822,7 +4830,7 @@
           <a:effectLst/>
           <a:extLst>
             <a:ext uri="{91240B29-F687-4f45-9708-019B960494DF}">
-              <a14:hiddenLine xmlns:a14="http://schemas.microsoft.com/office/drawing/2010/main" xmlns="" w="9525">
+              <a14:hiddenLine xmlns="" xmlns:a14="http://schemas.microsoft.com/office/drawing/2010/main" w="9525">
                 <a:solidFill>
                   <a:schemeClr val="tx1"/>
                 </a:solidFill>
@@ -4832,7 +4840,7 @@
               </a14:hiddenLine>
             </a:ext>
             <a:ext uri="{AF507438-7753-43e0-B8FC-AC1667EBCBE1}">
-              <a14:hiddenEffects xmlns:a14="http://schemas.microsoft.com/office/drawing/2010/main" xmlns="">
+              <a14:hiddenEffects xmlns="" xmlns:a14="http://schemas.microsoft.com/office/drawing/2010/main">
                 <a:effectLst>
                   <a:outerShdw dist="35921" dir="2700000" algn="ctr" rotWithShape="0">
                     <a:schemeClr val="bg2"/>
@@ -6017,7 +6025,7 @@
           <a:effectLst/>
           <a:extLst>
             <a:ext uri="{91240B29-F687-4f45-9708-019B960494DF}">
-              <a14:hiddenLine xmlns:a14="http://schemas.microsoft.com/office/drawing/2010/main" xmlns="" w="9525">
+              <a14:hiddenLine xmlns="" xmlns:a14="http://schemas.microsoft.com/office/drawing/2010/main" w="9525">
                 <a:solidFill>
                   <a:schemeClr val="tx1"/>
                 </a:solidFill>
@@ -6027,7 +6035,7 @@
               </a14:hiddenLine>
             </a:ext>
             <a:ext uri="{AF507438-7753-43e0-B8FC-AC1667EBCBE1}">
-              <a14:hiddenEffects xmlns:a14="http://schemas.microsoft.com/office/drawing/2010/main" xmlns="">
+              <a14:hiddenEffects xmlns="" xmlns:a14="http://schemas.microsoft.com/office/drawing/2010/main">
                 <a:effectLst>
                   <a:outerShdw dist="35921" dir="2700000" algn="ctr" rotWithShape="0">
                     <a:schemeClr val="bg2"/>
@@ -9760,8 +9768,8 @@
           </a:fontRef>
         </p:style>
       </p:cxnSp>
-      <mc:AlternateContent xmlns:mc="http://schemas.openxmlformats.org/markup-compatibility/2006">
-        <mc:Choice xmlns:a14="http://schemas.microsoft.com/office/drawing/2010/main" Requires="a14">
+      <mc:AlternateContent xmlns:mc="http://schemas.openxmlformats.org/markup-compatibility/2006" xmlns:a14="http://schemas.microsoft.com/office/drawing/2010/main">
+        <mc:Choice Requires="a14">
           <p:sp>
             <p:nvSpPr>
               <p:cNvPr id="179" name="Rechteck 178"/>
@@ -9783,7 +9791,6 @@
               </a:bodyPr>
               <a:lstStyle/>
               <a:p>
-                <a:pPr/>
                 <a:r>
                   <a:rPr lang="de-DE" b="0" dirty="0"/>
                   <a:t>P(F)</a:t>
@@ -9857,13 +9864,7 @@
                               <a:rPr lang="de-DE" b="0" i="1" smtClean="0">
                                 <a:latin typeface="Cambria Math" panose="02040503050406030204" pitchFamily="18" charset="0"/>
                               </a:rPr>
-                              <m:t>)</m:t>
-                            </m:r>
-                            <m:r>
-                              <a:rPr lang="de-DE" b="0" i="1" smtClean="0">
-                                <a:latin typeface="Cambria Math" panose="02040503050406030204" pitchFamily="18" charset="0"/>
-                              </a:rPr>
-                              <m:t>+</m:t>
+                              <m:t>)+</m:t>
                             </m:r>
                             <m:r>
                               <a:rPr lang="de-DE" b="0" i="1" smtClean="0">
@@ -9887,13 +9888,7 @@
                               <a:rPr lang="de-DE" b="0" i="1" smtClean="0">
                                 <a:latin typeface="Cambria Math" panose="02040503050406030204" pitchFamily="18" charset="0"/>
                               </a:rPr>
-                              <m:t>)</m:t>
-                            </m:r>
-                            <m:r>
-                              <a:rPr lang="de-DE" b="0" i="1" smtClean="0">
-                                <a:latin typeface="Cambria Math" panose="02040503050406030204" pitchFamily="18" charset="0"/>
-                              </a:rPr>
-                              <m:t>⋅</m:t>
+                              <m:t>)⋅</m:t>
                             </m:r>
                             <m:d>
                               <m:dPr>
@@ -9945,13 +9940,7 @@
                                   <a:rPr lang="de-DE" b="0" i="1" smtClean="0">
                                     <a:latin typeface="Cambria Math" panose="02040503050406030204" pitchFamily="18" charset="0"/>
                                   </a:rPr>
-                                  <m:t>)</m:t>
-                                </m:r>
-                                <m:r>
-                                  <a:rPr lang="de-DE" b="0" i="1" smtClean="0">
-                                    <a:latin typeface="Cambria Math" panose="02040503050406030204" pitchFamily="18" charset="0"/>
-                                  </a:rPr>
-                                  <m:t>−</m:t>
+                                  <m:t>)−</m:t>
                                 </m:r>
                                 <m:r>
                                   <a:rPr lang="de-DE" b="0" i="1" smtClean="0">
@@ -10151,13 +10140,7 @@
                               <a:rPr lang="de-DE" b="0" i="1" smtClean="0">
                                 <a:latin typeface="Cambria Math" panose="02040503050406030204" pitchFamily="18" charset="0"/>
                               </a:rPr>
-                              <m:t>)</m:t>
-                            </m:r>
-                            <m:r>
-                              <a:rPr lang="de-DE" b="0" i="1" smtClean="0">
-                                <a:latin typeface="Cambria Math" panose="02040503050406030204" pitchFamily="18" charset="0"/>
-                              </a:rPr>
-                              <m:t>+</m:t>
+                              <m:t>)+</m:t>
                             </m:r>
                             <m:r>
                               <a:rPr lang="de-DE" b="0" i="1" smtClean="0">
@@ -10181,13 +10164,7 @@
                               <a:rPr lang="de-DE" b="0" i="1" smtClean="0">
                                 <a:latin typeface="Cambria Math" panose="02040503050406030204" pitchFamily="18" charset="0"/>
                               </a:rPr>
-                              <m:t>)</m:t>
-                            </m:r>
-                            <m:r>
-                              <a:rPr lang="de-DE" b="0" i="1" smtClean="0">
-                                <a:latin typeface="Cambria Math" panose="02040503050406030204" pitchFamily="18" charset="0"/>
-                              </a:rPr>
-                              <m:t>⋅</m:t>
+                              <m:t>)⋅</m:t>
                             </m:r>
                             <m:d>
                               <m:dPr>
@@ -10239,13 +10216,7 @@
                                   <a:rPr lang="de-DE" b="0" i="1" smtClean="0">
                                     <a:latin typeface="Cambria Math" panose="02040503050406030204" pitchFamily="18" charset="0"/>
                                   </a:rPr>
-                                  <m:t>)</m:t>
-                                </m:r>
-                                <m:r>
-                                  <a:rPr lang="de-DE" b="0" i="1" smtClean="0">
-                                    <a:latin typeface="Cambria Math" panose="02040503050406030204" pitchFamily="18" charset="0"/>
-                                  </a:rPr>
-                                  <m:t>−</m:t>
+                                  <m:t>)−</m:t>
                                 </m:r>
                                 <m:r>
                                   <a:rPr lang="de-DE" b="0" i="1" smtClean="0">
@@ -10308,19 +10279,7 @@
                               <a:rPr lang="de-DE" b="0" i="1" smtClean="0">
                                 <a:latin typeface="Cambria Math" panose="02040503050406030204" pitchFamily="18" charset="0"/>
                               </a:rPr>
-                              <m:t>       </m:t>
-                            </m:r>
-                            <m:r>
-                              <a:rPr lang="de-DE" b="0" i="1" smtClean="0">
-                                <a:latin typeface="Cambria Math" panose="02040503050406030204" pitchFamily="18" charset="0"/>
-                              </a:rPr>
-                              <m:t>            </m:t>
-                            </m:r>
-                            <m:r>
-                              <a:rPr lang="de-DE" b="0" i="1" smtClean="0">
-                                <a:latin typeface="Cambria Math" panose="02040503050406030204" pitchFamily="18" charset="0"/>
-                              </a:rPr>
-                              <m:t>                    </m:t>
+                              <m:t>                                       </m:t>
                             </m:r>
                           </m:e>
                         </m:eqArr>
@@ -10333,7 +10292,7 @@
             </p:txBody>
           </p:sp>
         </mc:Choice>
-        <mc:Fallback>
+        <mc:Fallback xmlns="">
           <p:sp>
             <p:nvSpPr>
               <p:cNvPr id="179" name="Rechteck 178"/>
@@ -10372,8 +10331,8 @@
           </p:sp>
         </mc:Fallback>
       </mc:AlternateContent>
-      <mc:AlternateContent xmlns:mc="http://schemas.openxmlformats.org/markup-compatibility/2006">
-        <mc:Choice xmlns:a14="http://schemas.microsoft.com/office/drawing/2010/main" Requires="a14">
+      <mc:AlternateContent xmlns:mc="http://schemas.openxmlformats.org/markup-compatibility/2006" xmlns:a14="http://schemas.microsoft.com/office/drawing/2010/main">
+        <mc:Choice Requires="a14">
           <p:sp>
             <p:nvSpPr>
               <p:cNvPr id="13" name="Textfeld 12"/>
@@ -10396,6 +10355,7 @@
               </a:bodyPr>
               <a:lstStyle/>
               <a:p>
+                <a:pPr/>
                 <a14:m>
                   <m:oMathPara xmlns:m="http://schemas.openxmlformats.org/officeDocument/2006/math">
                     <m:oMathParaPr>
@@ -10536,7 +10496,7 @@
             </p:txBody>
           </p:sp>
         </mc:Choice>
-        <mc:Fallback>
+        <mc:Fallback xmlns="">
           <p:sp>
             <p:nvSpPr>
               <p:cNvPr id="13" name="Textfeld 12"/>
@@ -10575,8 +10535,8 @@
           </p:sp>
         </mc:Fallback>
       </mc:AlternateContent>
-      <mc:AlternateContent xmlns:mc="http://schemas.openxmlformats.org/markup-compatibility/2006">
-        <mc:Choice xmlns:a14="http://schemas.microsoft.com/office/drawing/2010/main" Requires="a14">
+      <mc:AlternateContent xmlns:mc="http://schemas.openxmlformats.org/markup-compatibility/2006" xmlns:a14="http://schemas.microsoft.com/office/drawing/2010/main">
+        <mc:Choice Requires="a14">
           <p:sp>
             <p:nvSpPr>
               <p:cNvPr id="35" name="Textfeld 34"/>
@@ -10599,6 +10559,7 @@
               </a:bodyPr>
               <a:lstStyle/>
               <a:p>
+                <a:pPr/>
                 <a14:m>
                   <m:oMathPara xmlns:m="http://schemas.openxmlformats.org/officeDocument/2006/math">
                     <m:oMathParaPr>
@@ -10659,7 +10620,7 @@
             </p:txBody>
           </p:sp>
         </mc:Choice>
-        <mc:Fallback>
+        <mc:Fallback xmlns="">
           <p:sp>
             <p:nvSpPr>
               <p:cNvPr id="35" name="Textfeld 34"/>
@@ -10698,8 +10659,8 @@
           </p:sp>
         </mc:Fallback>
       </mc:AlternateContent>
-      <mc:AlternateContent xmlns:mc="http://schemas.openxmlformats.org/markup-compatibility/2006">
-        <mc:Choice xmlns:a14="http://schemas.microsoft.com/office/drawing/2010/main" Requires="a14">
+      <mc:AlternateContent xmlns:mc="http://schemas.openxmlformats.org/markup-compatibility/2006" xmlns:a14="http://schemas.microsoft.com/office/drawing/2010/main">
+        <mc:Choice Requires="a14">
           <p:sp>
             <p:nvSpPr>
               <p:cNvPr id="37" name="Textfeld 36"/>
@@ -10722,6 +10683,7 @@
               </a:bodyPr>
               <a:lstStyle/>
               <a:p>
+                <a:pPr/>
                 <a14:m>
                   <m:oMathPara xmlns:m="http://schemas.openxmlformats.org/officeDocument/2006/math">
                     <m:oMathParaPr>
@@ -10862,7 +10824,7 @@
             </p:txBody>
           </p:sp>
         </mc:Choice>
-        <mc:Fallback>
+        <mc:Fallback xmlns="">
           <p:sp>
             <p:nvSpPr>
               <p:cNvPr id="37" name="Textfeld 36"/>
@@ -12236,8 +12198,8 @@
           </a:fontRef>
         </p:style>
       </p:cxnSp>
-      <mc:AlternateContent xmlns:mc="http://schemas.openxmlformats.org/markup-compatibility/2006">
-        <mc:Choice xmlns:a14="http://schemas.microsoft.com/office/drawing/2010/main" Requires="a14">
+      <mc:AlternateContent xmlns:mc="http://schemas.openxmlformats.org/markup-compatibility/2006" xmlns:a14="http://schemas.microsoft.com/office/drawing/2010/main">
+        <mc:Choice Requires="a14">
           <p:sp>
             <p:nvSpPr>
               <p:cNvPr id="179" name="Rechteck 178"/>
@@ -12259,7 +12221,6 @@
               </a:bodyPr>
               <a:lstStyle/>
               <a:p>
-                <a:pPr/>
                 <a:r>
                   <a:rPr lang="de-DE" b="0" dirty="0"/>
                   <a:t>P(F)</a:t>
@@ -12333,13 +12294,7 @@
                               <a:rPr lang="de-DE" b="0" i="1" smtClean="0">
                                 <a:latin typeface="Cambria Math" panose="02040503050406030204" pitchFamily="18" charset="0"/>
                               </a:rPr>
-                              <m:t>)</m:t>
-                            </m:r>
-                            <m:r>
-                              <a:rPr lang="de-DE" b="0" i="1" smtClean="0">
-                                <a:latin typeface="Cambria Math" panose="02040503050406030204" pitchFamily="18" charset="0"/>
-                              </a:rPr>
-                              <m:t>+</m:t>
+                              <m:t>)+</m:t>
                             </m:r>
                             <m:r>
                               <a:rPr lang="de-DE" b="0" i="1" smtClean="0">
@@ -12363,13 +12318,7 @@
                               <a:rPr lang="de-DE" b="0" i="1" smtClean="0">
                                 <a:latin typeface="Cambria Math" panose="02040503050406030204" pitchFamily="18" charset="0"/>
                               </a:rPr>
-                              <m:t>)</m:t>
-                            </m:r>
-                            <m:r>
-                              <a:rPr lang="de-DE" b="0" i="1" smtClean="0">
-                                <a:latin typeface="Cambria Math" panose="02040503050406030204" pitchFamily="18" charset="0"/>
-                              </a:rPr>
-                              <m:t>⋅</m:t>
+                              <m:t>)⋅</m:t>
                             </m:r>
                             <m:d>
                               <m:dPr>
@@ -12421,13 +12370,7 @@
                                   <a:rPr lang="de-DE" b="0" i="1" smtClean="0">
                                     <a:latin typeface="Cambria Math" panose="02040503050406030204" pitchFamily="18" charset="0"/>
                                   </a:rPr>
-                                  <m:t>)</m:t>
-                                </m:r>
-                                <m:r>
-                                  <a:rPr lang="de-DE" b="0" i="1" smtClean="0">
-                                    <a:latin typeface="Cambria Math" panose="02040503050406030204" pitchFamily="18" charset="0"/>
-                                  </a:rPr>
-                                  <m:t>−</m:t>
+                                  <m:t>)−</m:t>
                                 </m:r>
                                 <m:r>
                                   <a:rPr lang="de-DE" b="0" i="1" smtClean="0">
@@ -12627,13 +12570,7 @@
                               <a:rPr lang="de-DE" b="0" i="1" smtClean="0">
                                 <a:latin typeface="Cambria Math" panose="02040503050406030204" pitchFamily="18" charset="0"/>
                               </a:rPr>
-                              <m:t>)</m:t>
-                            </m:r>
-                            <m:r>
-                              <a:rPr lang="de-DE" b="0" i="1" smtClean="0">
-                                <a:latin typeface="Cambria Math" panose="02040503050406030204" pitchFamily="18" charset="0"/>
-                              </a:rPr>
-                              <m:t>+</m:t>
+                              <m:t>)+</m:t>
                             </m:r>
                             <m:r>
                               <a:rPr lang="de-DE" b="0" i="1" smtClean="0">
@@ -12657,13 +12594,7 @@
                               <a:rPr lang="de-DE" b="0" i="1" smtClean="0">
                                 <a:latin typeface="Cambria Math" panose="02040503050406030204" pitchFamily="18" charset="0"/>
                               </a:rPr>
-                              <m:t>)</m:t>
-                            </m:r>
-                            <m:r>
-                              <a:rPr lang="de-DE" b="0" i="1" smtClean="0">
-                                <a:latin typeface="Cambria Math" panose="02040503050406030204" pitchFamily="18" charset="0"/>
-                              </a:rPr>
-                              <m:t>⋅</m:t>
+                              <m:t>)⋅</m:t>
                             </m:r>
                             <m:d>
                               <m:dPr>
@@ -12715,13 +12646,7 @@
                                   <a:rPr lang="de-DE" b="0" i="1" smtClean="0">
                                     <a:latin typeface="Cambria Math" panose="02040503050406030204" pitchFamily="18" charset="0"/>
                                   </a:rPr>
-                                  <m:t>)</m:t>
-                                </m:r>
-                                <m:r>
-                                  <a:rPr lang="de-DE" b="0" i="1" smtClean="0">
-                                    <a:latin typeface="Cambria Math" panose="02040503050406030204" pitchFamily="18" charset="0"/>
-                                  </a:rPr>
-                                  <m:t>−</m:t>
+                                  <m:t>)−</m:t>
                                 </m:r>
                                 <m:r>
                                   <a:rPr lang="de-DE" b="0" i="1" smtClean="0">
@@ -12784,19 +12709,7 @@
                               <a:rPr lang="de-DE" b="0" i="1" smtClean="0">
                                 <a:latin typeface="Cambria Math" panose="02040503050406030204" pitchFamily="18" charset="0"/>
                               </a:rPr>
-                              <m:t>       </m:t>
-                            </m:r>
-                            <m:r>
-                              <a:rPr lang="de-DE" b="0" i="1" smtClean="0">
-                                <a:latin typeface="Cambria Math" panose="02040503050406030204" pitchFamily="18" charset="0"/>
-                              </a:rPr>
-                              <m:t>            </m:t>
-                            </m:r>
-                            <m:r>
-                              <a:rPr lang="de-DE" b="0" i="1" smtClean="0">
-                                <a:latin typeface="Cambria Math" panose="02040503050406030204" pitchFamily="18" charset="0"/>
-                              </a:rPr>
-                              <m:t>                    </m:t>
+                              <m:t>                                       </m:t>
                             </m:r>
                           </m:e>
                         </m:eqArr>
@@ -12809,7 +12722,7 @@
             </p:txBody>
           </p:sp>
         </mc:Choice>
-        <mc:Fallback>
+        <mc:Fallback xmlns="">
           <p:sp>
             <p:nvSpPr>
               <p:cNvPr id="179" name="Rechteck 178"/>
@@ -12848,8 +12761,8 @@
           </p:sp>
         </mc:Fallback>
       </mc:AlternateContent>
-      <mc:AlternateContent xmlns:mc="http://schemas.openxmlformats.org/markup-compatibility/2006">
-        <mc:Choice xmlns:a14="http://schemas.microsoft.com/office/drawing/2010/main" Requires="a14">
+      <mc:AlternateContent xmlns:mc="http://schemas.openxmlformats.org/markup-compatibility/2006" xmlns:a14="http://schemas.microsoft.com/office/drawing/2010/main">
+        <mc:Choice Requires="a14">
           <p:sp>
             <p:nvSpPr>
               <p:cNvPr id="13" name="Textfeld 12"/>
@@ -12872,6 +12785,7 @@
               </a:bodyPr>
               <a:lstStyle/>
               <a:p>
+                <a:pPr/>
                 <a14:m>
                   <m:oMathPara xmlns:m="http://schemas.openxmlformats.org/officeDocument/2006/math">
                     <m:oMathParaPr>
@@ -12932,7 +12846,7 @@
             </p:txBody>
           </p:sp>
         </mc:Choice>
-        <mc:Fallback>
+        <mc:Fallback xmlns="">
           <p:sp>
             <p:nvSpPr>
               <p:cNvPr id="13" name="Textfeld 12"/>
@@ -12971,8 +12885,8 @@
           </p:sp>
         </mc:Fallback>
       </mc:AlternateContent>
-      <mc:AlternateContent xmlns:mc="http://schemas.openxmlformats.org/markup-compatibility/2006">
-        <mc:Choice xmlns:a14="http://schemas.microsoft.com/office/drawing/2010/main" Requires="a14">
+      <mc:AlternateContent xmlns:mc="http://schemas.openxmlformats.org/markup-compatibility/2006" xmlns:a14="http://schemas.microsoft.com/office/drawing/2010/main">
+        <mc:Choice Requires="a14">
           <p:sp>
             <p:nvSpPr>
               <p:cNvPr id="35" name="Textfeld 34"/>
@@ -12995,6 +12909,7 @@
               </a:bodyPr>
               <a:lstStyle/>
               <a:p>
+                <a:pPr/>
                 <a14:m>
                   <m:oMathPara xmlns:m="http://schemas.openxmlformats.org/officeDocument/2006/math">
                     <m:oMathParaPr>
@@ -13055,7 +12970,7 @@
             </p:txBody>
           </p:sp>
         </mc:Choice>
-        <mc:Fallback>
+        <mc:Fallback xmlns="">
           <p:sp>
             <p:nvSpPr>
               <p:cNvPr id="35" name="Textfeld 34"/>
@@ -13424,7 +13339,7 @@
             <a:graphicData uri="http://schemas.openxmlformats.org/presentationml/2006/ole">
               <mc:AlternateContent xmlns:mc="http://schemas.openxmlformats.org/markup-compatibility/2006">
                 <mc:Choice xmlns:v="urn:schemas-microsoft-com:vml" Requires="v">
-                  <p:oleObj spid="_x0000_s2136" name="Formel" r:id="rId3" imgW="609600" imgH="406400" progId="Equation.3">
+                  <p:oleObj spid="_x0000_s2142" name="Formel" r:id="rId3" imgW="609600" imgH="406400" progId="Equation.3">
                     <p:embed/>
                   </p:oleObj>
                 </mc:Choice>
@@ -13481,7 +13396,7 @@
             <a:graphicData uri="http://schemas.openxmlformats.org/presentationml/2006/ole">
               <mc:AlternateContent xmlns:mc="http://schemas.openxmlformats.org/markup-compatibility/2006">
                 <mc:Choice xmlns:v="urn:schemas-microsoft-com:vml" Requires="v">
-                  <p:oleObj spid="_x0000_s2137" name="Formel" r:id="rId5" imgW="469800" imgH="177480" progId="Equation.3">
+                  <p:oleObj spid="_x0000_s2143" name="Formel" r:id="rId5" imgW="469800" imgH="177480" progId="Equation.3">
                     <p:embed/>
                   </p:oleObj>
                 </mc:Choice>
@@ -13539,7 +13454,7 @@
           <a:graphicData uri="http://schemas.openxmlformats.org/presentationml/2006/ole">
             <mc:AlternateContent xmlns:mc="http://schemas.openxmlformats.org/markup-compatibility/2006">
               <mc:Choice xmlns:v="urn:schemas-microsoft-com:vml" Requires="v">
-                <p:oleObj spid="_x0000_s2138" name="Formel" r:id="rId7" imgW="1574800" imgH="457200" progId="Equation.3">
+                <p:oleObj spid="_x0000_s2144" name="Formel" r:id="rId7" imgW="1574800" imgH="457200" progId="Equation.3">
                   <p:embed/>
                 </p:oleObj>
               </mc:Choice>
